--- a/Slide_DATN.pptx
+++ b/Slide_DATN.pptx
@@ -104,6 +104,11 @@
       </a:defRPr>
     </a:lvl9pPr>
   </p:defaultTextStyle>
+  <p:extLst>
+    <p:ext uri="{EFAFB233-063F-42B5-8137-9DF3F51BA10A}">
+      <p15:sldGuideLst xmlns:p15="http://schemas.microsoft.com/office/powerpoint/2012/main"/>
+    </p:ext>
+  </p:extLst>
 </p:presentation>
 </file>
 
@@ -254,7 +259,7 @@
           <a:p>
             <a:fld id="{A380659A-5C34-46FB-AFA7-F143BA8A4EDB}" type="datetimeFigureOut">
               <a:rPr lang="en-US" smtClean="0"/>
-              <a:t>3/22/2023</a:t>
+              <a:t>3/29/2023</a:t>
             </a:fld>
             <a:endParaRPr lang="en-US"/>
           </a:p>
@@ -452,7 +457,7 @@
           <a:p>
             <a:fld id="{A380659A-5C34-46FB-AFA7-F143BA8A4EDB}" type="datetimeFigureOut">
               <a:rPr lang="en-US" smtClean="0"/>
-              <a:t>3/22/2023</a:t>
+              <a:t>3/29/2023</a:t>
             </a:fld>
             <a:endParaRPr lang="en-US"/>
           </a:p>
@@ -660,7 +665,7 @@
           <a:p>
             <a:fld id="{A380659A-5C34-46FB-AFA7-F143BA8A4EDB}" type="datetimeFigureOut">
               <a:rPr lang="en-US" smtClean="0"/>
-              <a:t>3/22/2023</a:t>
+              <a:t>3/29/2023</a:t>
             </a:fld>
             <a:endParaRPr lang="en-US"/>
           </a:p>
@@ -858,7 +863,7 @@
           <a:p>
             <a:fld id="{A380659A-5C34-46FB-AFA7-F143BA8A4EDB}" type="datetimeFigureOut">
               <a:rPr lang="en-US" smtClean="0"/>
-              <a:t>3/22/2023</a:t>
+              <a:t>3/29/2023</a:t>
             </a:fld>
             <a:endParaRPr lang="en-US"/>
           </a:p>
@@ -1133,7 +1138,7 @@
           <a:p>
             <a:fld id="{A380659A-5C34-46FB-AFA7-F143BA8A4EDB}" type="datetimeFigureOut">
               <a:rPr lang="en-US" smtClean="0"/>
-              <a:t>3/22/2023</a:t>
+              <a:t>3/29/2023</a:t>
             </a:fld>
             <a:endParaRPr lang="en-US"/>
           </a:p>
@@ -1398,7 +1403,7 @@
           <a:p>
             <a:fld id="{A380659A-5C34-46FB-AFA7-F143BA8A4EDB}" type="datetimeFigureOut">
               <a:rPr lang="en-US" smtClean="0"/>
-              <a:t>3/22/2023</a:t>
+              <a:t>3/29/2023</a:t>
             </a:fld>
             <a:endParaRPr lang="en-US"/>
           </a:p>
@@ -1810,7 +1815,7 @@
           <a:p>
             <a:fld id="{A380659A-5C34-46FB-AFA7-F143BA8A4EDB}" type="datetimeFigureOut">
               <a:rPr lang="en-US" smtClean="0"/>
-              <a:t>3/22/2023</a:t>
+              <a:t>3/29/2023</a:t>
             </a:fld>
             <a:endParaRPr lang="en-US"/>
           </a:p>
@@ -1951,7 +1956,7 @@
           <a:p>
             <a:fld id="{A380659A-5C34-46FB-AFA7-F143BA8A4EDB}" type="datetimeFigureOut">
               <a:rPr lang="en-US" smtClean="0"/>
-              <a:t>3/22/2023</a:t>
+              <a:t>3/29/2023</a:t>
             </a:fld>
             <a:endParaRPr lang="en-US"/>
           </a:p>
@@ -2064,7 +2069,7 @@
           <a:p>
             <a:fld id="{A380659A-5C34-46FB-AFA7-F143BA8A4EDB}" type="datetimeFigureOut">
               <a:rPr lang="en-US" smtClean="0"/>
-              <a:t>3/22/2023</a:t>
+              <a:t>3/29/2023</a:t>
             </a:fld>
             <a:endParaRPr lang="en-US"/>
           </a:p>
@@ -2375,7 +2380,7 @@
           <a:p>
             <a:fld id="{A380659A-5C34-46FB-AFA7-F143BA8A4EDB}" type="datetimeFigureOut">
               <a:rPr lang="en-US" smtClean="0"/>
-              <a:t>3/22/2023</a:t>
+              <a:t>3/29/2023</a:t>
             </a:fld>
             <a:endParaRPr lang="en-US"/>
           </a:p>
@@ -2663,7 +2668,7 @@
           <a:p>
             <a:fld id="{A380659A-5C34-46FB-AFA7-F143BA8A4EDB}" type="datetimeFigureOut">
               <a:rPr lang="en-US" smtClean="0"/>
-              <a:t>3/22/2023</a:t>
+              <a:t>3/29/2023</a:t>
             </a:fld>
             <a:endParaRPr lang="en-US"/>
           </a:p>
@@ -2904,7 +2909,7 @@
           <a:p>
             <a:fld id="{A380659A-5C34-46FB-AFA7-F143BA8A4EDB}" type="datetimeFigureOut">
               <a:rPr lang="en-US" smtClean="0"/>
-              <a:t>3/22/2023</a:t>
+              <a:t>3/29/2023</a:t>
             </a:fld>
             <a:endParaRPr lang="en-US"/>
           </a:p>
@@ -3335,7 +3340,7 @@
         </p:nvSpPr>
         <p:spPr>
           <a:xfrm>
-            <a:off x="4551484" y="1151791"/>
+            <a:off x="4979379" y="685799"/>
             <a:ext cx="1916723" cy="803031"/>
           </a:xfrm>
           <a:prstGeom prst="rect">
@@ -3343,8 +3348,7 @@
           </a:prstGeom>
           <a:solidFill>
             <a:schemeClr val="accent1">
-              <a:lumMod val="60000"/>
-              <a:lumOff val="40000"/>
+              <a:lumMod val="75000"/>
             </a:schemeClr>
           </a:solidFill>
         </p:spPr>
@@ -3378,10 +3382,10 @@
       </p:sp>
       <p:sp>
         <p:nvSpPr>
-          <p:cNvPr id="5" name="Rectangle 4">
-            <a:extLst>
-              <a:ext uri="{FF2B5EF4-FFF2-40B4-BE49-F238E27FC236}">
-                <a16:creationId xmlns:a16="http://schemas.microsoft.com/office/drawing/2014/main" id="{FDD2A4B5-9CCB-B2CE-2AA6-06450163D0A2}"/>
+          <p:cNvPr id="7" name="Rectangle 6">
+            <a:extLst>
+              <a:ext uri="{FF2B5EF4-FFF2-40B4-BE49-F238E27FC236}">
+                <a16:creationId xmlns:a16="http://schemas.microsoft.com/office/drawing/2014/main" id="{CFB9E641-B9CE-70F8-1EF2-16B908A296BD}"/>
               </a:ext>
             </a:extLst>
           </p:cNvPr>
@@ -3390,16 +3394,15 @@
         </p:nvSpPr>
         <p:spPr>
           <a:xfrm>
-            <a:off x="800098" y="2473569"/>
-            <a:ext cx="1916723" cy="615462"/>
+            <a:off x="2467708" y="2813538"/>
+            <a:ext cx="2511671" cy="615462"/>
           </a:xfrm>
           <a:prstGeom prst="rect">
             <a:avLst/>
           </a:prstGeom>
           <a:solidFill>
             <a:schemeClr val="accent1">
-              <a:lumMod val="60000"/>
-              <a:lumOff val="40000"/>
+              <a:lumMod val="75000"/>
             </a:schemeClr>
           </a:solidFill>
         </p:spPr>
@@ -3426,307 +3429,11 @@
             <a:pPr algn="ctr"/>
             <a:r>
               <a:rPr lang="en-US"/>
-              <a:t>Hệ thống kỹ thuật</a:t>
-            </a:r>
-          </a:p>
-        </p:txBody>
-      </p:sp>
-      <p:sp>
-        <p:nvSpPr>
-          <p:cNvPr id="6" name="Rectangle 5">
-            <a:extLst>
-              <a:ext uri="{FF2B5EF4-FFF2-40B4-BE49-F238E27FC236}">
-                <a16:creationId xmlns:a16="http://schemas.microsoft.com/office/drawing/2014/main" id="{C6CF028B-AA9F-8AD3-4603-5450A8C9CA61}"/>
-              </a:ext>
-            </a:extLst>
-          </p:cNvPr>
-          <p:cNvSpPr/>
-          <p:nvPr/>
-        </p:nvSpPr>
-        <p:spPr>
-          <a:xfrm>
-            <a:off x="8147538" y="2473569"/>
-            <a:ext cx="2227385" cy="615462"/>
-          </a:xfrm>
-          <a:prstGeom prst="rect">
-            <a:avLst/>
-          </a:prstGeom>
-          <a:solidFill>
-            <a:schemeClr val="accent1">
-              <a:lumMod val="60000"/>
-              <a:lumOff val="40000"/>
-            </a:schemeClr>
-          </a:solidFill>
-        </p:spPr>
-        <p:style>
-          <a:lnRef idx="2">
-            <a:schemeClr val="accent1">
-              <a:shade val="50000"/>
-            </a:schemeClr>
-          </a:lnRef>
-          <a:fillRef idx="1">
-            <a:schemeClr val="accent1"/>
-          </a:fillRef>
-          <a:effectRef idx="0">
-            <a:schemeClr val="accent1"/>
-          </a:effectRef>
-          <a:fontRef idx="minor">
-            <a:schemeClr val="lt1"/>
-          </a:fontRef>
-        </p:style>
-        <p:txBody>
-          <a:bodyPr rtlCol="0" anchor="ctr"/>
-          <a:lstStyle/>
-          <a:p>
-            <a:pPr algn="ctr"/>
-            <a:r>
-              <a:rPr lang="en-US"/>
-              <a:t>Hệ thống kinh doanh</a:t>
-            </a:r>
-          </a:p>
-        </p:txBody>
-      </p:sp>
-      <p:sp>
-        <p:nvSpPr>
-          <p:cNvPr id="7" name="Rectangle 6">
-            <a:extLst>
-              <a:ext uri="{FF2B5EF4-FFF2-40B4-BE49-F238E27FC236}">
-                <a16:creationId xmlns:a16="http://schemas.microsoft.com/office/drawing/2014/main" id="{CFB9E641-B9CE-70F8-1EF2-16B908A296BD}"/>
-              </a:ext>
-            </a:extLst>
-          </p:cNvPr>
-          <p:cNvSpPr/>
-          <p:nvPr/>
-        </p:nvSpPr>
-        <p:spPr>
-          <a:xfrm>
-            <a:off x="2488224" y="3499339"/>
-            <a:ext cx="2511671" cy="615462"/>
-          </a:xfrm>
-          <a:prstGeom prst="rect">
-            <a:avLst/>
-          </a:prstGeom>
-          <a:solidFill>
-            <a:schemeClr val="accent1">
-              <a:lumMod val="60000"/>
-              <a:lumOff val="40000"/>
-            </a:schemeClr>
-          </a:solidFill>
-        </p:spPr>
-        <p:style>
-          <a:lnRef idx="2">
-            <a:schemeClr val="accent1">
-              <a:shade val="50000"/>
-            </a:schemeClr>
-          </a:lnRef>
-          <a:fillRef idx="1">
-            <a:schemeClr val="accent1"/>
-          </a:fillRef>
-          <a:effectRef idx="0">
-            <a:schemeClr val="accent1"/>
-          </a:effectRef>
-          <a:fontRef idx="minor">
-            <a:schemeClr val="lt1"/>
-          </a:fontRef>
-        </p:style>
-        <p:txBody>
-          <a:bodyPr rtlCol="0" anchor="ctr"/>
-          <a:lstStyle/>
-          <a:p>
-            <a:pPr algn="ctr"/>
-            <a:r>
-              <a:rPr lang="en-US"/>
-              <a:t>Phòng sửa chữa, lắp đặt</a:t>
-            </a:r>
-          </a:p>
-        </p:txBody>
-      </p:sp>
-      <p:grpSp>
-        <p:nvGrpSpPr>
-          <p:cNvPr id="11" name="Group 10">
-            <a:extLst>
-              <a:ext uri="{FF2B5EF4-FFF2-40B4-BE49-F238E27FC236}">
-                <a16:creationId xmlns:a16="http://schemas.microsoft.com/office/drawing/2014/main" id="{0F4EAC1B-6E21-325A-B1D7-AE3649054CAF}"/>
-              </a:ext>
-            </a:extLst>
-          </p:cNvPr>
-          <p:cNvGrpSpPr/>
-          <p:nvPr/>
-        </p:nvGrpSpPr>
-        <p:grpSpPr>
-          <a:xfrm>
-            <a:off x="6265984" y="3478824"/>
-            <a:ext cx="2236177" cy="2628899"/>
-            <a:chOff x="4973515" y="3590192"/>
-            <a:chExt cx="2236177" cy="2628899"/>
-          </a:xfrm>
-        </p:grpSpPr>
-        <p:sp>
-          <p:nvSpPr>
-            <p:cNvPr id="8" name="Rectangle 7">
-              <a:extLst>
-                <a:ext uri="{FF2B5EF4-FFF2-40B4-BE49-F238E27FC236}">
-                  <a16:creationId xmlns:a16="http://schemas.microsoft.com/office/drawing/2014/main" id="{118FD893-FC60-1A8A-1EE3-25AF8114DC82}"/>
-                </a:ext>
-              </a:extLst>
-            </p:cNvPr>
-            <p:cNvSpPr/>
-            <p:nvPr/>
-          </p:nvSpPr>
-          <p:spPr>
-            <a:xfrm>
-              <a:off x="4973515" y="3590192"/>
-              <a:ext cx="2227385" cy="615462"/>
-            </a:xfrm>
-            <a:prstGeom prst="rect">
-              <a:avLst/>
-            </a:prstGeom>
-            <a:solidFill>
-              <a:schemeClr val="accent1">
-                <a:lumMod val="60000"/>
-                <a:lumOff val="40000"/>
-              </a:schemeClr>
-            </a:solidFill>
-          </p:spPr>
-          <p:style>
-            <a:lnRef idx="2">
-              <a:schemeClr val="accent1">
-                <a:shade val="50000"/>
-              </a:schemeClr>
-            </a:lnRef>
-            <a:fillRef idx="1">
-              <a:schemeClr val="accent1"/>
-            </a:fillRef>
-            <a:effectRef idx="0">
-              <a:schemeClr val="accent1"/>
-            </a:effectRef>
-            <a:fontRef idx="minor">
-              <a:schemeClr val="lt1"/>
-            </a:fontRef>
-          </p:style>
-          <p:txBody>
-            <a:bodyPr rtlCol="0" anchor="ctr"/>
-            <a:lstStyle/>
-            <a:p>
-              <a:pPr algn="ctr"/>
-              <a:r>
-                <a:rPr lang="en-US"/>
-                <a:t>Phòng marketing</a:t>
-              </a:r>
-            </a:p>
-          </p:txBody>
-        </p:sp>
-        <p:sp>
-          <p:nvSpPr>
-            <p:cNvPr id="9" name="Rectangle 8">
-              <a:extLst>
-                <a:ext uri="{FF2B5EF4-FFF2-40B4-BE49-F238E27FC236}">
-                  <a16:creationId xmlns:a16="http://schemas.microsoft.com/office/drawing/2014/main" id="{3907F519-E421-A837-B0C3-696C6B8E2AEB}"/>
-                </a:ext>
-              </a:extLst>
-            </p:cNvPr>
-            <p:cNvSpPr/>
-            <p:nvPr/>
-          </p:nvSpPr>
-          <p:spPr>
-            <a:xfrm>
-              <a:off x="4982307" y="5477606"/>
-              <a:ext cx="2227385" cy="741485"/>
-            </a:xfrm>
-            <a:prstGeom prst="rect">
-              <a:avLst/>
-            </a:prstGeom>
-            <a:solidFill>
-              <a:schemeClr val="accent1">
-                <a:lumMod val="60000"/>
-                <a:lumOff val="40000"/>
-              </a:schemeClr>
-            </a:solidFill>
-          </p:spPr>
-          <p:style>
-            <a:lnRef idx="2">
-              <a:schemeClr val="accent1">
-                <a:shade val="50000"/>
-              </a:schemeClr>
-            </a:lnRef>
-            <a:fillRef idx="1">
-              <a:schemeClr val="accent1"/>
-            </a:fillRef>
-            <a:effectRef idx="0">
-              <a:schemeClr val="accent1"/>
-            </a:effectRef>
-            <a:fontRef idx="minor">
-              <a:schemeClr val="lt1"/>
-            </a:fontRef>
-          </p:style>
-          <p:txBody>
-            <a:bodyPr rtlCol="0" anchor="ctr"/>
-            <a:lstStyle/>
-            <a:p>
-              <a:pPr algn="ctr"/>
-              <a:r>
-                <a:rPr lang="en-US"/>
-                <a:t>Bộ phận chăm sóc khách hàng</a:t>
-              </a:r>
-            </a:p>
-          </p:txBody>
-        </p:sp>
-        <p:sp>
-          <p:nvSpPr>
-            <p:cNvPr id="10" name="Rectangle 9">
-              <a:extLst>
-                <a:ext uri="{FF2B5EF4-FFF2-40B4-BE49-F238E27FC236}">
-                  <a16:creationId xmlns:a16="http://schemas.microsoft.com/office/drawing/2014/main" id="{EF0A5113-FA47-1A8E-31A8-2B63B98EFAAA}"/>
-                </a:ext>
-              </a:extLst>
-            </p:cNvPr>
-            <p:cNvSpPr/>
-            <p:nvPr/>
-          </p:nvSpPr>
-          <p:spPr>
-            <a:xfrm>
-              <a:off x="4973515" y="4533899"/>
-              <a:ext cx="2227385" cy="615462"/>
-            </a:xfrm>
-            <a:prstGeom prst="rect">
-              <a:avLst/>
-            </a:prstGeom>
-            <a:solidFill>
-              <a:schemeClr val="accent1">
-                <a:lumMod val="60000"/>
-                <a:lumOff val="40000"/>
-              </a:schemeClr>
-            </a:solidFill>
-          </p:spPr>
-          <p:style>
-            <a:lnRef idx="2">
-              <a:schemeClr val="accent1">
-                <a:shade val="50000"/>
-              </a:schemeClr>
-            </a:lnRef>
-            <a:fillRef idx="1">
-              <a:schemeClr val="accent1"/>
-            </a:fillRef>
-            <a:effectRef idx="0">
-              <a:schemeClr val="accent1"/>
-            </a:effectRef>
-            <a:fontRef idx="minor">
-              <a:schemeClr val="lt1"/>
-            </a:fontRef>
-          </p:style>
-          <p:txBody>
-            <a:bodyPr rtlCol="0" anchor="ctr"/>
-            <a:lstStyle/>
-            <a:p>
-              <a:pPr algn="ctr"/>
-              <a:r>
-                <a:rPr lang="en-US"/>
-                <a:t>Phòng kế toán</a:t>
-              </a:r>
-            </a:p>
-          </p:txBody>
-        </p:sp>
-      </p:grpSp>
+              <a:t>NV sửa chữa, lắp đặt, bảo hành</a:t>
+            </a:r>
+          </a:p>
+        </p:txBody>
+      </p:sp>
       <p:cxnSp>
         <p:nvCxnSpPr>
           <p:cNvPr id="13" name="Connector: Elbow 12">
@@ -3738,18 +3445,20 @@
           </p:cNvPr>
           <p:cNvCxnSpPr>
             <a:cxnSpLocks/>
-            <a:stCxn id="4" idx="3"/>
-            <a:endCxn id="6" idx="0"/>
+            <a:stCxn id="4" idx="2"/>
+            <a:endCxn id="10" idx="0"/>
           </p:cNvCxnSpPr>
           <p:nvPr/>
         </p:nvCxnSpPr>
         <p:spPr>
-          <a:xfrm>
-            <a:off x="6468207" y="1553307"/>
-            <a:ext cx="2793024" cy="920262"/>
+          <a:xfrm rot="16200000" flipH="1">
+            <a:off x="6469674" y="956896"/>
+            <a:ext cx="1324708" cy="2388575"/>
           </a:xfrm>
-          <a:prstGeom prst="bentConnector2">
-            <a:avLst/>
+          <a:prstGeom prst="bentConnector3">
+            <a:avLst>
+              <a:gd name="adj1" fmla="val 50000"/>
+            </a:avLst>
           </a:prstGeom>
         </p:spPr>
         <p:style>
@@ -3778,18 +3487,20 @@
           </p:cNvPr>
           <p:cNvCxnSpPr>
             <a:cxnSpLocks/>
-            <a:stCxn id="4" idx="1"/>
-            <a:endCxn id="5" idx="0"/>
+            <a:stCxn id="4" idx="2"/>
+            <a:endCxn id="7" idx="0"/>
           </p:cNvCxnSpPr>
           <p:nvPr/>
         </p:nvCxnSpPr>
         <p:spPr>
-          <a:xfrm rot="10800000" flipV="1">
-            <a:off x="1758460" y="1553307"/>
-            <a:ext cx="2793024" cy="920262"/>
+          <a:xfrm rot="5400000">
+            <a:off x="4168289" y="1044086"/>
+            <a:ext cx="1324708" cy="2214197"/>
           </a:xfrm>
-          <a:prstGeom prst="bentConnector2">
-            <a:avLst/>
+          <a:prstGeom prst="bentConnector3">
+            <a:avLst>
+              <a:gd name="adj1" fmla="val 50000"/>
+            </a:avLst>
           </a:prstGeom>
         </p:spPr>
         <p:style>
@@ -3807,237 +3518,60 @@
           </a:fontRef>
         </p:style>
       </p:cxnSp>
-      <p:cxnSp>
-        <p:nvCxnSpPr>
-          <p:cNvPr id="29" name="Straight Connector 28">
-            <a:extLst>
-              <a:ext uri="{FF2B5EF4-FFF2-40B4-BE49-F238E27FC236}">
-                <a16:creationId xmlns:a16="http://schemas.microsoft.com/office/drawing/2014/main" id="{60165FBF-A5D2-3A1C-1075-0F2AD8B1B4A5}"/>
-              </a:ext>
-            </a:extLst>
-          </p:cNvPr>
-          <p:cNvCxnSpPr>
-            <a:cxnSpLocks/>
-            <a:stCxn id="6" idx="2"/>
-          </p:cNvCxnSpPr>
+      <p:sp>
+        <p:nvSpPr>
+          <p:cNvPr id="10" name="Rectangle 9">
+            <a:extLst>
+              <a:ext uri="{FF2B5EF4-FFF2-40B4-BE49-F238E27FC236}">
+                <a16:creationId xmlns:a16="http://schemas.microsoft.com/office/drawing/2014/main" id="{EF0A5113-FA47-1A8E-31A8-2B63B98EFAAA}"/>
+              </a:ext>
+            </a:extLst>
+          </p:cNvPr>
+          <p:cNvSpPr/>
           <p:nvPr/>
-        </p:nvCxnSpPr>
+        </p:nvSpPr>
         <p:spPr>
           <a:xfrm>
-            <a:off x="9261231" y="3089031"/>
-            <a:ext cx="0" cy="2681657"/>
+            <a:off x="7212623" y="2813538"/>
+            <a:ext cx="2227385" cy="615462"/>
           </a:xfrm>
-          <a:prstGeom prst="line">
+          <a:prstGeom prst="rect">
             <a:avLst/>
           </a:prstGeom>
+          <a:solidFill>
+            <a:schemeClr val="accent1">
+              <a:lumMod val="75000"/>
+            </a:schemeClr>
+          </a:solidFill>
         </p:spPr>
         <p:style>
-          <a:lnRef idx="3">
-            <a:schemeClr val="accent1"/>
+          <a:lnRef idx="2">
+            <a:schemeClr val="accent1">
+              <a:shade val="50000"/>
+            </a:schemeClr>
           </a:lnRef>
-          <a:fillRef idx="0">
+          <a:fillRef idx="1">
             <a:schemeClr val="accent1"/>
           </a:fillRef>
-          <a:effectRef idx="2">
+          <a:effectRef idx="0">
             <a:schemeClr val="accent1"/>
           </a:effectRef>
           <a:fontRef idx="minor">
-            <a:schemeClr val="tx1"/>
+            <a:schemeClr val="lt1"/>
           </a:fontRef>
         </p:style>
-      </p:cxnSp>
-      <p:cxnSp>
-        <p:nvCxnSpPr>
-          <p:cNvPr id="30" name="Straight Connector 29">
-            <a:extLst>
-              <a:ext uri="{FF2B5EF4-FFF2-40B4-BE49-F238E27FC236}">
-                <a16:creationId xmlns:a16="http://schemas.microsoft.com/office/drawing/2014/main" id="{BF739AC7-1C2B-1A1A-3575-90C7751F4C44}"/>
-              </a:ext>
-            </a:extLst>
-          </p:cNvPr>
-          <p:cNvCxnSpPr>
-            <a:cxnSpLocks/>
-            <a:stCxn id="8" idx="3"/>
-          </p:cNvCxnSpPr>
-          <p:nvPr/>
-        </p:nvCxnSpPr>
-        <p:spPr>
-          <a:xfrm>
-            <a:off x="8493369" y="3786555"/>
-            <a:ext cx="767862" cy="0"/>
-          </a:xfrm>
-          <a:prstGeom prst="line">
-            <a:avLst/>
-          </a:prstGeom>
-        </p:spPr>
-        <p:style>
-          <a:lnRef idx="3">
-            <a:schemeClr val="accent1"/>
-          </a:lnRef>
-          <a:fillRef idx="0">
-            <a:schemeClr val="accent1"/>
-          </a:fillRef>
-          <a:effectRef idx="2">
-            <a:schemeClr val="accent1"/>
-          </a:effectRef>
-          <a:fontRef idx="minor">
-            <a:schemeClr val="tx1"/>
-          </a:fontRef>
-        </p:style>
-      </p:cxnSp>
-      <p:cxnSp>
-        <p:nvCxnSpPr>
-          <p:cNvPr id="33" name="Straight Connector 32">
-            <a:extLst>
-              <a:ext uri="{FF2B5EF4-FFF2-40B4-BE49-F238E27FC236}">
-                <a16:creationId xmlns:a16="http://schemas.microsoft.com/office/drawing/2014/main" id="{AA10AFD1-4439-A5B1-DE4F-2E270DBD6280}"/>
-              </a:ext>
-            </a:extLst>
-          </p:cNvPr>
-          <p:cNvCxnSpPr>
-            <a:cxnSpLocks/>
-          </p:cNvCxnSpPr>
-          <p:nvPr/>
-        </p:nvCxnSpPr>
-        <p:spPr>
-          <a:xfrm>
-            <a:off x="8502161" y="4739056"/>
-            <a:ext cx="767862" cy="0"/>
-          </a:xfrm>
-          <a:prstGeom prst="line">
-            <a:avLst/>
-          </a:prstGeom>
-        </p:spPr>
-        <p:style>
-          <a:lnRef idx="3">
-            <a:schemeClr val="accent1"/>
-          </a:lnRef>
-          <a:fillRef idx="0">
-            <a:schemeClr val="accent1"/>
-          </a:fillRef>
-          <a:effectRef idx="2">
-            <a:schemeClr val="accent1"/>
-          </a:effectRef>
-          <a:fontRef idx="minor">
-            <a:schemeClr val="tx1"/>
-          </a:fontRef>
-        </p:style>
-      </p:cxnSp>
-      <p:cxnSp>
-        <p:nvCxnSpPr>
-          <p:cNvPr id="34" name="Straight Connector 33">
-            <a:extLst>
-              <a:ext uri="{FF2B5EF4-FFF2-40B4-BE49-F238E27FC236}">
-                <a16:creationId xmlns:a16="http://schemas.microsoft.com/office/drawing/2014/main" id="{75C029E8-735B-8C79-543E-33CAB4D948C3}"/>
-              </a:ext>
-            </a:extLst>
-          </p:cNvPr>
-          <p:cNvCxnSpPr>
-            <a:cxnSpLocks/>
-          </p:cNvCxnSpPr>
-          <p:nvPr/>
-        </p:nvCxnSpPr>
-        <p:spPr>
-          <a:xfrm>
-            <a:off x="8502161" y="5770688"/>
-            <a:ext cx="767862" cy="0"/>
-          </a:xfrm>
-          <a:prstGeom prst="line">
-            <a:avLst/>
-          </a:prstGeom>
-        </p:spPr>
-        <p:style>
-          <a:lnRef idx="3">
-            <a:schemeClr val="accent1"/>
-          </a:lnRef>
-          <a:fillRef idx="0">
-            <a:schemeClr val="accent1"/>
-          </a:fillRef>
-          <a:effectRef idx="2">
-            <a:schemeClr val="accent1"/>
-          </a:effectRef>
-          <a:fontRef idx="minor">
-            <a:schemeClr val="tx1"/>
-          </a:fontRef>
-        </p:style>
-      </p:cxnSp>
-      <p:cxnSp>
-        <p:nvCxnSpPr>
-          <p:cNvPr id="36" name="Straight Connector 35">
-            <a:extLst>
-              <a:ext uri="{FF2B5EF4-FFF2-40B4-BE49-F238E27FC236}">
-                <a16:creationId xmlns:a16="http://schemas.microsoft.com/office/drawing/2014/main" id="{680893AA-547D-1AD2-598A-C7D910142D32}"/>
-              </a:ext>
-            </a:extLst>
-          </p:cNvPr>
-          <p:cNvCxnSpPr>
-            <a:cxnSpLocks/>
-          </p:cNvCxnSpPr>
-          <p:nvPr/>
-        </p:nvCxnSpPr>
-        <p:spPr>
-          <a:xfrm>
-            <a:off x="1729153" y="3074377"/>
-            <a:ext cx="0" cy="732693"/>
-          </a:xfrm>
-          <a:prstGeom prst="line">
-            <a:avLst/>
-          </a:prstGeom>
-        </p:spPr>
-        <p:style>
-          <a:lnRef idx="3">
-            <a:schemeClr val="accent1"/>
-          </a:lnRef>
-          <a:fillRef idx="0">
-            <a:schemeClr val="accent1"/>
-          </a:fillRef>
-          <a:effectRef idx="2">
-            <a:schemeClr val="accent1"/>
-          </a:effectRef>
-          <a:fontRef idx="minor">
-            <a:schemeClr val="tx1"/>
-          </a:fontRef>
-        </p:style>
-      </p:cxnSp>
-      <p:cxnSp>
-        <p:nvCxnSpPr>
-          <p:cNvPr id="38" name="Straight Connector 37">
-            <a:extLst>
-              <a:ext uri="{FF2B5EF4-FFF2-40B4-BE49-F238E27FC236}">
-                <a16:creationId xmlns:a16="http://schemas.microsoft.com/office/drawing/2014/main" id="{C4182050-3413-DAFE-36F7-EE0D65530A8C}"/>
-              </a:ext>
-            </a:extLst>
-          </p:cNvPr>
-          <p:cNvCxnSpPr>
-            <a:cxnSpLocks/>
-            <a:stCxn id="7" idx="1"/>
-          </p:cNvCxnSpPr>
-          <p:nvPr/>
-        </p:nvCxnSpPr>
-        <p:spPr>
-          <a:xfrm flipH="1">
-            <a:off x="1720362" y="3807070"/>
-            <a:ext cx="767862" cy="0"/>
-          </a:xfrm>
-          <a:prstGeom prst="line">
-            <a:avLst/>
-          </a:prstGeom>
-        </p:spPr>
-        <p:style>
-          <a:lnRef idx="3">
-            <a:schemeClr val="accent1"/>
-          </a:lnRef>
-          <a:fillRef idx="0">
-            <a:schemeClr val="accent1"/>
-          </a:fillRef>
-          <a:effectRef idx="2">
-            <a:schemeClr val="accent1"/>
-          </a:effectRef>
-          <a:fontRef idx="minor">
-            <a:schemeClr val="tx1"/>
-          </a:fontRef>
-        </p:style>
-      </p:cxnSp>
+        <p:txBody>
+          <a:bodyPr rtlCol="0" anchor="ctr"/>
+          <a:lstStyle/>
+          <a:p>
+            <a:pPr algn="ctr"/>
+            <a:r>
+              <a:rPr lang="en-US"/>
+              <a:t>NV bán hàng</a:t>
+            </a:r>
+          </a:p>
+        </p:txBody>
+      </p:sp>
     </p:spTree>
     <p:extLst>
       <p:ext uri="{BB962C8B-B14F-4D97-AF65-F5344CB8AC3E}">

--- a/Slide_DATN.pptx
+++ b/Slide_DATN.pptx
@@ -259,7 +259,7 @@
           <a:p>
             <a:fld id="{A380659A-5C34-46FB-AFA7-F143BA8A4EDB}" type="datetimeFigureOut">
               <a:rPr lang="en-US" smtClean="0"/>
-              <a:t>3/29/2023</a:t>
+              <a:t>24/04/2023</a:t>
             </a:fld>
             <a:endParaRPr lang="en-US"/>
           </a:p>
@@ -457,7 +457,7 @@
           <a:p>
             <a:fld id="{A380659A-5C34-46FB-AFA7-F143BA8A4EDB}" type="datetimeFigureOut">
               <a:rPr lang="en-US" smtClean="0"/>
-              <a:t>3/29/2023</a:t>
+              <a:t>24/04/2023</a:t>
             </a:fld>
             <a:endParaRPr lang="en-US"/>
           </a:p>
@@ -665,7 +665,7 @@
           <a:p>
             <a:fld id="{A380659A-5C34-46FB-AFA7-F143BA8A4EDB}" type="datetimeFigureOut">
               <a:rPr lang="en-US" smtClean="0"/>
-              <a:t>3/29/2023</a:t>
+              <a:t>24/04/2023</a:t>
             </a:fld>
             <a:endParaRPr lang="en-US"/>
           </a:p>
@@ -863,7 +863,7 @@
           <a:p>
             <a:fld id="{A380659A-5C34-46FB-AFA7-F143BA8A4EDB}" type="datetimeFigureOut">
               <a:rPr lang="en-US" smtClean="0"/>
-              <a:t>3/29/2023</a:t>
+              <a:t>24/04/2023</a:t>
             </a:fld>
             <a:endParaRPr lang="en-US"/>
           </a:p>
@@ -1138,7 +1138,7 @@
           <a:p>
             <a:fld id="{A380659A-5C34-46FB-AFA7-F143BA8A4EDB}" type="datetimeFigureOut">
               <a:rPr lang="en-US" smtClean="0"/>
-              <a:t>3/29/2023</a:t>
+              <a:t>24/04/2023</a:t>
             </a:fld>
             <a:endParaRPr lang="en-US"/>
           </a:p>
@@ -1403,7 +1403,7 @@
           <a:p>
             <a:fld id="{A380659A-5C34-46FB-AFA7-F143BA8A4EDB}" type="datetimeFigureOut">
               <a:rPr lang="en-US" smtClean="0"/>
-              <a:t>3/29/2023</a:t>
+              <a:t>24/04/2023</a:t>
             </a:fld>
             <a:endParaRPr lang="en-US"/>
           </a:p>
@@ -1815,7 +1815,7 @@
           <a:p>
             <a:fld id="{A380659A-5C34-46FB-AFA7-F143BA8A4EDB}" type="datetimeFigureOut">
               <a:rPr lang="en-US" smtClean="0"/>
-              <a:t>3/29/2023</a:t>
+              <a:t>24/04/2023</a:t>
             </a:fld>
             <a:endParaRPr lang="en-US"/>
           </a:p>
@@ -1956,7 +1956,7 @@
           <a:p>
             <a:fld id="{A380659A-5C34-46FB-AFA7-F143BA8A4EDB}" type="datetimeFigureOut">
               <a:rPr lang="en-US" smtClean="0"/>
-              <a:t>3/29/2023</a:t>
+              <a:t>24/04/2023</a:t>
             </a:fld>
             <a:endParaRPr lang="en-US"/>
           </a:p>
@@ -2069,7 +2069,7 @@
           <a:p>
             <a:fld id="{A380659A-5C34-46FB-AFA7-F143BA8A4EDB}" type="datetimeFigureOut">
               <a:rPr lang="en-US" smtClean="0"/>
-              <a:t>3/29/2023</a:t>
+              <a:t>24/04/2023</a:t>
             </a:fld>
             <a:endParaRPr lang="en-US"/>
           </a:p>
@@ -2380,7 +2380,7 @@
           <a:p>
             <a:fld id="{A380659A-5C34-46FB-AFA7-F143BA8A4EDB}" type="datetimeFigureOut">
               <a:rPr lang="en-US" smtClean="0"/>
-              <a:t>3/29/2023</a:t>
+              <a:t>24/04/2023</a:t>
             </a:fld>
             <a:endParaRPr lang="en-US"/>
           </a:p>
@@ -2668,7 +2668,7 @@
           <a:p>
             <a:fld id="{A380659A-5C34-46FB-AFA7-F143BA8A4EDB}" type="datetimeFigureOut">
               <a:rPr lang="en-US" smtClean="0"/>
-              <a:t>3/29/2023</a:t>
+              <a:t>24/04/2023</a:t>
             </a:fld>
             <a:endParaRPr lang="en-US"/>
           </a:p>
@@ -2909,7 +2909,7 @@
           <a:p>
             <a:fld id="{A380659A-5C34-46FB-AFA7-F143BA8A4EDB}" type="datetimeFigureOut">
               <a:rPr lang="en-US" smtClean="0"/>
-              <a:t>3/29/2023</a:t>
+              <a:t>24/04/2023</a:t>
             </a:fld>
             <a:endParaRPr lang="en-US"/>
           </a:p>
@@ -3380,60 +3380,6 @@
           </a:p>
         </p:txBody>
       </p:sp>
-      <p:sp>
-        <p:nvSpPr>
-          <p:cNvPr id="7" name="Rectangle 6">
-            <a:extLst>
-              <a:ext uri="{FF2B5EF4-FFF2-40B4-BE49-F238E27FC236}">
-                <a16:creationId xmlns:a16="http://schemas.microsoft.com/office/drawing/2014/main" id="{CFB9E641-B9CE-70F8-1EF2-16B908A296BD}"/>
-              </a:ext>
-            </a:extLst>
-          </p:cNvPr>
-          <p:cNvSpPr/>
-          <p:nvPr/>
-        </p:nvSpPr>
-        <p:spPr>
-          <a:xfrm>
-            <a:off x="2467708" y="2813538"/>
-            <a:ext cx="2511671" cy="615462"/>
-          </a:xfrm>
-          <a:prstGeom prst="rect">
-            <a:avLst/>
-          </a:prstGeom>
-          <a:solidFill>
-            <a:schemeClr val="accent1">
-              <a:lumMod val="75000"/>
-            </a:schemeClr>
-          </a:solidFill>
-        </p:spPr>
-        <p:style>
-          <a:lnRef idx="2">
-            <a:schemeClr val="accent1">
-              <a:shade val="50000"/>
-            </a:schemeClr>
-          </a:lnRef>
-          <a:fillRef idx="1">
-            <a:schemeClr val="accent1"/>
-          </a:fillRef>
-          <a:effectRef idx="0">
-            <a:schemeClr val="accent1"/>
-          </a:effectRef>
-          <a:fontRef idx="minor">
-            <a:schemeClr val="lt1"/>
-          </a:fontRef>
-        </p:style>
-        <p:txBody>
-          <a:bodyPr rtlCol="0" anchor="ctr"/>
-          <a:lstStyle/>
-          <a:p>
-            <a:pPr algn="ctr"/>
-            <a:r>
-              <a:rPr lang="en-US"/>
-              <a:t>NV sửa chữa, lắp đặt, bảo hành</a:t>
-            </a:r>
-          </a:p>
-        </p:txBody>
-      </p:sp>
       <p:cxnSp>
         <p:nvCxnSpPr>
           <p:cNvPr id="13" name="Connector: Elbow 12">
@@ -3451,9 +3397,9 @@
           <p:nvPr/>
         </p:nvCxnSpPr>
         <p:spPr>
-          <a:xfrm rot="16200000" flipH="1">
-            <a:off x="6469674" y="956896"/>
-            <a:ext cx="1324708" cy="2388575"/>
+          <a:xfrm rot="5400000">
+            <a:off x="5275387" y="2151184"/>
+            <a:ext cx="1324708" cy="1"/>
           </a:xfrm>
           <a:prstGeom prst="bentConnector3">
             <a:avLst>
@@ -3476,48 +3422,6 @@
           </a:fontRef>
         </p:style>
       </p:cxnSp>
-      <p:cxnSp>
-        <p:nvCxnSpPr>
-          <p:cNvPr id="21" name="Connector: Elbow 20">
-            <a:extLst>
-              <a:ext uri="{FF2B5EF4-FFF2-40B4-BE49-F238E27FC236}">
-                <a16:creationId xmlns:a16="http://schemas.microsoft.com/office/drawing/2014/main" id="{A795D7C0-5CF7-4866-47D1-C928ECB2DC58}"/>
-              </a:ext>
-            </a:extLst>
-          </p:cNvPr>
-          <p:cNvCxnSpPr>
-            <a:cxnSpLocks/>
-            <a:stCxn id="4" idx="2"/>
-            <a:endCxn id="7" idx="0"/>
-          </p:cNvCxnSpPr>
-          <p:nvPr/>
-        </p:nvCxnSpPr>
-        <p:spPr>
-          <a:xfrm rot="5400000">
-            <a:off x="4168289" y="1044086"/>
-            <a:ext cx="1324708" cy="2214197"/>
-          </a:xfrm>
-          <a:prstGeom prst="bentConnector3">
-            <a:avLst>
-              <a:gd name="adj1" fmla="val 50000"/>
-            </a:avLst>
-          </a:prstGeom>
-        </p:spPr>
-        <p:style>
-          <a:lnRef idx="3">
-            <a:schemeClr val="accent1"/>
-          </a:lnRef>
-          <a:fillRef idx="0">
-            <a:schemeClr val="accent1"/>
-          </a:fillRef>
-          <a:effectRef idx="2">
-            <a:schemeClr val="accent1"/>
-          </a:effectRef>
-          <a:fontRef idx="minor">
-            <a:schemeClr val="tx1"/>
-          </a:fontRef>
-        </p:style>
-      </p:cxnSp>
       <p:sp>
         <p:nvSpPr>
           <p:cNvPr id="10" name="Rectangle 9">
@@ -3532,7 +3436,7 @@
         </p:nvSpPr>
         <p:spPr>
           <a:xfrm>
-            <a:off x="7212623" y="2813538"/>
+            <a:off x="4824047" y="2813538"/>
             <a:ext cx="2227385" cy="615462"/>
           </a:xfrm>
           <a:prstGeom prst="rect">

--- a/Slide_DATN.pptx
+++ b/Slide_DATN.pptx
@@ -6,6 +6,7 @@
   </p:sldMasterIdLst>
   <p:sldIdLst>
     <p:sldId id="256" r:id="rId2"/>
+    <p:sldId id="257" r:id="rId3"/>
   </p:sldIdLst>
   <p:sldSz cx="12192000" cy="6858000"/>
   <p:notesSz cx="6858000" cy="9144000"/>
@@ -259,7 +260,7 @@
           <a:p>
             <a:fld id="{A380659A-5C34-46FB-AFA7-F143BA8A4EDB}" type="datetimeFigureOut">
               <a:rPr lang="en-US" smtClean="0"/>
-              <a:t>24/04/2023</a:t>
+              <a:t>08/05/2023</a:t>
             </a:fld>
             <a:endParaRPr lang="en-US"/>
           </a:p>
@@ -457,7 +458,7 @@
           <a:p>
             <a:fld id="{A380659A-5C34-46FB-AFA7-F143BA8A4EDB}" type="datetimeFigureOut">
               <a:rPr lang="en-US" smtClean="0"/>
-              <a:t>24/04/2023</a:t>
+              <a:t>08/05/2023</a:t>
             </a:fld>
             <a:endParaRPr lang="en-US"/>
           </a:p>
@@ -665,7 +666,7 @@
           <a:p>
             <a:fld id="{A380659A-5C34-46FB-AFA7-F143BA8A4EDB}" type="datetimeFigureOut">
               <a:rPr lang="en-US" smtClean="0"/>
-              <a:t>24/04/2023</a:t>
+              <a:t>08/05/2023</a:t>
             </a:fld>
             <a:endParaRPr lang="en-US"/>
           </a:p>
@@ -863,7 +864,7 @@
           <a:p>
             <a:fld id="{A380659A-5C34-46FB-AFA7-F143BA8A4EDB}" type="datetimeFigureOut">
               <a:rPr lang="en-US" smtClean="0"/>
-              <a:t>24/04/2023</a:t>
+              <a:t>08/05/2023</a:t>
             </a:fld>
             <a:endParaRPr lang="en-US"/>
           </a:p>
@@ -1138,7 +1139,7 @@
           <a:p>
             <a:fld id="{A380659A-5C34-46FB-AFA7-F143BA8A4EDB}" type="datetimeFigureOut">
               <a:rPr lang="en-US" smtClean="0"/>
-              <a:t>24/04/2023</a:t>
+              <a:t>08/05/2023</a:t>
             </a:fld>
             <a:endParaRPr lang="en-US"/>
           </a:p>
@@ -1403,7 +1404,7 @@
           <a:p>
             <a:fld id="{A380659A-5C34-46FB-AFA7-F143BA8A4EDB}" type="datetimeFigureOut">
               <a:rPr lang="en-US" smtClean="0"/>
-              <a:t>24/04/2023</a:t>
+              <a:t>08/05/2023</a:t>
             </a:fld>
             <a:endParaRPr lang="en-US"/>
           </a:p>
@@ -1815,7 +1816,7 @@
           <a:p>
             <a:fld id="{A380659A-5C34-46FB-AFA7-F143BA8A4EDB}" type="datetimeFigureOut">
               <a:rPr lang="en-US" smtClean="0"/>
-              <a:t>24/04/2023</a:t>
+              <a:t>08/05/2023</a:t>
             </a:fld>
             <a:endParaRPr lang="en-US"/>
           </a:p>
@@ -1956,7 +1957,7 @@
           <a:p>
             <a:fld id="{A380659A-5C34-46FB-AFA7-F143BA8A4EDB}" type="datetimeFigureOut">
               <a:rPr lang="en-US" smtClean="0"/>
-              <a:t>24/04/2023</a:t>
+              <a:t>08/05/2023</a:t>
             </a:fld>
             <a:endParaRPr lang="en-US"/>
           </a:p>
@@ -2069,7 +2070,7 @@
           <a:p>
             <a:fld id="{A380659A-5C34-46FB-AFA7-F143BA8A4EDB}" type="datetimeFigureOut">
               <a:rPr lang="en-US" smtClean="0"/>
-              <a:t>24/04/2023</a:t>
+              <a:t>08/05/2023</a:t>
             </a:fld>
             <a:endParaRPr lang="en-US"/>
           </a:p>
@@ -2380,7 +2381,7 @@
           <a:p>
             <a:fld id="{A380659A-5C34-46FB-AFA7-F143BA8A4EDB}" type="datetimeFigureOut">
               <a:rPr lang="en-US" smtClean="0"/>
-              <a:t>24/04/2023</a:t>
+              <a:t>08/05/2023</a:t>
             </a:fld>
             <a:endParaRPr lang="en-US"/>
           </a:p>
@@ -2668,7 +2669,7 @@
           <a:p>
             <a:fld id="{A380659A-5C34-46FB-AFA7-F143BA8A4EDB}" type="datetimeFigureOut">
               <a:rPr lang="en-US" smtClean="0"/>
-              <a:t>24/04/2023</a:t>
+              <a:t>08/05/2023</a:t>
             </a:fld>
             <a:endParaRPr lang="en-US"/>
           </a:p>
@@ -2909,7 +2910,7 @@
           <a:p>
             <a:fld id="{A380659A-5C34-46FB-AFA7-F143BA8A4EDB}" type="datetimeFigureOut">
               <a:rPr lang="en-US" smtClean="0"/>
-              <a:t>24/04/2023</a:t>
+              <a:t>08/05/2023</a:t>
             </a:fld>
             <a:endParaRPr lang="en-US"/>
           </a:p>
@@ -3489,6 +3490,117 @@
 </p:sld>
 </file>
 
+<file path=ppt/slides/slide2.xml><?xml version="1.0" encoding="utf-8"?>
+<p:sld xmlns:a="http://schemas.openxmlformats.org/drawingml/2006/main" xmlns:r="http://schemas.openxmlformats.org/officeDocument/2006/relationships" xmlns:p="http://schemas.openxmlformats.org/presentationml/2006/main">
+  <p:cSld>
+    <p:spTree>
+      <p:nvGrpSpPr>
+        <p:cNvPr id="1" name=""/>
+        <p:cNvGrpSpPr/>
+        <p:nvPr/>
+      </p:nvGrpSpPr>
+      <p:grpSpPr>
+        <a:xfrm>
+          <a:off x="0" y="0"/>
+          <a:ext cx="0" cy="0"/>
+          <a:chOff x="0" y="0"/>
+          <a:chExt cx="0" cy="0"/>
+        </a:xfrm>
+      </p:grpSpPr>
+      <p:grpSp>
+        <p:nvGrpSpPr>
+          <p:cNvPr id="8" name="Group 7">
+            <a:extLst>
+              <a:ext uri="{FF2B5EF4-FFF2-40B4-BE49-F238E27FC236}">
+                <a16:creationId xmlns:a16="http://schemas.microsoft.com/office/drawing/2014/main" id="{618D4111-14D5-672C-F362-7FE33EE9577B}"/>
+              </a:ext>
+            </a:extLst>
+          </p:cNvPr>
+          <p:cNvGrpSpPr/>
+          <p:nvPr/>
+        </p:nvGrpSpPr>
+        <p:grpSpPr>
+          <a:xfrm>
+            <a:off x="1805308" y="0"/>
+            <a:ext cx="8596038" cy="11049000"/>
+            <a:chOff x="1805308" y="0"/>
+            <a:chExt cx="8596038" cy="11049000"/>
+          </a:xfrm>
+        </p:grpSpPr>
+        <p:pic>
+          <p:nvPicPr>
+            <p:cNvPr id="5" name="Picture 4">
+              <a:extLst>
+                <a:ext uri="{FF2B5EF4-FFF2-40B4-BE49-F238E27FC236}">
+                  <a16:creationId xmlns:a16="http://schemas.microsoft.com/office/drawing/2014/main" id="{3BEEE27C-2F52-42B3-9CC7-F7F0D53766C7}"/>
+                </a:ext>
+              </a:extLst>
+            </p:cNvPr>
+            <p:cNvPicPr>
+              <a:picLocks noChangeAspect="1"/>
+            </p:cNvPicPr>
+            <p:nvPr/>
+          </p:nvPicPr>
+          <p:blipFill>
+            <a:blip r:embed="rId2"/>
+            <a:stretch>
+              <a:fillRect/>
+            </a:stretch>
+          </p:blipFill>
+          <p:spPr>
+            <a:xfrm>
+              <a:off x="1805308" y="0"/>
+              <a:ext cx="8581383" cy="6858000"/>
+            </a:xfrm>
+            <a:prstGeom prst="rect">
+              <a:avLst/>
+            </a:prstGeom>
+          </p:spPr>
+        </p:pic>
+        <p:pic>
+          <p:nvPicPr>
+            <p:cNvPr id="7" name="Picture 6">
+              <a:extLst>
+                <a:ext uri="{FF2B5EF4-FFF2-40B4-BE49-F238E27FC236}">
+                  <a16:creationId xmlns:a16="http://schemas.microsoft.com/office/drawing/2014/main" id="{8790821C-F88F-4DD9-BE95-9A1007F04715}"/>
+                </a:ext>
+              </a:extLst>
+            </p:cNvPr>
+            <p:cNvPicPr>
+              <a:picLocks noChangeAspect="1"/>
+            </p:cNvPicPr>
+            <p:nvPr/>
+          </p:nvPicPr>
+          <p:blipFill>
+            <a:blip r:embed="rId3"/>
+            <a:stretch>
+              <a:fillRect/>
+            </a:stretch>
+          </p:blipFill>
+          <p:spPr>
+            <a:xfrm>
+              <a:off x="1805308" y="6858000"/>
+              <a:ext cx="8596038" cy="4191000"/>
+            </a:xfrm>
+            <a:prstGeom prst="rect">
+              <a:avLst/>
+            </a:prstGeom>
+          </p:spPr>
+        </p:pic>
+      </p:grpSp>
+    </p:spTree>
+    <p:extLst>
+      <p:ext uri="{BB962C8B-B14F-4D97-AF65-F5344CB8AC3E}">
+        <p14:creationId xmlns:p14="http://schemas.microsoft.com/office/powerpoint/2010/main" val="1887768939"/>
+      </p:ext>
+    </p:extLst>
+  </p:cSld>
+  <p:clrMapOvr>
+    <a:masterClrMapping/>
+  </p:clrMapOvr>
+</p:sld>
+</file>
+
 <file path=ppt/theme/theme1.xml><?xml version="1.0" encoding="utf-8"?>
 <a:theme xmlns:a="http://schemas.openxmlformats.org/drawingml/2006/main" name="Office Theme">
   <a:themeElements>

--- a/Slide_DATN.pptx
+++ b/Slide_DATN.pptx
@@ -8,10 +8,16 @@
     <p:sldId id="256" r:id="rId2"/>
     <p:sldId id="257" r:id="rId3"/>
     <p:sldId id="258" r:id="rId4"/>
-    <p:sldId id="259" r:id="rId5"/>
-    <p:sldId id="260" r:id="rId6"/>
-    <p:sldId id="262" r:id="rId7"/>
-    <p:sldId id="261" r:id="rId8"/>
+    <p:sldId id="265" r:id="rId5"/>
+    <p:sldId id="259" r:id="rId6"/>
+    <p:sldId id="260" r:id="rId7"/>
+    <p:sldId id="262" r:id="rId8"/>
+    <p:sldId id="261" r:id="rId9"/>
+    <p:sldId id="263" r:id="rId10"/>
+    <p:sldId id="264" r:id="rId11"/>
+    <p:sldId id="266" r:id="rId12"/>
+    <p:sldId id="267" r:id="rId13"/>
+    <p:sldId id="268" r:id="rId14"/>
   </p:sldIdLst>
   <p:sldSz cx="12192000" cy="6858000"/>
   <p:notesSz cx="6858000" cy="9144000"/>
@@ -265,7 +271,7 @@
           <a:p>
             <a:fld id="{A380659A-5C34-46FB-AFA7-F143BA8A4EDB}" type="datetimeFigureOut">
               <a:rPr lang="en-US" smtClean="0"/>
-              <a:t>14/05/2023</a:t>
+              <a:t>15/05/2023</a:t>
             </a:fld>
             <a:endParaRPr lang="en-US"/>
           </a:p>
@@ -463,7 +469,7 @@
           <a:p>
             <a:fld id="{A380659A-5C34-46FB-AFA7-F143BA8A4EDB}" type="datetimeFigureOut">
               <a:rPr lang="en-US" smtClean="0"/>
-              <a:t>14/05/2023</a:t>
+              <a:t>15/05/2023</a:t>
             </a:fld>
             <a:endParaRPr lang="en-US"/>
           </a:p>
@@ -671,7 +677,7 @@
           <a:p>
             <a:fld id="{A380659A-5C34-46FB-AFA7-F143BA8A4EDB}" type="datetimeFigureOut">
               <a:rPr lang="en-US" smtClean="0"/>
-              <a:t>14/05/2023</a:t>
+              <a:t>15/05/2023</a:t>
             </a:fld>
             <a:endParaRPr lang="en-US"/>
           </a:p>
@@ -869,7 +875,7 @@
           <a:p>
             <a:fld id="{A380659A-5C34-46FB-AFA7-F143BA8A4EDB}" type="datetimeFigureOut">
               <a:rPr lang="en-US" smtClean="0"/>
-              <a:t>14/05/2023</a:t>
+              <a:t>15/05/2023</a:t>
             </a:fld>
             <a:endParaRPr lang="en-US"/>
           </a:p>
@@ -1144,7 +1150,7 @@
           <a:p>
             <a:fld id="{A380659A-5C34-46FB-AFA7-F143BA8A4EDB}" type="datetimeFigureOut">
               <a:rPr lang="en-US" smtClean="0"/>
-              <a:t>14/05/2023</a:t>
+              <a:t>15/05/2023</a:t>
             </a:fld>
             <a:endParaRPr lang="en-US"/>
           </a:p>
@@ -1409,7 +1415,7 @@
           <a:p>
             <a:fld id="{A380659A-5C34-46FB-AFA7-F143BA8A4EDB}" type="datetimeFigureOut">
               <a:rPr lang="en-US" smtClean="0"/>
-              <a:t>14/05/2023</a:t>
+              <a:t>15/05/2023</a:t>
             </a:fld>
             <a:endParaRPr lang="en-US"/>
           </a:p>
@@ -1821,7 +1827,7 @@
           <a:p>
             <a:fld id="{A380659A-5C34-46FB-AFA7-F143BA8A4EDB}" type="datetimeFigureOut">
               <a:rPr lang="en-US" smtClean="0"/>
-              <a:t>14/05/2023</a:t>
+              <a:t>15/05/2023</a:t>
             </a:fld>
             <a:endParaRPr lang="en-US"/>
           </a:p>
@@ -1962,7 +1968,7 @@
           <a:p>
             <a:fld id="{A380659A-5C34-46FB-AFA7-F143BA8A4EDB}" type="datetimeFigureOut">
               <a:rPr lang="en-US" smtClean="0"/>
-              <a:t>14/05/2023</a:t>
+              <a:t>15/05/2023</a:t>
             </a:fld>
             <a:endParaRPr lang="en-US"/>
           </a:p>
@@ -2075,7 +2081,7 @@
           <a:p>
             <a:fld id="{A380659A-5C34-46FB-AFA7-F143BA8A4EDB}" type="datetimeFigureOut">
               <a:rPr lang="en-US" smtClean="0"/>
-              <a:t>14/05/2023</a:t>
+              <a:t>15/05/2023</a:t>
             </a:fld>
             <a:endParaRPr lang="en-US"/>
           </a:p>
@@ -2386,7 +2392,7 @@
           <a:p>
             <a:fld id="{A380659A-5C34-46FB-AFA7-F143BA8A4EDB}" type="datetimeFigureOut">
               <a:rPr lang="en-US" smtClean="0"/>
-              <a:t>14/05/2023</a:t>
+              <a:t>15/05/2023</a:t>
             </a:fld>
             <a:endParaRPr lang="en-US"/>
           </a:p>
@@ -2674,7 +2680,7 @@
           <a:p>
             <a:fld id="{A380659A-5C34-46FB-AFA7-F143BA8A4EDB}" type="datetimeFigureOut">
               <a:rPr lang="en-US" smtClean="0"/>
-              <a:t>14/05/2023</a:t>
+              <a:t>15/05/2023</a:t>
             </a:fld>
             <a:endParaRPr lang="en-US"/>
           </a:p>
@@ -2915,7 +2921,7 @@
           <a:p>
             <a:fld id="{A380659A-5C34-46FB-AFA7-F143BA8A4EDB}" type="datetimeFigureOut">
               <a:rPr lang="en-US" smtClean="0"/>
-              <a:t>14/05/2023</a:t>
+              <a:t>15/05/2023</a:t>
             </a:fld>
             <a:endParaRPr lang="en-US"/>
           </a:p>
@@ -3495,6 +3501,7308 @@
 </p:sld>
 </file>
 
+<file path=ppt/slides/slide10.xml><?xml version="1.0" encoding="utf-8"?>
+<p:sld xmlns:a="http://schemas.openxmlformats.org/drawingml/2006/main" xmlns:r="http://schemas.openxmlformats.org/officeDocument/2006/relationships" xmlns:p="http://schemas.openxmlformats.org/presentationml/2006/main">
+  <p:cSld>
+    <p:spTree>
+      <p:nvGrpSpPr>
+        <p:cNvPr id="1" name=""/>
+        <p:cNvGrpSpPr/>
+        <p:nvPr/>
+      </p:nvGrpSpPr>
+      <p:grpSpPr>
+        <a:xfrm>
+          <a:off x="0" y="0"/>
+          <a:ext cx="0" cy="0"/>
+          <a:chOff x="0" y="0"/>
+          <a:chExt cx="0" cy="0"/>
+        </a:xfrm>
+      </p:grpSpPr>
+      <p:grpSp>
+        <p:nvGrpSpPr>
+          <p:cNvPr id="4" name="Group 3">
+            <a:extLst>
+              <a:ext uri="{FF2B5EF4-FFF2-40B4-BE49-F238E27FC236}">
+                <a16:creationId xmlns:a16="http://schemas.microsoft.com/office/drawing/2014/main" id="{1D13333C-38C7-2D64-DF42-D5AB7FCC9EBF}"/>
+              </a:ext>
+            </a:extLst>
+          </p:cNvPr>
+          <p:cNvGrpSpPr/>
+          <p:nvPr/>
+        </p:nvGrpSpPr>
+        <p:grpSpPr>
+          <a:xfrm>
+            <a:off x="1773820" y="764070"/>
+            <a:ext cx="8634045" cy="678374"/>
+            <a:chOff x="967154" y="391258"/>
+            <a:chExt cx="10383715" cy="854247"/>
+          </a:xfrm>
+        </p:grpSpPr>
+        <p:sp>
+          <p:nvSpPr>
+            <p:cNvPr id="5" name="Rectangle 4">
+              <a:extLst>
+                <a:ext uri="{FF2B5EF4-FFF2-40B4-BE49-F238E27FC236}">
+                  <a16:creationId xmlns:a16="http://schemas.microsoft.com/office/drawing/2014/main" id="{C973D258-9753-56A7-8543-6DC1643AD31D}"/>
+                </a:ext>
+              </a:extLst>
+            </p:cNvPr>
+            <p:cNvSpPr/>
+            <p:nvPr/>
+          </p:nvSpPr>
+          <p:spPr>
+            <a:xfrm>
+              <a:off x="967154" y="391258"/>
+              <a:ext cx="10383715" cy="747346"/>
+            </a:xfrm>
+            <a:prstGeom prst="rect">
+              <a:avLst/>
+            </a:prstGeom>
+            <a:solidFill>
+              <a:schemeClr val="bg1">
+                <a:lumMod val="95000"/>
+              </a:schemeClr>
+            </a:solidFill>
+          </p:spPr>
+          <p:style>
+            <a:lnRef idx="2">
+              <a:schemeClr val="dk1"/>
+            </a:lnRef>
+            <a:fillRef idx="1">
+              <a:schemeClr val="lt1"/>
+            </a:fillRef>
+            <a:effectRef idx="0">
+              <a:schemeClr val="dk1"/>
+            </a:effectRef>
+            <a:fontRef idx="minor">
+              <a:schemeClr val="dk1"/>
+            </a:fontRef>
+          </p:style>
+          <p:txBody>
+            <a:bodyPr rtlCol="0" anchor="ctr"/>
+            <a:lstStyle/>
+            <a:p>
+              <a:pPr algn="ctr"/>
+              <a:endParaRPr lang="en-US" sz="1400"/>
+            </a:p>
+          </p:txBody>
+        </p:sp>
+        <p:sp>
+          <p:nvSpPr>
+            <p:cNvPr id="6" name="TextBox 5">
+              <a:extLst>
+                <a:ext uri="{FF2B5EF4-FFF2-40B4-BE49-F238E27FC236}">
+                  <a16:creationId xmlns:a16="http://schemas.microsoft.com/office/drawing/2014/main" id="{7EEF5602-B8CB-5FFD-2053-C97B1F6B64B6}"/>
+                </a:ext>
+              </a:extLst>
+            </p:cNvPr>
+            <p:cNvSpPr txBox="1"/>
+            <p:nvPr/>
+          </p:nvSpPr>
+          <p:spPr>
+            <a:xfrm>
+              <a:off x="1064253" y="580872"/>
+              <a:ext cx="1169377" cy="387570"/>
+            </a:xfrm>
+            <a:prstGeom prst="rect">
+              <a:avLst/>
+            </a:prstGeom>
+            <a:noFill/>
+          </p:spPr>
+          <p:txBody>
+            <a:bodyPr wrap="square" rtlCol="0">
+              <a:spAutoFit/>
+            </a:bodyPr>
+            <a:lstStyle/>
+            <a:p>
+              <a:r>
+                <a:rPr lang="en-US" sz="1400">
+                  <a:solidFill>
+                    <a:schemeClr val="tx1">
+                      <a:lumMod val="65000"/>
+                      <a:lumOff val="35000"/>
+                    </a:schemeClr>
+                  </a:solidFill>
+                </a:rPr>
+                <a:t>Trang chủ</a:t>
+              </a:r>
+            </a:p>
+          </p:txBody>
+        </p:sp>
+        <p:sp>
+          <p:nvSpPr>
+            <p:cNvPr id="7" name="TextBox 6">
+              <a:extLst>
+                <a:ext uri="{FF2B5EF4-FFF2-40B4-BE49-F238E27FC236}">
+                  <a16:creationId xmlns:a16="http://schemas.microsoft.com/office/drawing/2014/main" id="{F34B4124-3B4E-B740-B884-6A383FBFEB8A}"/>
+                </a:ext>
+              </a:extLst>
+            </p:cNvPr>
+            <p:cNvSpPr txBox="1"/>
+            <p:nvPr/>
+          </p:nvSpPr>
+          <p:spPr>
+            <a:xfrm>
+              <a:off x="2123343" y="570105"/>
+              <a:ext cx="1169377" cy="387570"/>
+            </a:xfrm>
+            <a:prstGeom prst="rect">
+              <a:avLst/>
+            </a:prstGeom>
+            <a:noFill/>
+          </p:spPr>
+          <p:txBody>
+            <a:bodyPr wrap="square" rtlCol="0">
+              <a:spAutoFit/>
+            </a:bodyPr>
+            <a:lstStyle/>
+            <a:p>
+              <a:r>
+                <a:rPr lang="en-US" sz="1400">
+                  <a:solidFill>
+                    <a:schemeClr val="tx1">
+                      <a:lumMod val="65000"/>
+                      <a:lumOff val="35000"/>
+                    </a:schemeClr>
+                  </a:solidFill>
+                </a:rPr>
+                <a:t>Danh mục</a:t>
+              </a:r>
+            </a:p>
+          </p:txBody>
+        </p:sp>
+        <p:sp>
+          <p:nvSpPr>
+            <p:cNvPr id="8" name="Rectangle: Rounded Corners 7">
+              <a:extLst>
+                <a:ext uri="{FF2B5EF4-FFF2-40B4-BE49-F238E27FC236}">
+                  <a16:creationId xmlns:a16="http://schemas.microsoft.com/office/drawing/2014/main" id="{B333AE16-528C-06CD-BADC-F9F009CE3F56}"/>
+                </a:ext>
+              </a:extLst>
+            </p:cNvPr>
+            <p:cNvSpPr/>
+            <p:nvPr/>
+          </p:nvSpPr>
+          <p:spPr>
+            <a:xfrm>
+              <a:off x="6894637" y="580265"/>
+              <a:ext cx="1976803" cy="298967"/>
+            </a:xfrm>
+            <a:prstGeom prst="roundRect">
+              <a:avLst/>
+            </a:prstGeom>
+            <a:solidFill>
+              <a:schemeClr val="bg1"/>
+            </a:solidFill>
+          </p:spPr>
+          <p:style>
+            <a:lnRef idx="2">
+              <a:schemeClr val="accent1">
+                <a:shade val="50000"/>
+              </a:schemeClr>
+            </a:lnRef>
+            <a:fillRef idx="1">
+              <a:schemeClr val="accent1"/>
+            </a:fillRef>
+            <a:effectRef idx="0">
+              <a:schemeClr val="accent1"/>
+            </a:effectRef>
+            <a:fontRef idx="minor">
+              <a:schemeClr val="lt1"/>
+            </a:fontRef>
+          </p:style>
+          <p:txBody>
+            <a:bodyPr rtlCol="0" anchor="ctr"/>
+            <a:lstStyle/>
+            <a:p>
+              <a:r>
+                <a:rPr lang="en-US" sz="1200">
+                  <a:solidFill>
+                    <a:schemeClr val="tx1"/>
+                  </a:solidFill>
+                </a:rPr>
+                <a:t>Tìm kiếm sản phẩm</a:t>
+              </a:r>
+            </a:p>
+          </p:txBody>
+        </p:sp>
+        <p:pic>
+          <p:nvPicPr>
+            <p:cNvPr id="9" name="Graphic 8" descr="Magnifying glass">
+              <a:extLst>
+                <a:ext uri="{FF2B5EF4-FFF2-40B4-BE49-F238E27FC236}">
+                  <a16:creationId xmlns:a16="http://schemas.microsoft.com/office/drawing/2014/main" id="{E4BE4C04-8915-05A6-B341-6AEC5F7C0A52}"/>
+                </a:ext>
+              </a:extLst>
+            </p:cNvPr>
+            <p:cNvPicPr>
+              <a:picLocks noChangeAspect="1"/>
+            </p:cNvPicPr>
+            <p:nvPr/>
+          </p:nvPicPr>
+          <p:blipFill>
+            <a:blip r:embed="rId2">
+              <a:extLst>
+                <a:ext uri="{28A0092B-C50C-407E-A947-70E740481C1C}">
+                  <a14:useLocalDpi xmlns:a14="http://schemas.microsoft.com/office/drawing/2010/main" val="0"/>
+                </a:ext>
+                <a:ext uri="{96DAC541-7B7A-43D3-8B79-37D633B846F1}">
+                  <asvg:svgBlip xmlns:asvg="http://schemas.microsoft.com/office/drawing/2016/SVG/main" r:embed="rId3"/>
+                </a:ext>
+              </a:extLst>
+            </a:blip>
+            <a:stretch>
+              <a:fillRect/>
+            </a:stretch>
+          </p:blipFill>
+          <p:spPr>
+            <a:xfrm>
+              <a:off x="8607670" y="615462"/>
+              <a:ext cx="263769" cy="263769"/>
+            </a:xfrm>
+            <a:prstGeom prst="rect">
+              <a:avLst/>
+            </a:prstGeom>
+          </p:spPr>
+        </p:pic>
+        <p:pic>
+          <p:nvPicPr>
+            <p:cNvPr id="10" name="Graphic 9" descr="User">
+              <a:extLst>
+                <a:ext uri="{FF2B5EF4-FFF2-40B4-BE49-F238E27FC236}">
+                  <a16:creationId xmlns:a16="http://schemas.microsoft.com/office/drawing/2014/main" id="{A7857757-19E3-AF85-0CB0-7D138935277D}"/>
+                </a:ext>
+              </a:extLst>
+            </p:cNvPr>
+            <p:cNvPicPr>
+              <a:picLocks noChangeAspect="1"/>
+            </p:cNvPicPr>
+            <p:nvPr/>
+          </p:nvPicPr>
+          <p:blipFill>
+            <a:blip r:embed="rId4">
+              <a:extLst>
+                <a:ext uri="{28A0092B-C50C-407E-A947-70E740481C1C}">
+                  <a14:useLocalDpi xmlns:a14="http://schemas.microsoft.com/office/drawing/2010/main" val="0"/>
+                </a:ext>
+                <a:ext uri="{96DAC541-7B7A-43D3-8B79-37D633B846F1}">
+                  <asvg:svgBlip xmlns:asvg="http://schemas.microsoft.com/office/drawing/2016/SVG/main" r:embed="rId5"/>
+                </a:ext>
+              </a:extLst>
+            </a:blip>
+            <a:stretch>
+              <a:fillRect/>
+            </a:stretch>
+          </p:blipFill>
+          <p:spPr>
+            <a:xfrm>
+              <a:off x="9296400" y="553902"/>
+              <a:ext cx="357554" cy="351692"/>
+            </a:xfrm>
+            <a:prstGeom prst="rect">
+              <a:avLst/>
+            </a:prstGeom>
+          </p:spPr>
+        </p:pic>
+        <p:sp>
+          <p:nvSpPr>
+            <p:cNvPr id="11" name="TextBox 10">
+              <a:extLst>
+                <a:ext uri="{FF2B5EF4-FFF2-40B4-BE49-F238E27FC236}">
+                  <a16:creationId xmlns:a16="http://schemas.microsoft.com/office/drawing/2014/main" id="{EAB85DCD-D36F-B79B-9434-A4086B77AFAF}"/>
+                </a:ext>
+              </a:extLst>
+            </p:cNvPr>
+            <p:cNvSpPr txBox="1"/>
+            <p:nvPr/>
+          </p:nvSpPr>
+          <p:spPr>
+            <a:xfrm>
+              <a:off x="9653954" y="545083"/>
+              <a:ext cx="1392117" cy="387570"/>
+            </a:xfrm>
+            <a:prstGeom prst="rect">
+              <a:avLst/>
+            </a:prstGeom>
+            <a:noFill/>
+          </p:spPr>
+          <p:txBody>
+            <a:bodyPr wrap="square" rtlCol="0">
+              <a:spAutoFit/>
+            </a:bodyPr>
+            <a:lstStyle/>
+            <a:p>
+              <a:r>
+                <a:rPr lang="en-US" sz="1400">
+                  <a:solidFill>
+                    <a:schemeClr val="tx1">
+                      <a:lumMod val="65000"/>
+                      <a:lumOff val="35000"/>
+                    </a:schemeClr>
+                  </a:solidFill>
+                </a:rPr>
+                <a:t>User 1</a:t>
+              </a:r>
+            </a:p>
+          </p:txBody>
+        </p:sp>
+        <p:sp>
+          <p:nvSpPr>
+            <p:cNvPr id="12" name="TextBox 11">
+              <a:extLst>
+                <a:ext uri="{FF2B5EF4-FFF2-40B4-BE49-F238E27FC236}">
+                  <a16:creationId xmlns:a16="http://schemas.microsoft.com/office/drawing/2014/main" id="{2CC6053D-BD6E-0209-A041-703134909603}"/>
+                </a:ext>
+              </a:extLst>
+            </p:cNvPr>
+            <p:cNvSpPr txBox="1"/>
+            <p:nvPr/>
+          </p:nvSpPr>
+          <p:spPr>
+            <a:xfrm>
+              <a:off x="3238070" y="586636"/>
+              <a:ext cx="1169377" cy="658869"/>
+            </a:xfrm>
+            <a:prstGeom prst="rect">
+              <a:avLst/>
+            </a:prstGeom>
+            <a:noFill/>
+          </p:spPr>
+          <p:txBody>
+            <a:bodyPr wrap="square" rtlCol="0">
+              <a:spAutoFit/>
+            </a:bodyPr>
+            <a:lstStyle/>
+            <a:p>
+              <a:r>
+                <a:rPr lang="en-US" sz="1400">
+                  <a:solidFill>
+                    <a:schemeClr val="tx1">
+                      <a:lumMod val="65000"/>
+                      <a:lumOff val="35000"/>
+                    </a:schemeClr>
+                  </a:solidFill>
+                </a:rPr>
+                <a:t>Giỏ hàng	</a:t>
+              </a:r>
+            </a:p>
+          </p:txBody>
+        </p:sp>
+        <p:sp>
+          <p:nvSpPr>
+            <p:cNvPr id="13" name="TextBox 12">
+              <a:extLst>
+                <a:ext uri="{FF2B5EF4-FFF2-40B4-BE49-F238E27FC236}">
+                  <a16:creationId xmlns:a16="http://schemas.microsoft.com/office/drawing/2014/main" id="{89D44FF4-C3C1-EC38-C667-D9236C96B3BA}"/>
+                </a:ext>
+              </a:extLst>
+            </p:cNvPr>
+            <p:cNvSpPr txBox="1"/>
+            <p:nvPr/>
+          </p:nvSpPr>
+          <p:spPr>
+            <a:xfrm>
+              <a:off x="5578168" y="561955"/>
+              <a:ext cx="1392117" cy="387570"/>
+            </a:xfrm>
+            <a:prstGeom prst="rect">
+              <a:avLst/>
+            </a:prstGeom>
+            <a:noFill/>
+          </p:spPr>
+          <p:txBody>
+            <a:bodyPr wrap="square" rtlCol="0">
+              <a:spAutoFit/>
+            </a:bodyPr>
+            <a:lstStyle/>
+            <a:p>
+              <a:r>
+                <a:rPr lang="en-US" sz="1400">
+                  <a:solidFill>
+                    <a:schemeClr val="tx1">
+                      <a:lumMod val="65000"/>
+                      <a:lumOff val="35000"/>
+                    </a:schemeClr>
+                  </a:solidFill>
+                </a:rPr>
+                <a:t>Chính sách</a:t>
+              </a:r>
+            </a:p>
+          </p:txBody>
+        </p:sp>
+      </p:grpSp>
+      <p:sp>
+        <p:nvSpPr>
+          <p:cNvPr id="14" name="Rectangle: Rounded Corners 13">
+            <a:extLst>
+              <a:ext uri="{FF2B5EF4-FFF2-40B4-BE49-F238E27FC236}">
+                <a16:creationId xmlns:a16="http://schemas.microsoft.com/office/drawing/2014/main" id="{D0B9C85E-FABD-49D8-CA16-6DC87FDC46AD}"/>
+              </a:ext>
+            </a:extLst>
+          </p:cNvPr>
+          <p:cNvSpPr/>
+          <p:nvPr/>
+        </p:nvSpPr>
+        <p:spPr>
+          <a:xfrm>
+            <a:off x="4564997" y="934040"/>
+            <a:ext cx="979975" cy="251887"/>
+          </a:xfrm>
+          <a:prstGeom prst="roundRect">
+            <a:avLst/>
+          </a:prstGeom>
+          <a:solidFill>
+            <a:schemeClr val="accent1">
+              <a:lumMod val="60000"/>
+              <a:lumOff val="40000"/>
+            </a:schemeClr>
+          </a:solidFill>
+        </p:spPr>
+        <p:style>
+          <a:lnRef idx="2">
+            <a:schemeClr val="accent1">
+              <a:shade val="50000"/>
+            </a:schemeClr>
+          </a:lnRef>
+          <a:fillRef idx="1">
+            <a:schemeClr val="accent1"/>
+          </a:fillRef>
+          <a:effectRef idx="0">
+            <a:schemeClr val="accent1"/>
+          </a:effectRef>
+          <a:fontRef idx="minor">
+            <a:schemeClr val="lt1"/>
+          </a:fontRef>
+        </p:style>
+        <p:txBody>
+          <a:bodyPr rtlCol="0" anchor="ctr"/>
+          <a:lstStyle/>
+          <a:p>
+            <a:pPr algn="ctr"/>
+            <a:r>
+              <a:rPr lang="en-US" sz="1400">
+                <a:solidFill>
+                  <a:schemeClr val="tx1"/>
+                </a:solidFill>
+              </a:rPr>
+              <a:t>Đơn hàng</a:t>
+            </a:r>
+          </a:p>
+        </p:txBody>
+      </p:sp>
+      <p:sp>
+        <p:nvSpPr>
+          <p:cNvPr id="15" name="Rectangle 14">
+            <a:extLst>
+              <a:ext uri="{FF2B5EF4-FFF2-40B4-BE49-F238E27FC236}">
+                <a16:creationId xmlns:a16="http://schemas.microsoft.com/office/drawing/2014/main" id="{0632CD94-D8E3-19CF-4B8B-89FCCE61D9D2}"/>
+              </a:ext>
+            </a:extLst>
+          </p:cNvPr>
+          <p:cNvSpPr/>
+          <p:nvPr/>
+        </p:nvSpPr>
+        <p:spPr>
+          <a:xfrm>
+            <a:off x="1778977" y="1634622"/>
+            <a:ext cx="8634045" cy="4150716"/>
+          </a:xfrm>
+          <a:prstGeom prst="rect">
+            <a:avLst/>
+          </a:prstGeom>
+          <a:solidFill>
+            <a:schemeClr val="bg1"/>
+          </a:solidFill>
+        </p:spPr>
+        <p:style>
+          <a:lnRef idx="2">
+            <a:schemeClr val="accent1">
+              <a:shade val="50000"/>
+            </a:schemeClr>
+          </a:lnRef>
+          <a:fillRef idx="1">
+            <a:schemeClr val="accent1"/>
+          </a:fillRef>
+          <a:effectRef idx="0">
+            <a:schemeClr val="accent1"/>
+          </a:effectRef>
+          <a:fontRef idx="minor">
+            <a:schemeClr val="lt1"/>
+          </a:fontRef>
+        </p:style>
+        <p:txBody>
+          <a:bodyPr rtlCol="0" anchor="ctr"/>
+          <a:lstStyle/>
+          <a:p>
+            <a:pPr algn="ctr"/>
+            <a:endParaRPr lang="en-US"/>
+          </a:p>
+        </p:txBody>
+      </p:sp>
+      <p:sp>
+        <p:nvSpPr>
+          <p:cNvPr id="18" name="TextBox 17">
+            <a:extLst>
+              <a:ext uri="{FF2B5EF4-FFF2-40B4-BE49-F238E27FC236}">
+                <a16:creationId xmlns:a16="http://schemas.microsoft.com/office/drawing/2014/main" id="{0F0239AA-FEDF-877E-C65C-6894A451D2FD}"/>
+              </a:ext>
+            </a:extLst>
+          </p:cNvPr>
+          <p:cNvSpPr txBox="1"/>
+          <p:nvPr/>
+        </p:nvSpPr>
+        <p:spPr>
+          <a:xfrm>
+            <a:off x="2026842" y="2274993"/>
+            <a:ext cx="1199672" cy="307777"/>
+          </a:xfrm>
+          <a:prstGeom prst="rect">
+            <a:avLst/>
+          </a:prstGeom>
+          <a:noFill/>
+        </p:spPr>
+        <p:txBody>
+          <a:bodyPr wrap="square" rtlCol="0">
+            <a:spAutoFit/>
+          </a:bodyPr>
+          <a:lstStyle/>
+          <a:p>
+            <a:pPr marL="171450" indent="-171450">
+              <a:buFont typeface="Arial" panose="020B0604020202020204" pitchFamily="34" charset="0"/>
+              <a:buChar char="•"/>
+            </a:pPr>
+            <a:r>
+              <a:rPr lang="en-US" sz="1400"/>
+              <a:t>Tất cả</a:t>
+            </a:r>
+          </a:p>
+        </p:txBody>
+      </p:sp>
+      <p:sp>
+        <p:nvSpPr>
+          <p:cNvPr id="21" name="TextBox 20">
+            <a:extLst>
+              <a:ext uri="{FF2B5EF4-FFF2-40B4-BE49-F238E27FC236}">
+                <a16:creationId xmlns:a16="http://schemas.microsoft.com/office/drawing/2014/main" id="{904359FE-F61E-CD14-2176-F7D297EE47DC}"/>
+              </a:ext>
+            </a:extLst>
+          </p:cNvPr>
+          <p:cNvSpPr txBox="1"/>
+          <p:nvPr/>
+        </p:nvSpPr>
+        <p:spPr>
+          <a:xfrm>
+            <a:off x="2993988" y="2274993"/>
+            <a:ext cx="1877471" cy="307777"/>
+          </a:xfrm>
+          <a:prstGeom prst="rect">
+            <a:avLst/>
+          </a:prstGeom>
+          <a:noFill/>
+        </p:spPr>
+        <p:txBody>
+          <a:bodyPr wrap="square" rtlCol="0">
+            <a:spAutoFit/>
+          </a:bodyPr>
+          <a:lstStyle/>
+          <a:p>
+            <a:pPr marL="171450" indent="-171450">
+              <a:buFont typeface="Courier New" panose="02070309020205020404" pitchFamily="49" charset="0"/>
+              <a:buChar char="o"/>
+            </a:pPr>
+            <a:r>
+              <a:rPr lang="en-US" sz="1400"/>
+              <a:t>Chờ xác nhận</a:t>
+            </a:r>
+          </a:p>
+        </p:txBody>
+      </p:sp>
+      <p:sp>
+        <p:nvSpPr>
+          <p:cNvPr id="46" name="TextBox 45">
+            <a:extLst>
+              <a:ext uri="{FF2B5EF4-FFF2-40B4-BE49-F238E27FC236}">
+                <a16:creationId xmlns:a16="http://schemas.microsoft.com/office/drawing/2014/main" id="{5BA55D12-0AB7-360C-81A5-5D9C7B3DE48F}"/>
+              </a:ext>
+            </a:extLst>
+          </p:cNvPr>
+          <p:cNvSpPr txBox="1"/>
+          <p:nvPr/>
+        </p:nvSpPr>
+        <p:spPr>
+          <a:xfrm>
+            <a:off x="4871459" y="1703072"/>
+            <a:ext cx="2136530" cy="338554"/>
+          </a:xfrm>
+          <a:prstGeom prst="rect">
+            <a:avLst/>
+          </a:prstGeom>
+          <a:noFill/>
+        </p:spPr>
+        <p:txBody>
+          <a:bodyPr wrap="square" rtlCol="0">
+            <a:spAutoFit/>
+          </a:bodyPr>
+          <a:lstStyle/>
+          <a:p>
+            <a:r>
+              <a:rPr lang="en-US" sz="1600"/>
+              <a:t>Đơn hàng của bạn</a:t>
+            </a:r>
+          </a:p>
+        </p:txBody>
+      </p:sp>
+      <p:sp>
+        <p:nvSpPr>
+          <p:cNvPr id="47" name="TextBox 46">
+            <a:extLst>
+              <a:ext uri="{FF2B5EF4-FFF2-40B4-BE49-F238E27FC236}">
+                <a16:creationId xmlns:a16="http://schemas.microsoft.com/office/drawing/2014/main" id="{65F314B9-D82F-1008-670E-6379C40A90DA}"/>
+              </a:ext>
+            </a:extLst>
+          </p:cNvPr>
+          <p:cNvSpPr txBox="1"/>
+          <p:nvPr/>
+        </p:nvSpPr>
+        <p:spPr>
+          <a:xfrm>
+            <a:off x="4485773" y="2272776"/>
+            <a:ext cx="1877471" cy="307777"/>
+          </a:xfrm>
+          <a:prstGeom prst="rect">
+            <a:avLst/>
+          </a:prstGeom>
+          <a:noFill/>
+        </p:spPr>
+        <p:txBody>
+          <a:bodyPr wrap="square" rtlCol="0">
+            <a:spAutoFit/>
+          </a:bodyPr>
+          <a:lstStyle/>
+          <a:p>
+            <a:pPr marL="171450" indent="-171450">
+              <a:buFont typeface="Courier New" panose="02070309020205020404" pitchFamily="49" charset="0"/>
+              <a:buChar char="o"/>
+            </a:pPr>
+            <a:r>
+              <a:rPr lang="en-US" sz="1400"/>
+              <a:t>Đang chờ xử lý</a:t>
+            </a:r>
+          </a:p>
+        </p:txBody>
+      </p:sp>
+      <p:sp>
+        <p:nvSpPr>
+          <p:cNvPr id="48" name="TextBox 47">
+            <a:extLst>
+              <a:ext uri="{FF2B5EF4-FFF2-40B4-BE49-F238E27FC236}">
+                <a16:creationId xmlns:a16="http://schemas.microsoft.com/office/drawing/2014/main" id="{65A63913-2344-558D-5224-7FBBDA310C41}"/>
+              </a:ext>
+            </a:extLst>
+          </p:cNvPr>
+          <p:cNvSpPr txBox="1"/>
+          <p:nvPr/>
+        </p:nvSpPr>
+        <p:spPr>
+          <a:xfrm>
+            <a:off x="5985235" y="2267070"/>
+            <a:ext cx="1877471" cy="307777"/>
+          </a:xfrm>
+          <a:prstGeom prst="rect">
+            <a:avLst/>
+          </a:prstGeom>
+          <a:noFill/>
+        </p:spPr>
+        <p:txBody>
+          <a:bodyPr wrap="square" rtlCol="0">
+            <a:spAutoFit/>
+          </a:bodyPr>
+          <a:lstStyle/>
+          <a:p>
+            <a:pPr marL="171450" indent="-171450">
+              <a:buFont typeface="Courier New" panose="02070309020205020404" pitchFamily="49" charset="0"/>
+              <a:buChar char="o"/>
+            </a:pPr>
+            <a:r>
+              <a:rPr lang="en-US" sz="1400"/>
+              <a:t>Đang vận chuyển</a:t>
+            </a:r>
+          </a:p>
+        </p:txBody>
+      </p:sp>
+      <p:sp>
+        <p:nvSpPr>
+          <p:cNvPr id="49" name="TextBox 48">
+            <a:extLst>
+              <a:ext uri="{FF2B5EF4-FFF2-40B4-BE49-F238E27FC236}">
+                <a16:creationId xmlns:a16="http://schemas.microsoft.com/office/drawing/2014/main" id="{EBB824BC-1E28-DDC8-C333-B0DFE81292F6}"/>
+              </a:ext>
+            </a:extLst>
+          </p:cNvPr>
+          <p:cNvSpPr txBox="1"/>
+          <p:nvPr/>
+        </p:nvSpPr>
+        <p:spPr>
+          <a:xfrm>
+            <a:off x="7686641" y="2274992"/>
+            <a:ext cx="1877471" cy="307777"/>
+          </a:xfrm>
+          <a:prstGeom prst="rect">
+            <a:avLst/>
+          </a:prstGeom>
+          <a:noFill/>
+        </p:spPr>
+        <p:txBody>
+          <a:bodyPr wrap="square" rtlCol="0">
+            <a:spAutoFit/>
+          </a:bodyPr>
+          <a:lstStyle/>
+          <a:p>
+            <a:pPr marL="171450" indent="-171450">
+              <a:buFont typeface="Courier New" panose="02070309020205020404" pitchFamily="49" charset="0"/>
+              <a:buChar char="o"/>
+            </a:pPr>
+            <a:r>
+              <a:rPr lang="en-US" sz="1400"/>
+              <a:t>Đã giao</a:t>
+            </a:r>
+          </a:p>
+        </p:txBody>
+      </p:sp>
+      <p:sp>
+        <p:nvSpPr>
+          <p:cNvPr id="50" name="TextBox 49">
+            <a:extLst>
+              <a:ext uri="{FF2B5EF4-FFF2-40B4-BE49-F238E27FC236}">
+                <a16:creationId xmlns:a16="http://schemas.microsoft.com/office/drawing/2014/main" id="{7D5E5B55-D367-A2F7-FE8C-83D9BBCE8C26}"/>
+              </a:ext>
+            </a:extLst>
+          </p:cNvPr>
+          <p:cNvSpPr txBox="1"/>
+          <p:nvPr/>
+        </p:nvSpPr>
+        <p:spPr>
+          <a:xfrm>
+            <a:off x="8774456" y="2270449"/>
+            <a:ext cx="1877471" cy="307777"/>
+          </a:xfrm>
+          <a:prstGeom prst="rect">
+            <a:avLst/>
+          </a:prstGeom>
+          <a:noFill/>
+        </p:spPr>
+        <p:txBody>
+          <a:bodyPr wrap="square" rtlCol="0">
+            <a:spAutoFit/>
+          </a:bodyPr>
+          <a:lstStyle/>
+          <a:p>
+            <a:pPr marL="171450" indent="-171450">
+              <a:buFont typeface="Courier New" panose="02070309020205020404" pitchFamily="49" charset="0"/>
+              <a:buChar char="o"/>
+            </a:pPr>
+            <a:r>
+              <a:rPr lang="en-US" sz="1400"/>
+              <a:t>Đã hủy</a:t>
+            </a:r>
+          </a:p>
+        </p:txBody>
+      </p:sp>
+      <p:graphicFrame>
+        <p:nvGraphicFramePr>
+          <p:cNvPr id="51" name="Table 51">
+            <a:extLst>
+              <a:ext uri="{FF2B5EF4-FFF2-40B4-BE49-F238E27FC236}">
+                <a16:creationId xmlns:a16="http://schemas.microsoft.com/office/drawing/2014/main" id="{856ACCB2-9891-B4E6-0088-A568B279605D}"/>
+              </a:ext>
+            </a:extLst>
+          </p:cNvPr>
+          <p:cNvGraphicFramePr>
+            <a:graphicFrameLocks noGrp="1"/>
+          </p:cNvGraphicFramePr>
+          <p:nvPr>
+            <p:extLst>
+              <p:ext uri="{D42A27DB-BD31-4B8C-83A1-F6EECF244321}">
+                <p14:modId xmlns:p14="http://schemas.microsoft.com/office/powerpoint/2010/main" val="3589606606"/>
+              </p:ext>
+            </p:extLst>
+          </p:nvPr>
+        </p:nvGraphicFramePr>
+        <p:xfrm>
+          <a:off x="2026842" y="2681996"/>
+          <a:ext cx="8128002" cy="1854200"/>
+        </p:xfrm>
+        <a:graphic>
+          <a:graphicData uri="http://schemas.openxmlformats.org/drawingml/2006/table">
+            <a:tbl>
+              <a:tblPr firstRow="1" bandRow="1">
+                <a:tableStyleId>{5C22544A-7EE6-4342-B048-85BDC9FD1C3A}</a:tableStyleId>
+              </a:tblPr>
+              <a:tblGrid>
+                <a:gridCol w="909789">
+                  <a:extLst>
+                    <a:ext uri="{9D8B030D-6E8A-4147-A177-3AD203B41FA5}">
+                      <a16:colId xmlns:a16="http://schemas.microsoft.com/office/drawing/2014/main" val="1052545886"/>
+                    </a:ext>
+                  </a:extLst>
+                </a:gridCol>
+                <a:gridCol w="1222131">
+                  <a:extLst>
+                    <a:ext uri="{9D8B030D-6E8A-4147-A177-3AD203B41FA5}">
+                      <a16:colId xmlns:a16="http://schemas.microsoft.com/office/drawing/2014/main" val="725307162"/>
+                    </a:ext>
+                  </a:extLst>
+                </a:gridCol>
+                <a:gridCol w="1802423">
+                  <a:extLst>
+                    <a:ext uri="{9D8B030D-6E8A-4147-A177-3AD203B41FA5}">
+                      <a16:colId xmlns:a16="http://schemas.microsoft.com/office/drawing/2014/main" val="596832718"/>
+                    </a:ext>
+                  </a:extLst>
+                </a:gridCol>
+                <a:gridCol w="1890346">
+                  <a:extLst>
+                    <a:ext uri="{9D8B030D-6E8A-4147-A177-3AD203B41FA5}">
+                      <a16:colId xmlns:a16="http://schemas.microsoft.com/office/drawing/2014/main" val="2880365793"/>
+                    </a:ext>
+                  </a:extLst>
+                </a:gridCol>
+                <a:gridCol w="1336431">
+                  <a:extLst>
+                    <a:ext uri="{9D8B030D-6E8A-4147-A177-3AD203B41FA5}">
+                      <a16:colId xmlns:a16="http://schemas.microsoft.com/office/drawing/2014/main" val="1157634430"/>
+                    </a:ext>
+                  </a:extLst>
+                </a:gridCol>
+                <a:gridCol w="966882">
+                  <a:extLst>
+                    <a:ext uri="{9D8B030D-6E8A-4147-A177-3AD203B41FA5}">
+                      <a16:colId xmlns:a16="http://schemas.microsoft.com/office/drawing/2014/main" val="2804018415"/>
+                    </a:ext>
+                  </a:extLst>
+                </a:gridCol>
+              </a:tblGrid>
+              <a:tr h="370840">
+                <a:tc>
+                  <a:txBody>
+                    <a:bodyPr/>
+                    <a:lstStyle/>
+                    <a:p>
+                      <a:pPr algn="ctr"/>
+                      <a:r>
+                        <a:rPr lang="en-US" sz="1200">
+                          <a:solidFill>
+                            <a:sysClr val="windowText" lastClr="000000"/>
+                          </a:solidFill>
+                        </a:rPr>
+                        <a:t>Đơn hàng</a:t>
+                      </a:r>
+                    </a:p>
+                  </a:txBody>
+                  <a:tcPr>
+                    <a:solidFill>
+                      <a:schemeClr val="bg1">
+                        <a:lumMod val="85000"/>
+                      </a:schemeClr>
+                    </a:solidFill>
+                  </a:tcPr>
+                </a:tc>
+                <a:tc>
+                  <a:txBody>
+                    <a:bodyPr/>
+                    <a:lstStyle/>
+                    <a:p>
+                      <a:pPr algn="ctr"/>
+                      <a:r>
+                        <a:rPr lang="en-US" sz="1200">
+                          <a:solidFill>
+                            <a:sysClr val="windowText" lastClr="000000"/>
+                          </a:solidFill>
+                        </a:rPr>
+                        <a:t>Ngày tạo</a:t>
+                      </a:r>
+                    </a:p>
+                  </a:txBody>
+                  <a:tcPr>
+                    <a:solidFill>
+                      <a:schemeClr val="bg1">
+                        <a:lumMod val="85000"/>
+                      </a:schemeClr>
+                    </a:solidFill>
+                  </a:tcPr>
+                </a:tc>
+                <a:tc>
+                  <a:txBody>
+                    <a:bodyPr/>
+                    <a:lstStyle/>
+                    <a:p>
+                      <a:pPr algn="ctr"/>
+                      <a:r>
+                        <a:rPr lang="en-US" sz="1200">
+                          <a:solidFill>
+                            <a:sysClr val="windowText" lastClr="000000"/>
+                          </a:solidFill>
+                        </a:rPr>
+                        <a:t>Tình trạng thanh toán</a:t>
+                      </a:r>
+                    </a:p>
+                  </a:txBody>
+                  <a:tcPr>
+                    <a:solidFill>
+                      <a:schemeClr val="bg1">
+                        <a:lumMod val="85000"/>
+                      </a:schemeClr>
+                    </a:solidFill>
+                  </a:tcPr>
+                </a:tc>
+                <a:tc>
+                  <a:txBody>
+                    <a:bodyPr/>
+                    <a:lstStyle/>
+                    <a:p>
+                      <a:pPr algn="ctr"/>
+                      <a:r>
+                        <a:rPr lang="en-US" sz="1200">
+                          <a:solidFill>
+                            <a:sysClr val="windowText" lastClr="000000"/>
+                          </a:solidFill>
+                        </a:rPr>
+                        <a:t>Tình trạng vận chuyển</a:t>
+                      </a:r>
+                    </a:p>
+                  </a:txBody>
+                  <a:tcPr>
+                    <a:solidFill>
+                      <a:schemeClr val="bg1">
+                        <a:lumMod val="85000"/>
+                      </a:schemeClr>
+                    </a:solidFill>
+                  </a:tcPr>
+                </a:tc>
+                <a:tc>
+                  <a:txBody>
+                    <a:bodyPr/>
+                    <a:lstStyle/>
+                    <a:p>
+                      <a:pPr algn="ctr"/>
+                      <a:r>
+                        <a:rPr lang="en-US" sz="1200">
+                          <a:solidFill>
+                            <a:sysClr val="windowText" lastClr="000000"/>
+                          </a:solidFill>
+                        </a:rPr>
+                        <a:t>Tổng tiền</a:t>
+                      </a:r>
+                    </a:p>
+                  </a:txBody>
+                  <a:tcPr>
+                    <a:solidFill>
+                      <a:schemeClr val="bg1">
+                        <a:lumMod val="85000"/>
+                      </a:schemeClr>
+                    </a:solidFill>
+                  </a:tcPr>
+                </a:tc>
+                <a:tc>
+                  <a:txBody>
+                    <a:bodyPr/>
+                    <a:lstStyle/>
+                    <a:p>
+                      <a:pPr algn="ctr"/>
+                      <a:r>
+                        <a:rPr lang="en-US" sz="1200">
+                          <a:solidFill>
+                            <a:sysClr val="windowText" lastClr="000000"/>
+                          </a:solidFill>
+                        </a:rPr>
+                        <a:t>Hủy</a:t>
+                      </a:r>
+                    </a:p>
+                  </a:txBody>
+                  <a:tcPr>
+                    <a:solidFill>
+                      <a:schemeClr val="bg1">
+                        <a:lumMod val="85000"/>
+                      </a:schemeClr>
+                    </a:solidFill>
+                  </a:tcPr>
+                </a:tc>
+                <a:extLst>
+                  <a:ext uri="{0D108BD9-81ED-4DB2-BD59-A6C34878D82A}">
+                    <a16:rowId xmlns:a16="http://schemas.microsoft.com/office/drawing/2014/main" val="1475170448"/>
+                  </a:ext>
+                </a:extLst>
+              </a:tr>
+              <a:tr h="370840">
+                <a:tc>
+                  <a:txBody>
+                    <a:bodyPr/>
+                    <a:lstStyle/>
+                    <a:p>
+                      <a:pPr algn="ctr"/>
+                      <a:r>
+                        <a:rPr lang="en-US" sz="1200"/>
+                        <a:t>###</a:t>
+                      </a:r>
+                    </a:p>
+                  </a:txBody>
+                  <a:tcPr>
+                    <a:solidFill>
+                      <a:schemeClr val="bg1">
+                        <a:lumMod val="95000"/>
+                      </a:schemeClr>
+                    </a:solidFill>
+                  </a:tcPr>
+                </a:tc>
+                <a:tc>
+                  <a:txBody>
+                    <a:bodyPr/>
+                    <a:lstStyle/>
+                    <a:p>
+                      <a:pPr algn="ctr"/>
+                      <a:r>
+                        <a:rPr lang="en-US" sz="1200"/>
+                        <a:t>dd/mm/yyyy</a:t>
+                      </a:r>
+                    </a:p>
+                  </a:txBody>
+                  <a:tcPr>
+                    <a:solidFill>
+                      <a:schemeClr val="bg1">
+                        <a:lumMod val="95000"/>
+                      </a:schemeClr>
+                    </a:solidFill>
+                  </a:tcPr>
+                </a:tc>
+                <a:tc>
+                  <a:txBody>
+                    <a:bodyPr/>
+                    <a:lstStyle/>
+                    <a:p>
+                      <a:pPr algn="ctr"/>
+                      <a:r>
+                        <a:rPr lang="en-US" sz="1200"/>
+                        <a:t>Chưa thanh toán</a:t>
+                      </a:r>
+                    </a:p>
+                  </a:txBody>
+                  <a:tcPr>
+                    <a:solidFill>
+                      <a:schemeClr val="bg1">
+                        <a:lumMod val="95000"/>
+                      </a:schemeClr>
+                    </a:solidFill>
+                  </a:tcPr>
+                </a:tc>
+                <a:tc>
+                  <a:txBody>
+                    <a:bodyPr/>
+                    <a:lstStyle/>
+                    <a:p>
+                      <a:pPr algn="ctr"/>
+                      <a:r>
+                        <a:rPr lang="en-US" sz="1200"/>
+                        <a:t>Đang chờ xử lý</a:t>
+                      </a:r>
+                    </a:p>
+                  </a:txBody>
+                  <a:tcPr>
+                    <a:solidFill>
+                      <a:schemeClr val="bg1">
+                        <a:lumMod val="95000"/>
+                      </a:schemeClr>
+                    </a:solidFill>
+                  </a:tcPr>
+                </a:tc>
+                <a:tc>
+                  <a:txBody>
+                    <a:bodyPr/>
+                    <a:lstStyle/>
+                    <a:p>
+                      <a:pPr algn="ctr"/>
+                      <a:r>
+                        <a:rPr lang="en-US" sz="1200"/>
+                        <a:t>Xxx đ</a:t>
+                      </a:r>
+                    </a:p>
+                  </a:txBody>
+                  <a:tcPr>
+                    <a:solidFill>
+                      <a:schemeClr val="bg1">
+                        <a:lumMod val="95000"/>
+                      </a:schemeClr>
+                    </a:solidFill>
+                  </a:tcPr>
+                </a:tc>
+                <a:tc>
+                  <a:txBody>
+                    <a:bodyPr/>
+                    <a:lstStyle/>
+                    <a:p>
+                      <a:pPr algn="ctr"/>
+                      <a:endParaRPr lang="en-US" sz="1200"/>
+                    </a:p>
+                  </a:txBody>
+                  <a:tcPr>
+                    <a:solidFill>
+                      <a:schemeClr val="bg1">
+                        <a:lumMod val="95000"/>
+                      </a:schemeClr>
+                    </a:solidFill>
+                  </a:tcPr>
+                </a:tc>
+                <a:extLst>
+                  <a:ext uri="{0D108BD9-81ED-4DB2-BD59-A6C34878D82A}">
+                    <a16:rowId xmlns:a16="http://schemas.microsoft.com/office/drawing/2014/main" val="1535342183"/>
+                  </a:ext>
+                </a:extLst>
+              </a:tr>
+              <a:tr h="370840">
+                <a:tc>
+                  <a:txBody>
+                    <a:bodyPr/>
+                    <a:lstStyle/>
+                    <a:p>
+                      <a:pPr algn="ctr"/>
+                      <a:r>
+                        <a:rPr lang="en-US" sz="1200"/>
+                        <a:t>###</a:t>
+                      </a:r>
+                    </a:p>
+                  </a:txBody>
+                  <a:tcPr>
+                    <a:solidFill>
+                      <a:schemeClr val="bg1">
+                        <a:lumMod val="95000"/>
+                      </a:schemeClr>
+                    </a:solidFill>
+                  </a:tcPr>
+                </a:tc>
+                <a:tc>
+                  <a:txBody>
+                    <a:bodyPr/>
+                    <a:lstStyle/>
+                    <a:p>
+                      <a:pPr algn="ctr"/>
+                      <a:r>
+                        <a:rPr lang="en-US" sz="1200"/>
+                        <a:t>dd/mm/yyyy</a:t>
+                      </a:r>
+                    </a:p>
+                  </a:txBody>
+                  <a:tcPr>
+                    <a:solidFill>
+                      <a:schemeClr val="bg1">
+                        <a:lumMod val="95000"/>
+                      </a:schemeClr>
+                    </a:solidFill>
+                  </a:tcPr>
+                </a:tc>
+                <a:tc>
+                  <a:txBody>
+                    <a:bodyPr/>
+                    <a:lstStyle/>
+                    <a:p>
+                      <a:pPr algn="ctr"/>
+                      <a:r>
+                        <a:rPr lang="en-US" sz="1200"/>
+                        <a:t>Đã thanh toán</a:t>
+                      </a:r>
+                    </a:p>
+                  </a:txBody>
+                  <a:tcPr>
+                    <a:solidFill>
+                      <a:schemeClr val="bg1">
+                        <a:lumMod val="95000"/>
+                      </a:schemeClr>
+                    </a:solidFill>
+                  </a:tcPr>
+                </a:tc>
+                <a:tc>
+                  <a:txBody>
+                    <a:bodyPr/>
+                    <a:lstStyle/>
+                    <a:p>
+                      <a:pPr algn="ctr"/>
+                      <a:r>
+                        <a:rPr lang="en-US" sz="1200"/>
+                        <a:t>Đã xử lý</a:t>
+                      </a:r>
+                    </a:p>
+                  </a:txBody>
+                  <a:tcPr>
+                    <a:solidFill>
+                      <a:schemeClr val="bg1">
+                        <a:lumMod val="95000"/>
+                      </a:schemeClr>
+                    </a:solidFill>
+                  </a:tcPr>
+                </a:tc>
+                <a:tc>
+                  <a:txBody>
+                    <a:bodyPr/>
+                    <a:lstStyle/>
+                    <a:p>
+                      <a:pPr algn="ctr"/>
+                      <a:r>
+                        <a:rPr lang="en-US" sz="1200"/>
+                        <a:t>Xxx đ</a:t>
+                      </a:r>
+                    </a:p>
+                  </a:txBody>
+                  <a:tcPr>
+                    <a:solidFill>
+                      <a:schemeClr val="bg1">
+                        <a:lumMod val="95000"/>
+                      </a:schemeClr>
+                    </a:solidFill>
+                  </a:tcPr>
+                </a:tc>
+                <a:tc>
+                  <a:txBody>
+                    <a:bodyPr/>
+                    <a:lstStyle/>
+                    <a:p>
+                      <a:pPr algn="ctr"/>
+                      <a:endParaRPr lang="en-US" sz="1200"/>
+                    </a:p>
+                  </a:txBody>
+                  <a:tcPr>
+                    <a:solidFill>
+                      <a:schemeClr val="bg1">
+                        <a:lumMod val="95000"/>
+                      </a:schemeClr>
+                    </a:solidFill>
+                  </a:tcPr>
+                </a:tc>
+                <a:extLst>
+                  <a:ext uri="{0D108BD9-81ED-4DB2-BD59-A6C34878D82A}">
+                    <a16:rowId xmlns:a16="http://schemas.microsoft.com/office/drawing/2014/main" val="668830860"/>
+                  </a:ext>
+                </a:extLst>
+              </a:tr>
+              <a:tr h="370840">
+                <a:tc>
+                  <a:txBody>
+                    <a:bodyPr/>
+                    <a:lstStyle/>
+                    <a:p>
+                      <a:pPr algn="ctr"/>
+                      <a:r>
+                        <a:rPr lang="en-US" sz="1200"/>
+                        <a:t>###</a:t>
+                      </a:r>
+                    </a:p>
+                  </a:txBody>
+                  <a:tcPr>
+                    <a:solidFill>
+                      <a:schemeClr val="bg1">
+                        <a:lumMod val="95000"/>
+                      </a:schemeClr>
+                    </a:solidFill>
+                  </a:tcPr>
+                </a:tc>
+                <a:tc>
+                  <a:txBody>
+                    <a:bodyPr/>
+                    <a:lstStyle/>
+                    <a:p>
+                      <a:pPr algn="ctr"/>
+                      <a:r>
+                        <a:rPr lang="en-US" sz="1200"/>
+                        <a:t>dd/mm/yyyy</a:t>
+                      </a:r>
+                    </a:p>
+                  </a:txBody>
+                  <a:tcPr>
+                    <a:solidFill>
+                      <a:schemeClr val="bg1">
+                        <a:lumMod val="95000"/>
+                      </a:schemeClr>
+                    </a:solidFill>
+                  </a:tcPr>
+                </a:tc>
+                <a:tc>
+                  <a:txBody>
+                    <a:bodyPr/>
+                    <a:lstStyle/>
+                    <a:p>
+                      <a:pPr algn="ctr"/>
+                      <a:r>
+                        <a:rPr lang="en-US" sz="1200"/>
+                        <a:t>Chưa thanh toán</a:t>
+                      </a:r>
+                    </a:p>
+                  </a:txBody>
+                  <a:tcPr>
+                    <a:solidFill>
+                      <a:schemeClr val="bg1">
+                        <a:lumMod val="95000"/>
+                      </a:schemeClr>
+                    </a:solidFill>
+                  </a:tcPr>
+                </a:tc>
+                <a:tc>
+                  <a:txBody>
+                    <a:bodyPr/>
+                    <a:lstStyle/>
+                    <a:p>
+                      <a:pPr algn="ctr"/>
+                      <a:r>
+                        <a:rPr lang="en-US" sz="1200"/>
+                        <a:t>Đang giao</a:t>
+                      </a:r>
+                    </a:p>
+                  </a:txBody>
+                  <a:tcPr>
+                    <a:solidFill>
+                      <a:schemeClr val="bg1">
+                        <a:lumMod val="95000"/>
+                      </a:schemeClr>
+                    </a:solidFill>
+                  </a:tcPr>
+                </a:tc>
+                <a:tc>
+                  <a:txBody>
+                    <a:bodyPr/>
+                    <a:lstStyle/>
+                    <a:p>
+                      <a:pPr algn="ctr"/>
+                      <a:r>
+                        <a:rPr lang="en-US" sz="1200"/>
+                        <a:t>Xxx đ</a:t>
+                      </a:r>
+                    </a:p>
+                  </a:txBody>
+                  <a:tcPr>
+                    <a:solidFill>
+                      <a:schemeClr val="bg1">
+                        <a:lumMod val="95000"/>
+                      </a:schemeClr>
+                    </a:solidFill>
+                  </a:tcPr>
+                </a:tc>
+                <a:tc>
+                  <a:txBody>
+                    <a:bodyPr/>
+                    <a:lstStyle/>
+                    <a:p>
+                      <a:pPr algn="ctr"/>
+                      <a:endParaRPr lang="en-US" sz="1200"/>
+                    </a:p>
+                  </a:txBody>
+                  <a:tcPr>
+                    <a:solidFill>
+                      <a:schemeClr val="bg1">
+                        <a:lumMod val="95000"/>
+                      </a:schemeClr>
+                    </a:solidFill>
+                  </a:tcPr>
+                </a:tc>
+                <a:extLst>
+                  <a:ext uri="{0D108BD9-81ED-4DB2-BD59-A6C34878D82A}">
+                    <a16:rowId xmlns:a16="http://schemas.microsoft.com/office/drawing/2014/main" val="484409884"/>
+                  </a:ext>
+                </a:extLst>
+              </a:tr>
+              <a:tr h="370840">
+                <a:tc>
+                  <a:txBody>
+                    <a:bodyPr/>
+                    <a:lstStyle/>
+                    <a:p>
+                      <a:pPr algn="ctr"/>
+                      <a:endParaRPr lang="en-US" sz="1200"/>
+                    </a:p>
+                  </a:txBody>
+                  <a:tcPr>
+                    <a:solidFill>
+                      <a:schemeClr val="bg1">
+                        <a:lumMod val="95000"/>
+                      </a:schemeClr>
+                    </a:solidFill>
+                  </a:tcPr>
+                </a:tc>
+                <a:tc>
+                  <a:txBody>
+                    <a:bodyPr/>
+                    <a:lstStyle/>
+                    <a:p>
+                      <a:pPr algn="ctr"/>
+                      <a:endParaRPr lang="en-US" sz="1200"/>
+                    </a:p>
+                  </a:txBody>
+                  <a:tcPr>
+                    <a:solidFill>
+                      <a:schemeClr val="bg1">
+                        <a:lumMod val="95000"/>
+                      </a:schemeClr>
+                    </a:solidFill>
+                  </a:tcPr>
+                </a:tc>
+                <a:tc>
+                  <a:txBody>
+                    <a:bodyPr/>
+                    <a:lstStyle/>
+                    <a:p>
+                      <a:pPr algn="ctr"/>
+                      <a:endParaRPr lang="en-US" sz="1200"/>
+                    </a:p>
+                  </a:txBody>
+                  <a:tcPr>
+                    <a:solidFill>
+                      <a:schemeClr val="bg1">
+                        <a:lumMod val="95000"/>
+                      </a:schemeClr>
+                    </a:solidFill>
+                  </a:tcPr>
+                </a:tc>
+                <a:tc>
+                  <a:txBody>
+                    <a:bodyPr/>
+                    <a:lstStyle/>
+                    <a:p>
+                      <a:pPr algn="ctr"/>
+                      <a:endParaRPr lang="en-US" sz="1200"/>
+                    </a:p>
+                  </a:txBody>
+                  <a:tcPr>
+                    <a:solidFill>
+                      <a:schemeClr val="bg1">
+                        <a:lumMod val="95000"/>
+                      </a:schemeClr>
+                    </a:solidFill>
+                  </a:tcPr>
+                </a:tc>
+                <a:tc>
+                  <a:txBody>
+                    <a:bodyPr/>
+                    <a:lstStyle/>
+                    <a:p>
+                      <a:pPr algn="ctr"/>
+                      <a:endParaRPr lang="en-US" sz="1200"/>
+                    </a:p>
+                  </a:txBody>
+                  <a:tcPr>
+                    <a:solidFill>
+                      <a:schemeClr val="bg1">
+                        <a:lumMod val="95000"/>
+                      </a:schemeClr>
+                    </a:solidFill>
+                  </a:tcPr>
+                </a:tc>
+                <a:tc>
+                  <a:txBody>
+                    <a:bodyPr/>
+                    <a:lstStyle/>
+                    <a:p>
+                      <a:pPr algn="ctr"/>
+                      <a:endParaRPr lang="en-US" sz="1200"/>
+                    </a:p>
+                  </a:txBody>
+                  <a:tcPr>
+                    <a:solidFill>
+                      <a:schemeClr val="bg1">
+                        <a:lumMod val="95000"/>
+                      </a:schemeClr>
+                    </a:solidFill>
+                  </a:tcPr>
+                </a:tc>
+                <a:extLst>
+                  <a:ext uri="{0D108BD9-81ED-4DB2-BD59-A6C34878D82A}">
+                    <a16:rowId xmlns:a16="http://schemas.microsoft.com/office/drawing/2014/main" val="4227702943"/>
+                  </a:ext>
+                </a:extLst>
+              </a:tr>
+            </a:tbl>
+          </a:graphicData>
+        </a:graphic>
+      </p:graphicFrame>
+      <p:pic>
+        <p:nvPicPr>
+          <p:cNvPr id="52" name="Graphic 51" descr="Close">
+            <a:extLst>
+              <a:ext uri="{FF2B5EF4-FFF2-40B4-BE49-F238E27FC236}">
+                <a16:creationId xmlns:a16="http://schemas.microsoft.com/office/drawing/2014/main" id="{A37B1CC8-2130-BB23-D84C-12F029455D1A}"/>
+              </a:ext>
+            </a:extLst>
+          </p:cNvPr>
+          <p:cNvPicPr>
+            <a:picLocks noChangeAspect="1"/>
+          </p:cNvPicPr>
+          <p:nvPr/>
+        </p:nvPicPr>
+        <p:blipFill>
+          <a:blip r:embed="rId6">
+            <a:extLst>
+              <a:ext uri="{28A0092B-C50C-407E-A947-70E740481C1C}">
+                <a14:useLocalDpi xmlns:a14="http://schemas.microsoft.com/office/drawing/2010/main" val="0"/>
+              </a:ext>
+              <a:ext uri="{96DAC541-7B7A-43D3-8B79-37D633B846F1}">
+                <asvg:svgBlip xmlns:asvg="http://schemas.microsoft.com/office/drawing/2016/SVG/main" r:embed="rId7"/>
+              </a:ext>
+            </a:extLst>
+          </a:blip>
+          <a:stretch>
+            <a:fillRect/>
+          </a:stretch>
+        </p:blipFill>
+        <p:spPr>
+          <a:xfrm>
+            <a:off x="9593437" y="3125101"/>
+            <a:ext cx="171543" cy="171543"/>
+          </a:xfrm>
+          <a:prstGeom prst="rect">
+            <a:avLst/>
+          </a:prstGeom>
+        </p:spPr>
+      </p:pic>
+      <p:pic>
+        <p:nvPicPr>
+          <p:cNvPr id="53" name="Graphic 52" descr="Close">
+            <a:extLst>
+              <a:ext uri="{FF2B5EF4-FFF2-40B4-BE49-F238E27FC236}">
+                <a16:creationId xmlns:a16="http://schemas.microsoft.com/office/drawing/2014/main" id="{E74F31F9-DFA4-AD04-7D4D-C4DEBE72D246}"/>
+              </a:ext>
+            </a:extLst>
+          </p:cNvPr>
+          <p:cNvPicPr>
+            <a:picLocks noChangeAspect="1"/>
+          </p:cNvPicPr>
+          <p:nvPr/>
+        </p:nvPicPr>
+        <p:blipFill>
+          <a:blip r:embed="rId6">
+            <a:extLst>
+              <a:ext uri="{28A0092B-C50C-407E-A947-70E740481C1C}">
+                <a14:useLocalDpi xmlns:a14="http://schemas.microsoft.com/office/drawing/2010/main" val="0"/>
+              </a:ext>
+              <a:ext uri="{96DAC541-7B7A-43D3-8B79-37D633B846F1}">
+                <asvg:svgBlip xmlns:asvg="http://schemas.microsoft.com/office/drawing/2016/SVG/main" r:embed="rId7"/>
+              </a:ext>
+            </a:extLst>
+          </a:blip>
+          <a:stretch>
+            <a:fillRect/>
+          </a:stretch>
+        </p:blipFill>
+        <p:spPr>
+          <a:xfrm>
+            <a:off x="9593436" y="3523324"/>
+            <a:ext cx="171543" cy="171543"/>
+          </a:xfrm>
+          <a:prstGeom prst="rect">
+            <a:avLst/>
+          </a:prstGeom>
+        </p:spPr>
+      </p:pic>
+      <p:pic>
+        <p:nvPicPr>
+          <p:cNvPr id="54" name="Graphic 53" descr="Close">
+            <a:extLst>
+              <a:ext uri="{FF2B5EF4-FFF2-40B4-BE49-F238E27FC236}">
+                <a16:creationId xmlns:a16="http://schemas.microsoft.com/office/drawing/2014/main" id="{F0726553-9934-E2D8-FE5F-FD411DE6B3C9}"/>
+              </a:ext>
+            </a:extLst>
+          </p:cNvPr>
+          <p:cNvPicPr>
+            <a:picLocks noChangeAspect="1"/>
+          </p:cNvPicPr>
+          <p:nvPr/>
+        </p:nvPicPr>
+        <p:blipFill>
+          <a:blip r:embed="rId6">
+            <a:extLst>
+              <a:ext uri="{28A0092B-C50C-407E-A947-70E740481C1C}">
+                <a14:useLocalDpi xmlns:a14="http://schemas.microsoft.com/office/drawing/2010/main" val="0"/>
+              </a:ext>
+              <a:ext uri="{96DAC541-7B7A-43D3-8B79-37D633B846F1}">
+                <asvg:svgBlip xmlns:asvg="http://schemas.microsoft.com/office/drawing/2016/SVG/main" r:embed="rId7"/>
+              </a:ext>
+            </a:extLst>
+          </a:blip>
+          <a:stretch>
+            <a:fillRect/>
+          </a:stretch>
+        </p:blipFill>
+        <p:spPr>
+          <a:xfrm>
+            <a:off x="9593435" y="3921547"/>
+            <a:ext cx="171543" cy="171543"/>
+          </a:xfrm>
+          <a:prstGeom prst="rect">
+            <a:avLst/>
+          </a:prstGeom>
+        </p:spPr>
+      </p:pic>
+      <p:graphicFrame>
+        <p:nvGraphicFramePr>
+          <p:cNvPr id="2" name="Table 51">
+            <a:extLst>
+              <a:ext uri="{FF2B5EF4-FFF2-40B4-BE49-F238E27FC236}">
+                <a16:creationId xmlns:a16="http://schemas.microsoft.com/office/drawing/2014/main" id="{080ED272-FAA3-6C09-8450-6D3A1D1DDE20}"/>
+              </a:ext>
+            </a:extLst>
+          </p:cNvPr>
+          <p:cNvGraphicFramePr>
+            <a:graphicFrameLocks noGrp="1"/>
+          </p:cNvGraphicFramePr>
+          <p:nvPr>
+            <p:extLst>
+              <p:ext uri="{D42A27DB-BD31-4B8C-83A1-F6EECF244321}">
+                <p14:modId xmlns:p14="http://schemas.microsoft.com/office/powerpoint/2010/main" val="3589606606"/>
+              </p:ext>
+            </p:extLst>
+          </p:nvPr>
+        </p:nvGraphicFramePr>
+        <p:xfrm>
+          <a:off x="2037156" y="2674073"/>
+          <a:ext cx="8128002" cy="1854200"/>
+        </p:xfrm>
+        <a:graphic>
+          <a:graphicData uri="http://schemas.openxmlformats.org/drawingml/2006/table">
+            <a:tbl>
+              <a:tblPr firstRow="1" bandRow="1">
+                <a:tableStyleId>{5C22544A-7EE6-4342-B048-85BDC9FD1C3A}</a:tableStyleId>
+              </a:tblPr>
+              <a:tblGrid>
+                <a:gridCol w="909789">
+                  <a:extLst>
+                    <a:ext uri="{9D8B030D-6E8A-4147-A177-3AD203B41FA5}">
+                      <a16:colId xmlns:a16="http://schemas.microsoft.com/office/drawing/2014/main" val="1052545886"/>
+                    </a:ext>
+                  </a:extLst>
+                </a:gridCol>
+                <a:gridCol w="1222131">
+                  <a:extLst>
+                    <a:ext uri="{9D8B030D-6E8A-4147-A177-3AD203B41FA5}">
+                      <a16:colId xmlns:a16="http://schemas.microsoft.com/office/drawing/2014/main" val="725307162"/>
+                    </a:ext>
+                  </a:extLst>
+                </a:gridCol>
+                <a:gridCol w="1802423">
+                  <a:extLst>
+                    <a:ext uri="{9D8B030D-6E8A-4147-A177-3AD203B41FA5}">
+                      <a16:colId xmlns:a16="http://schemas.microsoft.com/office/drawing/2014/main" val="596832718"/>
+                    </a:ext>
+                  </a:extLst>
+                </a:gridCol>
+                <a:gridCol w="1890346">
+                  <a:extLst>
+                    <a:ext uri="{9D8B030D-6E8A-4147-A177-3AD203B41FA5}">
+                      <a16:colId xmlns:a16="http://schemas.microsoft.com/office/drawing/2014/main" val="2880365793"/>
+                    </a:ext>
+                  </a:extLst>
+                </a:gridCol>
+                <a:gridCol w="1336431">
+                  <a:extLst>
+                    <a:ext uri="{9D8B030D-6E8A-4147-A177-3AD203B41FA5}">
+                      <a16:colId xmlns:a16="http://schemas.microsoft.com/office/drawing/2014/main" val="1157634430"/>
+                    </a:ext>
+                  </a:extLst>
+                </a:gridCol>
+                <a:gridCol w="966882">
+                  <a:extLst>
+                    <a:ext uri="{9D8B030D-6E8A-4147-A177-3AD203B41FA5}">
+                      <a16:colId xmlns:a16="http://schemas.microsoft.com/office/drawing/2014/main" val="2804018415"/>
+                    </a:ext>
+                  </a:extLst>
+                </a:gridCol>
+              </a:tblGrid>
+              <a:tr h="370840">
+                <a:tc>
+                  <a:txBody>
+                    <a:bodyPr/>
+                    <a:lstStyle/>
+                    <a:p>
+                      <a:pPr algn="ctr"/>
+                      <a:r>
+                        <a:rPr lang="en-US" sz="1200">
+                          <a:solidFill>
+                            <a:sysClr val="windowText" lastClr="000000"/>
+                          </a:solidFill>
+                        </a:rPr>
+                        <a:t>Đơn hàng</a:t>
+                      </a:r>
+                    </a:p>
+                  </a:txBody>
+                  <a:tcPr>
+                    <a:solidFill>
+                      <a:schemeClr val="bg1">
+                        <a:lumMod val="85000"/>
+                      </a:schemeClr>
+                    </a:solidFill>
+                  </a:tcPr>
+                </a:tc>
+                <a:tc>
+                  <a:txBody>
+                    <a:bodyPr/>
+                    <a:lstStyle/>
+                    <a:p>
+                      <a:pPr algn="ctr"/>
+                      <a:r>
+                        <a:rPr lang="en-US" sz="1200">
+                          <a:solidFill>
+                            <a:sysClr val="windowText" lastClr="000000"/>
+                          </a:solidFill>
+                        </a:rPr>
+                        <a:t>Ngày tạo</a:t>
+                      </a:r>
+                    </a:p>
+                  </a:txBody>
+                  <a:tcPr>
+                    <a:solidFill>
+                      <a:schemeClr val="bg1">
+                        <a:lumMod val="85000"/>
+                      </a:schemeClr>
+                    </a:solidFill>
+                  </a:tcPr>
+                </a:tc>
+                <a:tc>
+                  <a:txBody>
+                    <a:bodyPr/>
+                    <a:lstStyle/>
+                    <a:p>
+                      <a:pPr algn="ctr"/>
+                      <a:r>
+                        <a:rPr lang="en-US" sz="1200">
+                          <a:solidFill>
+                            <a:sysClr val="windowText" lastClr="000000"/>
+                          </a:solidFill>
+                        </a:rPr>
+                        <a:t>Tình trạng thanh toán</a:t>
+                      </a:r>
+                    </a:p>
+                  </a:txBody>
+                  <a:tcPr>
+                    <a:solidFill>
+                      <a:schemeClr val="bg1">
+                        <a:lumMod val="85000"/>
+                      </a:schemeClr>
+                    </a:solidFill>
+                  </a:tcPr>
+                </a:tc>
+                <a:tc>
+                  <a:txBody>
+                    <a:bodyPr/>
+                    <a:lstStyle/>
+                    <a:p>
+                      <a:pPr algn="ctr"/>
+                      <a:r>
+                        <a:rPr lang="en-US" sz="1200">
+                          <a:solidFill>
+                            <a:sysClr val="windowText" lastClr="000000"/>
+                          </a:solidFill>
+                        </a:rPr>
+                        <a:t>Tình trạng vận chuyển</a:t>
+                      </a:r>
+                    </a:p>
+                  </a:txBody>
+                  <a:tcPr>
+                    <a:solidFill>
+                      <a:schemeClr val="bg1">
+                        <a:lumMod val="85000"/>
+                      </a:schemeClr>
+                    </a:solidFill>
+                  </a:tcPr>
+                </a:tc>
+                <a:tc>
+                  <a:txBody>
+                    <a:bodyPr/>
+                    <a:lstStyle/>
+                    <a:p>
+                      <a:pPr algn="ctr"/>
+                      <a:r>
+                        <a:rPr lang="en-US" sz="1200">
+                          <a:solidFill>
+                            <a:sysClr val="windowText" lastClr="000000"/>
+                          </a:solidFill>
+                        </a:rPr>
+                        <a:t>Tổng tiền</a:t>
+                      </a:r>
+                    </a:p>
+                  </a:txBody>
+                  <a:tcPr>
+                    <a:solidFill>
+                      <a:schemeClr val="bg1">
+                        <a:lumMod val="85000"/>
+                      </a:schemeClr>
+                    </a:solidFill>
+                  </a:tcPr>
+                </a:tc>
+                <a:tc>
+                  <a:txBody>
+                    <a:bodyPr/>
+                    <a:lstStyle/>
+                    <a:p>
+                      <a:pPr algn="ctr"/>
+                      <a:r>
+                        <a:rPr lang="en-US" sz="1200">
+                          <a:solidFill>
+                            <a:sysClr val="windowText" lastClr="000000"/>
+                          </a:solidFill>
+                        </a:rPr>
+                        <a:t>Hủy</a:t>
+                      </a:r>
+                    </a:p>
+                  </a:txBody>
+                  <a:tcPr>
+                    <a:solidFill>
+                      <a:schemeClr val="bg1">
+                        <a:lumMod val="85000"/>
+                      </a:schemeClr>
+                    </a:solidFill>
+                  </a:tcPr>
+                </a:tc>
+                <a:extLst>
+                  <a:ext uri="{0D108BD9-81ED-4DB2-BD59-A6C34878D82A}">
+                    <a16:rowId xmlns:a16="http://schemas.microsoft.com/office/drawing/2014/main" val="1475170448"/>
+                  </a:ext>
+                </a:extLst>
+              </a:tr>
+              <a:tr h="370840">
+                <a:tc>
+                  <a:txBody>
+                    <a:bodyPr/>
+                    <a:lstStyle/>
+                    <a:p>
+                      <a:pPr algn="ctr"/>
+                      <a:r>
+                        <a:rPr lang="en-US" sz="1200"/>
+                        <a:t>###</a:t>
+                      </a:r>
+                    </a:p>
+                  </a:txBody>
+                  <a:tcPr>
+                    <a:solidFill>
+                      <a:schemeClr val="bg1">
+                        <a:lumMod val="95000"/>
+                      </a:schemeClr>
+                    </a:solidFill>
+                  </a:tcPr>
+                </a:tc>
+                <a:tc>
+                  <a:txBody>
+                    <a:bodyPr/>
+                    <a:lstStyle/>
+                    <a:p>
+                      <a:pPr algn="ctr"/>
+                      <a:r>
+                        <a:rPr lang="en-US" sz="1200"/>
+                        <a:t>dd/mm/yyyy</a:t>
+                      </a:r>
+                    </a:p>
+                  </a:txBody>
+                  <a:tcPr>
+                    <a:solidFill>
+                      <a:schemeClr val="bg1">
+                        <a:lumMod val="95000"/>
+                      </a:schemeClr>
+                    </a:solidFill>
+                  </a:tcPr>
+                </a:tc>
+                <a:tc>
+                  <a:txBody>
+                    <a:bodyPr/>
+                    <a:lstStyle/>
+                    <a:p>
+                      <a:pPr algn="ctr"/>
+                      <a:r>
+                        <a:rPr lang="en-US" sz="1200"/>
+                        <a:t>Chưa thanh toán</a:t>
+                      </a:r>
+                    </a:p>
+                  </a:txBody>
+                  <a:tcPr>
+                    <a:solidFill>
+                      <a:schemeClr val="bg1">
+                        <a:lumMod val="95000"/>
+                      </a:schemeClr>
+                    </a:solidFill>
+                  </a:tcPr>
+                </a:tc>
+                <a:tc>
+                  <a:txBody>
+                    <a:bodyPr/>
+                    <a:lstStyle/>
+                    <a:p>
+                      <a:pPr algn="ctr"/>
+                      <a:r>
+                        <a:rPr lang="en-US" sz="1200"/>
+                        <a:t>Đang chờ xử lý</a:t>
+                      </a:r>
+                    </a:p>
+                  </a:txBody>
+                  <a:tcPr>
+                    <a:solidFill>
+                      <a:schemeClr val="bg1">
+                        <a:lumMod val="95000"/>
+                      </a:schemeClr>
+                    </a:solidFill>
+                  </a:tcPr>
+                </a:tc>
+                <a:tc>
+                  <a:txBody>
+                    <a:bodyPr/>
+                    <a:lstStyle/>
+                    <a:p>
+                      <a:pPr algn="ctr"/>
+                      <a:r>
+                        <a:rPr lang="en-US" sz="1200"/>
+                        <a:t>Xxx đ</a:t>
+                      </a:r>
+                    </a:p>
+                  </a:txBody>
+                  <a:tcPr>
+                    <a:solidFill>
+                      <a:schemeClr val="bg1">
+                        <a:lumMod val="95000"/>
+                      </a:schemeClr>
+                    </a:solidFill>
+                  </a:tcPr>
+                </a:tc>
+                <a:tc>
+                  <a:txBody>
+                    <a:bodyPr/>
+                    <a:lstStyle/>
+                    <a:p>
+                      <a:pPr algn="ctr"/>
+                      <a:endParaRPr lang="en-US" sz="1200"/>
+                    </a:p>
+                  </a:txBody>
+                  <a:tcPr>
+                    <a:solidFill>
+                      <a:schemeClr val="bg1">
+                        <a:lumMod val="95000"/>
+                      </a:schemeClr>
+                    </a:solidFill>
+                  </a:tcPr>
+                </a:tc>
+                <a:extLst>
+                  <a:ext uri="{0D108BD9-81ED-4DB2-BD59-A6C34878D82A}">
+                    <a16:rowId xmlns:a16="http://schemas.microsoft.com/office/drawing/2014/main" val="1535342183"/>
+                  </a:ext>
+                </a:extLst>
+              </a:tr>
+              <a:tr h="370840">
+                <a:tc>
+                  <a:txBody>
+                    <a:bodyPr/>
+                    <a:lstStyle/>
+                    <a:p>
+                      <a:pPr algn="ctr"/>
+                      <a:r>
+                        <a:rPr lang="en-US" sz="1200"/>
+                        <a:t>###</a:t>
+                      </a:r>
+                    </a:p>
+                  </a:txBody>
+                  <a:tcPr>
+                    <a:solidFill>
+                      <a:schemeClr val="bg1">
+                        <a:lumMod val="95000"/>
+                      </a:schemeClr>
+                    </a:solidFill>
+                  </a:tcPr>
+                </a:tc>
+                <a:tc>
+                  <a:txBody>
+                    <a:bodyPr/>
+                    <a:lstStyle/>
+                    <a:p>
+                      <a:pPr algn="ctr"/>
+                      <a:r>
+                        <a:rPr lang="en-US" sz="1200"/>
+                        <a:t>dd/mm/yyyy</a:t>
+                      </a:r>
+                    </a:p>
+                  </a:txBody>
+                  <a:tcPr>
+                    <a:solidFill>
+                      <a:schemeClr val="bg1">
+                        <a:lumMod val="95000"/>
+                      </a:schemeClr>
+                    </a:solidFill>
+                  </a:tcPr>
+                </a:tc>
+                <a:tc>
+                  <a:txBody>
+                    <a:bodyPr/>
+                    <a:lstStyle/>
+                    <a:p>
+                      <a:pPr algn="ctr"/>
+                      <a:r>
+                        <a:rPr lang="en-US" sz="1200"/>
+                        <a:t>Đã thanh toán</a:t>
+                      </a:r>
+                    </a:p>
+                  </a:txBody>
+                  <a:tcPr>
+                    <a:solidFill>
+                      <a:schemeClr val="bg1">
+                        <a:lumMod val="95000"/>
+                      </a:schemeClr>
+                    </a:solidFill>
+                  </a:tcPr>
+                </a:tc>
+                <a:tc>
+                  <a:txBody>
+                    <a:bodyPr/>
+                    <a:lstStyle/>
+                    <a:p>
+                      <a:pPr algn="ctr"/>
+                      <a:r>
+                        <a:rPr lang="en-US" sz="1200"/>
+                        <a:t>Đã xử lý</a:t>
+                      </a:r>
+                    </a:p>
+                  </a:txBody>
+                  <a:tcPr>
+                    <a:solidFill>
+                      <a:schemeClr val="bg1">
+                        <a:lumMod val="95000"/>
+                      </a:schemeClr>
+                    </a:solidFill>
+                  </a:tcPr>
+                </a:tc>
+                <a:tc>
+                  <a:txBody>
+                    <a:bodyPr/>
+                    <a:lstStyle/>
+                    <a:p>
+                      <a:pPr algn="ctr"/>
+                      <a:r>
+                        <a:rPr lang="en-US" sz="1200"/>
+                        <a:t>Xxx đ</a:t>
+                      </a:r>
+                    </a:p>
+                  </a:txBody>
+                  <a:tcPr>
+                    <a:solidFill>
+                      <a:schemeClr val="bg1">
+                        <a:lumMod val="95000"/>
+                      </a:schemeClr>
+                    </a:solidFill>
+                  </a:tcPr>
+                </a:tc>
+                <a:tc>
+                  <a:txBody>
+                    <a:bodyPr/>
+                    <a:lstStyle/>
+                    <a:p>
+                      <a:pPr algn="ctr"/>
+                      <a:endParaRPr lang="en-US" sz="1200"/>
+                    </a:p>
+                  </a:txBody>
+                  <a:tcPr>
+                    <a:solidFill>
+                      <a:schemeClr val="bg1">
+                        <a:lumMod val="95000"/>
+                      </a:schemeClr>
+                    </a:solidFill>
+                  </a:tcPr>
+                </a:tc>
+                <a:extLst>
+                  <a:ext uri="{0D108BD9-81ED-4DB2-BD59-A6C34878D82A}">
+                    <a16:rowId xmlns:a16="http://schemas.microsoft.com/office/drawing/2014/main" val="668830860"/>
+                  </a:ext>
+                </a:extLst>
+              </a:tr>
+              <a:tr h="370840">
+                <a:tc>
+                  <a:txBody>
+                    <a:bodyPr/>
+                    <a:lstStyle/>
+                    <a:p>
+                      <a:pPr algn="ctr"/>
+                      <a:r>
+                        <a:rPr lang="en-US" sz="1200"/>
+                        <a:t>###</a:t>
+                      </a:r>
+                    </a:p>
+                  </a:txBody>
+                  <a:tcPr>
+                    <a:solidFill>
+                      <a:schemeClr val="bg1">
+                        <a:lumMod val="95000"/>
+                      </a:schemeClr>
+                    </a:solidFill>
+                  </a:tcPr>
+                </a:tc>
+                <a:tc>
+                  <a:txBody>
+                    <a:bodyPr/>
+                    <a:lstStyle/>
+                    <a:p>
+                      <a:pPr algn="ctr"/>
+                      <a:r>
+                        <a:rPr lang="en-US" sz="1200"/>
+                        <a:t>dd/mm/yyyy</a:t>
+                      </a:r>
+                    </a:p>
+                  </a:txBody>
+                  <a:tcPr>
+                    <a:solidFill>
+                      <a:schemeClr val="bg1">
+                        <a:lumMod val="95000"/>
+                      </a:schemeClr>
+                    </a:solidFill>
+                  </a:tcPr>
+                </a:tc>
+                <a:tc>
+                  <a:txBody>
+                    <a:bodyPr/>
+                    <a:lstStyle/>
+                    <a:p>
+                      <a:pPr algn="ctr"/>
+                      <a:r>
+                        <a:rPr lang="en-US" sz="1200"/>
+                        <a:t>Chưa thanh toán</a:t>
+                      </a:r>
+                    </a:p>
+                  </a:txBody>
+                  <a:tcPr>
+                    <a:solidFill>
+                      <a:schemeClr val="bg1">
+                        <a:lumMod val="95000"/>
+                      </a:schemeClr>
+                    </a:solidFill>
+                  </a:tcPr>
+                </a:tc>
+                <a:tc>
+                  <a:txBody>
+                    <a:bodyPr/>
+                    <a:lstStyle/>
+                    <a:p>
+                      <a:pPr algn="ctr"/>
+                      <a:r>
+                        <a:rPr lang="en-US" sz="1200"/>
+                        <a:t>Đang giao</a:t>
+                      </a:r>
+                    </a:p>
+                  </a:txBody>
+                  <a:tcPr>
+                    <a:solidFill>
+                      <a:schemeClr val="bg1">
+                        <a:lumMod val="95000"/>
+                      </a:schemeClr>
+                    </a:solidFill>
+                  </a:tcPr>
+                </a:tc>
+                <a:tc>
+                  <a:txBody>
+                    <a:bodyPr/>
+                    <a:lstStyle/>
+                    <a:p>
+                      <a:pPr algn="ctr"/>
+                      <a:r>
+                        <a:rPr lang="en-US" sz="1200"/>
+                        <a:t>Xxx đ</a:t>
+                      </a:r>
+                    </a:p>
+                  </a:txBody>
+                  <a:tcPr>
+                    <a:solidFill>
+                      <a:schemeClr val="bg1">
+                        <a:lumMod val="95000"/>
+                      </a:schemeClr>
+                    </a:solidFill>
+                  </a:tcPr>
+                </a:tc>
+                <a:tc>
+                  <a:txBody>
+                    <a:bodyPr/>
+                    <a:lstStyle/>
+                    <a:p>
+                      <a:pPr algn="ctr"/>
+                      <a:endParaRPr lang="en-US" sz="1200"/>
+                    </a:p>
+                  </a:txBody>
+                  <a:tcPr>
+                    <a:solidFill>
+                      <a:schemeClr val="bg1">
+                        <a:lumMod val="95000"/>
+                      </a:schemeClr>
+                    </a:solidFill>
+                  </a:tcPr>
+                </a:tc>
+                <a:extLst>
+                  <a:ext uri="{0D108BD9-81ED-4DB2-BD59-A6C34878D82A}">
+                    <a16:rowId xmlns:a16="http://schemas.microsoft.com/office/drawing/2014/main" val="484409884"/>
+                  </a:ext>
+                </a:extLst>
+              </a:tr>
+              <a:tr h="370840">
+                <a:tc>
+                  <a:txBody>
+                    <a:bodyPr/>
+                    <a:lstStyle/>
+                    <a:p>
+                      <a:pPr algn="ctr"/>
+                      <a:endParaRPr lang="en-US" sz="1200"/>
+                    </a:p>
+                  </a:txBody>
+                  <a:tcPr>
+                    <a:solidFill>
+                      <a:schemeClr val="bg1">
+                        <a:lumMod val="95000"/>
+                      </a:schemeClr>
+                    </a:solidFill>
+                  </a:tcPr>
+                </a:tc>
+                <a:tc>
+                  <a:txBody>
+                    <a:bodyPr/>
+                    <a:lstStyle/>
+                    <a:p>
+                      <a:pPr algn="ctr"/>
+                      <a:endParaRPr lang="en-US" sz="1200"/>
+                    </a:p>
+                  </a:txBody>
+                  <a:tcPr>
+                    <a:solidFill>
+                      <a:schemeClr val="bg1">
+                        <a:lumMod val="95000"/>
+                      </a:schemeClr>
+                    </a:solidFill>
+                  </a:tcPr>
+                </a:tc>
+                <a:tc>
+                  <a:txBody>
+                    <a:bodyPr/>
+                    <a:lstStyle/>
+                    <a:p>
+                      <a:pPr algn="ctr"/>
+                      <a:endParaRPr lang="en-US" sz="1200"/>
+                    </a:p>
+                  </a:txBody>
+                  <a:tcPr>
+                    <a:solidFill>
+                      <a:schemeClr val="bg1">
+                        <a:lumMod val="95000"/>
+                      </a:schemeClr>
+                    </a:solidFill>
+                  </a:tcPr>
+                </a:tc>
+                <a:tc>
+                  <a:txBody>
+                    <a:bodyPr/>
+                    <a:lstStyle/>
+                    <a:p>
+                      <a:pPr algn="ctr"/>
+                      <a:endParaRPr lang="en-US" sz="1200"/>
+                    </a:p>
+                  </a:txBody>
+                  <a:tcPr>
+                    <a:solidFill>
+                      <a:schemeClr val="bg1">
+                        <a:lumMod val="95000"/>
+                      </a:schemeClr>
+                    </a:solidFill>
+                  </a:tcPr>
+                </a:tc>
+                <a:tc>
+                  <a:txBody>
+                    <a:bodyPr/>
+                    <a:lstStyle/>
+                    <a:p>
+                      <a:pPr algn="ctr"/>
+                      <a:endParaRPr lang="en-US" sz="1200"/>
+                    </a:p>
+                  </a:txBody>
+                  <a:tcPr>
+                    <a:solidFill>
+                      <a:schemeClr val="bg1">
+                        <a:lumMod val="95000"/>
+                      </a:schemeClr>
+                    </a:solidFill>
+                  </a:tcPr>
+                </a:tc>
+                <a:tc>
+                  <a:txBody>
+                    <a:bodyPr/>
+                    <a:lstStyle/>
+                    <a:p>
+                      <a:pPr algn="ctr"/>
+                      <a:endParaRPr lang="en-US" sz="1200"/>
+                    </a:p>
+                  </a:txBody>
+                  <a:tcPr>
+                    <a:solidFill>
+                      <a:schemeClr val="bg1">
+                        <a:lumMod val="95000"/>
+                      </a:schemeClr>
+                    </a:solidFill>
+                  </a:tcPr>
+                </a:tc>
+                <a:extLst>
+                  <a:ext uri="{0D108BD9-81ED-4DB2-BD59-A6C34878D82A}">
+                    <a16:rowId xmlns:a16="http://schemas.microsoft.com/office/drawing/2014/main" val="4227702943"/>
+                  </a:ext>
+                </a:extLst>
+              </a:tr>
+            </a:tbl>
+          </a:graphicData>
+        </a:graphic>
+      </p:graphicFrame>
+    </p:spTree>
+    <p:extLst>
+      <p:ext uri="{BB962C8B-B14F-4D97-AF65-F5344CB8AC3E}">
+        <p14:creationId xmlns:p14="http://schemas.microsoft.com/office/powerpoint/2010/main" val="166289398"/>
+      </p:ext>
+    </p:extLst>
+  </p:cSld>
+  <p:clrMapOvr>
+    <a:masterClrMapping/>
+  </p:clrMapOvr>
+</p:sld>
+</file>
+
+<file path=ppt/slides/slide11.xml><?xml version="1.0" encoding="utf-8"?>
+<p:sld xmlns:a="http://schemas.openxmlformats.org/drawingml/2006/main" xmlns:r="http://schemas.openxmlformats.org/officeDocument/2006/relationships" xmlns:p="http://schemas.openxmlformats.org/presentationml/2006/main">
+  <p:cSld>
+    <p:spTree>
+      <p:nvGrpSpPr>
+        <p:cNvPr id="1" name=""/>
+        <p:cNvGrpSpPr/>
+        <p:nvPr/>
+      </p:nvGrpSpPr>
+      <p:grpSpPr>
+        <a:xfrm>
+          <a:off x="0" y="0"/>
+          <a:ext cx="0" cy="0"/>
+          <a:chOff x="0" y="0"/>
+          <a:chExt cx="0" cy="0"/>
+        </a:xfrm>
+      </p:grpSpPr>
+      <p:grpSp>
+        <p:nvGrpSpPr>
+          <p:cNvPr id="2" name="Group 1">
+            <a:extLst>
+              <a:ext uri="{FF2B5EF4-FFF2-40B4-BE49-F238E27FC236}">
+                <a16:creationId xmlns:a16="http://schemas.microsoft.com/office/drawing/2014/main" id="{9873FFE6-168C-6C42-5B66-5A5F8B933576}"/>
+              </a:ext>
+            </a:extLst>
+          </p:cNvPr>
+          <p:cNvGrpSpPr/>
+          <p:nvPr/>
+        </p:nvGrpSpPr>
+        <p:grpSpPr>
+          <a:xfrm>
+            <a:off x="1773820" y="764070"/>
+            <a:ext cx="8634045" cy="678374"/>
+            <a:chOff x="967154" y="391258"/>
+            <a:chExt cx="10383715" cy="854247"/>
+          </a:xfrm>
+        </p:grpSpPr>
+        <p:sp>
+          <p:nvSpPr>
+            <p:cNvPr id="3" name="Rectangle 2">
+              <a:extLst>
+                <a:ext uri="{FF2B5EF4-FFF2-40B4-BE49-F238E27FC236}">
+                  <a16:creationId xmlns:a16="http://schemas.microsoft.com/office/drawing/2014/main" id="{CA16FEEE-69A6-9865-07AD-C470165BC4B7}"/>
+                </a:ext>
+              </a:extLst>
+            </p:cNvPr>
+            <p:cNvSpPr/>
+            <p:nvPr/>
+          </p:nvSpPr>
+          <p:spPr>
+            <a:xfrm>
+              <a:off x="967154" y="391258"/>
+              <a:ext cx="10383715" cy="747346"/>
+            </a:xfrm>
+            <a:prstGeom prst="rect">
+              <a:avLst/>
+            </a:prstGeom>
+            <a:solidFill>
+              <a:schemeClr val="bg1">
+                <a:lumMod val="95000"/>
+              </a:schemeClr>
+            </a:solidFill>
+          </p:spPr>
+          <p:style>
+            <a:lnRef idx="2">
+              <a:schemeClr val="dk1"/>
+            </a:lnRef>
+            <a:fillRef idx="1">
+              <a:schemeClr val="lt1"/>
+            </a:fillRef>
+            <a:effectRef idx="0">
+              <a:schemeClr val="dk1"/>
+            </a:effectRef>
+            <a:fontRef idx="minor">
+              <a:schemeClr val="dk1"/>
+            </a:fontRef>
+          </p:style>
+          <p:txBody>
+            <a:bodyPr rtlCol="0" anchor="ctr"/>
+            <a:lstStyle/>
+            <a:p>
+              <a:pPr algn="ctr"/>
+              <a:endParaRPr lang="en-US" sz="1400"/>
+            </a:p>
+          </p:txBody>
+        </p:sp>
+        <p:sp>
+          <p:nvSpPr>
+            <p:cNvPr id="4" name="TextBox 3">
+              <a:extLst>
+                <a:ext uri="{FF2B5EF4-FFF2-40B4-BE49-F238E27FC236}">
+                  <a16:creationId xmlns:a16="http://schemas.microsoft.com/office/drawing/2014/main" id="{13207485-2442-3BE3-9865-8F34594D9B98}"/>
+                </a:ext>
+              </a:extLst>
+            </p:cNvPr>
+            <p:cNvSpPr txBox="1"/>
+            <p:nvPr/>
+          </p:nvSpPr>
+          <p:spPr>
+            <a:xfrm>
+              <a:off x="1064253" y="580872"/>
+              <a:ext cx="1169377" cy="387570"/>
+            </a:xfrm>
+            <a:prstGeom prst="rect">
+              <a:avLst/>
+            </a:prstGeom>
+            <a:noFill/>
+          </p:spPr>
+          <p:txBody>
+            <a:bodyPr wrap="square" rtlCol="0">
+              <a:spAutoFit/>
+            </a:bodyPr>
+            <a:lstStyle/>
+            <a:p>
+              <a:r>
+                <a:rPr lang="en-US" sz="1400">
+                  <a:solidFill>
+                    <a:schemeClr val="tx1">
+                      <a:lumMod val="65000"/>
+                      <a:lumOff val="35000"/>
+                    </a:schemeClr>
+                  </a:solidFill>
+                </a:rPr>
+                <a:t>Trang chủ</a:t>
+              </a:r>
+            </a:p>
+          </p:txBody>
+        </p:sp>
+        <p:sp>
+          <p:nvSpPr>
+            <p:cNvPr id="5" name="TextBox 4">
+              <a:extLst>
+                <a:ext uri="{FF2B5EF4-FFF2-40B4-BE49-F238E27FC236}">
+                  <a16:creationId xmlns:a16="http://schemas.microsoft.com/office/drawing/2014/main" id="{5EA4B2E1-0400-4126-8258-2EBC286FB87B}"/>
+                </a:ext>
+              </a:extLst>
+            </p:cNvPr>
+            <p:cNvSpPr txBox="1"/>
+            <p:nvPr/>
+          </p:nvSpPr>
+          <p:spPr>
+            <a:xfrm>
+              <a:off x="2123343" y="570105"/>
+              <a:ext cx="1169377" cy="387570"/>
+            </a:xfrm>
+            <a:prstGeom prst="rect">
+              <a:avLst/>
+            </a:prstGeom>
+            <a:noFill/>
+          </p:spPr>
+          <p:txBody>
+            <a:bodyPr wrap="square" rtlCol="0">
+              <a:spAutoFit/>
+            </a:bodyPr>
+            <a:lstStyle/>
+            <a:p>
+              <a:r>
+                <a:rPr lang="en-US" sz="1400">
+                  <a:solidFill>
+                    <a:schemeClr val="tx1">
+                      <a:lumMod val="65000"/>
+                      <a:lumOff val="35000"/>
+                    </a:schemeClr>
+                  </a:solidFill>
+                </a:rPr>
+                <a:t>Danh mục</a:t>
+              </a:r>
+            </a:p>
+          </p:txBody>
+        </p:sp>
+        <p:sp>
+          <p:nvSpPr>
+            <p:cNvPr id="6" name="Rectangle: Rounded Corners 5">
+              <a:extLst>
+                <a:ext uri="{FF2B5EF4-FFF2-40B4-BE49-F238E27FC236}">
+                  <a16:creationId xmlns:a16="http://schemas.microsoft.com/office/drawing/2014/main" id="{B34124C6-F35D-1A1E-E582-7FB8A235A595}"/>
+                </a:ext>
+              </a:extLst>
+            </p:cNvPr>
+            <p:cNvSpPr/>
+            <p:nvPr/>
+          </p:nvSpPr>
+          <p:spPr>
+            <a:xfrm>
+              <a:off x="6894637" y="580265"/>
+              <a:ext cx="1976803" cy="298967"/>
+            </a:xfrm>
+            <a:prstGeom prst="roundRect">
+              <a:avLst/>
+            </a:prstGeom>
+            <a:solidFill>
+              <a:schemeClr val="bg1"/>
+            </a:solidFill>
+          </p:spPr>
+          <p:style>
+            <a:lnRef idx="2">
+              <a:schemeClr val="accent1">
+                <a:shade val="50000"/>
+              </a:schemeClr>
+            </a:lnRef>
+            <a:fillRef idx="1">
+              <a:schemeClr val="accent1"/>
+            </a:fillRef>
+            <a:effectRef idx="0">
+              <a:schemeClr val="accent1"/>
+            </a:effectRef>
+            <a:fontRef idx="minor">
+              <a:schemeClr val="lt1"/>
+            </a:fontRef>
+          </p:style>
+          <p:txBody>
+            <a:bodyPr rtlCol="0" anchor="ctr"/>
+            <a:lstStyle/>
+            <a:p>
+              <a:r>
+                <a:rPr lang="en-US" sz="1200">
+                  <a:solidFill>
+                    <a:schemeClr val="tx1"/>
+                  </a:solidFill>
+                </a:rPr>
+                <a:t>Tìm kiếm sản phẩm</a:t>
+              </a:r>
+            </a:p>
+          </p:txBody>
+        </p:sp>
+        <p:pic>
+          <p:nvPicPr>
+            <p:cNvPr id="7" name="Graphic 6" descr="Magnifying glass">
+              <a:extLst>
+                <a:ext uri="{FF2B5EF4-FFF2-40B4-BE49-F238E27FC236}">
+                  <a16:creationId xmlns:a16="http://schemas.microsoft.com/office/drawing/2014/main" id="{3E599F52-5C4A-D1AE-14AB-F03E9FFB2CC6}"/>
+                </a:ext>
+              </a:extLst>
+            </p:cNvPr>
+            <p:cNvPicPr>
+              <a:picLocks noChangeAspect="1"/>
+            </p:cNvPicPr>
+            <p:nvPr/>
+          </p:nvPicPr>
+          <p:blipFill>
+            <a:blip r:embed="rId2">
+              <a:extLst>
+                <a:ext uri="{28A0092B-C50C-407E-A947-70E740481C1C}">
+                  <a14:useLocalDpi xmlns:a14="http://schemas.microsoft.com/office/drawing/2010/main" val="0"/>
+                </a:ext>
+                <a:ext uri="{96DAC541-7B7A-43D3-8B79-37D633B846F1}">
+                  <asvg:svgBlip xmlns:asvg="http://schemas.microsoft.com/office/drawing/2016/SVG/main" r:embed="rId3"/>
+                </a:ext>
+              </a:extLst>
+            </a:blip>
+            <a:stretch>
+              <a:fillRect/>
+            </a:stretch>
+          </p:blipFill>
+          <p:spPr>
+            <a:xfrm>
+              <a:off x="8607670" y="615462"/>
+              <a:ext cx="263769" cy="263769"/>
+            </a:xfrm>
+            <a:prstGeom prst="rect">
+              <a:avLst/>
+            </a:prstGeom>
+          </p:spPr>
+        </p:pic>
+        <p:pic>
+          <p:nvPicPr>
+            <p:cNvPr id="8" name="Graphic 7" descr="User">
+              <a:extLst>
+                <a:ext uri="{FF2B5EF4-FFF2-40B4-BE49-F238E27FC236}">
+                  <a16:creationId xmlns:a16="http://schemas.microsoft.com/office/drawing/2014/main" id="{9CA05F06-98E8-79A5-4C38-2EA5B27E51A5}"/>
+                </a:ext>
+              </a:extLst>
+            </p:cNvPr>
+            <p:cNvPicPr>
+              <a:picLocks noChangeAspect="1"/>
+            </p:cNvPicPr>
+            <p:nvPr/>
+          </p:nvPicPr>
+          <p:blipFill>
+            <a:blip r:embed="rId4">
+              <a:extLst>
+                <a:ext uri="{28A0092B-C50C-407E-A947-70E740481C1C}">
+                  <a14:useLocalDpi xmlns:a14="http://schemas.microsoft.com/office/drawing/2010/main" val="0"/>
+                </a:ext>
+                <a:ext uri="{96DAC541-7B7A-43D3-8B79-37D633B846F1}">
+                  <asvg:svgBlip xmlns:asvg="http://schemas.microsoft.com/office/drawing/2016/SVG/main" r:embed="rId5"/>
+                </a:ext>
+              </a:extLst>
+            </a:blip>
+            <a:stretch>
+              <a:fillRect/>
+            </a:stretch>
+          </p:blipFill>
+          <p:spPr>
+            <a:xfrm>
+              <a:off x="9296400" y="553902"/>
+              <a:ext cx="357554" cy="351692"/>
+            </a:xfrm>
+            <a:prstGeom prst="rect">
+              <a:avLst/>
+            </a:prstGeom>
+          </p:spPr>
+        </p:pic>
+        <p:sp>
+          <p:nvSpPr>
+            <p:cNvPr id="9" name="TextBox 8">
+              <a:extLst>
+                <a:ext uri="{FF2B5EF4-FFF2-40B4-BE49-F238E27FC236}">
+                  <a16:creationId xmlns:a16="http://schemas.microsoft.com/office/drawing/2014/main" id="{C782FA82-19F6-67D4-7B14-B21AB41F6FF1}"/>
+                </a:ext>
+              </a:extLst>
+            </p:cNvPr>
+            <p:cNvSpPr txBox="1"/>
+            <p:nvPr/>
+          </p:nvSpPr>
+          <p:spPr>
+            <a:xfrm>
+              <a:off x="9653954" y="545083"/>
+              <a:ext cx="1392117" cy="387570"/>
+            </a:xfrm>
+            <a:prstGeom prst="rect">
+              <a:avLst/>
+            </a:prstGeom>
+            <a:noFill/>
+          </p:spPr>
+          <p:txBody>
+            <a:bodyPr wrap="square" rtlCol="0">
+              <a:spAutoFit/>
+            </a:bodyPr>
+            <a:lstStyle/>
+            <a:p>
+              <a:r>
+                <a:rPr lang="en-US" sz="1400">
+                  <a:solidFill>
+                    <a:schemeClr val="tx1">
+                      <a:lumMod val="65000"/>
+                      <a:lumOff val="35000"/>
+                    </a:schemeClr>
+                  </a:solidFill>
+                </a:rPr>
+                <a:t>User 1</a:t>
+              </a:r>
+            </a:p>
+          </p:txBody>
+        </p:sp>
+        <p:sp>
+          <p:nvSpPr>
+            <p:cNvPr id="10" name="TextBox 9">
+              <a:extLst>
+                <a:ext uri="{FF2B5EF4-FFF2-40B4-BE49-F238E27FC236}">
+                  <a16:creationId xmlns:a16="http://schemas.microsoft.com/office/drawing/2014/main" id="{51252B1E-3B06-E3A3-6C89-1202DA227CC0}"/>
+                </a:ext>
+              </a:extLst>
+            </p:cNvPr>
+            <p:cNvSpPr txBox="1"/>
+            <p:nvPr/>
+          </p:nvSpPr>
+          <p:spPr>
+            <a:xfrm>
+              <a:off x="3238070" y="586636"/>
+              <a:ext cx="1169377" cy="658869"/>
+            </a:xfrm>
+            <a:prstGeom prst="rect">
+              <a:avLst/>
+            </a:prstGeom>
+            <a:noFill/>
+          </p:spPr>
+          <p:txBody>
+            <a:bodyPr wrap="square" rtlCol="0">
+              <a:spAutoFit/>
+            </a:bodyPr>
+            <a:lstStyle/>
+            <a:p>
+              <a:r>
+                <a:rPr lang="en-US" sz="1400">
+                  <a:solidFill>
+                    <a:schemeClr val="tx1">
+                      <a:lumMod val="65000"/>
+                      <a:lumOff val="35000"/>
+                    </a:schemeClr>
+                  </a:solidFill>
+                </a:rPr>
+                <a:t>Giỏ hàng	</a:t>
+              </a:r>
+            </a:p>
+          </p:txBody>
+        </p:sp>
+        <p:sp>
+          <p:nvSpPr>
+            <p:cNvPr id="11" name="TextBox 10">
+              <a:extLst>
+                <a:ext uri="{FF2B5EF4-FFF2-40B4-BE49-F238E27FC236}">
+                  <a16:creationId xmlns:a16="http://schemas.microsoft.com/office/drawing/2014/main" id="{28E5ECAD-DD9F-89CC-6694-4CD03730D7B7}"/>
+                </a:ext>
+              </a:extLst>
+            </p:cNvPr>
+            <p:cNvSpPr txBox="1"/>
+            <p:nvPr/>
+          </p:nvSpPr>
+          <p:spPr>
+            <a:xfrm>
+              <a:off x="5578168" y="561955"/>
+              <a:ext cx="1392117" cy="387570"/>
+            </a:xfrm>
+            <a:prstGeom prst="rect">
+              <a:avLst/>
+            </a:prstGeom>
+            <a:noFill/>
+          </p:spPr>
+          <p:txBody>
+            <a:bodyPr wrap="square" rtlCol="0">
+              <a:spAutoFit/>
+            </a:bodyPr>
+            <a:lstStyle/>
+            <a:p>
+              <a:r>
+                <a:rPr lang="en-US" sz="1400">
+                  <a:solidFill>
+                    <a:schemeClr val="tx1">
+                      <a:lumMod val="65000"/>
+                      <a:lumOff val="35000"/>
+                    </a:schemeClr>
+                  </a:solidFill>
+                </a:rPr>
+                <a:t>Chính sách</a:t>
+              </a:r>
+            </a:p>
+          </p:txBody>
+        </p:sp>
+      </p:grpSp>
+      <p:sp>
+        <p:nvSpPr>
+          <p:cNvPr id="12" name="Rectangle: Rounded Corners 11">
+            <a:extLst>
+              <a:ext uri="{FF2B5EF4-FFF2-40B4-BE49-F238E27FC236}">
+                <a16:creationId xmlns:a16="http://schemas.microsoft.com/office/drawing/2014/main" id="{48AEE7FF-6FA9-A2B3-8B01-B32DF6B0BC45}"/>
+              </a:ext>
+            </a:extLst>
+          </p:cNvPr>
+          <p:cNvSpPr/>
+          <p:nvPr/>
+        </p:nvSpPr>
+        <p:spPr>
+          <a:xfrm>
+            <a:off x="4564997" y="934040"/>
+            <a:ext cx="979975" cy="251887"/>
+          </a:xfrm>
+          <a:prstGeom prst="roundRect">
+            <a:avLst/>
+          </a:prstGeom>
+          <a:solidFill>
+            <a:schemeClr val="accent1">
+              <a:lumMod val="60000"/>
+              <a:lumOff val="40000"/>
+            </a:schemeClr>
+          </a:solidFill>
+        </p:spPr>
+        <p:style>
+          <a:lnRef idx="2">
+            <a:schemeClr val="accent1">
+              <a:shade val="50000"/>
+            </a:schemeClr>
+          </a:lnRef>
+          <a:fillRef idx="1">
+            <a:schemeClr val="accent1"/>
+          </a:fillRef>
+          <a:effectRef idx="0">
+            <a:schemeClr val="accent1"/>
+          </a:effectRef>
+          <a:fontRef idx="minor">
+            <a:schemeClr val="lt1"/>
+          </a:fontRef>
+        </p:style>
+        <p:txBody>
+          <a:bodyPr rtlCol="0" anchor="ctr"/>
+          <a:lstStyle/>
+          <a:p>
+            <a:pPr algn="ctr"/>
+            <a:r>
+              <a:rPr lang="en-US" sz="1400">
+                <a:solidFill>
+                  <a:schemeClr val="tx1"/>
+                </a:solidFill>
+              </a:rPr>
+              <a:t>Đơn hàng</a:t>
+            </a:r>
+          </a:p>
+        </p:txBody>
+      </p:sp>
+      <p:sp>
+        <p:nvSpPr>
+          <p:cNvPr id="13" name="Rectangle 12">
+            <a:extLst>
+              <a:ext uri="{FF2B5EF4-FFF2-40B4-BE49-F238E27FC236}">
+                <a16:creationId xmlns:a16="http://schemas.microsoft.com/office/drawing/2014/main" id="{19AD51DD-55CE-B4B2-5116-7CCCABA3A7C9}"/>
+              </a:ext>
+            </a:extLst>
+          </p:cNvPr>
+          <p:cNvSpPr/>
+          <p:nvPr/>
+        </p:nvSpPr>
+        <p:spPr>
+          <a:xfrm>
+            <a:off x="1773820" y="1634622"/>
+            <a:ext cx="8634045" cy="4150716"/>
+          </a:xfrm>
+          <a:prstGeom prst="rect">
+            <a:avLst/>
+          </a:prstGeom>
+          <a:solidFill>
+            <a:schemeClr val="bg1"/>
+          </a:solidFill>
+        </p:spPr>
+        <p:style>
+          <a:lnRef idx="2">
+            <a:schemeClr val="accent1">
+              <a:shade val="50000"/>
+            </a:schemeClr>
+          </a:lnRef>
+          <a:fillRef idx="1">
+            <a:schemeClr val="accent1"/>
+          </a:fillRef>
+          <a:effectRef idx="0">
+            <a:schemeClr val="accent1"/>
+          </a:effectRef>
+          <a:fontRef idx="minor">
+            <a:schemeClr val="lt1"/>
+          </a:fontRef>
+        </p:style>
+        <p:txBody>
+          <a:bodyPr rtlCol="0" anchor="ctr"/>
+          <a:lstStyle/>
+          <a:p>
+            <a:pPr algn="ctr"/>
+            <a:endParaRPr lang="en-US"/>
+          </a:p>
+        </p:txBody>
+      </p:sp>
+      <p:graphicFrame>
+        <p:nvGraphicFramePr>
+          <p:cNvPr id="14" name="Table 51">
+            <a:extLst>
+              <a:ext uri="{FF2B5EF4-FFF2-40B4-BE49-F238E27FC236}">
+                <a16:creationId xmlns:a16="http://schemas.microsoft.com/office/drawing/2014/main" id="{D5696C36-4082-5578-FB57-913C8705DF80}"/>
+              </a:ext>
+            </a:extLst>
+          </p:cNvPr>
+          <p:cNvGraphicFramePr>
+            <a:graphicFrameLocks noGrp="1"/>
+          </p:cNvGraphicFramePr>
+          <p:nvPr>
+            <p:extLst>
+              <p:ext uri="{D42A27DB-BD31-4B8C-83A1-F6EECF244321}">
+                <p14:modId xmlns:p14="http://schemas.microsoft.com/office/powerpoint/2010/main" val="3694347402"/>
+              </p:ext>
+            </p:extLst>
+          </p:nvPr>
+        </p:nvGraphicFramePr>
+        <p:xfrm>
+          <a:off x="2332806" y="2225394"/>
+          <a:ext cx="4580039" cy="741680"/>
+        </p:xfrm>
+        <a:graphic>
+          <a:graphicData uri="http://schemas.openxmlformats.org/drawingml/2006/table">
+            <a:tbl>
+              <a:tblPr firstRow="1" bandRow="1">
+                <a:tableStyleId>{5C22544A-7EE6-4342-B048-85BDC9FD1C3A}</a:tableStyleId>
+              </a:tblPr>
+              <a:tblGrid>
+                <a:gridCol w="1076642">
+                  <a:extLst>
+                    <a:ext uri="{9D8B030D-6E8A-4147-A177-3AD203B41FA5}">
+                      <a16:colId xmlns:a16="http://schemas.microsoft.com/office/drawing/2014/main" val="1052545886"/>
+                    </a:ext>
+                  </a:extLst>
+                </a:gridCol>
+                <a:gridCol w="1090486">
+                  <a:extLst>
+                    <a:ext uri="{9D8B030D-6E8A-4147-A177-3AD203B41FA5}">
+                      <a16:colId xmlns:a16="http://schemas.microsoft.com/office/drawing/2014/main" val="725307162"/>
+                    </a:ext>
+                  </a:extLst>
+                </a:gridCol>
+                <a:gridCol w="682942">
+                  <a:extLst>
+                    <a:ext uri="{9D8B030D-6E8A-4147-A177-3AD203B41FA5}">
+                      <a16:colId xmlns:a16="http://schemas.microsoft.com/office/drawing/2014/main" val="596832718"/>
+                    </a:ext>
+                  </a:extLst>
+                </a:gridCol>
+                <a:gridCol w="795655">
+                  <a:extLst>
+                    <a:ext uri="{9D8B030D-6E8A-4147-A177-3AD203B41FA5}">
+                      <a16:colId xmlns:a16="http://schemas.microsoft.com/office/drawing/2014/main" val="2880365793"/>
+                    </a:ext>
+                  </a:extLst>
+                </a:gridCol>
+                <a:gridCol w="934314">
+                  <a:extLst>
+                    <a:ext uri="{9D8B030D-6E8A-4147-A177-3AD203B41FA5}">
+                      <a16:colId xmlns:a16="http://schemas.microsoft.com/office/drawing/2014/main" val="1157634430"/>
+                    </a:ext>
+                  </a:extLst>
+                </a:gridCol>
+              </a:tblGrid>
+              <a:tr h="370840">
+                <a:tc>
+                  <a:txBody>
+                    <a:bodyPr/>
+                    <a:lstStyle/>
+                    <a:p>
+                      <a:pPr algn="ctr"/>
+                      <a:r>
+                        <a:rPr lang="en-US" sz="1200">
+                          <a:solidFill>
+                            <a:sysClr val="windowText" lastClr="000000"/>
+                          </a:solidFill>
+                        </a:rPr>
+                        <a:t>Mã sản phẩm</a:t>
+                      </a:r>
+                    </a:p>
+                  </a:txBody>
+                  <a:tcPr>
+                    <a:solidFill>
+                      <a:schemeClr val="bg1">
+                        <a:lumMod val="85000"/>
+                      </a:schemeClr>
+                    </a:solidFill>
+                  </a:tcPr>
+                </a:tc>
+                <a:tc>
+                  <a:txBody>
+                    <a:bodyPr/>
+                    <a:lstStyle/>
+                    <a:p>
+                      <a:pPr algn="ctr"/>
+                      <a:r>
+                        <a:rPr lang="en-US" sz="1200">
+                          <a:solidFill>
+                            <a:sysClr val="windowText" lastClr="000000"/>
+                          </a:solidFill>
+                        </a:rPr>
+                        <a:t>Tên sản phẩm</a:t>
+                      </a:r>
+                    </a:p>
+                  </a:txBody>
+                  <a:tcPr>
+                    <a:solidFill>
+                      <a:schemeClr val="bg1">
+                        <a:lumMod val="85000"/>
+                      </a:schemeClr>
+                    </a:solidFill>
+                  </a:tcPr>
+                </a:tc>
+                <a:tc>
+                  <a:txBody>
+                    <a:bodyPr/>
+                    <a:lstStyle/>
+                    <a:p>
+                      <a:pPr algn="ctr"/>
+                      <a:r>
+                        <a:rPr lang="en-US" sz="1200">
+                          <a:solidFill>
+                            <a:sysClr val="windowText" lastClr="000000"/>
+                          </a:solidFill>
+                        </a:rPr>
+                        <a:t>Giá</a:t>
+                      </a:r>
+                    </a:p>
+                  </a:txBody>
+                  <a:tcPr>
+                    <a:solidFill>
+                      <a:schemeClr val="bg1">
+                        <a:lumMod val="85000"/>
+                      </a:schemeClr>
+                    </a:solidFill>
+                  </a:tcPr>
+                </a:tc>
+                <a:tc>
+                  <a:txBody>
+                    <a:bodyPr/>
+                    <a:lstStyle/>
+                    <a:p>
+                      <a:pPr algn="ctr"/>
+                      <a:r>
+                        <a:rPr lang="en-US" sz="1200">
+                          <a:solidFill>
+                            <a:sysClr val="windowText" lastClr="000000"/>
+                          </a:solidFill>
+                        </a:rPr>
+                        <a:t>Số lượng</a:t>
+                      </a:r>
+                    </a:p>
+                  </a:txBody>
+                  <a:tcPr>
+                    <a:solidFill>
+                      <a:schemeClr val="bg1">
+                        <a:lumMod val="85000"/>
+                      </a:schemeClr>
+                    </a:solidFill>
+                  </a:tcPr>
+                </a:tc>
+                <a:tc>
+                  <a:txBody>
+                    <a:bodyPr/>
+                    <a:lstStyle/>
+                    <a:p>
+                      <a:pPr algn="ctr"/>
+                      <a:r>
+                        <a:rPr lang="en-US" sz="1200">
+                          <a:solidFill>
+                            <a:sysClr val="windowText" lastClr="000000"/>
+                          </a:solidFill>
+                        </a:rPr>
+                        <a:t>Tổng tiền</a:t>
+                      </a:r>
+                    </a:p>
+                  </a:txBody>
+                  <a:tcPr>
+                    <a:solidFill>
+                      <a:schemeClr val="bg1">
+                        <a:lumMod val="85000"/>
+                      </a:schemeClr>
+                    </a:solidFill>
+                  </a:tcPr>
+                </a:tc>
+                <a:extLst>
+                  <a:ext uri="{0D108BD9-81ED-4DB2-BD59-A6C34878D82A}">
+                    <a16:rowId xmlns:a16="http://schemas.microsoft.com/office/drawing/2014/main" val="1475170448"/>
+                  </a:ext>
+                </a:extLst>
+              </a:tr>
+              <a:tr h="370840">
+                <a:tc>
+                  <a:txBody>
+                    <a:bodyPr/>
+                    <a:lstStyle/>
+                    <a:p>
+                      <a:pPr algn="ctr"/>
+                      <a:r>
+                        <a:rPr lang="en-US" sz="1200"/>
+                        <a:t>###</a:t>
+                      </a:r>
+                    </a:p>
+                  </a:txBody>
+                  <a:tcPr>
+                    <a:solidFill>
+                      <a:schemeClr val="bg1">
+                        <a:lumMod val="95000"/>
+                      </a:schemeClr>
+                    </a:solidFill>
+                  </a:tcPr>
+                </a:tc>
+                <a:tc>
+                  <a:txBody>
+                    <a:bodyPr/>
+                    <a:lstStyle/>
+                    <a:p>
+                      <a:pPr algn="ctr"/>
+                      <a:r>
+                        <a:rPr lang="en-US" sz="1200"/>
+                        <a:t>PC DELL XXX</a:t>
+                      </a:r>
+                    </a:p>
+                  </a:txBody>
+                  <a:tcPr>
+                    <a:solidFill>
+                      <a:schemeClr val="bg1">
+                        <a:lumMod val="95000"/>
+                      </a:schemeClr>
+                    </a:solidFill>
+                  </a:tcPr>
+                </a:tc>
+                <a:tc>
+                  <a:txBody>
+                    <a:bodyPr/>
+                    <a:lstStyle/>
+                    <a:p>
+                      <a:pPr algn="ctr"/>
+                      <a:r>
+                        <a:rPr lang="en-US" sz="1200"/>
+                        <a:t>Xxxxx đ</a:t>
+                      </a:r>
+                    </a:p>
+                  </a:txBody>
+                  <a:tcPr>
+                    <a:solidFill>
+                      <a:schemeClr val="bg1">
+                        <a:lumMod val="95000"/>
+                      </a:schemeClr>
+                    </a:solidFill>
+                  </a:tcPr>
+                </a:tc>
+                <a:tc>
+                  <a:txBody>
+                    <a:bodyPr/>
+                    <a:lstStyle/>
+                    <a:p>
+                      <a:pPr algn="ctr"/>
+                      <a:r>
+                        <a:rPr lang="en-US" sz="1200"/>
+                        <a:t>1</a:t>
+                      </a:r>
+                    </a:p>
+                  </a:txBody>
+                  <a:tcPr>
+                    <a:solidFill>
+                      <a:schemeClr val="bg1">
+                        <a:lumMod val="95000"/>
+                      </a:schemeClr>
+                    </a:solidFill>
+                  </a:tcPr>
+                </a:tc>
+                <a:tc>
+                  <a:txBody>
+                    <a:bodyPr/>
+                    <a:lstStyle/>
+                    <a:p>
+                      <a:pPr algn="ctr"/>
+                      <a:r>
+                        <a:rPr lang="en-US" sz="1200"/>
+                        <a:t>Xxxx đ</a:t>
+                      </a:r>
+                    </a:p>
+                  </a:txBody>
+                  <a:tcPr>
+                    <a:solidFill>
+                      <a:schemeClr val="bg1">
+                        <a:lumMod val="95000"/>
+                      </a:schemeClr>
+                    </a:solidFill>
+                  </a:tcPr>
+                </a:tc>
+                <a:extLst>
+                  <a:ext uri="{0D108BD9-81ED-4DB2-BD59-A6C34878D82A}">
+                    <a16:rowId xmlns:a16="http://schemas.microsoft.com/office/drawing/2014/main" val="1535342183"/>
+                  </a:ext>
+                </a:extLst>
+              </a:tr>
+            </a:tbl>
+          </a:graphicData>
+        </a:graphic>
+      </p:graphicFrame>
+      <p:sp>
+        <p:nvSpPr>
+          <p:cNvPr id="15" name="TextBox 14">
+            <a:extLst>
+              <a:ext uri="{FF2B5EF4-FFF2-40B4-BE49-F238E27FC236}">
+                <a16:creationId xmlns:a16="http://schemas.microsoft.com/office/drawing/2014/main" id="{83767B57-B485-F3D0-4B0D-DD9D88DA087E}"/>
+              </a:ext>
+            </a:extLst>
+          </p:cNvPr>
+          <p:cNvSpPr txBox="1"/>
+          <p:nvPr/>
+        </p:nvSpPr>
+        <p:spPr>
+          <a:xfrm>
+            <a:off x="2345209" y="1846570"/>
+            <a:ext cx="1888375" cy="307777"/>
+          </a:xfrm>
+          <a:prstGeom prst="rect">
+            <a:avLst/>
+          </a:prstGeom>
+          <a:noFill/>
+        </p:spPr>
+        <p:txBody>
+          <a:bodyPr wrap="square" rtlCol="0">
+            <a:spAutoFit/>
+          </a:bodyPr>
+          <a:lstStyle/>
+          <a:p>
+            <a:r>
+              <a:rPr lang="en-US" sz="1400" b="1"/>
+              <a:t>Đơn hàng #666888</a:t>
+            </a:r>
+          </a:p>
+        </p:txBody>
+      </p:sp>
+      <p:sp>
+        <p:nvSpPr>
+          <p:cNvPr id="17" name="TextBox 16">
+            <a:extLst>
+              <a:ext uri="{FF2B5EF4-FFF2-40B4-BE49-F238E27FC236}">
+                <a16:creationId xmlns:a16="http://schemas.microsoft.com/office/drawing/2014/main" id="{36C5BE07-8684-7055-A2AC-EBCE5E814047}"/>
+              </a:ext>
+            </a:extLst>
+          </p:cNvPr>
+          <p:cNvSpPr txBox="1"/>
+          <p:nvPr/>
+        </p:nvSpPr>
+        <p:spPr>
+          <a:xfrm>
+            <a:off x="7274703" y="2028355"/>
+            <a:ext cx="3147053" cy="1877437"/>
+          </a:xfrm>
+          <a:prstGeom prst="rect">
+            <a:avLst/>
+          </a:prstGeom>
+          <a:noFill/>
+        </p:spPr>
+        <p:txBody>
+          <a:bodyPr wrap="square" rtlCol="0">
+            <a:spAutoFit/>
+          </a:bodyPr>
+          <a:lstStyle/>
+          <a:p>
+            <a:r>
+              <a:rPr lang="en-US" sz="1600" b="1"/>
+              <a:t>Thông tin khách hàng</a:t>
+            </a:r>
+          </a:p>
+          <a:p>
+            <a:r>
+              <a:rPr lang="en-US" sz="1400"/>
+              <a:t>Ngày tạo: dd/mm/yyyy</a:t>
+            </a:r>
+          </a:p>
+          <a:p>
+            <a:r>
+              <a:rPr lang="en-US" sz="1400"/>
+              <a:t>Người nhận: Nguyen Van A</a:t>
+            </a:r>
+          </a:p>
+          <a:p>
+            <a:r>
+              <a:rPr lang="en-US" sz="1400"/>
+              <a:t>Email: </a:t>
+            </a:r>
+            <a:r>
+              <a:rPr lang="en-US" sz="1400">
+                <a:hlinkClick r:id="rId6"/>
+              </a:rPr>
+              <a:t>abc@gmail.com</a:t>
+            </a:r>
+            <a:endParaRPr lang="en-US" sz="1400"/>
+          </a:p>
+          <a:p>
+            <a:endParaRPr lang="en-US" sz="1400" b="1"/>
+          </a:p>
+          <a:p>
+            <a:r>
+              <a:rPr lang="en-US" sz="1600" b="1"/>
+              <a:t>Địa chỉ nhận hàng: </a:t>
+            </a:r>
+          </a:p>
+          <a:p>
+            <a:r>
+              <a:rPr lang="en-US" sz="1400"/>
+              <a:t>SĐT: 0123456789</a:t>
+            </a:r>
+          </a:p>
+          <a:p>
+            <a:r>
+              <a:rPr lang="en-US" sz="1400"/>
+              <a:t>ĐC: xxx, phường xã,  quận huyện, tỉnh</a:t>
+            </a:r>
+          </a:p>
+        </p:txBody>
+      </p:sp>
+      <p:sp>
+        <p:nvSpPr>
+          <p:cNvPr id="18" name="TextBox 17">
+            <a:extLst>
+              <a:ext uri="{FF2B5EF4-FFF2-40B4-BE49-F238E27FC236}">
+                <a16:creationId xmlns:a16="http://schemas.microsoft.com/office/drawing/2014/main" id="{04D8F0BA-50F4-E67F-2323-65AB7A680C1B}"/>
+              </a:ext>
+            </a:extLst>
+          </p:cNvPr>
+          <p:cNvSpPr txBox="1"/>
+          <p:nvPr/>
+        </p:nvSpPr>
+        <p:spPr>
+          <a:xfrm>
+            <a:off x="5339318" y="2994360"/>
+            <a:ext cx="3147053" cy="646331"/>
+          </a:xfrm>
+          <a:prstGeom prst="rect">
+            <a:avLst/>
+          </a:prstGeom>
+          <a:noFill/>
+        </p:spPr>
+        <p:txBody>
+          <a:bodyPr wrap="square" rtlCol="0">
+            <a:spAutoFit/>
+          </a:bodyPr>
+          <a:lstStyle/>
+          <a:p>
+            <a:r>
+              <a:rPr lang="en-US" sz="1200"/>
+              <a:t>Tạm tính: xxxx đ</a:t>
+            </a:r>
+          </a:p>
+          <a:p>
+            <a:r>
+              <a:rPr lang="en-US" sz="1200"/>
+              <a:t>Giảm giá: -xxxx đ</a:t>
+            </a:r>
+          </a:p>
+          <a:p>
+            <a:r>
+              <a:rPr lang="en-US" sz="1200"/>
+              <a:t>Tổng cộng: xxxx đ</a:t>
+            </a:r>
+          </a:p>
+        </p:txBody>
+      </p:sp>
+      <p:sp>
+        <p:nvSpPr>
+          <p:cNvPr id="19" name="TextBox 18">
+            <a:extLst>
+              <a:ext uri="{FF2B5EF4-FFF2-40B4-BE49-F238E27FC236}">
+                <a16:creationId xmlns:a16="http://schemas.microsoft.com/office/drawing/2014/main" id="{3A6B1966-4819-AC63-C7BF-9DD0DF7321D5}"/>
+              </a:ext>
+            </a:extLst>
+          </p:cNvPr>
+          <p:cNvSpPr txBox="1"/>
+          <p:nvPr/>
+        </p:nvSpPr>
+        <p:spPr>
+          <a:xfrm>
+            <a:off x="2189291" y="3905792"/>
+            <a:ext cx="1644155" cy="646331"/>
+          </a:xfrm>
+          <a:prstGeom prst="rect">
+            <a:avLst/>
+          </a:prstGeom>
+          <a:noFill/>
+        </p:spPr>
+        <p:txBody>
+          <a:bodyPr wrap="square" rtlCol="0">
+            <a:spAutoFit/>
+          </a:bodyPr>
+          <a:lstStyle/>
+          <a:p>
+            <a:r>
+              <a:rPr lang="en-US" sz="1200"/>
+              <a:t>Trạng thái thanh toán</a:t>
+            </a:r>
+          </a:p>
+          <a:p>
+            <a:endParaRPr lang="en-US" sz="1200"/>
+          </a:p>
+          <a:p>
+            <a:r>
+              <a:rPr lang="en-US" sz="1200" b="1"/>
+              <a:t>Chưa thanh toán</a:t>
+            </a:r>
+          </a:p>
+        </p:txBody>
+      </p:sp>
+      <p:sp>
+        <p:nvSpPr>
+          <p:cNvPr id="20" name="TextBox 19">
+            <a:extLst>
+              <a:ext uri="{FF2B5EF4-FFF2-40B4-BE49-F238E27FC236}">
+                <a16:creationId xmlns:a16="http://schemas.microsoft.com/office/drawing/2014/main" id="{0797B179-0EE1-CD51-6E1C-BE7FB6B57C5D}"/>
+              </a:ext>
+            </a:extLst>
+          </p:cNvPr>
+          <p:cNvSpPr txBox="1"/>
+          <p:nvPr/>
+        </p:nvSpPr>
+        <p:spPr>
+          <a:xfrm>
+            <a:off x="4517240" y="3905792"/>
+            <a:ext cx="1644155" cy="646331"/>
+          </a:xfrm>
+          <a:prstGeom prst="rect">
+            <a:avLst/>
+          </a:prstGeom>
+          <a:noFill/>
+        </p:spPr>
+        <p:txBody>
+          <a:bodyPr wrap="square" rtlCol="0">
+            <a:spAutoFit/>
+          </a:bodyPr>
+          <a:lstStyle/>
+          <a:p>
+            <a:r>
+              <a:rPr lang="en-US" sz="1200"/>
+              <a:t>Trạng thái đơn hàng</a:t>
+            </a:r>
+          </a:p>
+          <a:p>
+            <a:endParaRPr lang="en-US" sz="1200"/>
+          </a:p>
+          <a:p>
+            <a:r>
+              <a:rPr lang="en-US" sz="1200" b="1"/>
+              <a:t>Chờ xác nhận</a:t>
+            </a:r>
+          </a:p>
+        </p:txBody>
+      </p:sp>
+      <p:sp>
+        <p:nvSpPr>
+          <p:cNvPr id="21" name="TextBox 20">
+            <a:extLst>
+              <a:ext uri="{FF2B5EF4-FFF2-40B4-BE49-F238E27FC236}">
+                <a16:creationId xmlns:a16="http://schemas.microsoft.com/office/drawing/2014/main" id="{4E98792F-A1D3-686F-C59C-BA1459F5D10A}"/>
+              </a:ext>
+            </a:extLst>
+          </p:cNvPr>
+          <p:cNvSpPr txBox="1"/>
+          <p:nvPr/>
+        </p:nvSpPr>
+        <p:spPr>
+          <a:xfrm>
+            <a:off x="2189290" y="4744301"/>
+            <a:ext cx="2327950" cy="646331"/>
+          </a:xfrm>
+          <a:prstGeom prst="rect">
+            <a:avLst/>
+          </a:prstGeom>
+          <a:noFill/>
+        </p:spPr>
+        <p:txBody>
+          <a:bodyPr wrap="square" rtlCol="0">
+            <a:spAutoFit/>
+          </a:bodyPr>
+          <a:lstStyle/>
+          <a:p>
+            <a:r>
+              <a:rPr lang="en-US" sz="1200"/>
+              <a:t>Phương thức giao hàng</a:t>
+            </a:r>
+          </a:p>
+          <a:p>
+            <a:endParaRPr lang="en-US" sz="1200"/>
+          </a:p>
+          <a:p>
+            <a:r>
+              <a:rPr lang="en-US" sz="1200" b="1"/>
+              <a:t>Thanh toán khi nhận hàng (COD)</a:t>
+            </a:r>
+          </a:p>
+        </p:txBody>
+      </p:sp>
+    </p:spTree>
+    <p:extLst>
+      <p:ext uri="{BB962C8B-B14F-4D97-AF65-F5344CB8AC3E}">
+        <p14:creationId xmlns:p14="http://schemas.microsoft.com/office/powerpoint/2010/main" val="555463858"/>
+      </p:ext>
+    </p:extLst>
+  </p:cSld>
+  <p:clrMapOvr>
+    <a:masterClrMapping/>
+  </p:clrMapOvr>
+</p:sld>
+</file>
+
+<file path=ppt/slides/slide12.xml><?xml version="1.0" encoding="utf-8"?>
+<p:sld xmlns:a="http://schemas.openxmlformats.org/drawingml/2006/main" xmlns:r="http://schemas.openxmlformats.org/officeDocument/2006/relationships" xmlns:p="http://schemas.openxmlformats.org/presentationml/2006/main">
+  <p:cSld>
+    <p:spTree>
+      <p:nvGrpSpPr>
+        <p:cNvPr id="1" name=""/>
+        <p:cNvGrpSpPr/>
+        <p:nvPr/>
+      </p:nvGrpSpPr>
+      <p:grpSpPr>
+        <a:xfrm>
+          <a:off x="0" y="0"/>
+          <a:ext cx="0" cy="0"/>
+          <a:chOff x="0" y="0"/>
+          <a:chExt cx="0" cy="0"/>
+        </a:xfrm>
+      </p:grpSpPr>
+      <p:grpSp>
+        <p:nvGrpSpPr>
+          <p:cNvPr id="17" name="Group 16">
+            <a:extLst>
+              <a:ext uri="{FF2B5EF4-FFF2-40B4-BE49-F238E27FC236}">
+                <a16:creationId xmlns:a16="http://schemas.microsoft.com/office/drawing/2014/main" id="{8E7CAD64-8DE5-B372-52AB-D210200C9E71}"/>
+              </a:ext>
+            </a:extLst>
+          </p:cNvPr>
+          <p:cNvGrpSpPr/>
+          <p:nvPr/>
+        </p:nvGrpSpPr>
+        <p:grpSpPr>
+          <a:xfrm>
+            <a:off x="624913" y="639313"/>
+            <a:ext cx="2641060" cy="5232400"/>
+            <a:chOff x="939801" y="1848744"/>
+            <a:chExt cx="2641060" cy="4425056"/>
+          </a:xfrm>
+        </p:grpSpPr>
+        <p:sp>
+          <p:nvSpPr>
+            <p:cNvPr id="5" name="Rectangle: Rounded Corners 4">
+              <a:extLst>
+                <a:ext uri="{FF2B5EF4-FFF2-40B4-BE49-F238E27FC236}">
+                  <a16:creationId xmlns:a16="http://schemas.microsoft.com/office/drawing/2014/main" id="{E8278673-6655-AE68-79CF-BD70DF84E0B1}"/>
+                </a:ext>
+              </a:extLst>
+            </p:cNvPr>
+            <p:cNvSpPr/>
+            <p:nvPr/>
+          </p:nvSpPr>
+          <p:spPr>
+            <a:xfrm>
+              <a:off x="939801" y="1848744"/>
+              <a:ext cx="2641060" cy="4425056"/>
+            </a:xfrm>
+            <a:prstGeom prst="roundRect">
+              <a:avLst>
+                <a:gd name="adj" fmla="val 1494"/>
+              </a:avLst>
+            </a:prstGeom>
+            <a:solidFill>
+              <a:schemeClr val="bg1">
+                <a:lumMod val="95000"/>
+              </a:schemeClr>
+            </a:solidFill>
+          </p:spPr>
+          <p:style>
+            <a:lnRef idx="2">
+              <a:schemeClr val="accent1">
+                <a:shade val="50000"/>
+              </a:schemeClr>
+            </a:lnRef>
+            <a:fillRef idx="1">
+              <a:schemeClr val="accent1"/>
+            </a:fillRef>
+            <a:effectRef idx="0">
+              <a:schemeClr val="accent1"/>
+            </a:effectRef>
+            <a:fontRef idx="minor">
+              <a:schemeClr val="lt1"/>
+            </a:fontRef>
+          </p:style>
+          <p:txBody>
+            <a:bodyPr rtlCol="0" anchor="ctr"/>
+            <a:lstStyle/>
+            <a:p>
+              <a:pPr algn="ctr"/>
+              <a:endParaRPr lang="en-US"/>
+            </a:p>
+          </p:txBody>
+        </p:sp>
+        <p:sp>
+          <p:nvSpPr>
+            <p:cNvPr id="6" name="TextBox 5">
+              <a:extLst>
+                <a:ext uri="{FF2B5EF4-FFF2-40B4-BE49-F238E27FC236}">
+                  <a16:creationId xmlns:a16="http://schemas.microsoft.com/office/drawing/2014/main" id="{1F01342A-58E1-FE1D-06A2-357448CEEC5F}"/>
+                </a:ext>
+              </a:extLst>
+            </p:cNvPr>
+            <p:cNvSpPr txBox="1"/>
+            <p:nvPr/>
+          </p:nvSpPr>
+          <p:spPr>
+            <a:xfrm>
+              <a:off x="1421855" y="2089887"/>
+              <a:ext cx="762546" cy="307776"/>
+            </a:xfrm>
+            <a:prstGeom prst="rect">
+              <a:avLst/>
+            </a:prstGeom>
+            <a:noFill/>
+          </p:spPr>
+          <p:txBody>
+            <a:bodyPr wrap="square" rtlCol="0">
+              <a:spAutoFit/>
+            </a:bodyPr>
+            <a:lstStyle/>
+            <a:p>
+              <a:r>
+                <a:rPr lang="en-US" sz="1400"/>
+                <a:t>Logo</a:t>
+              </a:r>
+            </a:p>
+          </p:txBody>
+        </p:sp>
+        <p:sp>
+          <p:nvSpPr>
+            <p:cNvPr id="7" name="Rectangle 6">
+              <a:extLst>
+                <a:ext uri="{FF2B5EF4-FFF2-40B4-BE49-F238E27FC236}">
+                  <a16:creationId xmlns:a16="http://schemas.microsoft.com/office/drawing/2014/main" id="{16A3880C-97AF-8E27-6E90-A3E761EC68C4}"/>
+                </a:ext>
+              </a:extLst>
+            </p:cNvPr>
+            <p:cNvSpPr/>
+            <p:nvPr/>
+          </p:nvSpPr>
+          <p:spPr>
+            <a:xfrm>
+              <a:off x="1548971" y="2774146"/>
+              <a:ext cx="1422719" cy="241280"/>
+            </a:xfrm>
+            <a:prstGeom prst="rect">
+              <a:avLst/>
+            </a:prstGeom>
+            <a:solidFill>
+              <a:schemeClr val="bg1"/>
+            </a:solidFill>
+          </p:spPr>
+          <p:style>
+            <a:lnRef idx="2">
+              <a:schemeClr val="accent1">
+                <a:shade val="50000"/>
+              </a:schemeClr>
+            </a:lnRef>
+            <a:fillRef idx="1">
+              <a:schemeClr val="accent1"/>
+            </a:fillRef>
+            <a:effectRef idx="0">
+              <a:schemeClr val="accent1"/>
+            </a:effectRef>
+            <a:fontRef idx="minor">
+              <a:schemeClr val="lt1"/>
+            </a:fontRef>
+          </p:style>
+          <p:txBody>
+            <a:bodyPr rtlCol="0" anchor="ctr"/>
+            <a:lstStyle/>
+            <a:p>
+              <a:pPr algn="ctr"/>
+              <a:r>
+                <a:rPr lang="en-US" sz="1000">
+                  <a:solidFill>
+                    <a:schemeClr val="tx1"/>
+                  </a:solidFill>
+                </a:rPr>
+                <a:t>Dashboard</a:t>
+              </a:r>
+            </a:p>
+          </p:txBody>
+        </p:sp>
+        <p:sp>
+          <p:nvSpPr>
+            <p:cNvPr id="8" name="Rectangle 7">
+              <a:extLst>
+                <a:ext uri="{FF2B5EF4-FFF2-40B4-BE49-F238E27FC236}">
+                  <a16:creationId xmlns:a16="http://schemas.microsoft.com/office/drawing/2014/main" id="{98A67D59-C75A-FBA2-A32D-1F30A980B1FD}"/>
+                </a:ext>
+              </a:extLst>
+            </p:cNvPr>
+            <p:cNvSpPr/>
+            <p:nvPr/>
+          </p:nvSpPr>
+          <p:spPr>
+            <a:xfrm>
+              <a:off x="1548971" y="3192141"/>
+              <a:ext cx="1422719" cy="241280"/>
+            </a:xfrm>
+            <a:prstGeom prst="rect">
+              <a:avLst/>
+            </a:prstGeom>
+            <a:solidFill>
+              <a:schemeClr val="bg1"/>
+            </a:solidFill>
+          </p:spPr>
+          <p:style>
+            <a:lnRef idx="2">
+              <a:schemeClr val="accent1">
+                <a:shade val="50000"/>
+              </a:schemeClr>
+            </a:lnRef>
+            <a:fillRef idx="1">
+              <a:schemeClr val="accent1"/>
+            </a:fillRef>
+            <a:effectRef idx="0">
+              <a:schemeClr val="accent1"/>
+            </a:effectRef>
+            <a:fontRef idx="minor">
+              <a:schemeClr val="lt1"/>
+            </a:fontRef>
+          </p:style>
+          <p:txBody>
+            <a:bodyPr rtlCol="0" anchor="ctr"/>
+            <a:lstStyle/>
+            <a:p>
+              <a:pPr algn="ctr"/>
+              <a:r>
+                <a:rPr lang="en-US" sz="1000">
+                  <a:solidFill>
+                    <a:schemeClr val="tx1"/>
+                  </a:solidFill>
+                </a:rPr>
+                <a:t>Tài khoản</a:t>
+              </a:r>
+            </a:p>
+          </p:txBody>
+        </p:sp>
+        <p:sp>
+          <p:nvSpPr>
+            <p:cNvPr id="9" name="Rectangle 8">
+              <a:extLst>
+                <a:ext uri="{FF2B5EF4-FFF2-40B4-BE49-F238E27FC236}">
+                  <a16:creationId xmlns:a16="http://schemas.microsoft.com/office/drawing/2014/main" id="{67E61DA2-5FEF-EE38-12F4-29146591E6D2}"/>
+                </a:ext>
+              </a:extLst>
+            </p:cNvPr>
+            <p:cNvSpPr/>
+            <p:nvPr/>
+          </p:nvSpPr>
+          <p:spPr>
+            <a:xfrm>
+              <a:off x="1548971" y="3610136"/>
+              <a:ext cx="1422719" cy="241280"/>
+            </a:xfrm>
+            <a:prstGeom prst="rect">
+              <a:avLst/>
+            </a:prstGeom>
+            <a:solidFill>
+              <a:schemeClr val="bg1"/>
+            </a:solidFill>
+          </p:spPr>
+          <p:style>
+            <a:lnRef idx="2">
+              <a:schemeClr val="accent1">
+                <a:shade val="50000"/>
+              </a:schemeClr>
+            </a:lnRef>
+            <a:fillRef idx="1">
+              <a:schemeClr val="accent1"/>
+            </a:fillRef>
+            <a:effectRef idx="0">
+              <a:schemeClr val="accent1"/>
+            </a:effectRef>
+            <a:fontRef idx="minor">
+              <a:schemeClr val="lt1"/>
+            </a:fontRef>
+          </p:style>
+          <p:txBody>
+            <a:bodyPr rtlCol="0" anchor="ctr"/>
+            <a:lstStyle/>
+            <a:p>
+              <a:pPr algn="ctr"/>
+              <a:r>
+                <a:rPr lang="en-US" sz="1000">
+                  <a:solidFill>
+                    <a:schemeClr val="tx1"/>
+                  </a:solidFill>
+                </a:rPr>
+                <a:t>Sản phẩm</a:t>
+              </a:r>
+            </a:p>
+          </p:txBody>
+        </p:sp>
+        <p:sp>
+          <p:nvSpPr>
+            <p:cNvPr id="10" name="Rectangle 9">
+              <a:extLst>
+                <a:ext uri="{FF2B5EF4-FFF2-40B4-BE49-F238E27FC236}">
+                  <a16:creationId xmlns:a16="http://schemas.microsoft.com/office/drawing/2014/main" id="{23810B1A-7D33-01F3-1644-C6EB82FF66FC}"/>
+                </a:ext>
+              </a:extLst>
+            </p:cNvPr>
+            <p:cNvSpPr/>
+            <p:nvPr/>
+          </p:nvSpPr>
+          <p:spPr>
+            <a:xfrm>
+              <a:off x="1548971" y="4028131"/>
+              <a:ext cx="1422719" cy="241280"/>
+            </a:xfrm>
+            <a:prstGeom prst="rect">
+              <a:avLst/>
+            </a:prstGeom>
+            <a:solidFill>
+              <a:schemeClr val="bg1"/>
+            </a:solidFill>
+          </p:spPr>
+          <p:style>
+            <a:lnRef idx="2">
+              <a:schemeClr val="accent1">
+                <a:shade val="50000"/>
+              </a:schemeClr>
+            </a:lnRef>
+            <a:fillRef idx="1">
+              <a:schemeClr val="accent1"/>
+            </a:fillRef>
+            <a:effectRef idx="0">
+              <a:schemeClr val="accent1"/>
+            </a:effectRef>
+            <a:fontRef idx="minor">
+              <a:schemeClr val="lt1"/>
+            </a:fontRef>
+          </p:style>
+          <p:txBody>
+            <a:bodyPr rtlCol="0" anchor="ctr"/>
+            <a:lstStyle/>
+            <a:p>
+              <a:pPr algn="ctr"/>
+              <a:r>
+                <a:rPr lang="en-US" sz="1000">
+                  <a:solidFill>
+                    <a:schemeClr val="tx1"/>
+                  </a:solidFill>
+                </a:rPr>
+                <a:t>Đơn hàng</a:t>
+              </a:r>
+            </a:p>
+          </p:txBody>
+        </p:sp>
+        <p:sp>
+          <p:nvSpPr>
+            <p:cNvPr id="11" name="Rectangle 10">
+              <a:extLst>
+                <a:ext uri="{FF2B5EF4-FFF2-40B4-BE49-F238E27FC236}">
+                  <a16:creationId xmlns:a16="http://schemas.microsoft.com/office/drawing/2014/main" id="{334E5620-49B4-D124-B275-E46E3F8C82C8}"/>
+                </a:ext>
+              </a:extLst>
+            </p:cNvPr>
+            <p:cNvSpPr/>
+            <p:nvPr/>
+          </p:nvSpPr>
+          <p:spPr>
+            <a:xfrm>
+              <a:off x="1548971" y="4446126"/>
+              <a:ext cx="1422719" cy="241280"/>
+            </a:xfrm>
+            <a:prstGeom prst="rect">
+              <a:avLst/>
+            </a:prstGeom>
+            <a:solidFill>
+              <a:schemeClr val="bg1"/>
+            </a:solidFill>
+          </p:spPr>
+          <p:style>
+            <a:lnRef idx="2">
+              <a:schemeClr val="accent1">
+                <a:shade val="50000"/>
+              </a:schemeClr>
+            </a:lnRef>
+            <a:fillRef idx="1">
+              <a:schemeClr val="accent1"/>
+            </a:fillRef>
+            <a:effectRef idx="0">
+              <a:schemeClr val="accent1"/>
+            </a:effectRef>
+            <a:fontRef idx="minor">
+              <a:schemeClr val="lt1"/>
+            </a:fontRef>
+          </p:style>
+          <p:txBody>
+            <a:bodyPr rtlCol="0" anchor="ctr"/>
+            <a:lstStyle/>
+            <a:p>
+              <a:pPr algn="ctr"/>
+              <a:r>
+                <a:rPr lang="en-US" sz="1000">
+                  <a:solidFill>
+                    <a:schemeClr val="tx1"/>
+                  </a:solidFill>
+                </a:rPr>
+                <a:t>Voucher</a:t>
+              </a:r>
+            </a:p>
+          </p:txBody>
+        </p:sp>
+        <p:sp>
+          <p:nvSpPr>
+            <p:cNvPr id="12" name="Rectangle 11">
+              <a:extLst>
+                <a:ext uri="{FF2B5EF4-FFF2-40B4-BE49-F238E27FC236}">
+                  <a16:creationId xmlns:a16="http://schemas.microsoft.com/office/drawing/2014/main" id="{117CA0DC-4E28-A864-A58D-F60BCA0D9B91}"/>
+                </a:ext>
+              </a:extLst>
+            </p:cNvPr>
+            <p:cNvSpPr/>
+            <p:nvPr/>
+          </p:nvSpPr>
+          <p:spPr>
+            <a:xfrm>
+              <a:off x="1548971" y="4864121"/>
+              <a:ext cx="1422719" cy="241280"/>
+            </a:xfrm>
+            <a:prstGeom prst="rect">
+              <a:avLst/>
+            </a:prstGeom>
+            <a:solidFill>
+              <a:schemeClr val="bg1"/>
+            </a:solidFill>
+          </p:spPr>
+          <p:style>
+            <a:lnRef idx="2">
+              <a:schemeClr val="accent1">
+                <a:shade val="50000"/>
+              </a:schemeClr>
+            </a:lnRef>
+            <a:fillRef idx="1">
+              <a:schemeClr val="accent1"/>
+            </a:fillRef>
+            <a:effectRef idx="0">
+              <a:schemeClr val="accent1"/>
+            </a:effectRef>
+            <a:fontRef idx="minor">
+              <a:schemeClr val="lt1"/>
+            </a:fontRef>
+          </p:style>
+          <p:txBody>
+            <a:bodyPr rtlCol="0" anchor="ctr"/>
+            <a:lstStyle/>
+            <a:p>
+              <a:pPr algn="ctr"/>
+              <a:r>
+                <a:rPr lang="en-US" sz="1000">
+                  <a:solidFill>
+                    <a:schemeClr val="tx1"/>
+                  </a:solidFill>
+                </a:rPr>
+                <a:t>Thương hiệu</a:t>
+              </a:r>
+            </a:p>
+          </p:txBody>
+        </p:sp>
+        <p:sp>
+          <p:nvSpPr>
+            <p:cNvPr id="15" name="Rectangle 14">
+              <a:extLst>
+                <a:ext uri="{FF2B5EF4-FFF2-40B4-BE49-F238E27FC236}">
+                  <a16:creationId xmlns:a16="http://schemas.microsoft.com/office/drawing/2014/main" id="{0BD44384-F5C2-E2D1-96DD-FE4CEAF52FCD}"/>
+                </a:ext>
+              </a:extLst>
+            </p:cNvPr>
+            <p:cNvSpPr/>
+            <p:nvPr/>
+          </p:nvSpPr>
+          <p:spPr>
+            <a:xfrm>
+              <a:off x="1548971" y="5229772"/>
+              <a:ext cx="1422719" cy="241280"/>
+            </a:xfrm>
+            <a:prstGeom prst="rect">
+              <a:avLst/>
+            </a:prstGeom>
+            <a:solidFill>
+              <a:schemeClr val="bg1"/>
+            </a:solidFill>
+          </p:spPr>
+          <p:style>
+            <a:lnRef idx="2">
+              <a:schemeClr val="accent1">
+                <a:shade val="50000"/>
+              </a:schemeClr>
+            </a:lnRef>
+            <a:fillRef idx="1">
+              <a:schemeClr val="accent1"/>
+            </a:fillRef>
+            <a:effectRef idx="0">
+              <a:schemeClr val="accent1"/>
+            </a:effectRef>
+            <a:fontRef idx="minor">
+              <a:schemeClr val="lt1"/>
+            </a:fontRef>
+          </p:style>
+          <p:txBody>
+            <a:bodyPr rtlCol="0" anchor="ctr"/>
+            <a:lstStyle/>
+            <a:p>
+              <a:pPr algn="ctr"/>
+              <a:r>
+                <a:rPr lang="en-US" sz="1000">
+                  <a:solidFill>
+                    <a:schemeClr val="tx1"/>
+                  </a:solidFill>
+                </a:rPr>
+                <a:t>Khuyến mãi</a:t>
+              </a:r>
+            </a:p>
+          </p:txBody>
+        </p:sp>
+        <p:sp>
+          <p:nvSpPr>
+            <p:cNvPr id="16" name="Rectangle 15">
+              <a:extLst>
+                <a:ext uri="{FF2B5EF4-FFF2-40B4-BE49-F238E27FC236}">
+                  <a16:creationId xmlns:a16="http://schemas.microsoft.com/office/drawing/2014/main" id="{E46259E0-C872-28F7-1EC8-A606ED7CCF35}"/>
+                </a:ext>
+              </a:extLst>
+            </p:cNvPr>
+            <p:cNvSpPr/>
+            <p:nvPr/>
+          </p:nvSpPr>
+          <p:spPr>
+            <a:xfrm>
+              <a:off x="1548971" y="5586916"/>
+              <a:ext cx="1422719" cy="241280"/>
+            </a:xfrm>
+            <a:prstGeom prst="rect">
+              <a:avLst/>
+            </a:prstGeom>
+            <a:solidFill>
+              <a:schemeClr val="bg1"/>
+            </a:solidFill>
+          </p:spPr>
+          <p:style>
+            <a:lnRef idx="2">
+              <a:schemeClr val="accent1">
+                <a:shade val="50000"/>
+              </a:schemeClr>
+            </a:lnRef>
+            <a:fillRef idx="1">
+              <a:schemeClr val="accent1"/>
+            </a:fillRef>
+            <a:effectRef idx="0">
+              <a:schemeClr val="accent1"/>
+            </a:effectRef>
+            <a:fontRef idx="minor">
+              <a:schemeClr val="lt1"/>
+            </a:fontRef>
+          </p:style>
+          <p:txBody>
+            <a:bodyPr rtlCol="0" anchor="ctr"/>
+            <a:lstStyle/>
+            <a:p>
+              <a:pPr algn="ctr"/>
+              <a:r>
+                <a:rPr lang="en-US" sz="1000">
+                  <a:solidFill>
+                    <a:schemeClr val="tx1"/>
+                  </a:solidFill>
+                </a:rPr>
+                <a:t>Danh mục sản phẩm</a:t>
+              </a:r>
+            </a:p>
+          </p:txBody>
+        </p:sp>
+      </p:grpSp>
+      <p:sp>
+        <p:nvSpPr>
+          <p:cNvPr id="30" name="Rectangle 29">
+            <a:extLst>
+              <a:ext uri="{FF2B5EF4-FFF2-40B4-BE49-F238E27FC236}">
+                <a16:creationId xmlns:a16="http://schemas.microsoft.com/office/drawing/2014/main" id="{86F4AAE8-8CEA-25FF-06E7-8A825E51B449}"/>
+              </a:ext>
+            </a:extLst>
+          </p:cNvPr>
+          <p:cNvSpPr/>
+          <p:nvPr/>
+        </p:nvSpPr>
+        <p:spPr>
+          <a:xfrm>
+            <a:off x="3378200" y="1361953"/>
+            <a:ext cx="6518355" cy="4509761"/>
+          </a:xfrm>
+          <a:prstGeom prst="rect">
+            <a:avLst/>
+          </a:prstGeom>
+          <a:solidFill>
+            <a:schemeClr val="bg1">
+              <a:lumMod val="95000"/>
+            </a:schemeClr>
+          </a:solidFill>
+        </p:spPr>
+        <p:style>
+          <a:lnRef idx="2">
+            <a:schemeClr val="dk1"/>
+          </a:lnRef>
+          <a:fillRef idx="1">
+            <a:schemeClr val="lt1"/>
+          </a:fillRef>
+          <a:effectRef idx="0">
+            <a:schemeClr val="dk1"/>
+          </a:effectRef>
+          <a:fontRef idx="minor">
+            <a:schemeClr val="dk1"/>
+          </a:fontRef>
+        </p:style>
+        <p:txBody>
+          <a:bodyPr rtlCol="0" anchor="ctr"/>
+          <a:lstStyle/>
+          <a:p>
+            <a:pPr algn="ctr"/>
+            <a:endParaRPr lang="en-US" sz="1400"/>
+          </a:p>
+        </p:txBody>
+      </p:sp>
+      <p:sp>
+        <p:nvSpPr>
+          <p:cNvPr id="31" name="Rectangle 30">
+            <a:extLst>
+              <a:ext uri="{FF2B5EF4-FFF2-40B4-BE49-F238E27FC236}">
+                <a16:creationId xmlns:a16="http://schemas.microsoft.com/office/drawing/2014/main" id="{9BED309B-DD0D-9A19-B949-561765FD0C4A}"/>
+              </a:ext>
+            </a:extLst>
+          </p:cNvPr>
+          <p:cNvSpPr/>
+          <p:nvPr/>
+        </p:nvSpPr>
+        <p:spPr>
+          <a:xfrm>
+            <a:off x="3704405" y="2310789"/>
+            <a:ext cx="3428824" cy="565236"/>
+          </a:xfrm>
+          <a:prstGeom prst="rect">
+            <a:avLst/>
+          </a:prstGeom>
+          <a:solidFill>
+            <a:schemeClr val="bg1"/>
+          </a:solidFill>
+        </p:spPr>
+        <p:style>
+          <a:lnRef idx="2">
+            <a:schemeClr val="accent1">
+              <a:shade val="50000"/>
+            </a:schemeClr>
+          </a:lnRef>
+          <a:fillRef idx="1">
+            <a:schemeClr val="accent1"/>
+          </a:fillRef>
+          <a:effectRef idx="0">
+            <a:schemeClr val="accent1"/>
+          </a:effectRef>
+          <a:fontRef idx="minor">
+            <a:schemeClr val="lt1"/>
+          </a:fontRef>
+        </p:style>
+        <p:txBody>
+          <a:bodyPr rtlCol="0" anchor="ctr"/>
+          <a:lstStyle/>
+          <a:p>
+            <a:pPr algn="ctr"/>
+            <a:r>
+              <a:rPr lang="en-US" sz="1000">
+                <a:solidFill>
+                  <a:schemeClr val="tx1"/>
+                </a:solidFill>
+              </a:rPr>
+              <a:t>Khách hàng		10000</a:t>
+            </a:r>
+          </a:p>
+        </p:txBody>
+      </p:sp>
+      <p:sp>
+        <p:nvSpPr>
+          <p:cNvPr id="32" name="TextBox 31">
+            <a:extLst>
+              <a:ext uri="{FF2B5EF4-FFF2-40B4-BE49-F238E27FC236}">
+                <a16:creationId xmlns:a16="http://schemas.microsoft.com/office/drawing/2014/main" id="{BEEF9E8F-4BA7-CA06-2889-220ECFA395FD}"/>
+              </a:ext>
+            </a:extLst>
+          </p:cNvPr>
+          <p:cNvSpPr txBox="1"/>
+          <p:nvPr/>
+        </p:nvSpPr>
+        <p:spPr>
+          <a:xfrm>
+            <a:off x="3645660" y="1651705"/>
+            <a:ext cx="1225170" cy="369332"/>
+          </a:xfrm>
+          <a:prstGeom prst="rect">
+            <a:avLst/>
+          </a:prstGeom>
+          <a:noFill/>
+        </p:spPr>
+        <p:txBody>
+          <a:bodyPr wrap="square" rtlCol="0">
+            <a:spAutoFit/>
+          </a:bodyPr>
+          <a:lstStyle/>
+          <a:p>
+            <a:r>
+              <a:rPr lang="en-US"/>
+              <a:t>Thống kê</a:t>
+            </a:r>
+          </a:p>
+        </p:txBody>
+      </p:sp>
+      <p:grpSp>
+        <p:nvGrpSpPr>
+          <p:cNvPr id="42" name="Group 41">
+            <a:extLst>
+              <a:ext uri="{FF2B5EF4-FFF2-40B4-BE49-F238E27FC236}">
+                <a16:creationId xmlns:a16="http://schemas.microsoft.com/office/drawing/2014/main" id="{92F8FF57-C4BC-E30C-AE98-A2C80173087A}"/>
+              </a:ext>
+            </a:extLst>
+          </p:cNvPr>
+          <p:cNvGrpSpPr/>
+          <p:nvPr/>
+        </p:nvGrpSpPr>
+        <p:grpSpPr>
+          <a:xfrm>
+            <a:off x="3378200" y="639313"/>
+            <a:ext cx="6518355" cy="593481"/>
+            <a:chOff x="3378200" y="639313"/>
+            <a:chExt cx="6518355" cy="593481"/>
+          </a:xfrm>
+        </p:grpSpPr>
+        <p:sp>
+          <p:nvSpPr>
+            <p:cNvPr id="19" name="Rectangle 18">
+              <a:extLst>
+                <a:ext uri="{FF2B5EF4-FFF2-40B4-BE49-F238E27FC236}">
+                  <a16:creationId xmlns:a16="http://schemas.microsoft.com/office/drawing/2014/main" id="{36EC3D96-6E61-8569-794E-35115A075BFD}"/>
+                </a:ext>
+              </a:extLst>
+            </p:cNvPr>
+            <p:cNvSpPr/>
+            <p:nvPr/>
+          </p:nvSpPr>
+          <p:spPr>
+            <a:xfrm>
+              <a:off x="3378200" y="639313"/>
+              <a:ext cx="6518355" cy="593481"/>
+            </a:xfrm>
+            <a:prstGeom prst="rect">
+              <a:avLst/>
+            </a:prstGeom>
+            <a:solidFill>
+              <a:schemeClr val="bg1">
+                <a:lumMod val="95000"/>
+              </a:schemeClr>
+            </a:solidFill>
+          </p:spPr>
+          <p:style>
+            <a:lnRef idx="2">
+              <a:schemeClr val="dk1"/>
+            </a:lnRef>
+            <a:fillRef idx="1">
+              <a:schemeClr val="lt1"/>
+            </a:fillRef>
+            <a:effectRef idx="0">
+              <a:schemeClr val="dk1"/>
+            </a:effectRef>
+            <a:fontRef idx="minor">
+              <a:schemeClr val="dk1"/>
+            </a:fontRef>
+          </p:style>
+          <p:txBody>
+            <a:bodyPr rtlCol="0" anchor="ctr"/>
+            <a:lstStyle/>
+            <a:p>
+              <a:pPr algn="ctr"/>
+              <a:endParaRPr lang="en-US" sz="1400"/>
+            </a:p>
+          </p:txBody>
+        </p:sp>
+        <p:grpSp>
+          <p:nvGrpSpPr>
+            <p:cNvPr id="28" name="Group 27">
+              <a:extLst>
+                <a:ext uri="{FF2B5EF4-FFF2-40B4-BE49-F238E27FC236}">
+                  <a16:creationId xmlns:a16="http://schemas.microsoft.com/office/drawing/2014/main" id="{1BD13E68-ED08-5576-5B11-A09A2BD08C18}"/>
+                </a:ext>
+              </a:extLst>
+            </p:cNvPr>
+            <p:cNvGrpSpPr/>
+            <p:nvPr/>
+          </p:nvGrpSpPr>
+          <p:grpSpPr>
+            <a:xfrm>
+              <a:off x="3679005" y="803382"/>
+              <a:ext cx="1208382" cy="237415"/>
+              <a:chOff x="3679004" y="803382"/>
+              <a:chExt cx="1617171" cy="237415"/>
+            </a:xfrm>
+          </p:grpSpPr>
+          <p:sp>
+            <p:nvSpPr>
+              <p:cNvPr id="22" name="Rectangle: Rounded Corners 21">
+                <a:extLst>
+                  <a:ext uri="{FF2B5EF4-FFF2-40B4-BE49-F238E27FC236}">
+                    <a16:creationId xmlns:a16="http://schemas.microsoft.com/office/drawing/2014/main" id="{4CD97D8E-940F-A662-ECE3-439A941874D1}"/>
+                  </a:ext>
+                </a:extLst>
+              </p:cNvPr>
+              <p:cNvSpPr/>
+              <p:nvPr/>
+            </p:nvSpPr>
+            <p:spPr>
+              <a:xfrm>
+                <a:off x="3679004" y="803382"/>
+                <a:ext cx="1617171" cy="237415"/>
+              </a:xfrm>
+              <a:prstGeom prst="roundRect">
+                <a:avLst/>
+              </a:prstGeom>
+              <a:solidFill>
+                <a:schemeClr val="bg1"/>
+              </a:solidFill>
+            </p:spPr>
+            <p:style>
+              <a:lnRef idx="2">
+                <a:schemeClr val="accent1">
+                  <a:shade val="50000"/>
+                </a:schemeClr>
+              </a:lnRef>
+              <a:fillRef idx="1">
+                <a:schemeClr val="accent1"/>
+              </a:fillRef>
+              <a:effectRef idx="0">
+                <a:schemeClr val="accent1"/>
+              </a:effectRef>
+              <a:fontRef idx="minor">
+                <a:schemeClr val="lt1"/>
+              </a:fontRef>
+            </p:style>
+            <p:txBody>
+              <a:bodyPr rtlCol="0" anchor="ctr"/>
+              <a:lstStyle/>
+              <a:p>
+                <a:r>
+                  <a:rPr lang="en-US" sz="1200">
+                    <a:solidFill>
+                      <a:schemeClr val="tx1"/>
+                    </a:solidFill>
+                  </a:rPr>
+                  <a:t>Tìm kiếm</a:t>
+                </a:r>
+              </a:p>
+            </p:txBody>
+          </p:sp>
+          <p:pic>
+            <p:nvPicPr>
+              <p:cNvPr id="23" name="Graphic 22" descr="Magnifying glass">
+                <a:extLst>
+                  <a:ext uri="{FF2B5EF4-FFF2-40B4-BE49-F238E27FC236}">
+                    <a16:creationId xmlns:a16="http://schemas.microsoft.com/office/drawing/2014/main" id="{52E71922-7355-3505-2308-C71550B4E971}"/>
+                  </a:ext>
+                </a:extLst>
+              </p:cNvPr>
+              <p:cNvPicPr>
+                <a:picLocks noChangeAspect="1"/>
+              </p:cNvPicPr>
+              <p:nvPr/>
+            </p:nvPicPr>
+            <p:blipFill>
+              <a:blip r:embed="rId2">
+                <a:extLst>
+                  <a:ext uri="{28A0092B-C50C-407E-A947-70E740481C1C}">
+                    <a14:useLocalDpi xmlns:a14="http://schemas.microsoft.com/office/drawing/2010/main" val="0"/>
+                  </a:ext>
+                  <a:ext uri="{96DAC541-7B7A-43D3-8B79-37D633B846F1}">
+                    <asvg:svgBlip xmlns:asvg="http://schemas.microsoft.com/office/drawing/2016/SVG/main" r:embed="rId3"/>
+                  </a:ext>
+                </a:extLst>
+              </a:blip>
+              <a:stretch>
+                <a:fillRect/>
+              </a:stretch>
+            </p:blipFill>
+            <p:spPr>
+              <a:xfrm>
+                <a:off x="4973632" y="822600"/>
+                <a:ext cx="300384" cy="209464"/>
+              </a:xfrm>
+              <a:prstGeom prst="rect">
+                <a:avLst/>
+              </a:prstGeom>
+            </p:spPr>
+          </p:pic>
+        </p:grpSp>
+        <p:grpSp>
+          <p:nvGrpSpPr>
+            <p:cNvPr id="35" name="Group 34">
+              <a:extLst>
+                <a:ext uri="{FF2B5EF4-FFF2-40B4-BE49-F238E27FC236}">
+                  <a16:creationId xmlns:a16="http://schemas.microsoft.com/office/drawing/2014/main" id="{B18D992D-4B9E-3C3D-BF49-C61B01DEC5AA}"/>
+                </a:ext>
+              </a:extLst>
+            </p:cNvPr>
+            <p:cNvGrpSpPr/>
+            <p:nvPr/>
+          </p:nvGrpSpPr>
+          <p:grpSpPr>
+            <a:xfrm>
+              <a:off x="7794066" y="789221"/>
+              <a:ext cx="1098352" cy="307777"/>
+              <a:chOff x="8606866" y="761468"/>
+              <a:chExt cx="1098352" cy="307777"/>
+            </a:xfrm>
+          </p:grpSpPr>
+          <p:pic>
+            <p:nvPicPr>
+              <p:cNvPr id="24" name="Graphic 23" descr="User">
+                <a:extLst>
+                  <a:ext uri="{FF2B5EF4-FFF2-40B4-BE49-F238E27FC236}">
+                    <a16:creationId xmlns:a16="http://schemas.microsoft.com/office/drawing/2014/main" id="{9D6FF641-C7CF-96F4-70D9-6379BD604350}"/>
+                  </a:ext>
+                </a:extLst>
+              </p:cNvPr>
+              <p:cNvPicPr>
+                <a:picLocks noChangeAspect="1"/>
+              </p:cNvPicPr>
+              <p:nvPr/>
+            </p:nvPicPr>
+            <p:blipFill>
+              <a:blip r:embed="rId4">
+                <a:extLst>
+                  <a:ext uri="{28A0092B-C50C-407E-A947-70E740481C1C}">
+                    <a14:useLocalDpi xmlns:a14="http://schemas.microsoft.com/office/drawing/2010/main" val="0"/>
+                  </a:ext>
+                  <a:ext uri="{96DAC541-7B7A-43D3-8B79-37D633B846F1}">
+                    <asvg:svgBlip xmlns:asvg="http://schemas.microsoft.com/office/drawing/2016/SVG/main" r:embed="rId5"/>
+                  </a:ext>
+                </a:extLst>
+              </a:blip>
+              <a:stretch>
+                <a:fillRect/>
+              </a:stretch>
+            </p:blipFill>
+            <p:spPr>
+              <a:xfrm>
+                <a:off x="8606866" y="768472"/>
+                <a:ext cx="224454" cy="279285"/>
+              </a:xfrm>
+              <a:prstGeom prst="rect">
+                <a:avLst/>
+              </a:prstGeom>
+            </p:spPr>
+          </p:pic>
+          <p:sp>
+            <p:nvSpPr>
+              <p:cNvPr id="25" name="TextBox 24">
+                <a:extLst>
+                  <a:ext uri="{FF2B5EF4-FFF2-40B4-BE49-F238E27FC236}">
+                    <a16:creationId xmlns:a16="http://schemas.microsoft.com/office/drawing/2014/main" id="{6073EE76-78C2-D779-B930-2FB193B49FA6}"/>
+                  </a:ext>
+                </a:extLst>
+              </p:cNvPr>
+              <p:cNvSpPr txBox="1"/>
+              <p:nvPr/>
+            </p:nvSpPr>
+            <p:spPr>
+              <a:xfrm>
+                <a:off x="8831320" y="761468"/>
+                <a:ext cx="873898" cy="307777"/>
+              </a:xfrm>
+              <a:prstGeom prst="rect">
+                <a:avLst/>
+              </a:prstGeom>
+              <a:noFill/>
+            </p:spPr>
+            <p:txBody>
+              <a:bodyPr wrap="square" rtlCol="0">
+                <a:spAutoFit/>
+              </a:bodyPr>
+              <a:lstStyle/>
+              <a:p>
+                <a:r>
+                  <a:rPr lang="en-US" sz="1400">
+                    <a:solidFill>
+                      <a:schemeClr val="tx1">
+                        <a:lumMod val="65000"/>
+                        <a:lumOff val="35000"/>
+                      </a:schemeClr>
+                    </a:solidFill>
+                  </a:rPr>
+                  <a:t>admin</a:t>
+                </a:r>
+              </a:p>
+            </p:txBody>
+          </p:sp>
+        </p:grpSp>
+        <p:pic>
+          <p:nvPicPr>
+            <p:cNvPr id="34" name="Graphic 33" descr="Ringer">
+              <a:extLst>
+                <a:ext uri="{FF2B5EF4-FFF2-40B4-BE49-F238E27FC236}">
+                  <a16:creationId xmlns:a16="http://schemas.microsoft.com/office/drawing/2014/main" id="{F3E9D246-AEDE-9415-C245-DE5DACA0F742}"/>
+                </a:ext>
+              </a:extLst>
+            </p:cNvPr>
+            <p:cNvPicPr>
+              <a:picLocks noChangeAspect="1"/>
+            </p:cNvPicPr>
+            <p:nvPr/>
+          </p:nvPicPr>
+          <p:blipFill>
+            <a:blip r:embed="rId6">
+              <a:extLst>
+                <a:ext uri="{28A0092B-C50C-407E-A947-70E740481C1C}">
+                  <a14:useLocalDpi xmlns:a14="http://schemas.microsoft.com/office/drawing/2010/main" val="0"/>
+                </a:ext>
+                <a:ext uri="{96DAC541-7B7A-43D3-8B79-37D633B846F1}">
+                  <asvg:svgBlip xmlns:asvg="http://schemas.microsoft.com/office/drawing/2016/SVG/main" r:embed="rId7"/>
+                </a:ext>
+              </a:extLst>
+            </a:blip>
+            <a:stretch>
+              <a:fillRect/>
+            </a:stretch>
+          </p:blipFill>
+          <p:spPr>
+            <a:xfrm>
+              <a:off x="9130767" y="770623"/>
+              <a:ext cx="344972" cy="344972"/>
+            </a:xfrm>
+            <a:prstGeom prst="rect">
+              <a:avLst/>
+            </a:prstGeom>
+          </p:spPr>
+        </p:pic>
+      </p:grpSp>
+      <p:sp>
+        <p:nvSpPr>
+          <p:cNvPr id="36" name="Rectangle 35">
+            <a:extLst>
+              <a:ext uri="{FF2B5EF4-FFF2-40B4-BE49-F238E27FC236}">
+                <a16:creationId xmlns:a16="http://schemas.microsoft.com/office/drawing/2014/main" id="{B77D6B6A-6110-119C-2C82-D113421E7DF1}"/>
+              </a:ext>
+            </a:extLst>
+          </p:cNvPr>
+          <p:cNvSpPr/>
+          <p:nvPr/>
+        </p:nvSpPr>
+        <p:spPr>
+          <a:xfrm>
+            <a:off x="3704405" y="3122832"/>
+            <a:ext cx="3428824" cy="565236"/>
+          </a:xfrm>
+          <a:prstGeom prst="rect">
+            <a:avLst/>
+          </a:prstGeom>
+          <a:solidFill>
+            <a:schemeClr val="bg1"/>
+          </a:solidFill>
+        </p:spPr>
+        <p:style>
+          <a:lnRef idx="2">
+            <a:schemeClr val="accent1">
+              <a:shade val="50000"/>
+            </a:schemeClr>
+          </a:lnRef>
+          <a:fillRef idx="1">
+            <a:schemeClr val="accent1"/>
+          </a:fillRef>
+          <a:effectRef idx="0">
+            <a:schemeClr val="accent1"/>
+          </a:effectRef>
+          <a:fontRef idx="minor">
+            <a:schemeClr val="lt1"/>
+          </a:fontRef>
+        </p:style>
+        <p:txBody>
+          <a:bodyPr rtlCol="0" anchor="ctr"/>
+          <a:lstStyle/>
+          <a:p>
+            <a:pPr algn="ctr"/>
+            <a:r>
+              <a:rPr lang="en-US" sz="1000">
+                <a:solidFill>
+                  <a:schemeClr val="tx1"/>
+                </a:solidFill>
+              </a:rPr>
+              <a:t>Sản phẩm		10000</a:t>
+            </a:r>
+          </a:p>
+        </p:txBody>
+      </p:sp>
+      <p:sp>
+        <p:nvSpPr>
+          <p:cNvPr id="37" name="Rectangle 36">
+            <a:extLst>
+              <a:ext uri="{FF2B5EF4-FFF2-40B4-BE49-F238E27FC236}">
+                <a16:creationId xmlns:a16="http://schemas.microsoft.com/office/drawing/2014/main" id="{BA2EB2FA-1D4B-D5FF-68F0-4240CA3565D3}"/>
+              </a:ext>
+            </a:extLst>
+          </p:cNvPr>
+          <p:cNvSpPr/>
+          <p:nvPr/>
+        </p:nvSpPr>
+        <p:spPr>
+          <a:xfrm>
+            <a:off x="3704405" y="3838266"/>
+            <a:ext cx="3428824" cy="565236"/>
+          </a:xfrm>
+          <a:prstGeom prst="rect">
+            <a:avLst/>
+          </a:prstGeom>
+          <a:solidFill>
+            <a:schemeClr val="bg1"/>
+          </a:solidFill>
+        </p:spPr>
+        <p:style>
+          <a:lnRef idx="2">
+            <a:schemeClr val="accent1">
+              <a:shade val="50000"/>
+            </a:schemeClr>
+          </a:lnRef>
+          <a:fillRef idx="1">
+            <a:schemeClr val="accent1"/>
+          </a:fillRef>
+          <a:effectRef idx="0">
+            <a:schemeClr val="accent1"/>
+          </a:effectRef>
+          <a:fontRef idx="minor">
+            <a:schemeClr val="lt1"/>
+          </a:fontRef>
+        </p:style>
+        <p:txBody>
+          <a:bodyPr rtlCol="0" anchor="ctr"/>
+          <a:lstStyle/>
+          <a:p>
+            <a:pPr algn="ctr"/>
+            <a:r>
+              <a:rPr lang="en-US" sz="1000">
+                <a:solidFill>
+                  <a:schemeClr val="tx1"/>
+                </a:solidFill>
+              </a:rPr>
+              <a:t>Đơn hàng		10000</a:t>
+            </a:r>
+          </a:p>
+        </p:txBody>
+      </p:sp>
+      <p:sp>
+        <p:nvSpPr>
+          <p:cNvPr id="38" name="Rectangle 37">
+            <a:extLst>
+              <a:ext uri="{FF2B5EF4-FFF2-40B4-BE49-F238E27FC236}">
+                <a16:creationId xmlns:a16="http://schemas.microsoft.com/office/drawing/2014/main" id="{31B3D6D6-40D7-430C-C5DC-4A35356D45B2}"/>
+              </a:ext>
+            </a:extLst>
+          </p:cNvPr>
+          <p:cNvSpPr/>
+          <p:nvPr/>
+        </p:nvSpPr>
+        <p:spPr>
+          <a:xfrm>
+            <a:off x="3704405" y="4532661"/>
+            <a:ext cx="3428824" cy="565236"/>
+          </a:xfrm>
+          <a:prstGeom prst="rect">
+            <a:avLst/>
+          </a:prstGeom>
+          <a:solidFill>
+            <a:schemeClr val="bg1"/>
+          </a:solidFill>
+        </p:spPr>
+        <p:style>
+          <a:lnRef idx="2">
+            <a:schemeClr val="accent1">
+              <a:shade val="50000"/>
+            </a:schemeClr>
+          </a:lnRef>
+          <a:fillRef idx="1">
+            <a:schemeClr val="accent1"/>
+          </a:fillRef>
+          <a:effectRef idx="0">
+            <a:schemeClr val="accent1"/>
+          </a:effectRef>
+          <a:fontRef idx="minor">
+            <a:schemeClr val="lt1"/>
+          </a:fontRef>
+        </p:style>
+        <p:txBody>
+          <a:bodyPr rtlCol="0" anchor="ctr"/>
+          <a:lstStyle/>
+          <a:p>
+            <a:pPr algn="ctr"/>
+            <a:r>
+              <a:rPr lang="en-US" sz="1000">
+                <a:solidFill>
+                  <a:schemeClr val="tx1"/>
+                </a:solidFill>
+              </a:rPr>
+              <a:t>Doanh thu		668.666.88</a:t>
+            </a:r>
+          </a:p>
+        </p:txBody>
+      </p:sp>
+      <p:sp>
+        <p:nvSpPr>
+          <p:cNvPr id="39" name="Oval 38">
+            <a:extLst>
+              <a:ext uri="{FF2B5EF4-FFF2-40B4-BE49-F238E27FC236}">
+                <a16:creationId xmlns:a16="http://schemas.microsoft.com/office/drawing/2014/main" id="{3DB09AB3-F71C-8831-C76F-E244F4050B3E}"/>
+              </a:ext>
+            </a:extLst>
+          </p:cNvPr>
+          <p:cNvSpPr/>
+          <p:nvPr/>
+        </p:nvSpPr>
+        <p:spPr>
+          <a:xfrm>
+            <a:off x="7245457" y="2331814"/>
+            <a:ext cx="2372676" cy="2663441"/>
+          </a:xfrm>
+          <a:prstGeom prst="ellipse">
+            <a:avLst/>
+          </a:prstGeom>
+          <a:solidFill>
+            <a:schemeClr val="bg2">
+              <a:lumMod val="75000"/>
+            </a:schemeClr>
+          </a:solidFill>
+        </p:spPr>
+        <p:style>
+          <a:lnRef idx="2">
+            <a:schemeClr val="accent1">
+              <a:shade val="50000"/>
+            </a:schemeClr>
+          </a:lnRef>
+          <a:fillRef idx="1">
+            <a:schemeClr val="accent1"/>
+          </a:fillRef>
+          <a:effectRef idx="0">
+            <a:schemeClr val="accent1"/>
+          </a:effectRef>
+          <a:fontRef idx="minor">
+            <a:schemeClr val="lt1"/>
+          </a:fontRef>
+        </p:style>
+        <p:txBody>
+          <a:bodyPr rtlCol="0" anchor="ctr"/>
+          <a:lstStyle/>
+          <a:p>
+            <a:pPr algn="ctr"/>
+            <a:endParaRPr lang="en-US"/>
+          </a:p>
+        </p:txBody>
+      </p:sp>
+      <p:sp>
+        <p:nvSpPr>
+          <p:cNvPr id="40" name="Oval 39">
+            <a:extLst>
+              <a:ext uri="{FF2B5EF4-FFF2-40B4-BE49-F238E27FC236}">
+                <a16:creationId xmlns:a16="http://schemas.microsoft.com/office/drawing/2014/main" id="{8D4B5DCD-66C0-E72C-2E3E-66B80B113BD1}"/>
+              </a:ext>
+            </a:extLst>
+          </p:cNvPr>
+          <p:cNvSpPr/>
+          <p:nvPr/>
+        </p:nvSpPr>
+        <p:spPr>
+          <a:xfrm>
+            <a:off x="7750227" y="2844341"/>
+            <a:ext cx="1380539" cy="1645800"/>
+          </a:xfrm>
+          <a:prstGeom prst="ellipse">
+            <a:avLst/>
+          </a:prstGeom>
+          <a:solidFill>
+            <a:schemeClr val="bg1"/>
+          </a:solidFill>
+        </p:spPr>
+        <p:style>
+          <a:lnRef idx="2">
+            <a:schemeClr val="accent1">
+              <a:shade val="50000"/>
+            </a:schemeClr>
+          </a:lnRef>
+          <a:fillRef idx="1">
+            <a:schemeClr val="accent1"/>
+          </a:fillRef>
+          <a:effectRef idx="0">
+            <a:schemeClr val="accent1"/>
+          </a:effectRef>
+          <a:fontRef idx="minor">
+            <a:schemeClr val="lt1"/>
+          </a:fontRef>
+        </p:style>
+        <p:txBody>
+          <a:bodyPr rtlCol="0" anchor="ctr"/>
+          <a:lstStyle/>
+          <a:p>
+            <a:pPr algn="ctr"/>
+            <a:endParaRPr lang="en-US">
+              <a:ln w="0"/>
+              <a:solidFill>
+                <a:schemeClr val="tx1"/>
+              </a:solidFill>
+              <a:effectLst>
+                <a:outerShdw blurRad="38100" dist="19050" dir="2700000" algn="tl" rotWithShape="0">
+                  <a:schemeClr val="dk1">
+                    <a:alpha val="40000"/>
+                  </a:schemeClr>
+                </a:outerShdw>
+              </a:effectLst>
+            </a:endParaRPr>
+          </a:p>
+        </p:txBody>
+      </p:sp>
+      <p:sp>
+        <p:nvSpPr>
+          <p:cNvPr id="41" name="TextBox 40">
+            <a:extLst>
+              <a:ext uri="{FF2B5EF4-FFF2-40B4-BE49-F238E27FC236}">
+                <a16:creationId xmlns:a16="http://schemas.microsoft.com/office/drawing/2014/main" id="{9E436F19-9F75-D64A-24FD-89EC39D1BE01}"/>
+              </a:ext>
+            </a:extLst>
+          </p:cNvPr>
+          <p:cNvSpPr txBox="1"/>
+          <p:nvPr/>
+        </p:nvSpPr>
+        <p:spPr>
+          <a:xfrm>
+            <a:off x="7679999" y="3405450"/>
+            <a:ext cx="1550939" cy="738664"/>
+          </a:xfrm>
+          <a:prstGeom prst="rect">
+            <a:avLst/>
+          </a:prstGeom>
+          <a:noFill/>
+        </p:spPr>
+        <p:txBody>
+          <a:bodyPr wrap="square" rtlCol="0">
+            <a:spAutoFit/>
+          </a:bodyPr>
+          <a:lstStyle/>
+          <a:p>
+            <a:pPr algn="ctr"/>
+            <a:r>
+              <a:rPr lang="en-US" sz="1400">
+                <a:ln w="0"/>
+                <a:solidFill>
+                  <a:schemeClr val="tx1"/>
+                </a:solidFill>
+                <a:effectLst>
+                  <a:outerShdw blurRad="38100" dist="19050" dir="2700000" algn="tl" rotWithShape="0">
+                    <a:schemeClr val="dk1">
+                      <a:alpha val="40000"/>
+                    </a:schemeClr>
+                  </a:outerShdw>
+                </a:effectLst>
+              </a:rPr>
+              <a:t>Biểu đồ thống kê đơn hàng</a:t>
+            </a:r>
+          </a:p>
+          <a:p>
+            <a:pPr algn="ctr"/>
+            <a:endParaRPr lang="en-US" sz="1400"/>
+          </a:p>
+        </p:txBody>
+      </p:sp>
+    </p:spTree>
+    <p:extLst>
+      <p:ext uri="{BB962C8B-B14F-4D97-AF65-F5344CB8AC3E}">
+        <p14:creationId xmlns:p14="http://schemas.microsoft.com/office/powerpoint/2010/main" val="343012551"/>
+      </p:ext>
+    </p:extLst>
+  </p:cSld>
+  <p:clrMapOvr>
+    <a:masterClrMapping/>
+  </p:clrMapOvr>
+</p:sld>
+</file>
+
+<file path=ppt/slides/slide13.xml><?xml version="1.0" encoding="utf-8"?>
+<p:sld xmlns:a="http://schemas.openxmlformats.org/drawingml/2006/main" xmlns:r="http://schemas.openxmlformats.org/officeDocument/2006/relationships" xmlns:p="http://schemas.openxmlformats.org/presentationml/2006/main">
+  <p:cSld>
+    <p:spTree>
+      <p:nvGrpSpPr>
+        <p:cNvPr id="1" name=""/>
+        <p:cNvGrpSpPr/>
+        <p:nvPr/>
+      </p:nvGrpSpPr>
+      <p:grpSpPr>
+        <a:xfrm>
+          <a:off x="0" y="0"/>
+          <a:ext cx="0" cy="0"/>
+          <a:chOff x="0" y="0"/>
+          <a:chExt cx="0" cy="0"/>
+        </a:xfrm>
+      </p:grpSpPr>
+      <p:sp>
+        <p:nvSpPr>
+          <p:cNvPr id="15" name="Rectangle 14">
+            <a:extLst>
+              <a:ext uri="{FF2B5EF4-FFF2-40B4-BE49-F238E27FC236}">
+                <a16:creationId xmlns:a16="http://schemas.microsoft.com/office/drawing/2014/main" id="{FB085F4D-01CA-964E-F39E-11F2CFFA665F}"/>
+              </a:ext>
+            </a:extLst>
+          </p:cNvPr>
+          <p:cNvSpPr/>
+          <p:nvPr/>
+        </p:nvSpPr>
+        <p:spPr>
+          <a:xfrm>
+            <a:off x="3047060" y="1382702"/>
+            <a:ext cx="8634045" cy="4540413"/>
+          </a:xfrm>
+          <a:prstGeom prst="rect">
+            <a:avLst/>
+          </a:prstGeom>
+          <a:solidFill>
+            <a:schemeClr val="bg1"/>
+          </a:solidFill>
+        </p:spPr>
+        <p:style>
+          <a:lnRef idx="2">
+            <a:schemeClr val="accent1">
+              <a:shade val="50000"/>
+            </a:schemeClr>
+          </a:lnRef>
+          <a:fillRef idx="1">
+            <a:schemeClr val="accent1"/>
+          </a:fillRef>
+          <a:effectRef idx="0">
+            <a:schemeClr val="accent1"/>
+          </a:effectRef>
+          <a:fontRef idx="minor">
+            <a:schemeClr val="lt1"/>
+          </a:fontRef>
+        </p:style>
+        <p:txBody>
+          <a:bodyPr rtlCol="0" anchor="ctr"/>
+          <a:lstStyle/>
+          <a:p>
+            <a:pPr algn="ctr"/>
+            <a:endParaRPr lang="en-US"/>
+          </a:p>
+        </p:txBody>
+      </p:sp>
+      <p:sp>
+        <p:nvSpPr>
+          <p:cNvPr id="16" name="TextBox 15">
+            <a:extLst>
+              <a:ext uri="{FF2B5EF4-FFF2-40B4-BE49-F238E27FC236}">
+                <a16:creationId xmlns:a16="http://schemas.microsoft.com/office/drawing/2014/main" id="{458B1019-DF78-BAAB-A189-5E57907BBFAC}"/>
+              </a:ext>
+            </a:extLst>
+          </p:cNvPr>
+          <p:cNvSpPr txBox="1"/>
+          <p:nvPr/>
+        </p:nvSpPr>
+        <p:spPr>
+          <a:xfrm>
+            <a:off x="3294925" y="2412770"/>
+            <a:ext cx="1199672" cy="307777"/>
+          </a:xfrm>
+          <a:prstGeom prst="rect">
+            <a:avLst/>
+          </a:prstGeom>
+          <a:noFill/>
+        </p:spPr>
+        <p:txBody>
+          <a:bodyPr wrap="square" rtlCol="0">
+            <a:spAutoFit/>
+          </a:bodyPr>
+          <a:lstStyle/>
+          <a:p>
+            <a:pPr marL="171450" indent="-171450">
+              <a:buFont typeface="Arial" panose="020B0604020202020204" pitchFamily="34" charset="0"/>
+              <a:buChar char="•"/>
+            </a:pPr>
+            <a:r>
+              <a:rPr lang="en-US" sz="1400"/>
+              <a:t>Tất cả</a:t>
+            </a:r>
+          </a:p>
+        </p:txBody>
+      </p:sp>
+      <p:sp>
+        <p:nvSpPr>
+          <p:cNvPr id="17" name="TextBox 16">
+            <a:extLst>
+              <a:ext uri="{FF2B5EF4-FFF2-40B4-BE49-F238E27FC236}">
+                <a16:creationId xmlns:a16="http://schemas.microsoft.com/office/drawing/2014/main" id="{A33AE37B-45CC-3F4E-9302-9DA7393FC298}"/>
+              </a:ext>
+            </a:extLst>
+          </p:cNvPr>
+          <p:cNvSpPr txBox="1"/>
+          <p:nvPr/>
+        </p:nvSpPr>
+        <p:spPr>
+          <a:xfrm>
+            <a:off x="4262071" y="2412770"/>
+            <a:ext cx="1877471" cy="307777"/>
+          </a:xfrm>
+          <a:prstGeom prst="rect">
+            <a:avLst/>
+          </a:prstGeom>
+          <a:noFill/>
+        </p:spPr>
+        <p:txBody>
+          <a:bodyPr wrap="square" rtlCol="0">
+            <a:spAutoFit/>
+          </a:bodyPr>
+          <a:lstStyle/>
+          <a:p>
+            <a:pPr marL="171450" indent="-171450">
+              <a:buFont typeface="Courier New" panose="02070309020205020404" pitchFamily="49" charset="0"/>
+              <a:buChar char="o"/>
+            </a:pPr>
+            <a:r>
+              <a:rPr lang="en-US" sz="1400"/>
+              <a:t>Admin</a:t>
+            </a:r>
+          </a:p>
+        </p:txBody>
+      </p:sp>
+      <p:sp>
+        <p:nvSpPr>
+          <p:cNvPr id="19" name="TextBox 18">
+            <a:extLst>
+              <a:ext uri="{FF2B5EF4-FFF2-40B4-BE49-F238E27FC236}">
+                <a16:creationId xmlns:a16="http://schemas.microsoft.com/office/drawing/2014/main" id="{97224D84-FA87-B7DE-3D9E-CD603239426E}"/>
+              </a:ext>
+            </a:extLst>
+          </p:cNvPr>
+          <p:cNvSpPr txBox="1"/>
+          <p:nvPr/>
+        </p:nvSpPr>
+        <p:spPr>
+          <a:xfrm>
+            <a:off x="5753856" y="2410553"/>
+            <a:ext cx="1877471" cy="307777"/>
+          </a:xfrm>
+          <a:prstGeom prst="rect">
+            <a:avLst/>
+          </a:prstGeom>
+          <a:noFill/>
+        </p:spPr>
+        <p:txBody>
+          <a:bodyPr wrap="square" rtlCol="0">
+            <a:spAutoFit/>
+          </a:bodyPr>
+          <a:lstStyle/>
+          <a:p>
+            <a:pPr marL="171450" indent="-171450">
+              <a:buFont typeface="Courier New" panose="02070309020205020404" pitchFamily="49" charset="0"/>
+              <a:buChar char="o"/>
+            </a:pPr>
+            <a:r>
+              <a:rPr lang="en-US" sz="1400"/>
+              <a:t>Nhân viên</a:t>
+            </a:r>
+          </a:p>
+        </p:txBody>
+      </p:sp>
+      <p:sp>
+        <p:nvSpPr>
+          <p:cNvPr id="20" name="TextBox 19">
+            <a:extLst>
+              <a:ext uri="{FF2B5EF4-FFF2-40B4-BE49-F238E27FC236}">
+                <a16:creationId xmlns:a16="http://schemas.microsoft.com/office/drawing/2014/main" id="{690B2EF5-C172-DABB-6C67-FA880BA622AF}"/>
+              </a:ext>
+            </a:extLst>
+          </p:cNvPr>
+          <p:cNvSpPr txBox="1"/>
+          <p:nvPr/>
+        </p:nvSpPr>
+        <p:spPr>
+          <a:xfrm>
+            <a:off x="7253318" y="2404847"/>
+            <a:ext cx="1877471" cy="307777"/>
+          </a:xfrm>
+          <a:prstGeom prst="rect">
+            <a:avLst/>
+          </a:prstGeom>
+          <a:noFill/>
+        </p:spPr>
+        <p:txBody>
+          <a:bodyPr wrap="square" rtlCol="0">
+            <a:spAutoFit/>
+          </a:bodyPr>
+          <a:lstStyle/>
+          <a:p>
+            <a:pPr marL="171450" indent="-171450">
+              <a:buFont typeface="Courier New" panose="02070309020205020404" pitchFamily="49" charset="0"/>
+              <a:buChar char="o"/>
+            </a:pPr>
+            <a:r>
+              <a:rPr lang="en-US" sz="1400"/>
+              <a:t>Khách hàng</a:t>
+            </a:r>
+          </a:p>
+        </p:txBody>
+      </p:sp>
+      <p:graphicFrame>
+        <p:nvGraphicFramePr>
+          <p:cNvPr id="27" name="Table 51">
+            <a:extLst>
+              <a:ext uri="{FF2B5EF4-FFF2-40B4-BE49-F238E27FC236}">
+                <a16:creationId xmlns:a16="http://schemas.microsoft.com/office/drawing/2014/main" id="{098BC231-DF0D-E988-183A-260CF1131483}"/>
+              </a:ext>
+            </a:extLst>
+          </p:cNvPr>
+          <p:cNvGraphicFramePr>
+            <a:graphicFrameLocks noGrp="1"/>
+          </p:cNvGraphicFramePr>
+          <p:nvPr>
+            <p:extLst>
+              <p:ext uri="{D42A27DB-BD31-4B8C-83A1-F6EECF244321}">
+                <p14:modId xmlns:p14="http://schemas.microsoft.com/office/powerpoint/2010/main" val="3732364703"/>
+              </p:ext>
+            </p:extLst>
+          </p:nvPr>
+        </p:nvGraphicFramePr>
+        <p:xfrm>
+          <a:off x="3294925" y="2755499"/>
+          <a:ext cx="7732967" cy="2079828"/>
+        </p:xfrm>
+        <a:graphic>
+          <a:graphicData uri="http://schemas.openxmlformats.org/drawingml/2006/table">
+            <a:tbl>
+              <a:tblPr firstRow="1" bandRow="1">
+                <a:tableStyleId>{5C22544A-7EE6-4342-B048-85BDC9FD1C3A}</a:tableStyleId>
+              </a:tblPr>
+              <a:tblGrid>
+                <a:gridCol w="442024">
+                  <a:extLst>
+                    <a:ext uri="{9D8B030D-6E8A-4147-A177-3AD203B41FA5}">
+                      <a16:colId xmlns:a16="http://schemas.microsoft.com/office/drawing/2014/main" val="1052545886"/>
+                    </a:ext>
+                  </a:extLst>
+                </a:gridCol>
+                <a:gridCol w="865505">
+                  <a:extLst>
+                    <a:ext uri="{9D8B030D-6E8A-4147-A177-3AD203B41FA5}">
+                      <a16:colId xmlns:a16="http://schemas.microsoft.com/office/drawing/2014/main" val="725307162"/>
+                    </a:ext>
+                  </a:extLst>
+                </a:gridCol>
+                <a:gridCol w="849440">
+                  <a:extLst>
+                    <a:ext uri="{9D8B030D-6E8A-4147-A177-3AD203B41FA5}">
+                      <a16:colId xmlns:a16="http://schemas.microsoft.com/office/drawing/2014/main" val="596832718"/>
+                    </a:ext>
+                  </a:extLst>
+                </a:gridCol>
+                <a:gridCol w="570166">
+                  <a:extLst>
+                    <a:ext uri="{9D8B030D-6E8A-4147-A177-3AD203B41FA5}">
+                      <a16:colId xmlns:a16="http://schemas.microsoft.com/office/drawing/2014/main" val="2880365793"/>
+                    </a:ext>
+                  </a:extLst>
+                </a:gridCol>
+                <a:gridCol w="995680">
+                  <a:extLst>
+                    <a:ext uri="{9D8B030D-6E8A-4147-A177-3AD203B41FA5}">
+                      <a16:colId xmlns:a16="http://schemas.microsoft.com/office/drawing/2014/main" val="1157634430"/>
+                    </a:ext>
+                  </a:extLst>
+                </a:gridCol>
+                <a:gridCol w="1446848">
+                  <a:extLst>
+                    <a:ext uri="{9D8B030D-6E8A-4147-A177-3AD203B41FA5}">
+                      <a16:colId xmlns:a16="http://schemas.microsoft.com/office/drawing/2014/main" val="2804018415"/>
+                    </a:ext>
+                  </a:extLst>
+                </a:gridCol>
+                <a:gridCol w="932180">
+                  <a:extLst>
+                    <a:ext uri="{9D8B030D-6E8A-4147-A177-3AD203B41FA5}">
+                      <a16:colId xmlns:a16="http://schemas.microsoft.com/office/drawing/2014/main" val="1159738146"/>
+                    </a:ext>
+                  </a:extLst>
+                </a:gridCol>
+                <a:gridCol w="849566">
+                  <a:extLst>
+                    <a:ext uri="{9D8B030D-6E8A-4147-A177-3AD203B41FA5}">
+                      <a16:colId xmlns:a16="http://schemas.microsoft.com/office/drawing/2014/main" val="46589395"/>
+                    </a:ext>
+                  </a:extLst>
+                </a:gridCol>
+                <a:gridCol w="781558">
+                  <a:extLst>
+                    <a:ext uri="{9D8B030D-6E8A-4147-A177-3AD203B41FA5}">
+                      <a16:colId xmlns:a16="http://schemas.microsoft.com/office/drawing/2014/main" val="3929264931"/>
+                    </a:ext>
+                  </a:extLst>
+                </a:gridCol>
+              </a:tblGrid>
+              <a:tr h="405657">
+                <a:tc>
+                  <a:txBody>
+                    <a:bodyPr/>
+                    <a:lstStyle/>
+                    <a:p>
+                      <a:pPr algn="ctr"/>
+                      <a:r>
+                        <a:rPr lang="en-US" sz="1200">
+                          <a:solidFill>
+                            <a:sysClr val="windowText" lastClr="000000"/>
+                          </a:solidFill>
+                        </a:rPr>
+                        <a:t>STT</a:t>
+                      </a:r>
+                    </a:p>
+                  </a:txBody>
+                  <a:tcPr>
+                    <a:solidFill>
+                      <a:schemeClr val="bg1">
+                        <a:lumMod val="85000"/>
+                      </a:schemeClr>
+                    </a:solidFill>
+                  </a:tcPr>
+                </a:tc>
+                <a:tc>
+                  <a:txBody>
+                    <a:bodyPr/>
+                    <a:lstStyle/>
+                    <a:p>
+                      <a:pPr algn="ctr"/>
+                      <a:r>
+                        <a:rPr lang="en-US" sz="1200">
+                          <a:solidFill>
+                            <a:sysClr val="windowText" lastClr="000000"/>
+                          </a:solidFill>
+                        </a:rPr>
+                        <a:t>Username</a:t>
+                      </a:r>
+                    </a:p>
+                  </a:txBody>
+                  <a:tcPr>
+                    <a:solidFill>
+                      <a:schemeClr val="bg1">
+                        <a:lumMod val="85000"/>
+                      </a:schemeClr>
+                    </a:solidFill>
+                  </a:tcPr>
+                </a:tc>
+                <a:tc>
+                  <a:txBody>
+                    <a:bodyPr/>
+                    <a:lstStyle/>
+                    <a:p>
+                      <a:pPr algn="ctr"/>
+                      <a:r>
+                        <a:rPr lang="en-US" sz="1200">
+                          <a:solidFill>
+                            <a:sysClr val="windowText" lastClr="000000"/>
+                          </a:solidFill>
+                        </a:rPr>
+                        <a:t>Họ tên</a:t>
+                      </a:r>
+                    </a:p>
+                  </a:txBody>
+                  <a:tcPr>
+                    <a:solidFill>
+                      <a:schemeClr val="bg1">
+                        <a:lumMod val="85000"/>
+                      </a:schemeClr>
+                    </a:solidFill>
+                  </a:tcPr>
+                </a:tc>
+                <a:tc>
+                  <a:txBody>
+                    <a:bodyPr/>
+                    <a:lstStyle/>
+                    <a:p>
+                      <a:pPr algn="ctr"/>
+                      <a:r>
+                        <a:rPr lang="en-US" sz="1200">
+                          <a:solidFill>
+                            <a:sysClr val="windowText" lastClr="000000"/>
+                          </a:solidFill>
+                        </a:rPr>
+                        <a:t>Giới tính</a:t>
+                      </a:r>
+                    </a:p>
+                  </a:txBody>
+                  <a:tcPr>
+                    <a:solidFill>
+                      <a:schemeClr val="bg1">
+                        <a:lumMod val="85000"/>
+                      </a:schemeClr>
+                    </a:solidFill>
+                  </a:tcPr>
+                </a:tc>
+                <a:tc>
+                  <a:txBody>
+                    <a:bodyPr/>
+                    <a:lstStyle/>
+                    <a:p>
+                      <a:pPr algn="ctr"/>
+                      <a:r>
+                        <a:rPr lang="en-US" sz="1200">
+                          <a:solidFill>
+                            <a:sysClr val="windowText" lastClr="000000"/>
+                          </a:solidFill>
+                        </a:rPr>
+                        <a:t>SDT</a:t>
+                      </a:r>
+                    </a:p>
+                  </a:txBody>
+                  <a:tcPr>
+                    <a:solidFill>
+                      <a:schemeClr val="bg1">
+                        <a:lumMod val="85000"/>
+                      </a:schemeClr>
+                    </a:solidFill>
+                  </a:tcPr>
+                </a:tc>
+                <a:tc>
+                  <a:txBody>
+                    <a:bodyPr/>
+                    <a:lstStyle/>
+                    <a:p>
+                      <a:pPr algn="ctr"/>
+                      <a:r>
+                        <a:rPr lang="en-US" sz="1200">
+                          <a:solidFill>
+                            <a:sysClr val="windowText" lastClr="000000"/>
+                          </a:solidFill>
+                        </a:rPr>
+                        <a:t>Eamil</a:t>
+                      </a:r>
+                    </a:p>
+                  </a:txBody>
+                  <a:tcPr>
+                    <a:solidFill>
+                      <a:schemeClr val="bg1">
+                        <a:lumMod val="85000"/>
+                      </a:schemeClr>
+                    </a:solidFill>
+                  </a:tcPr>
+                </a:tc>
+                <a:tc>
+                  <a:txBody>
+                    <a:bodyPr/>
+                    <a:lstStyle/>
+                    <a:p>
+                      <a:pPr algn="ctr"/>
+                      <a:r>
+                        <a:rPr lang="en-US" sz="1200">
+                          <a:solidFill>
+                            <a:sysClr val="windowText" lastClr="000000"/>
+                          </a:solidFill>
+                        </a:rPr>
+                        <a:t>Vai trò</a:t>
+                      </a:r>
+                    </a:p>
+                  </a:txBody>
+                  <a:tcPr>
+                    <a:solidFill>
+                      <a:schemeClr val="bg1">
+                        <a:lumMod val="85000"/>
+                      </a:schemeClr>
+                    </a:solidFill>
+                  </a:tcPr>
+                </a:tc>
+                <a:tc>
+                  <a:txBody>
+                    <a:bodyPr/>
+                    <a:lstStyle/>
+                    <a:p>
+                      <a:pPr algn="ctr"/>
+                      <a:r>
+                        <a:rPr lang="en-US" sz="1200">
+                          <a:solidFill>
+                            <a:sysClr val="windowText" lastClr="000000"/>
+                          </a:solidFill>
+                        </a:rPr>
+                        <a:t>Trạng thái</a:t>
+                      </a:r>
+                    </a:p>
+                  </a:txBody>
+                  <a:tcPr>
+                    <a:solidFill>
+                      <a:schemeClr val="bg1">
+                        <a:lumMod val="85000"/>
+                      </a:schemeClr>
+                    </a:solidFill>
+                  </a:tcPr>
+                </a:tc>
+                <a:tc>
+                  <a:txBody>
+                    <a:bodyPr/>
+                    <a:lstStyle/>
+                    <a:p>
+                      <a:pPr algn="ctr"/>
+                      <a:r>
+                        <a:rPr lang="en-US" sz="1200">
+                          <a:solidFill>
+                            <a:sysClr val="windowText" lastClr="000000"/>
+                          </a:solidFill>
+                        </a:rPr>
+                        <a:t>Cập nhật</a:t>
+                      </a:r>
+                    </a:p>
+                  </a:txBody>
+                  <a:tcPr>
+                    <a:solidFill>
+                      <a:schemeClr val="bg1">
+                        <a:lumMod val="85000"/>
+                      </a:schemeClr>
+                    </a:solidFill>
+                  </a:tcPr>
+                </a:tc>
+                <a:extLst>
+                  <a:ext uri="{0D108BD9-81ED-4DB2-BD59-A6C34878D82A}">
+                    <a16:rowId xmlns:a16="http://schemas.microsoft.com/office/drawing/2014/main" val="1475170448"/>
+                  </a:ext>
+                </a:extLst>
+              </a:tr>
+              <a:tr h="405657">
+                <a:tc>
+                  <a:txBody>
+                    <a:bodyPr/>
+                    <a:lstStyle/>
+                    <a:p>
+                      <a:pPr algn="ctr"/>
+                      <a:r>
+                        <a:rPr lang="en-US" sz="1200"/>
+                        <a:t>1</a:t>
+                      </a:r>
+                    </a:p>
+                  </a:txBody>
+                  <a:tcPr>
+                    <a:solidFill>
+                      <a:schemeClr val="bg1">
+                        <a:lumMod val="95000"/>
+                      </a:schemeClr>
+                    </a:solidFill>
+                  </a:tcPr>
+                </a:tc>
+                <a:tc>
+                  <a:txBody>
+                    <a:bodyPr/>
+                    <a:lstStyle/>
+                    <a:p>
+                      <a:pPr algn="ctr"/>
+                      <a:r>
+                        <a:rPr lang="en-US" sz="1200"/>
+                        <a:t>Uernam 1</a:t>
+                      </a:r>
+                    </a:p>
+                  </a:txBody>
+                  <a:tcPr>
+                    <a:solidFill>
+                      <a:schemeClr val="bg1">
+                        <a:lumMod val="95000"/>
+                      </a:schemeClr>
+                    </a:solidFill>
+                  </a:tcPr>
+                </a:tc>
+                <a:tc>
+                  <a:txBody>
+                    <a:bodyPr/>
+                    <a:lstStyle/>
+                    <a:p>
+                      <a:pPr algn="ctr"/>
+                      <a:r>
+                        <a:rPr lang="en-US" sz="1200"/>
+                        <a:t>Họ tên 1</a:t>
+                      </a:r>
+                    </a:p>
+                  </a:txBody>
+                  <a:tcPr>
+                    <a:solidFill>
+                      <a:schemeClr val="bg1">
+                        <a:lumMod val="95000"/>
+                      </a:schemeClr>
+                    </a:solidFill>
+                  </a:tcPr>
+                </a:tc>
+                <a:tc>
+                  <a:txBody>
+                    <a:bodyPr/>
+                    <a:lstStyle/>
+                    <a:p>
+                      <a:pPr algn="ctr"/>
+                      <a:r>
+                        <a:rPr lang="en-US" sz="1200"/>
+                        <a:t>nam</a:t>
+                      </a:r>
+                    </a:p>
+                  </a:txBody>
+                  <a:tcPr>
+                    <a:solidFill>
+                      <a:schemeClr val="bg1">
+                        <a:lumMod val="95000"/>
+                      </a:schemeClr>
+                    </a:solidFill>
+                  </a:tcPr>
+                </a:tc>
+                <a:tc>
+                  <a:txBody>
+                    <a:bodyPr/>
+                    <a:lstStyle/>
+                    <a:p>
+                      <a:pPr algn="ctr"/>
+                      <a:r>
+                        <a:rPr lang="en-US" sz="1200"/>
+                        <a:t>0123456789</a:t>
+                      </a:r>
+                    </a:p>
+                  </a:txBody>
+                  <a:tcPr>
+                    <a:solidFill>
+                      <a:schemeClr val="bg1">
+                        <a:lumMod val="95000"/>
+                      </a:schemeClr>
+                    </a:solidFill>
+                  </a:tcPr>
+                </a:tc>
+                <a:tc>
+                  <a:txBody>
+                    <a:bodyPr/>
+                    <a:lstStyle/>
+                    <a:p>
+                      <a:pPr algn="ctr"/>
+                      <a:r>
+                        <a:rPr lang="en-US" sz="1200">
+                          <a:hlinkClick r:id="rId2"/>
+                        </a:rPr>
+                        <a:t>abc@gmail.com</a:t>
+                      </a:r>
+                      <a:endParaRPr lang="en-US" sz="1200"/>
+                    </a:p>
+                  </a:txBody>
+                  <a:tcPr>
+                    <a:solidFill>
+                      <a:schemeClr val="bg1">
+                        <a:lumMod val="95000"/>
+                      </a:schemeClr>
+                    </a:solidFill>
+                  </a:tcPr>
+                </a:tc>
+                <a:tc>
+                  <a:txBody>
+                    <a:bodyPr/>
+                    <a:lstStyle/>
+                    <a:p>
+                      <a:pPr algn="ctr"/>
+                      <a:r>
+                        <a:rPr lang="en-US" sz="1200"/>
+                        <a:t>Khách hàng</a:t>
+                      </a:r>
+                    </a:p>
+                  </a:txBody>
+                  <a:tcPr>
+                    <a:solidFill>
+                      <a:schemeClr val="bg1">
+                        <a:lumMod val="95000"/>
+                      </a:schemeClr>
+                    </a:solidFill>
+                  </a:tcPr>
+                </a:tc>
+                <a:tc>
+                  <a:txBody>
+                    <a:bodyPr/>
+                    <a:lstStyle/>
+                    <a:p>
+                      <a:pPr algn="ctr"/>
+                      <a:r>
+                        <a:rPr lang="en-US" sz="1200"/>
+                        <a:t>Hoạt động</a:t>
+                      </a:r>
+                    </a:p>
+                  </a:txBody>
+                  <a:tcPr>
+                    <a:solidFill>
+                      <a:schemeClr val="bg1">
+                        <a:lumMod val="95000"/>
+                      </a:schemeClr>
+                    </a:solidFill>
+                  </a:tcPr>
+                </a:tc>
+                <a:tc>
+                  <a:txBody>
+                    <a:bodyPr/>
+                    <a:lstStyle/>
+                    <a:p>
+                      <a:pPr algn="ctr"/>
+                      <a:endParaRPr lang="en-US" sz="1200"/>
+                    </a:p>
+                  </a:txBody>
+                  <a:tcPr>
+                    <a:solidFill>
+                      <a:schemeClr val="bg1">
+                        <a:lumMod val="95000"/>
+                      </a:schemeClr>
+                    </a:solidFill>
+                  </a:tcPr>
+                </a:tc>
+                <a:extLst>
+                  <a:ext uri="{0D108BD9-81ED-4DB2-BD59-A6C34878D82A}">
+                    <a16:rowId xmlns:a16="http://schemas.microsoft.com/office/drawing/2014/main" val="1535342183"/>
+                  </a:ext>
+                </a:extLst>
+              </a:tr>
+              <a:tr h="405657">
+                <a:tc>
+                  <a:txBody>
+                    <a:bodyPr/>
+                    <a:lstStyle/>
+                    <a:p>
+                      <a:pPr algn="ctr"/>
+                      <a:r>
+                        <a:rPr lang="en-US" sz="1200"/>
+                        <a:t>2</a:t>
+                      </a:r>
+                    </a:p>
+                  </a:txBody>
+                  <a:tcPr>
+                    <a:solidFill>
+                      <a:schemeClr val="bg1">
+                        <a:lumMod val="95000"/>
+                      </a:schemeClr>
+                    </a:solidFill>
+                  </a:tcPr>
+                </a:tc>
+                <a:tc>
+                  <a:txBody>
+                    <a:bodyPr/>
+                    <a:lstStyle/>
+                    <a:p>
+                      <a:pPr algn="ctr"/>
+                      <a:r>
+                        <a:rPr lang="en-US" sz="1200"/>
+                        <a:t>Uernam 2</a:t>
+                      </a:r>
+                    </a:p>
+                  </a:txBody>
+                  <a:tcPr>
+                    <a:solidFill>
+                      <a:schemeClr val="bg1">
+                        <a:lumMod val="95000"/>
+                      </a:schemeClr>
+                    </a:solidFill>
+                  </a:tcPr>
+                </a:tc>
+                <a:tc>
+                  <a:txBody>
+                    <a:bodyPr/>
+                    <a:lstStyle/>
+                    <a:p>
+                      <a:pPr algn="ctr"/>
+                      <a:r>
+                        <a:rPr lang="en-US" sz="1200"/>
+                        <a:t>Họ tên 2</a:t>
+                      </a:r>
+                    </a:p>
+                  </a:txBody>
+                  <a:tcPr>
+                    <a:solidFill>
+                      <a:schemeClr val="bg1">
+                        <a:lumMod val="95000"/>
+                      </a:schemeClr>
+                    </a:solidFill>
+                  </a:tcPr>
+                </a:tc>
+                <a:tc>
+                  <a:txBody>
+                    <a:bodyPr/>
+                    <a:lstStyle/>
+                    <a:p>
+                      <a:pPr algn="ctr"/>
+                      <a:r>
+                        <a:rPr lang="en-US" sz="1200"/>
+                        <a:t>nam</a:t>
+                      </a:r>
+                    </a:p>
+                  </a:txBody>
+                  <a:tcPr>
+                    <a:solidFill>
+                      <a:schemeClr val="bg1">
+                        <a:lumMod val="95000"/>
+                      </a:schemeClr>
+                    </a:solidFill>
+                  </a:tcPr>
+                </a:tc>
+                <a:tc>
+                  <a:txBody>
+                    <a:bodyPr/>
+                    <a:lstStyle/>
+                    <a:p>
+                      <a:pPr algn="ctr"/>
+                      <a:r>
+                        <a:rPr lang="en-US" sz="1200"/>
+                        <a:t>0123456789</a:t>
+                      </a:r>
+                    </a:p>
+                  </a:txBody>
+                  <a:tcPr>
+                    <a:solidFill>
+                      <a:schemeClr val="bg1">
+                        <a:lumMod val="95000"/>
+                      </a:schemeClr>
+                    </a:solidFill>
+                  </a:tcPr>
+                </a:tc>
+                <a:tc>
+                  <a:txBody>
+                    <a:bodyPr/>
+                    <a:lstStyle/>
+                    <a:p>
+                      <a:pPr algn="ctr"/>
+                      <a:r>
+                        <a:rPr lang="en-US" sz="1200">
+                          <a:hlinkClick r:id="rId2"/>
+                        </a:rPr>
+                        <a:t>abc122@gmail.com</a:t>
+                      </a:r>
+                      <a:endParaRPr lang="en-US" sz="1200"/>
+                    </a:p>
+                  </a:txBody>
+                  <a:tcPr>
+                    <a:solidFill>
+                      <a:schemeClr val="bg1">
+                        <a:lumMod val="95000"/>
+                      </a:schemeClr>
+                    </a:solidFill>
+                  </a:tcPr>
+                </a:tc>
+                <a:tc>
+                  <a:txBody>
+                    <a:bodyPr/>
+                    <a:lstStyle/>
+                    <a:p>
+                      <a:pPr algn="ctr"/>
+                      <a:r>
+                        <a:rPr lang="en-US" sz="1200"/>
+                        <a:t>Admin</a:t>
+                      </a:r>
+                    </a:p>
+                  </a:txBody>
+                  <a:tcPr>
+                    <a:solidFill>
+                      <a:schemeClr val="bg1">
+                        <a:lumMod val="95000"/>
+                      </a:schemeClr>
+                    </a:solidFill>
+                  </a:tcPr>
+                </a:tc>
+                <a:tc>
+                  <a:txBody>
+                    <a:bodyPr/>
+                    <a:lstStyle/>
+                    <a:p>
+                      <a:pPr algn="ctr"/>
+                      <a:r>
+                        <a:rPr lang="en-US" sz="1200"/>
+                        <a:t>Hoạt động</a:t>
+                      </a:r>
+                    </a:p>
+                  </a:txBody>
+                  <a:tcPr>
+                    <a:solidFill>
+                      <a:schemeClr val="bg1">
+                        <a:lumMod val="95000"/>
+                      </a:schemeClr>
+                    </a:solidFill>
+                  </a:tcPr>
+                </a:tc>
+                <a:tc>
+                  <a:txBody>
+                    <a:bodyPr/>
+                    <a:lstStyle/>
+                    <a:p>
+                      <a:pPr algn="ctr"/>
+                      <a:endParaRPr lang="en-US" sz="1200"/>
+                    </a:p>
+                  </a:txBody>
+                  <a:tcPr>
+                    <a:solidFill>
+                      <a:schemeClr val="bg1">
+                        <a:lumMod val="95000"/>
+                      </a:schemeClr>
+                    </a:solidFill>
+                  </a:tcPr>
+                </a:tc>
+                <a:extLst>
+                  <a:ext uri="{0D108BD9-81ED-4DB2-BD59-A6C34878D82A}">
+                    <a16:rowId xmlns:a16="http://schemas.microsoft.com/office/drawing/2014/main" val="668830860"/>
+                  </a:ext>
+                </a:extLst>
+              </a:tr>
+              <a:tr h="405657">
+                <a:tc>
+                  <a:txBody>
+                    <a:bodyPr/>
+                    <a:lstStyle/>
+                    <a:p>
+                      <a:pPr algn="ctr"/>
+                      <a:r>
+                        <a:rPr lang="en-US" sz="1200"/>
+                        <a:t>x</a:t>
+                      </a:r>
+                    </a:p>
+                  </a:txBody>
+                  <a:tcPr>
+                    <a:solidFill>
+                      <a:schemeClr val="bg1">
+                        <a:lumMod val="95000"/>
+                      </a:schemeClr>
+                    </a:solidFill>
+                  </a:tcPr>
+                </a:tc>
+                <a:tc>
+                  <a:txBody>
+                    <a:bodyPr/>
+                    <a:lstStyle/>
+                    <a:p>
+                      <a:pPr algn="ctr"/>
+                      <a:r>
+                        <a:rPr lang="en-US" sz="1200"/>
+                        <a:t>xxxxxx</a:t>
+                      </a:r>
+                    </a:p>
+                  </a:txBody>
+                  <a:tcPr>
+                    <a:solidFill>
+                      <a:schemeClr val="bg1">
+                        <a:lumMod val="95000"/>
+                      </a:schemeClr>
+                    </a:solidFill>
+                  </a:tcPr>
+                </a:tc>
+                <a:tc>
+                  <a:txBody>
+                    <a:bodyPr/>
+                    <a:lstStyle/>
+                    <a:p>
+                      <a:pPr algn="ctr"/>
+                      <a:r>
+                        <a:rPr lang="en-US" sz="1200"/>
+                        <a:t>xxxxxxx</a:t>
+                      </a:r>
+                    </a:p>
+                  </a:txBody>
+                  <a:tcPr>
+                    <a:solidFill>
+                      <a:schemeClr val="bg1">
+                        <a:lumMod val="95000"/>
+                      </a:schemeClr>
+                    </a:solidFill>
+                  </a:tcPr>
+                </a:tc>
+                <a:tc>
+                  <a:txBody>
+                    <a:bodyPr/>
+                    <a:lstStyle/>
+                    <a:p>
+                      <a:pPr algn="ctr"/>
+                      <a:r>
+                        <a:rPr lang="en-US" sz="1200"/>
+                        <a:t>xx</a:t>
+                      </a:r>
+                    </a:p>
+                  </a:txBody>
+                  <a:tcPr>
+                    <a:solidFill>
+                      <a:schemeClr val="bg1">
+                        <a:lumMod val="95000"/>
+                      </a:schemeClr>
+                    </a:solidFill>
+                  </a:tcPr>
+                </a:tc>
+                <a:tc>
+                  <a:txBody>
+                    <a:bodyPr/>
+                    <a:lstStyle/>
+                    <a:p>
+                      <a:pPr algn="ctr"/>
+                      <a:r>
+                        <a:rPr lang="en-US" sz="1200"/>
+                        <a:t>xxxxxxxxx</a:t>
+                      </a:r>
+                    </a:p>
+                  </a:txBody>
+                  <a:tcPr>
+                    <a:solidFill>
+                      <a:schemeClr val="bg1">
+                        <a:lumMod val="95000"/>
+                      </a:schemeClr>
+                    </a:solidFill>
+                  </a:tcPr>
+                </a:tc>
+                <a:tc>
+                  <a:txBody>
+                    <a:bodyPr/>
+                    <a:lstStyle/>
+                    <a:p>
+                      <a:pPr algn="ctr"/>
+                      <a:r>
+                        <a:rPr lang="en-US" sz="1200"/>
+                        <a:t>xxxxxxxxxxx</a:t>
+                      </a:r>
+                    </a:p>
+                  </a:txBody>
+                  <a:tcPr>
+                    <a:solidFill>
+                      <a:schemeClr val="bg1">
+                        <a:lumMod val="95000"/>
+                      </a:schemeClr>
+                    </a:solidFill>
+                  </a:tcPr>
+                </a:tc>
+                <a:tc>
+                  <a:txBody>
+                    <a:bodyPr/>
+                    <a:lstStyle/>
+                    <a:p>
+                      <a:pPr algn="ctr"/>
+                      <a:r>
+                        <a:rPr lang="en-US" sz="1200"/>
+                        <a:t>xxxx</a:t>
+                      </a:r>
+                    </a:p>
+                  </a:txBody>
+                  <a:tcPr>
+                    <a:solidFill>
+                      <a:schemeClr val="bg1">
+                        <a:lumMod val="95000"/>
+                      </a:schemeClr>
+                    </a:solidFill>
+                  </a:tcPr>
+                </a:tc>
+                <a:tc>
+                  <a:txBody>
+                    <a:bodyPr/>
+                    <a:lstStyle/>
+                    <a:p>
+                      <a:pPr algn="ctr"/>
+                      <a:r>
+                        <a:rPr lang="en-US" sz="1200"/>
+                        <a:t>xxxxxx</a:t>
+                      </a:r>
+                    </a:p>
+                  </a:txBody>
+                  <a:tcPr>
+                    <a:solidFill>
+                      <a:schemeClr val="bg1">
+                        <a:lumMod val="95000"/>
+                      </a:schemeClr>
+                    </a:solidFill>
+                  </a:tcPr>
+                </a:tc>
+                <a:tc>
+                  <a:txBody>
+                    <a:bodyPr/>
+                    <a:lstStyle/>
+                    <a:p>
+                      <a:pPr algn="ctr"/>
+                      <a:endParaRPr lang="en-US" sz="1200"/>
+                    </a:p>
+                  </a:txBody>
+                  <a:tcPr>
+                    <a:solidFill>
+                      <a:schemeClr val="bg1">
+                        <a:lumMod val="95000"/>
+                      </a:schemeClr>
+                    </a:solidFill>
+                  </a:tcPr>
+                </a:tc>
+                <a:extLst>
+                  <a:ext uri="{0D108BD9-81ED-4DB2-BD59-A6C34878D82A}">
+                    <a16:rowId xmlns:a16="http://schemas.microsoft.com/office/drawing/2014/main" val="484409884"/>
+                  </a:ext>
+                </a:extLst>
+              </a:tr>
+              <a:tr h="405657">
+                <a:tc>
+                  <a:txBody>
+                    <a:bodyPr/>
+                    <a:lstStyle/>
+                    <a:p>
+                      <a:pPr algn="ctr"/>
+                      <a:r>
+                        <a:rPr lang="en-US" sz="1200"/>
+                        <a:t>x</a:t>
+                      </a:r>
+                    </a:p>
+                  </a:txBody>
+                  <a:tcPr>
+                    <a:solidFill>
+                      <a:schemeClr val="bg1">
+                        <a:lumMod val="95000"/>
+                      </a:schemeClr>
+                    </a:solidFill>
+                  </a:tcPr>
+                </a:tc>
+                <a:tc>
+                  <a:txBody>
+                    <a:bodyPr/>
+                    <a:lstStyle/>
+                    <a:p>
+                      <a:pPr algn="ctr"/>
+                      <a:r>
+                        <a:rPr lang="en-US" sz="1200"/>
+                        <a:t>xxxxxx</a:t>
+                      </a:r>
+                    </a:p>
+                  </a:txBody>
+                  <a:tcPr>
+                    <a:solidFill>
+                      <a:schemeClr val="bg1">
+                        <a:lumMod val="95000"/>
+                      </a:schemeClr>
+                    </a:solidFill>
+                  </a:tcPr>
+                </a:tc>
+                <a:tc>
+                  <a:txBody>
+                    <a:bodyPr/>
+                    <a:lstStyle/>
+                    <a:p>
+                      <a:pPr algn="ctr"/>
+                      <a:r>
+                        <a:rPr lang="en-US" sz="1200"/>
+                        <a:t>xxxxxxx</a:t>
+                      </a:r>
+                    </a:p>
+                  </a:txBody>
+                  <a:tcPr>
+                    <a:solidFill>
+                      <a:schemeClr val="bg1">
+                        <a:lumMod val="95000"/>
+                      </a:schemeClr>
+                    </a:solidFill>
+                  </a:tcPr>
+                </a:tc>
+                <a:tc>
+                  <a:txBody>
+                    <a:bodyPr/>
+                    <a:lstStyle/>
+                    <a:p>
+                      <a:pPr algn="ctr"/>
+                      <a:r>
+                        <a:rPr lang="en-US" sz="1200"/>
+                        <a:t>xx</a:t>
+                      </a:r>
+                    </a:p>
+                  </a:txBody>
+                  <a:tcPr>
+                    <a:solidFill>
+                      <a:schemeClr val="bg1">
+                        <a:lumMod val="95000"/>
+                      </a:schemeClr>
+                    </a:solidFill>
+                  </a:tcPr>
+                </a:tc>
+                <a:tc>
+                  <a:txBody>
+                    <a:bodyPr/>
+                    <a:lstStyle/>
+                    <a:p>
+                      <a:pPr algn="ctr"/>
+                      <a:r>
+                        <a:rPr lang="en-US" sz="1200"/>
+                        <a:t>xxxxxxxxx</a:t>
+                      </a:r>
+                    </a:p>
+                  </a:txBody>
+                  <a:tcPr>
+                    <a:solidFill>
+                      <a:schemeClr val="bg1">
+                        <a:lumMod val="95000"/>
+                      </a:schemeClr>
+                    </a:solidFill>
+                  </a:tcPr>
+                </a:tc>
+                <a:tc>
+                  <a:txBody>
+                    <a:bodyPr/>
+                    <a:lstStyle/>
+                    <a:p>
+                      <a:pPr algn="ctr"/>
+                      <a:r>
+                        <a:rPr lang="en-US" sz="1200"/>
+                        <a:t>xxxxxxxxxxx</a:t>
+                      </a:r>
+                    </a:p>
+                  </a:txBody>
+                  <a:tcPr>
+                    <a:solidFill>
+                      <a:schemeClr val="bg1">
+                        <a:lumMod val="95000"/>
+                      </a:schemeClr>
+                    </a:solidFill>
+                  </a:tcPr>
+                </a:tc>
+                <a:tc>
+                  <a:txBody>
+                    <a:bodyPr/>
+                    <a:lstStyle/>
+                    <a:p>
+                      <a:pPr algn="ctr"/>
+                      <a:r>
+                        <a:rPr lang="en-US" sz="1200"/>
+                        <a:t>xxxx</a:t>
+                      </a:r>
+                    </a:p>
+                  </a:txBody>
+                  <a:tcPr>
+                    <a:solidFill>
+                      <a:schemeClr val="bg1">
+                        <a:lumMod val="95000"/>
+                      </a:schemeClr>
+                    </a:solidFill>
+                  </a:tcPr>
+                </a:tc>
+                <a:tc>
+                  <a:txBody>
+                    <a:bodyPr/>
+                    <a:lstStyle/>
+                    <a:p>
+                      <a:pPr algn="ctr"/>
+                      <a:r>
+                        <a:rPr lang="en-US" sz="1200"/>
+                        <a:t>xxxxxx</a:t>
+                      </a:r>
+                    </a:p>
+                  </a:txBody>
+                  <a:tcPr>
+                    <a:solidFill>
+                      <a:schemeClr val="bg1">
+                        <a:lumMod val="95000"/>
+                      </a:schemeClr>
+                    </a:solidFill>
+                  </a:tcPr>
+                </a:tc>
+                <a:tc>
+                  <a:txBody>
+                    <a:bodyPr/>
+                    <a:lstStyle/>
+                    <a:p>
+                      <a:pPr algn="ctr"/>
+                      <a:endParaRPr lang="en-US" sz="1200"/>
+                    </a:p>
+                  </a:txBody>
+                  <a:tcPr>
+                    <a:solidFill>
+                      <a:schemeClr val="bg1">
+                        <a:lumMod val="95000"/>
+                      </a:schemeClr>
+                    </a:solidFill>
+                  </a:tcPr>
+                </a:tc>
+                <a:extLst>
+                  <a:ext uri="{0D108BD9-81ED-4DB2-BD59-A6C34878D82A}">
+                    <a16:rowId xmlns:a16="http://schemas.microsoft.com/office/drawing/2014/main" val="4227702943"/>
+                  </a:ext>
+                </a:extLst>
+              </a:tr>
+            </a:tbl>
+          </a:graphicData>
+        </a:graphic>
+      </p:graphicFrame>
+      <p:grpSp>
+        <p:nvGrpSpPr>
+          <p:cNvPr id="28" name="Group 27">
+            <a:extLst>
+              <a:ext uri="{FF2B5EF4-FFF2-40B4-BE49-F238E27FC236}">
+                <a16:creationId xmlns:a16="http://schemas.microsoft.com/office/drawing/2014/main" id="{9D00BFD6-B19D-38AF-6834-748DC4E75850}"/>
+              </a:ext>
+            </a:extLst>
+          </p:cNvPr>
+          <p:cNvGrpSpPr/>
+          <p:nvPr/>
+        </p:nvGrpSpPr>
+        <p:grpSpPr>
+          <a:xfrm>
+            <a:off x="163292" y="639313"/>
+            <a:ext cx="2641060" cy="5232400"/>
+            <a:chOff x="939801" y="1848744"/>
+            <a:chExt cx="2641060" cy="4425056"/>
+          </a:xfrm>
+        </p:grpSpPr>
+        <p:sp>
+          <p:nvSpPr>
+            <p:cNvPr id="29" name="Rectangle: Rounded Corners 28">
+              <a:extLst>
+                <a:ext uri="{FF2B5EF4-FFF2-40B4-BE49-F238E27FC236}">
+                  <a16:creationId xmlns:a16="http://schemas.microsoft.com/office/drawing/2014/main" id="{85659E2D-DC08-1700-E7FF-4001F8C42199}"/>
+                </a:ext>
+              </a:extLst>
+            </p:cNvPr>
+            <p:cNvSpPr/>
+            <p:nvPr/>
+          </p:nvSpPr>
+          <p:spPr>
+            <a:xfrm>
+              <a:off x="939801" y="1848744"/>
+              <a:ext cx="2641060" cy="4425056"/>
+            </a:xfrm>
+            <a:prstGeom prst="roundRect">
+              <a:avLst>
+                <a:gd name="adj" fmla="val 1494"/>
+              </a:avLst>
+            </a:prstGeom>
+            <a:solidFill>
+              <a:schemeClr val="bg1">
+                <a:lumMod val="95000"/>
+              </a:schemeClr>
+            </a:solidFill>
+          </p:spPr>
+          <p:style>
+            <a:lnRef idx="2">
+              <a:schemeClr val="accent1">
+                <a:shade val="50000"/>
+              </a:schemeClr>
+            </a:lnRef>
+            <a:fillRef idx="1">
+              <a:schemeClr val="accent1"/>
+            </a:fillRef>
+            <a:effectRef idx="0">
+              <a:schemeClr val="accent1"/>
+            </a:effectRef>
+            <a:fontRef idx="minor">
+              <a:schemeClr val="lt1"/>
+            </a:fontRef>
+          </p:style>
+          <p:txBody>
+            <a:bodyPr rtlCol="0" anchor="ctr"/>
+            <a:lstStyle/>
+            <a:p>
+              <a:pPr algn="ctr"/>
+              <a:endParaRPr lang="en-US"/>
+            </a:p>
+          </p:txBody>
+        </p:sp>
+        <p:sp>
+          <p:nvSpPr>
+            <p:cNvPr id="30" name="TextBox 29">
+              <a:extLst>
+                <a:ext uri="{FF2B5EF4-FFF2-40B4-BE49-F238E27FC236}">
+                  <a16:creationId xmlns:a16="http://schemas.microsoft.com/office/drawing/2014/main" id="{D218C236-E03A-B339-9EAE-70D8FCDBB03B}"/>
+                </a:ext>
+              </a:extLst>
+            </p:cNvPr>
+            <p:cNvSpPr txBox="1"/>
+            <p:nvPr/>
+          </p:nvSpPr>
+          <p:spPr>
+            <a:xfrm>
+              <a:off x="1421855" y="2089887"/>
+              <a:ext cx="762546" cy="307776"/>
+            </a:xfrm>
+            <a:prstGeom prst="rect">
+              <a:avLst/>
+            </a:prstGeom>
+            <a:noFill/>
+          </p:spPr>
+          <p:txBody>
+            <a:bodyPr wrap="square" rtlCol="0">
+              <a:spAutoFit/>
+            </a:bodyPr>
+            <a:lstStyle/>
+            <a:p>
+              <a:r>
+                <a:rPr lang="en-US" sz="1400"/>
+                <a:t>Logo</a:t>
+              </a:r>
+            </a:p>
+          </p:txBody>
+        </p:sp>
+        <p:sp>
+          <p:nvSpPr>
+            <p:cNvPr id="31" name="Rectangle 30">
+              <a:extLst>
+                <a:ext uri="{FF2B5EF4-FFF2-40B4-BE49-F238E27FC236}">
+                  <a16:creationId xmlns:a16="http://schemas.microsoft.com/office/drawing/2014/main" id="{993C66D1-9F8B-33FF-6B71-10E2E61389CC}"/>
+                </a:ext>
+              </a:extLst>
+            </p:cNvPr>
+            <p:cNvSpPr/>
+            <p:nvPr/>
+          </p:nvSpPr>
+          <p:spPr>
+            <a:xfrm>
+              <a:off x="1548971" y="2774146"/>
+              <a:ext cx="1422719" cy="241280"/>
+            </a:xfrm>
+            <a:prstGeom prst="rect">
+              <a:avLst/>
+            </a:prstGeom>
+            <a:solidFill>
+              <a:schemeClr val="bg1"/>
+            </a:solidFill>
+          </p:spPr>
+          <p:style>
+            <a:lnRef idx="2">
+              <a:schemeClr val="accent1">
+                <a:shade val="50000"/>
+              </a:schemeClr>
+            </a:lnRef>
+            <a:fillRef idx="1">
+              <a:schemeClr val="accent1"/>
+            </a:fillRef>
+            <a:effectRef idx="0">
+              <a:schemeClr val="accent1"/>
+            </a:effectRef>
+            <a:fontRef idx="minor">
+              <a:schemeClr val="lt1"/>
+            </a:fontRef>
+          </p:style>
+          <p:txBody>
+            <a:bodyPr rtlCol="0" anchor="ctr"/>
+            <a:lstStyle/>
+            <a:p>
+              <a:pPr algn="ctr"/>
+              <a:r>
+                <a:rPr lang="en-US" sz="1000">
+                  <a:solidFill>
+                    <a:schemeClr val="tx1"/>
+                  </a:solidFill>
+                </a:rPr>
+                <a:t>Dashboard</a:t>
+              </a:r>
+            </a:p>
+          </p:txBody>
+        </p:sp>
+        <p:sp>
+          <p:nvSpPr>
+            <p:cNvPr id="32" name="Rectangle 31">
+              <a:extLst>
+                <a:ext uri="{FF2B5EF4-FFF2-40B4-BE49-F238E27FC236}">
+                  <a16:creationId xmlns:a16="http://schemas.microsoft.com/office/drawing/2014/main" id="{463190B9-EBF4-C0E9-E080-38189B3F677B}"/>
+                </a:ext>
+              </a:extLst>
+            </p:cNvPr>
+            <p:cNvSpPr/>
+            <p:nvPr/>
+          </p:nvSpPr>
+          <p:spPr>
+            <a:xfrm>
+              <a:off x="1548971" y="3192141"/>
+              <a:ext cx="1422719" cy="241280"/>
+            </a:xfrm>
+            <a:prstGeom prst="rect">
+              <a:avLst/>
+            </a:prstGeom>
+            <a:solidFill>
+              <a:schemeClr val="bg1"/>
+            </a:solidFill>
+          </p:spPr>
+          <p:style>
+            <a:lnRef idx="2">
+              <a:schemeClr val="accent1">
+                <a:shade val="50000"/>
+              </a:schemeClr>
+            </a:lnRef>
+            <a:fillRef idx="1">
+              <a:schemeClr val="accent1"/>
+            </a:fillRef>
+            <a:effectRef idx="0">
+              <a:schemeClr val="accent1"/>
+            </a:effectRef>
+            <a:fontRef idx="minor">
+              <a:schemeClr val="lt1"/>
+            </a:fontRef>
+          </p:style>
+          <p:txBody>
+            <a:bodyPr rtlCol="0" anchor="ctr"/>
+            <a:lstStyle/>
+            <a:p>
+              <a:pPr algn="ctr"/>
+              <a:r>
+                <a:rPr lang="en-US" sz="1000">
+                  <a:solidFill>
+                    <a:schemeClr val="tx1"/>
+                  </a:solidFill>
+                </a:rPr>
+                <a:t>Tài khoản</a:t>
+              </a:r>
+            </a:p>
+          </p:txBody>
+        </p:sp>
+        <p:sp>
+          <p:nvSpPr>
+            <p:cNvPr id="33" name="Rectangle 32">
+              <a:extLst>
+                <a:ext uri="{FF2B5EF4-FFF2-40B4-BE49-F238E27FC236}">
+                  <a16:creationId xmlns:a16="http://schemas.microsoft.com/office/drawing/2014/main" id="{C122E3A4-318D-C4A6-DDA6-5A3A5322FB41}"/>
+                </a:ext>
+              </a:extLst>
+            </p:cNvPr>
+            <p:cNvSpPr/>
+            <p:nvPr/>
+          </p:nvSpPr>
+          <p:spPr>
+            <a:xfrm>
+              <a:off x="1548971" y="3610136"/>
+              <a:ext cx="1422719" cy="241280"/>
+            </a:xfrm>
+            <a:prstGeom prst="rect">
+              <a:avLst/>
+            </a:prstGeom>
+            <a:solidFill>
+              <a:schemeClr val="bg1"/>
+            </a:solidFill>
+          </p:spPr>
+          <p:style>
+            <a:lnRef idx="2">
+              <a:schemeClr val="accent1">
+                <a:shade val="50000"/>
+              </a:schemeClr>
+            </a:lnRef>
+            <a:fillRef idx="1">
+              <a:schemeClr val="accent1"/>
+            </a:fillRef>
+            <a:effectRef idx="0">
+              <a:schemeClr val="accent1"/>
+            </a:effectRef>
+            <a:fontRef idx="minor">
+              <a:schemeClr val="lt1"/>
+            </a:fontRef>
+          </p:style>
+          <p:txBody>
+            <a:bodyPr rtlCol="0" anchor="ctr"/>
+            <a:lstStyle/>
+            <a:p>
+              <a:pPr algn="ctr"/>
+              <a:r>
+                <a:rPr lang="en-US" sz="1000">
+                  <a:solidFill>
+                    <a:schemeClr val="tx1"/>
+                  </a:solidFill>
+                </a:rPr>
+                <a:t>Sản phẩm</a:t>
+              </a:r>
+            </a:p>
+          </p:txBody>
+        </p:sp>
+        <p:sp>
+          <p:nvSpPr>
+            <p:cNvPr id="34" name="Rectangle 33">
+              <a:extLst>
+                <a:ext uri="{FF2B5EF4-FFF2-40B4-BE49-F238E27FC236}">
+                  <a16:creationId xmlns:a16="http://schemas.microsoft.com/office/drawing/2014/main" id="{EF1CB6B1-7B5B-1159-994D-90B91617BEE2}"/>
+                </a:ext>
+              </a:extLst>
+            </p:cNvPr>
+            <p:cNvSpPr/>
+            <p:nvPr/>
+          </p:nvSpPr>
+          <p:spPr>
+            <a:xfrm>
+              <a:off x="1548971" y="4028131"/>
+              <a:ext cx="1422719" cy="241280"/>
+            </a:xfrm>
+            <a:prstGeom prst="rect">
+              <a:avLst/>
+            </a:prstGeom>
+            <a:solidFill>
+              <a:schemeClr val="bg1"/>
+            </a:solidFill>
+          </p:spPr>
+          <p:style>
+            <a:lnRef idx="2">
+              <a:schemeClr val="accent1">
+                <a:shade val="50000"/>
+              </a:schemeClr>
+            </a:lnRef>
+            <a:fillRef idx="1">
+              <a:schemeClr val="accent1"/>
+            </a:fillRef>
+            <a:effectRef idx="0">
+              <a:schemeClr val="accent1"/>
+            </a:effectRef>
+            <a:fontRef idx="minor">
+              <a:schemeClr val="lt1"/>
+            </a:fontRef>
+          </p:style>
+          <p:txBody>
+            <a:bodyPr rtlCol="0" anchor="ctr"/>
+            <a:lstStyle/>
+            <a:p>
+              <a:pPr algn="ctr"/>
+              <a:r>
+                <a:rPr lang="en-US" sz="1000">
+                  <a:solidFill>
+                    <a:schemeClr val="tx1"/>
+                  </a:solidFill>
+                </a:rPr>
+                <a:t>Đơn hàng</a:t>
+              </a:r>
+            </a:p>
+          </p:txBody>
+        </p:sp>
+        <p:sp>
+          <p:nvSpPr>
+            <p:cNvPr id="35" name="Rectangle 34">
+              <a:extLst>
+                <a:ext uri="{FF2B5EF4-FFF2-40B4-BE49-F238E27FC236}">
+                  <a16:creationId xmlns:a16="http://schemas.microsoft.com/office/drawing/2014/main" id="{EE431997-4DDD-5ED7-EFD3-8F4A76C601DE}"/>
+                </a:ext>
+              </a:extLst>
+            </p:cNvPr>
+            <p:cNvSpPr/>
+            <p:nvPr/>
+          </p:nvSpPr>
+          <p:spPr>
+            <a:xfrm>
+              <a:off x="1548971" y="4446126"/>
+              <a:ext cx="1422719" cy="241280"/>
+            </a:xfrm>
+            <a:prstGeom prst="rect">
+              <a:avLst/>
+            </a:prstGeom>
+            <a:solidFill>
+              <a:schemeClr val="bg1"/>
+            </a:solidFill>
+          </p:spPr>
+          <p:style>
+            <a:lnRef idx="2">
+              <a:schemeClr val="accent1">
+                <a:shade val="50000"/>
+              </a:schemeClr>
+            </a:lnRef>
+            <a:fillRef idx="1">
+              <a:schemeClr val="accent1"/>
+            </a:fillRef>
+            <a:effectRef idx="0">
+              <a:schemeClr val="accent1"/>
+            </a:effectRef>
+            <a:fontRef idx="minor">
+              <a:schemeClr val="lt1"/>
+            </a:fontRef>
+          </p:style>
+          <p:txBody>
+            <a:bodyPr rtlCol="0" anchor="ctr"/>
+            <a:lstStyle/>
+            <a:p>
+              <a:pPr algn="ctr"/>
+              <a:r>
+                <a:rPr lang="en-US" sz="1000">
+                  <a:solidFill>
+                    <a:schemeClr val="tx1"/>
+                  </a:solidFill>
+                </a:rPr>
+                <a:t>Voucher</a:t>
+              </a:r>
+            </a:p>
+          </p:txBody>
+        </p:sp>
+        <p:sp>
+          <p:nvSpPr>
+            <p:cNvPr id="36" name="Rectangle 35">
+              <a:extLst>
+                <a:ext uri="{FF2B5EF4-FFF2-40B4-BE49-F238E27FC236}">
+                  <a16:creationId xmlns:a16="http://schemas.microsoft.com/office/drawing/2014/main" id="{C0514D10-0067-00C9-3DC5-899783C4A3D3}"/>
+                </a:ext>
+              </a:extLst>
+            </p:cNvPr>
+            <p:cNvSpPr/>
+            <p:nvPr/>
+          </p:nvSpPr>
+          <p:spPr>
+            <a:xfrm>
+              <a:off x="1548971" y="4864121"/>
+              <a:ext cx="1422719" cy="241280"/>
+            </a:xfrm>
+            <a:prstGeom prst="rect">
+              <a:avLst/>
+            </a:prstGeom>
+            <a:solidFill>
+              <a:schemeClr val="bg1"/>
+            </a:solidFill>
+          </p:spPr>
+          <p:style>
+            <a:lnRef idx="2">
+              <a:schemeClr val="accent1">
+                <a:shade val="50000"/>
+              </a:schemeClr>
+            </a:lnRef>
+            <a:fillRef idx="1">
+              <a:schemeClr val="accent1"/>
+            </a:fillRef>
+            <a:effectRef idx="0">
+              <a:schemeClr val="accent1"/>
+            </a:effectRef>
+            <a:fontRef idx="minor">
+              <a:schemeClr val="lt1"/>
+            </a:fontRef>
+          </p:style>
+          <p:txBody>
+            <a:bodyPr rtlCol="0" anchor="ctr"/>
+            <a:lstStyle/>
+            <a:p>
+              <a:pPr algn="ctr"/>
+              <a:r>
+                <a:rPr lang="en-US" sz="1000">
+                  <a:solidFill>
+                    <a:schemeClr val="tx1"/>
+                  </a:solidFill>
+                </a:rPr>
+                <a:t>Thương hiệu</a:t>
+              </a:r>
+            </a:p>
+          </p:txBody>
+        </p:sp>
+        <p:sp>
+          <p:nvSpPr>
+            <p:cNvPr id="37" name="Rectangle 36">
+              <a:extLst>
+                <a:ext uri="{FF2B5EF4-FFF2-40B4-BE49-F238E27FC236}">
+                  <a16:creationId xmlns:a16="http://schemas.microsoft.com/office/drawing/2014/main" id="{00BB7D62-8859-2799-DE4F-081AF16636CE}"/>
+                </a:ext>
+              </a:extLst>
+            </p:cNvPr>
+            <p:cNvSpPr/>
+            <p:nvPr/>
+          </p:nvSpPr>
+          <p:spPr>
+            <a:xfrm>
+              <a:off x="1548971" y="5229772"/>
+              <a:ext cx="1422719" cy="241280"/>
+            </a:xfrm>
+            <a:prstGeom prst="rect">
+              <a:avLst/>
+            </a:prstGeom>
+            <a:solidFill>
+              <a:schemeClr val="bg1"/>
+            </a:solidFill>
+          </p:spPr>
+          <p:style>
+            <a:lnRef idx="2">
+              <a:schemeClr val="accent1">
+                <a:shade val="50000"/>
+              </a:schemeClr>
+            </a:lnRef>
+            <a:fillRef idx="1">
+              <a:schemeClr val="accent1"/>
+            </a:fillRef>
+            <a:effectRef idx="0">
+              <a:schemeClr val="accent1"/>
+            </a:effectRef>
+            <a:fontRef idx="minor">
+              <a:schemeClr val="lt1"/>
+            </a:fontRef>
+          </p:style>
+          <p:txBody>
+            <a:bodyPr rtlCol="0" anchor="ctr"/>
+            <a:lstStyle/>
+            <a:p>
+              <a:pPr algn="ctr"/>
+              <a:r>
+                <a:rPr lang="en-US" sz="1000">
+                  <a:solidFill>
+                    <a:schemeClr val="tx1"/>
+                  </a:solidFill>
+                </a:rPr>
+                <a:t>Khuyến mãi</a:t>
+              </a:r>
+            </a:p>
+          </p:txBody>
+        </p:sp>
+        <p:sp>
+          <p:nvSpPr>
+            <p:cNvPr id="38" name="Rectangle 37">
+              <a:extLst>
+                <a:ext uri="{FF2B5EF4-FFF2-40B4-BE49-F238E27FC236}">
+                  <a16:creationId xmlns:a16="http://schemas.microsoft.com/office/drawing/2014/main" id="{C4757662-9877-DCD1-16DD-18F4F7121548}"/>
+                </a:ext>
+              </a:extLst>
+            </p:cNvPr>
+            <p:cNvSpPr/>
+            <p:nvPr/>
+          </p:nvSpPr>
+          <p:spPr>
+            <a:xfrm>
+              <a:off x="1548971" y="5586916"/>
+              <a:ext cx="1422719" cy="241280"/>
+            </a:xfrm>
+            <a:prstGeom prst="rect">
+              <a:avLst/>
+            </a:prstGeom>
+            <a:solidFill>
+              <a:schemeClr val="bg1"/>
+            </a:solidFill>
+          </p:spPr>
+          <p:style>
+            <a:lnRef idx="2">
+              <a:schemeClr val="accent1">
+                <a:shade val="50000"/>
+              </a:schemeClr>
+            </a:lnRef>
+            <a:fillRef idx="1">
+              <a:schemeClr val="accent1"/>
+            </a:fillRef>
+            <a:effectRef idx="0">
+              <a:schemeClr val="accent1"/>
+            </a:effectRef>
+            <a:fontRef idx="minor">
+              <a:schemeClr val="lt1"/>
+            </a:fontRef>
+          </p:style>
+          <p:txBody>
+            <a:bodyPr rtlCol="0" anchor="ctr"/>
+            <a:lstStyle/>
+            <a:p>
+              <a:pPr algn="ctr"/>
+              <a:r>
+                <a:rPr lang="en-US" sz="1000">
+                  <a:solidFill>
+                    <a:schemeClr val="tx1"/>
+                  </a:solidFill>
+                </a:rPr>
+                <a:t>Danh mục sản phẩm</a:t>
+              </a:r>
+            </a:p>
+          </p:txBody>
+        </p:sp>
+      </p:grpSp>
+      <p:grpSp>
+        <p:nvGrpSpPr>
+          <p:cNvPr id="41" name="Group 40">
+            <a:extLst>
+              <a:ext uri="{FF2B5EF4-FFF2-40B4-BE49-F238E27FC236}">
+                <a16:creationId xmlns:a16="http://schemas.microsoft.com/office/drawing/2014/main" id="{A6D6B050-4C51-E330-1D35-358464AD9CB6}"/>
+              </a:ext>
+            </a:extLst>
+          </p:cNvPr>
+          <p:cNvGrpSpPr/>
+          <p:nvPr/>
+        </p:nvGrpSpPr>
+        <p:grpSpPr>
+          <a:xfrm>
+            <a:off x="3047060" y="639313"/>
+            <a:ext cx="8634045" cy="593481"/>
+            <a:chOff x="3378200" y="639313"/>
+            <a:chExt cx="6518355" cy="593481"/>
+          </a:xfrm>
+        </p:grpSpPr>
+        <p:sp>
+          <p:nvSpPr>
+            <p:cNvPr id="42" name="Rectangle 41">
+              <a:extLst>
+                <a:ext uri="{FF2B5EF4-FFF2-40B4-BE49-F238E27FC236}">
+                  <a16:creationId xmlns:a16="http://schemas.microsoft.com/office/drawing/2014/main" id="{78C63BE8-E099-24B2-338B-C5B0F66FF9B7}"/>
+                </a:ext>
+              </a:extLst>
+            </p:cNvPr>
+            <p:cNvSpPr/>
+            <p:nvPr/>
+          </p:nvSpPr>
+          <p:spPr>
+            <a:xfrm>
+              <a:off x="3378200" y="639313"/>
+              <a:ext cx="6518355" cy="593481"/>
+            </a:xfrm>
+            <a:prstGeom prst="rect">
+              <a:avLst/>
+            </a:prstGeom>
+            <a:solidFill>
+              <a:schemeClr val="bg1">
+                <a:lumMod val="95000"/>
+              </a:schemeClr>
+            </a:solidFill>
+          </p:spPr>
+          <p:style>
+            <a:lnRef idx="2">
+              <a:schemeClr val="dk1"/>
+            </a:lnRef>
+            <a:fillRef idx="1">
+              <a:schemeClr val="lt1"/>
+            </a:fillRef>
+            <a:effectRef idx="0">
+              <a:schemeClr val="dk1"/>
+            </a:effectRef>
+            <a:fontRef idx="minor">
+              <a:schemeClr val="dk1"/>
+            </a:fontRef>
+          </p:style>
+          <p:txBody>
+            <a:bodyPr rtlCol="0" anchor="ctr"/>
+            <a:lstStyle/>
+            <a:p>
+              <a:pPr algn="ctr"/>
+              <a:endParaRPr lang="en-US" sz="1400"/>
+            </a:p>
+          </p:txBody>
+        </p:sp>
+        <p:grpSp>
+          <p:nvGrpSpPr>
+            <p:cNvPr id="43" name="Group 42">
+              <a:extLst>
+                <a:ext uri="{FF2B5EF4-FFF2-40B4-BE49-F238E27FC236}">
+                  <a16:creationId xmlns:a16="http://schemas.microsoft.com/office/drawing/2014/main" id="{3A86B595-DB6C-8D27-234D-40EFFF99283A}"/>
+                </a:ext>
+              </a:extLst>
+            </p:cNvPr>
+            <p:cNvGrpSpPr/>
+            <p:nvPr/>
+          </p:nvGrpSpPr>
+          <p:grpSpPr>
+            <a:xfrm>
+              <a:off x="3679005" y="803382"/>
+              <a:ext cx="1208382" cy="237415"/>
+              <a:chOff x="3679004" y="803382"/>
+              <a:chExt cx="1617171" cy="237415"/>
+            </a:xfrm>
+          </p:grpSpPr>
+          <p:sp>
+            <p:nvSpPr>
+              <p:cNvPr id="48" name="Rectangle: Rounded Corners 47">
+                <a:extLst>
+                  <a:ext uri="{FF2B5EF4-FFF2-40B4-BE49-F238E27FC236}">
+                    <a16:creationId xmlns:a16="http://schemas.microsoft.com/office/drawing/2014/main" id="{8A5F5D15-E221-D119-6EA1-0248F11A57BD}"/>
+                  </a:ext>
+                </a:extLst>
+              </p:cNvPr>
+              <p:cNvSpPr/>
+              <p:nvPr/>
+            </p:nvSpPr>
+            <p:spPr>
+              <a:xfrm>
+                <a:off x="3679004" y="803382"/>
+                <a:ext cx="1617171" cy="237415"/>
+              </a:xfrm>
+              <a:prstGeom prst="roundRect">
+                <a:avLst/>
+              </a:prstGeom>
+              <a:solidFill>
+                <a:schemeClr val="bg1"/>
+              </a:solidFill>
+            </p:spPr>
+            <p:style>
+              <a:lnRef idx="2">
+                <a:schemeClr val="accent1">
+                  <a:shade val="50000"/>
+                </a:schemeClr>
+              </a:lnRef>
+              <a:fillRef idx="1">
+                <a:schemeClr val="accent1"/>
+              </a:fillRef>
+              <a:effectRef idx="0">
+                <a:schemeClr val="accent1"/>
+              </a:effectRef>
+              <a:fontRef idx="minor">
+                <a:schemeClr val="lt1"/>
+              </a:fontRef>
+            </p:style>
+            <p:txBody>
+              <a:bodyPr rtlCol="0" anchor="ctr"/>
+              <a:lstStyle/>
+              <a:p>
+                <a:r>
+                  <a:rPr lang="en-US" sz="1200">
+                    <a:solidFill>
+                      <a:schemeClr val="tx1"/>
+                    </a:solidFill>
+                  </a:rPr>
+                  <a:t>Tìm kiếm</a:t>
+                </a:r>
+              </a:p>
+            </p:txBody>
+          </p:sp>
+          <p:pic>
+            <p:nvPicPr>
+              <p:cNvPr id="49" name="Graphic 48" descr="Magnifying glass">
+                <a:extLst>
+                  <a:ext uri="{FF2B5EF4-FFF2-40B4-BE49-F238E27FC236}">
+                    <a16:creationId xmlns:a16="http://schemas.microsoft.com/office/drawing/2014/main" id="{BF6720A4-8A5B-2624-BED9-2313D5736946}"/>
+                  </a:ext>
+                </a:extLst>
+              </p:cNvPr>
+              <p:cNvPicPr>
+                <a:picLocks noChangeAspect="1"/>
+              </p:cNvPicPr>
+              <p:nvPr/>
+            </p:nvPicPr>
+            <p:blipFill>
+              <a:blip r:embed="rId3">
+                <a:extLst>
+                  <a:ext uri="{28A0092B-C50C-407E-A947-70E740481C1C}">
+                    <a14:useLocalDpi xmlns:a14="http://schemas.microsoft.com/office/drawing/2010/main" val="0"/>
+                  </a:ext>
+                  <a:ext uri="{96DAC541-7B7A-43D3-8B79-37D633B846F1}">
+                    <asvg:svgBlip xmlns:asvg="http://schemas.microsoft.com/office/drawing/2016/SVG/main" r:embed="rId4"/>
+                  </a:ext>
+                </a:extLst>
+              </a:blip>
+              <a:stretch>
+                <a:fillRect/>
+              </a:stretch>
+            </p:blipFill>
+            <p:spPr>
+              <a:xfrm>
+                <a:off x="4973632" y="822600"/>
+                <a:ext cx="300384" cy="209464"/>
+              </a:xfrm>
+              <a:prstGeom prst="rect">
+                <a:avLst/>
+              </a:prstGeom>
+            </p:spPr>
+          </p:pic>
+        </p:grpSp>
+        <p:grpSp>
+          <p:nvGrpSpPr>
+            <p:cNvPr id="44" name="Group 43">
+              <a:extLst>
+                <a:ext uri="{FF2B5EF4-FFF2-40B4-BE49-F238E27FC236}">
+                  <a16:creationId xmlns:a16="http://schemas.microsoft.com/office/drawing/2014/main" id="{05745155-D055-9336-4365-F2FF99D85A46}"/>
+                </a:ext>
+              </a:extLst>
+            </p:cNvPr>
+            <p:cNvGrpSpPr/>
+            <p:nvPr/>
+          </p:nvGrpSpPr>
+          <p:grpSpPr>
+            <a:xfrm>
+              <a:off x="7794066" y="789221"/>
+              <a:ext cx="1098352" cy="307777"/>
+              <a:chOff x="8606866" y="761468"/>
+              <a:chExt cx="1098352" cy="307777"/>
+            </a:xfrm>
+          </p:grpSpPr>
+          <p:pic>
+            <p:nvPicPr>
+              <p:cNvPr id="46" name="Graphic 45" descr="User">
+                <a:extLst>
+                  <a:ext uri="{FF2B5EF4-FFF2-40B4-BE49-F238E27FC236}">
+                    <a16:creationId xmlns:a16="http://schemas.microsoft.com/office/drawing/2014/main" id="{1A55F426-A94B-1ABA-301E-2CE1C1CAD862}"/>
+                  </a:ext>
+                </a:extLst>
+              </p:cNvPr>
+              <p:cNvPicPr>
+                <a:picLocks noChangeAspect="1"/>
+              </p:cNvPicPr>
+              <p:nvPr/>
+            </p:nvPicPr>
+            <p:blipFill>
+              <a:blip r:embed="rId5">
+                <a:extLst>
+                  <a:ext uri="{28A0092B-C50C-407E-A947-70E740481C1C}">
+                    <a14:useLocalDpi xmlns:a14="http://schemas.microsoft.com/office/drawing/2010/main" val="0"/>
+                  </a:ext>
+                  <a:ext uri="{96DAC541-7B7A-43D3-8B79-37D633B846F1}">
+                    <asvg:svgBlip xmlns:asvg="http://schemas.microsoft.com/office/drawing/2016/SVG/main" r:embed="rId6"/>
+                  </a:ext>
+                </a:extLst>
+              </a:blip>
+              <a:stretch>
+                <a:fillRect/>
+              </a:stretch>
+            </p:blipFill>
+            <p:spPr>
+              <a:xfrm>
+                <a:off x="8606866" y="768472"/>
+                <a:ext cx="224454" cy="279285"/>
+              </a:xfrm>
+              <a:prstGeom prst="rect">
+                <a:avLst/>
+              </a:prstGeom>
+            </p:spPr>
+          </p:pic>
+          <p:sp>
+            <p:nvSpPr>
+              <p:cNvPr id="47" name="TextBox 46">
+                <a:extLst>
+                  <a:ext uri="{FF2B5EF4-FFF2-40B4-BE49-F238E27FC236}">
+                    <a16:creationId xmlns:a16="http://schemas.microsoft.com/office/drawing/2014/main" id="{21CDF677-CB1B-83CC-8434-97D8E0A5F796}"/>
+                  </a:ext>
+                </a:extLst>
+              </p:cNvPr>
+              <p:cNvSpPr txBox="1"/>
+              <p:nvPr/>
+            </p:nvSpPr>
+            <p:spPr>
+              <a:xfrm>
+                <a:off x="8831320" y="761468"/>
+                <a:ext cx="873898" cy="307777"/>
+              </a:xfrm>
+              <a:prstGeom prst="rect">
+                <a:avLst/>
+              </a:prstGeom>
+              <a:noFill/>
+            </p:spPr>
+            <p:txBody>
+              <a:bodyPr wrap="square" rtlCol="0">
+                <a:spAutoFit/>
+              </a:bodyPr>
+              <a:lstStyle/>
+              <a:p>
+                <a:r>
+                  <a:rPr lang="en-US" sz="1400">
+                    <a:solidFill>
+                      <a:schemeClr val="tx1">
+                        <a:lumMod val="65000"/>
+                        <a:lumOff val="35000"/>
+                      </a:schemeClr>
+                    </a:solidFill>
+                  </a:rPr>
+                  <a:t>admin</a:t>
+                </a:r>
+              </a:p>
+            </p:txBody>
+          </p:sp>
+        </p:grpSp>
+        <p:pic>
+          <p:nvPicPr>
+            <p:cNvPr id="45" name="Graphic 44" descr="Ringer">
+              <a:extLst>
+                <a:ext uri="{FF2B5EF4-FFF2-40B4-BE49-F238E27FC236}">
+                  <a16:creationId xmlns:a16="http://schemas.microsoft.com/office/drawing/2014/main" id="{9E8FC41E-805D-9962-BDC0-C68C497856DB}"/>
+                </a:ext>
+              </a:extLst>
+            </p:cNvPr>
+            <p:cNvPicPr>
+              <a:picLocks noChangeAspect="1"/>
+            </p:cNvPicPr>
+            <p:nvPr/>
+          </p:nvPicPr>
+          <p:blipFill>
+            <a:blip r:embed="rId7">
+              <a:extLst>
+                <a:ext uri="{28A0092B-C50C-407E-A947-70E740481C1C}">
+                  <a14:useLocalDpi xmlns:a14="http://schemas.microsoft.com/office/drawing/2010/main" val="0"/>
+                </a:ext>
+                <a:ext uri="{96DAC541-7B7A-43D3-8B79-37D633B846F1}">
+                  <asvg:svgBlip xmlns:asvg="http://schemas.microsoft.com/office/drawing/2016/SVG/main" r:embed="rId8"/>
+                </a:ext>
+              </a:extLst>
+            </a:blip>
+            <a:stretch>
+              <a:fillRect/>
+            </a:stretch>
+          </p:blipFill>
+          <p:spPr>
+            <a:xfrm>
+              <a:off x="9130767" y="770623"/>
+              <a:ext cx="344972" cy="344972"/>
+            </a:xfrm>
+            <a:prstGeom prst="rect">
+              <a:avLst/>
+            </a:prstGeom>
+          </p:spPr>
+        </p:pic>
+      </p:grpSp>
+      <p:pic>
+        <p:nvPicPr>
+          <p:cNvPr id="51" name="Picture 50">
+            <a:extLst>
+              <a:ext uri="{FF2B5EF4-FFF2-40B4-BE49-F238E27FC236}">
+                <a16:creationId xmlns:a16="http://schemas.microsoft.com/office/drawing/2014/main" id="{BB7FC773-36D3-F8C3-46FE-7993CF5C79A8}"/>
+              </a:ext>
+            </a:extLst>
+          </p:cNvPr>
+          <p:cNvPicPr>
+            <a:picLocks noChangeAspect="1"/>
+          </p:cNvPicPr>
+          <p:nvPr/>
+        </p:nvPicPr>
+        <p:blipFill>
+          <a:blip r:embed="rId9"/>
+          <a:stretch>
+            <a:fillRect/>
+          </a:stretch>
+        </p:blipFill>
+        <p:spPr>
+          <a:xfrm>
+            <a:off x="10485762" y="3255513"/>
+            <a:ext cx="181000" cy="171474"/>
+          </a:xfrm>
+          <a:prstGeom prst="rect">
+            <a:avLst/>
+          </a:prstGeom>
+        </p:spPr>
+      </p:pic>
+      <p:pic>
+        <p:nvPicPr>
+          <p:cNvPr id="52" name="Picture 51">
+            <a:extLst>
+              <a:ext uri="{FF2B5EF4-FFF2-40B4-BE49-F238E27FC236}">
+                <a16:creationId xmlns:a16="http://schemas.microsoft.com/office/drawing/2014/main" id="{6F60F045-61A6-4C1F-F8C2-7D6F316212B0}"/>
+              </a:ext>
+            </a:extLst>
+          </p:cNvPr>
+          <p:cNvPicPr>
+            <a:picLocks noChangeAspect="1"/>
+          </p:cNvPicPr>
+          <p:nvPr/>
+        </p:nvPicPr>
+        <p:blipFill>
+          <a:blip r:embed="rId9"/>
+          <a:stretch>
+            <a:fillRect/>
+          </a:stretch>
+        </p:blipFill>
+        <p:spPr>
+          <a:xfrm>
+            <a:off x="10485762" y="3729690"/>
+            <a:ext cx="181000" cy="171474"/>
+          </a:xfrm>
+          <a:prstGeom prst="rect">
+            <a:avLst/>
+          </a:prstGeom>
+        </p:spPr>
+      </p:pic>
+      <p:pic>
+        <p:nvPicPr>
+          <p:cNvPr id="53" name="Picture 52">
+            <a:extLst>
+              <a:ext uri="{FF2B5EF4-FFF2-40B4-BE49-F238E27FC236}">
+                <a16:creationId xmlns:a16="http://schemas.microsoft.com/office/drawing/2014/main" id="{6A209E70-D812-47D7-A066-2BCB0FD227C9}"/>
+              </a:ext>
+            </a:extLst>
+          </p:cNvPr>
+          <p:cNvPicPr>
+            <a:picLocks noChangeAspect="1"/>
+          </p:cNvPicPr>
+          <p:nvPr/>
+        </p:nvPicPr>
+        <p:blipFill>
+          <a:blip r:embed="rId9"/>
+          <a:stretch>
+            <a:fillRect/>
+          </a:stretch>
+        </p:blipFill>
+        <p:spPr>
+          <a:xfrm>
+            <a:off x="10511329" y="4124066"/>
+            <a:ext cx="181000" cy="171474"/>
+          </a:xfrm>
+          <a:prstGeom prst="rect">
+            <a:avLst/>
+          </a:prstGeom>
+        </p:spPr>
+      </p:pic>
+      <p:pic>
+        <p:nvPicPr>
+          <p:cNvPr id="54" name="Picture 53">
+            <a:extLst>
+              <a:ext uri="{FF2B5EF4-FFF2-40B4-BE49-F238E27FC236}">
+                <a16:creationId xmlns:a16="http://schemas.microsoft.com/office/drawing/2014/main" id="{8A3FF869-2929-6E4F-F06C-5EBAB973DBDC}"/>
+              </a:ext>
+            </a:extLst>
+          </p:cNvPr>
+          <p:cNvPicPr>
+            <a:picLocks noChangeAspect="1"/>
+          </p:cNvPicPr>
+          <p:nvPr/>
+        </p:nvPicPr>
+        <p:blipFill>
+          <a:blip r:embed="rId9"/>
+          <a:stretch>
+            <a:fillRect/>
+          </a:stretch>
+        </p:blipFill>
+        <p:spPr>
+          <a:xfrm>
+            <a:off x="10536896" y="4518442"/>
+            <a:ext cx="181000" cy="171474"/>
+          </a:xfrm>
+          <a:prstGeom prst="rect">
+            <a:avLst/>
+          </a:prstGeom>
+        </p:spPr>
+      </p:pic>
+      <p:grpSp>
+        <p:nvGrpSpPr>
+          <p:cNvPr id="57" name="Group 56">
+            <a:extLst>
+              <a:ext uri="{FF2B5EF4-FFF2-40B4-BE49-F238E27FC236}">
+                <a16:creationId xmlns:a16="http://schemas.microsoft.com/office/drawing/2014/main" id="{94CDB339-A530-35C9-B6A4-61CA74FE82A5}"/>
+              </a:ext>
+            </a:extLst>
+          </p:cNvPr>
+          <p:cNvGrpSpPr/>
+          <p:nvPr/>
+        </p:nvGrpSpPr>
+        <p:grpSpPr>
+          <a:xfrm>
+            <a:off x="3294925" y="1763088"/>
+            <a:ext cx="2001694" cy="307777"/>
+            <a:chOff x="5046091" y="1667711"/>
+            <a:chExt cx="2288930" cy="400937"/>
+          </a:xfrm>
+        </p:grpSpPr>
+        <p:sp>
+          <p:nvSpPr>
+            <p:cNvPr id="55" name="Rectangle: Rounded Corners 54">
+              <a:extLst>
+                <a:ext uri="{FF2B5EF4-FFF2-40B4-BE49-F238E27FC236}">
+                  <a16:creationId xmlns:a16="http://schemas.microsoft.com/office/drawing/2014/main" id="{8914D8CE-65BA-B413-3F47-D8F589F45CD2}"/>
+                </a:ext>
+              </a:extLst>
+            </p:cNvPr>
+            <p:cNvSpPr/>
+            <p:nvPr/>
+          </p:nvSpPr>
+          <p:spPr>
+            <a:xfrm>
+              <a:off x="5046091" y="1667711"/>
+              <a:ext cx="1725645" cy="400937"/>
+            </a:xfrm>
+            <a:prstGeom prst="roundRect">
+              <a:avLst/>
+            </a:prstGeom>
+            <a:solidFill>
+              <a:schemeClr val="bg1">
+                <a:lumMod val="85000"/>
+              </a:schemeClr>
+            </a:solidFill>
+          </p:spPr>
+          <p:style>
+            <a:lnRef idx="2">
+              <a:schemeClr val="accent1">
+                <a:shade val="50000"/>
+              </a:schemeClr>
+            </a:lnRef>
+            <a:fillRef idx="1">
+              <a:schemeClr val="accent1"/>
+            </a:fillRef>
+            <a:effectRef idx="0">
+              <a:schemeClr val="accent1"/>
+            </a:effectRef>
+            <a:fontRef idx="minor">
+              <a:schemeClr val="lt1"/>
+            </a:fontRef>
+          </p:style>
+          <p:txBody>
+            <a:bodyPr rtlCol="0" anchor="ctr"/>
+            <a:lstStyle/>
+            <a:p>
+              <a:pPr algn="ctr"/>
+              <a:endParaRPr lang="en-US"/>
+            </a:p>
+          </p:txBody>
+        </p:sp>
+        <p:sp>
+          <p:nvSpPr>
+            <p:cNvPr id="56" name="TextBox 55">
+              <a:extLst>
+                <a:ext uri="{FF2B5EF4-FFF2-40B4-BE49-F238E27FC236}">
+                  <a16:creationId xmlns:a16="http://schemas.microsoft.com/office/drawing/2014/main" id="{4C5DBD88-8C4F-4AEB-C37C-1FBED5C4933F}"/>
+                </a:ext>
+              </a:extLst>
+            </p:cNvPr>
+            <p:cNvSpPr txBox="1"/>
+            <p:nvPr/>
+          </p:nvSpPr>
+          <p:spPr>
+            <a:xfrm>
+              <a:off x="5198490" y="1706926"/>
+              <a:ext cx="2136531" cy="360843"/>
+            </a:xfrm>
+            <a:prstGeom prst="rect">
+              <a:avLst/>
+            </a:prstGeom>
+            <a:noFill/>
+          </p:spPr>
+          <p:txBody>
+            <a:bodyPr wrap="square" rtlCol="0">
+              <a:spAutoFit/>
+            </a:bodyPr>
+            <a:lstStyle/>
+            <a:p>
+              <a:r>
+                <a:rPr lang="en-US" sz="1200"/>
+                <a:t>Thêm tài khoản</a:t>
+              </a:r>
+            </a:p>
+          </p:txBody>
+        </p:sp>
+      </p:grpSp>
+    </p:spTree>
+    <p:extLst>
+      <p:ext uri="{BB962C8B-B14F-4D97-AF65-F5344CB8AC3E}">
+        <p14:creationId xmlns:p14="http://schemas.microsoft.com/office/powerpoint/2010/main" val="1922353755"/>
+      </p:ext>
+    </p:extLst>
+  </p:cSld>
+  <p:clrMapOvr>
+    <a:masterClrMapping/>
+  </p:clrMapOvr>
+</p:sld>
+</file>
+
 <file path=ppt/slides/slide2.xml><?xml version="1.0" encoding="utf-8"?>
 <p:sld xmlns:a="http://schemas.openxmlformats.org/drawingml/2006/main" xmlns:r="http://schemas.openxmlformats.org/officeDocument/2006/relationships" xmlns:p="http://schemas.openxmlformats.org/presentationml/2006/main">
   <p:cSld>
@@ -3914,6 +11222,650 @@
 </file>
 
 <file path=ppt/slides/slide4.xml><?xml version="1.0" encoding="utf-8"?>
+<p:sld xmlns:a="http://schemas.openxmlformats.org/drawingml/2006/main" xmlns:r="http://schemas.openxmlformats.org/officeDocument/2006/relationships" xmlns:p="http://schemas.openxmlformats.org/presentationml/2006/main">
+  <p:cSld>
+    <p:spTree>
+      <p:nvGrpSpPr>
+        <p:cNvPr id="1" name=""/>
+        <p:cNvGrpSpPr/>
+        <p:nvPr/>
+      </p:nvGrpSpPr>
+      <p:grpSpPr>
+        <a:xfrm>
+          <a:off x="0" y="0"/>
+          <a:ext cx="0" cy="0"/>
+          <a:chOff x="0" y="0"/>
+          <a:chExt cx="0" cy="0"/>
+        </a:xfrm>
+      </p:grpSpPr>
+      <p:sp>
+        <p:nvSpPr>
+          <p:cNvPr id="4" name="Rectangle: Rounded Corners 3">
+            <a:extLst>
+              <a:ext uri="{FF2B5EF4-FFF2-40B4-BE49-F238E27FC236}">
+                <a16:creationId xmlns:a16="http://schemas.microsoft.com/office/drawing/2014/main" id="{3FC34394-FB7F-D314-A808-E9740B45B02C}"/>
+              </a:ext>
+            </a:extLst>
+          </p:cNvPr>
+          <p:cNvSpPr/>
+          <p:nvPr/>
+        </p:nvSpPr>
+        <p:spPr>
+          <a:xfrm>
+            <a:off x="1846385" y="296006"/>
+            <a:ext cx="7139353" cy="5926016"/>
+          </a:xfrm>
+          <a:prstGeom prst="roundRect">
+            <a:avLst>
+              <a:gd name="adj" fmla="val 6726"/>
+            </a:avLst>
+          </a:prstGeom>
+          <a:solidFill>
+            <a:schemeClr val="tx1">
+              <a:lumMod val="50000"/>
+              <a:lumOff val="50000"/>
+            </a:schemeClr>
+          </a:solidFill>
+        </p:spPr>
+        <p:style>
+          <a:lnRef idx="2">
+            <a:schemeClr val="accent3">
+              <a:shade val="50000"/>
+            </a:schemeClr>
+          </a:lnRef>
+          <a:fillRef idx="1">
+            <a:schemeClr val="accent3"/>
+          </a:fillRef>
+          <a:effectRef idx="0">
+            <a:schemeClr val="accent3"/>
+          </a:effectRef>
+          <a:fontRef idx="minor">
+            <a:schemeClr val="lt1"/>
+          </a:fontRef>
+        </p:style>
+        <p:txBody>
+          <a:bodyPr rtlCol="0" anchor="ctr"/>
+          <a:lstStyle/>
+          <a:p>
+            <a:pPr algn="ctr"/>
+            <a:endParaRPr lang="en-US"/>
+          </a:p>
+        </p:txBody>
+      </p:sp>
+      <p:sp>
+        <p:nvSpPr>
+          <p:cNvPr id="5" name="TextBox 4">
+            <a:extLst>
+              <a:ext uri="{FF2B5EF4-FFF2-40B4-BE49-F238E27FC236}">
+                <a16:creationId xmlns:a16="http://schemas.microsoft.com/office/drawing/2014/main" id="{071C0577-919B-9567-151B-5F6AA3CC3B79}"/>
+              </a:ext>
+            </a:extLst>
+          </p:cNvPr>
+          <p:cNvSpPr txBox="1"/>
+          <p:nvPr/>
+        </p:nvSpPr>
+        <p:spPr>
+          <a:xfrm>
+            <a:off x="4539761" y="635978"/>
+            <a:ext cx="2480896" cy="523220"/>
+          </a:xfrm>
+          <a:prstGeom prst="rect">
+            <a:avLst/>
+          </a:prstGeom>
+          <a:noFill/>
+        </p:spPr>
+        <p:txBody>
+          <a:bodyPr wrap="square" rtlCol="0">
+            <a:spAutoFit/>
+          </a:bodyPr>
+          <a:lstStyle/>
+          <a:p>
+            <a:r>
+              <a:rPr lang="en-US" sz="2800"/>
+              <a:t>ĐĂNG KÝ</a:t>
+            </a:r>
+          </a:p>
+        </p:txBody>
+      </p:sp>
+      <p:sp>
+        <p:nvSpPr>
+          <p:cNvPr id="6" name="Rectangle 5">
+            <a:extLst>
+              <a:ext uri="{FF2B5EF4-FFF2-40B4-BE49-F238E27FC236}">
+                <a16:creationId xmlns:a16="http://schemas.microsoft.com/office/drawing/2014/main" id="{115276DA-6E48-F521-5CC9-A6CEA2481A0C}"/>
+              </a:ext>
+            </a:extLst>
+          </p:cNvPr>
+          <p:cNvSpPr/>
+          <p:nvPr/>
+        </p:nvSpPr>
+        <p:spPr>
+          <a:xfrm>
+            <a:off x="3165231" y="1562478"/>
+            <a:ext cx="2250831" cy="404446"/>
+          </a:xfrm>
+          <a:prstGeom prst="rect">
+            <a:avLst/>
+          </a:prstGeom>
+        </p:spPr>
+        <p:style>
+          <a:lnRef idx="2">
+            <a:schemeClr val="accent5"/>
+          </a:lnRef>
+          <a:fillRef idx="1">
+            <a:schemeClr val="lt1"/>
+          </a:fillRef>
+          <a:effectRef idx="0">
+            <a:schemeClr val="accent5"/>
+          </a:effectRef>
+          <a:fontRef idx="minor">
+            <a:schemeClr val="dk1"/>
+          </a:fontRef>
+        </p:style>
+        <p:txBody>
+          <a:bodyPr rtlCol="0" anchor="ctr"/>
+          <a:lstStyle/>
+          <a:p>
+            <a:r>
+              <a:rPr lang="en-US">
+                <a:solidFill>
+                  <a:schemeClr val="bg1">
+                    <a:lumMod val="85000"/>
+                  </a:schemeClr>
+                </a:solidFill>
+              </a:rPr>
+              <a:t>Tài khoản</a:t>
+            </a:r>
+          </a:p>
+        </p:txBody>
+      </p:sp>
+      <p:sp>
+        <p:nvSpPr>
+          <p:cNvPr id="7" name="Rectangle 6">
+            <a:extLst>
+              <a:ext uri="{FF2B5EF4-FFF2-40B4-BE49-F238E27FC236}">
+                <a16:creationId xmlns:a16="http://schemas.microsoft.com/office/drawing/2014/main" id="{2240A0BA-4BA6-D03B-C343-97F8180184C6}"/>
+              </a:ext>
+            </a:extLst>
+          </p:cNvPr>
+          <p:cNvSpPr/>
+          <p:nvPr/>
+        </p:nvSpPr>
+        <p:spPr>
+          <a:xfrm>
+            <a:off x="5705475" y="1562478"/>
+            <a:ext cx="2479431" cy="404446"/>
+          </a:xfrm>
+          <a:prstGeom prst="rect">
+            <a:avLst/>
+          </a:prstGeom>
+        </p:spPr>
+        <p:style>
+          <a:lnRef idx="2">
+            <a:schemeClr val="accent5"/>
+          </a:lnRef>
+          <a:fillRef idx="1">
+            <a:schemeClr val="lt1"/>
+          </a:fillRef>
+          <a:effectRef idx="0">
+            <a:schemeClr val="accent5"/>
+          </a:effectRef>
+          <a:fontRef idx="minor">
+            <a:schemeClr val="dk1"/>
+          </a:fontRef>
+        </p:style>
+        <p:txBody>
+          <a:bodyPr rtlCol="0" anchor="ctr"/>
+          <a:lstStyle/>
+          <a:p>
+            <a:r>
+              <a:rPr lang="en-US">
+                <a:solidFill>
+                  <a:schemeClr val="bg1">
+                    <a:lumMod val="85000"/>
+                  </a:schemeClr>
+                </a:solidFill>
+              </a:rPr>
+              <a:t>Mật khẩu</a:t>
+            </a:r>
+          </a:p>
+        </p:txBody>
+      </p:sp>
+      <p:sp>
+        <p:nvSpPr>
+          <p:cNvPr id="8" name="Rectangle 7">
+            <a:extLst>
+              <a:ext uri="{FF2B5EF4-FFF2-40B4-BE49-F238E27FC236}">
+                <a16:creationId xmlns:a16="http://schemas.microsoft.com/office/drawing/2014/main" id="{571B4717-0505-CEDF-34B7-966121EE230F}"/>
+              </a:ext>
+            </a:extLst>
+          </p:cNvPr>
+          <p:cNvSpPr/>
+          <p:nvPr/>
+        </p:nvSpPr>
+        <p:spPr>
+          <a:xfrm>
+            <a:off x="4889620" y="4586722"/>
+            <a:ext cx="1554774" cy="404446"/>
+          </a:xfrm>
+          <a:prstGeom prst="rect">
+            <a:avLst/>
+          </a:prstGeom>
+        </p:spPr>
+        <p:style>
+          <a:lnRef idx="2">
+            <a:schemeClr val="accent5"/>
+          </a:lnRef>
+          <a:fillRef idx="1">
+            <a:schemeClr val="lt1"/>
+          </a:fillRef>
+          <a:effectRef idx="0">
+            <a:schemeClr val="accent5"/>
+          </a:effectRef>
+          <a:fontRef idx="minor">
+            <a:schemeClr val="dk1"/>
+          </a:fontRef>
+        </p:style>
+        <p:txBody>
+          <a:bodyPr rtlCol="0" anchor="ctr"/>
+          <a:lstStyle/>
+          <a:p>
+            <a:pPr algn="ctr"/>
+            <a:r>
+              <a:rPr lang="en-US">
+                <a:solidFill>
+                  <a:schemeClr val="tx1">
+                    <a:lumMod val="75000"/>
+                    <a:lumOff val="25000"/>
+                  </a:schemeClr>
+                </a:solidFill>
+              </a:rPr>
+              <a:t>Đăng Ký</a:t>
+            </a:r>
+          </a:p>
+        </p:txBody>
+      </p:sp>
+      <p:sp>
+        <p:nvSpPr>
+          <p:cNvPr id="9" name="TextBox 8">
+            <a:extLst>
+              <a:ext uri="{FF2B5EF4-FFF2-40B4-BE49-F238E27FC236}">
+                <a16:creationId xmlns:a16="http://schemas.microsoft.com/office/drawing/2014/main" id="{36571687-D0C1-D45C-8453-8A76281B1C47}"/>
+              </a:ext>
+            </a:extLst>
+          </p:cNvPr>
+          <p:cNvSpPr txBox="1"/>
+          <p:nvPr/>
+        </p:nvSpPr>
+        <p:spPr>
+          <a:xfrm>
+            <a:off x="4637942" y="5138429"/>
+            <a:ext cx="3389435" cy="276999"/>
+          </a:xfrm>
+          <a:prstGeom prst="rect">
+            <a:avLst/>
+          </a:prstGeom>
+          <a:noFill/>
+        </p:spPr>
+        <p:txBody>
+          <a:bodyPr wrap="square" rtlCol="0">
+            <a:spAutoFit/>
+          </a:bodyPr>
+          <a:lstStyle/>
+          <a:p>
+            <a:r>
+              <a:rPr lang="en-US" sz="1200"/>
+              <a:t>Đã có tài khoản? Đăng nhập ngay</a:t>
+            </a:r>
+          </a:p>
+        </p:txBody>
+      </p:sp>
+      <p:sp>
+        <p:nvSpPr>
+          <p:cNvPr id="10" name="Rectangle 9">
+            <a:extLst>
+              <a:ext uri="{FF2B5EF4-FFF2-40B4-BE49-F238E27FC236}">
+                <a16:creationId xmlns:a16="http://schemas.microsoft.com/office/drawing/2014/main" id="{C70A5614-0220-B36D-F4FB-4810EB66717A}"/>
+              </a:ext>
+            </a:extLst>
+          </p:cNvPr>
+          <p:cNvSpPr/>
+          <p:nvPr/>
+        </p:nvSpPr>
+        <p:spPr>
+          <a:xfrm>
+            <a:off x="3165231" y="2318618"/>
+            <a:ext cx="2250831" cy="404446"/>
+          </a:xfrm>
+          <a:prstGeom prst="rect">
+            <a:avLst/>
+          </a:prstGeom>
+        </p:spPr>
+        <p:style>
+          <a:lnRef idx="2">
+            <a:schemeClr val="accent5"/>
+          </a:lnRef>
+          <a:fillRef idx="1">
+            <a:schemeClr val="lt1"/>
+          </a:fillRef>
+          <a:effectRef idx="0">
+            <a:schemeClr val="accent5"/>
+          </a:effectRef>
+          <a:fontRef idx="minor">
+            <a:schemeClr val="dk1"/>
+          </a:fontRef>
+        </p:style>
+        <p:txBody>
+          <a:bodyPr rtlCol="0" anchor="ctr"/>
+          <a:lstStyle/>
+          <a:p>
+            <a:r>
+              <a:rPr lang="en-US">
+                <a:solidFill>
+                  <a:schemeClr val="bg1">
+                    <a:lumMod val="85000"/>
+                  </a:schemeClr>
+                </a:solidFill>
+              </a:rPr>
+              <a:t>Họ Tên</a:t>
+            </a:r>
+          </a:p>
+        </p:txBody>
+      </p:sp>
+      <p:sp>
+        <p:nvSpPr>
+          <p:cNvPr id="12" name="TextBox 11">
+            <a:extLst>
+              <a:ext uri="{FF2B5EF4-FFF2-40B4-BE49-F238E27FC236}">
+                <a16:creationId xmlns:a16="http://schemas.microsoft.com/office/drawing/2014/main" id="{5407FED1-3EE5-E056-6566-6BCEDF50599D}"/>
+              </a:ext>
+            </a:extLst>
+          </p:cNvPr>
+          <p:cNvSpPr txBox="1"/>
+          <p:nvPr/>
+        </p:nvSpPr>
+        <p:spPr>
+          <a:xfrm>
+            <a:off x="5705474" y="2309709"/>
+            <a:ext cx="1477840" cy="464871"/>
+          </a:xfrm>
+          <a:prstGeom prst="rect">
+            <a:avLst/>
+          </a:prstGeom>
+          <a:noFill/>
+        </p:spPr>
+        <p:txBody>
+          <a:bodyPr wrap="square">
+            <a:spAutoFit/>
+          </a:bodyPr>
+          <a:lstStyle/>
+          <a:p>
+            <a:pPr marL="171450" indent="-171450">
+              <a:lnSpc>
+                <a:spcPct val="150000"/>
+              </a:lnSpc>
+              <a:buFont typeface="Arial" panose="020B0604020202020204" pitchFamily="34" charset="0"/>
+              <a:buChar char="•"/>
+            </a:pPr>
+            <a:r>
+              <a:rPr lang="en-US" sz="1800"/>
+              <a:t>Nam</a:t>
+            </a:r>
+          </a:p>
+        </p:txBody>
+      </p:sp>
+      <p:sp>
+        <p:nvSpPr>
+          <p:cNvPr id="13" name="TextBox 12">
+            <a:extLst>
+              <a:ext uri="{FF2B5EF4-FFF2-40B4-BE49-F238E27FC236}">
+                <a16:creationId xmlns:a16="http://schemas.microsoft.com/office/drawing/2014/main" id="{17988AE3-AAD8-39DD-1F09-5D5C01BACC5D}"/>
+              </a:ext>
+            </a:extLst>
+          </p:cNvPr>
+          <p:cNvSpPr txBox="1"/>
+          <p:nvPr/>
+        </p:nvSpPr>
+        <p:spPr>
+          <a:xfrm>
+            <a:off x="7234602" y="2319872"/>
+            <a:ext cx="1477840" cy="464871"/>
+          </a:xfrm>
+          <a:prstGeom prst="rect">
+            <a:avLst/>
+          </a:prstGeom>
+          <a:noFill/>
+        </p:spPr>
+        <p:txBody>
+          <a:bodyPr wrap="square">
+            <a:spAutoFit/>
+          </a:bodyPr>
+          <a:lstStyle/>
+          <a:p>
+            <a:pPr marL="285750" indent="-285750">
+              <a:lnSpc>
+                <a:spcPct val="150000"/>
+              </a:lnSpc>
+              <a:buFont typeface="Courier New" panose="02070309020205020404" pitchFamily="49" charset="0"/>
+              <a:buChar char="o"/>
+            </a:pPr>
+            <a:r>
+              <a:rPr lang="en-US" sz="1800"/>
+              <a:t>Nữ</a:t>
+            </a:r>
+          </a:p>
+        </p:txBody>
+      </p:sp>
+      <p:sp>
+        <p:nvSpPr>
+          <p:cNvPr id="14" name="TextBox 13">
+            <a:extLst>
+              <a:ext uri="{FF2B5EF4-FFF2-40B4-BE49-F238E27FC236}">
+                <a16:creationId xmlns:a16="http://schemas.microsoft.com/office/drawing/2014/main" id="{9AE71A11-335A-A2F3-1235-7FFD92D2B3F8}"/>
+              </a:ext>
+            </a:extLst>
+          </p:cNvPr>
+          <p:cNvSpPr txBox="1"/>
+          <p:nvPr/>
+        </p:nvSpPr>
+        <p:spPr>
+          <a:xfrm>
+            <a:off x="6368562" y="1960799"/>
+            <a:ext cx="1477840" cy="464871"/>
+          </a:xfrm>
+          <a:prstGeom prst="rect">
+            <a:avLst/>
+          </a:prstGeom>
+          <a:noFill/>
+        </p:spPr>
+        <p:txBody>
+          <a:bodyPr wrap="square">
+            <a:spAutoFit/>
+          </a:bodyPr>
+          <a:lstStyle/>
+          <a:p>
+            <a:pPr>
+              <a:lnSpc>
+                <a:spcPct val="150000"/>
+              </a:lnSpc>
+            </a:pPr>
+            <a:r>
+              <a:rPr lang="en-US" sz="1800"/>
+              <a:t>Giới tính</a:t>
+            </a:r>
+          </a:p>
+        </p:txBody>
+      </p:sp>
+      <p:sp>
+        <p:nvSpPr>
+          <p:cNvPr id="15" name="Rectangle 14">
+            <a:extLst>
+              <a:ext uri="{FF2B5EF4-FFF2-40B4-BE49-F238E27FC236}">
+                <a16:creationId xmlns:a16="http://schemas.microsoft.com/office/drawing/2014/main" id="{40668CE8-BF73-6EAC-256B-436399EDD66F}"/>
+              </a:ext>
+            </a:extLst>
+          </p:cNvPr>
+          <p:cNvSpPr/>
+          <p:nvPr/>
+        </p:nvSpPr>
+        <p:spPr>
+          <a:xfrm>
+            <a:off x="3165231" y="3013209"/>
+            <a:ext cx="2250831" cy="404446"/>
+          </a:xfrm>
+          <a:prstGeom prst="rect">
+            <a:avLst/>
+          </a:prstGeom>
+        </p:spPr>
+        <p:style>
+          <a:lnRef idx="2">
+            <a:schemeClr val="accent5"/>
+          </a:lnRef>
+          <a:fillRef idx="1">
+            <a:schemeClr val="lt1"/>
+          </a:fillRef>
+          <a:effectRef idx="0">
+            <a:schemeClr val="accent5"/>
+          </a:effectRef>
+          <a:fontRef idx="minor">
+            <a:schemeClr val="dk1"/>
+          </a:fontRef>
+        </p:style>
+        <p:txBody>
+          <a:bodyPr rtlCol="0" anchor="ctr"/>
+          <a:lstStyle/>
+          <a:p>
+            <a:r>
+              <a:rPr lang="en-US">
+                <a:solidFill>
+                  <a:schemeClr val="bg1">
+                    <a:lumMod val="85000"/>
+                  </a:schemeClr>
+                </a:solidFill>
+              </a:rPr>
+              <a:t>Email</a:t>
+            </a:r>
+          </a:p>
+        </p:txBody>
+      </p:sp>
+      <p:sp>
+        <p:nvSpPr>
+          <p:cNvPr id="16" name="Rectangle 15">
+            <a:extLst>
+              <a:ext uri="{FF2B5EF4-FFF2-40B4-BE49-F238E27FC236}">
+                <a16:creationId xmlns:a16="http://schemas.microsoft.com/office/drawing/2014/main" id="{3F9D47FD-A61F-E888-D441-10D8A4A3F964}"/>
+              </a:ext>
+            </a:extLst>
+          </p:cNvPr>
+          <p:cNvSpPr/>
+          <p:nvPr/>
+        </p:nvSpPr>
+        <p:spPr>
+          <a:xfrm>
+            <a:off x="5705474" y="2995844"/>
+            <a:ext cx="2479431" cy="404446"/>
+          </a:xfrm>
+          <a:prstGeom prst="rect">
+            <a:avLst/>
+          </a:prstGeom>
+        </p:spPr>
+        <p:style>
+          <a:lnRef idx="2">
+            <a:schemeClr val="accent5"/>
+          </a:lnRef>
+          <a:fillRef idx="1">
+            <a:schemeClr val="lt1"/>
+          </a:fillRef>
+          <a:effectRef idx="0">
+            <a:schemeClr val="accent5"/>
+          </a:effectRef>
+          <a:fontRef idx="minor">
+            <a:schemeClr val="dk1"/>
+          </a:fontRef>
+        </p:style>
+        <p:txBody>
+          <a:bodyPr rtlCol="0" anchor="ctr"/>
+          <a:lstStyle/>
+          <a:p>
+            <a:r>
+              <a:rPr lang="en-US">
+                <a:solidFill>
+                  <a:schemeClr val="bg1">
+                    <a:lumMod val="85000"/>
+                  </a:schemeClr>
+                </a:solidFill>
+              </a:rPr>
+              <a:t>Số điện thoại</a:t>
+            </a:r>
+          </a:p>
+        </p:txBody>
+      </p:sp>
+      <p:sp>
+        <p:nvSpPr>
+          <p:cNvPr id="17" name="Rectangle 16">
+            <a:extLst>
+              <a:ext uri="{FF2B5EF4-FFF2-40B4-BE49-F238E27FC236}">
+                <a16:creationId xmlns:a16="http://schemas.microsoft.com/office/drawing/2014/main" id="{4B1B70E2-2ADD-FFEF-1084-50820F6D7823}"/>
+              </a:ext>
+            </a:extLst>
+          </p:cNvPr>
+          <p:cNvSpPr/>
+          <p:nvPr/>
+        </p:nvSpPr>
+        <p:spPr>
+          <a:xfrm>
+            <a:off x="3165231" y="3739088"/>
+            <a:ext cx="5019674" cy="638684"/>
+          </a:xfrm>
+          <a:prstGeom prst="rect">
+            <a:avLst/>
+          </a:prstGeom>
+        </p:spPr>
+        <p:style>
+          <a:lnRef idx="2">
+            <a:schemeClr val="accent5"/>
+          </a:lnRef>
+          <a:fillRef idx="1">
+            <a:schemeClr val="lt1"/>
+          </a:fillRef>
+          <a:effectRef idx="0">
+            <a:schemeClr val="accent5"/>
+          </a:effectRef>
+          <a:fontRef idx="minor">
+            <a:schemeClr val="dk1"/>
+          </a:fontRef>
+        </p:style>
+        <p:txBody>
+          <a:bodyPr rtlCol="0" anchor="ctr"/>
+          <a:lstStyle/>
+          <a:p>
+            <a:r>
+              <a:rPr lang="en-US">
+                <a:solidFill>
+                  <a:schemeClr val="bg1">
+                    <a:lumMod val="85000"/>
+                  </a:schemeClr>
+                </a:solidFill>
+              </a:rPr>
+              <a:t>Địa chỉ</a:t>
+            </a:r>
+          </a:p>
+        </p:txBody>
+      </p:sp>
+    </p:spTree>
+    <p:extLst>
+      <p:ext uri="{BB962C8B-B14F-4D97-AF65-F5344CB8AC3E}">
+        <p14:creationId xmlns:p14="http://schemas.microsoft.com/office/powerpoint/2010/main" val="1580374821"/>
+      </p:ext>
+    </p:extLst>
+  </p:cSld>
+  <p:clrMapOvr>
+    <a:masterClrMapping/>
+  </p:clrMapOvr>
+</p:sld>
+</file>
+
+<file path=ppt/slides/slide5.xml><?xml version="1.0" encoding="utf-8"?>
 <p:sld xmlns:a="http://schemas.openxmlformats.org/drawingml/2006/main" xmlns:r="http://schemas.openxmlformats.org/officeDocument/2006/relationships" xmlns:p="http://schemas.openxmlformats.org/presentationml/2006/main">
   <p:cSld>
     <p:spTree>
@@ -6147,7 +14099,7 @@
 </p:sld>
 </file>
 
-<file path=ppt/slides/slide5.xml><?xml version="1.0" encoding="utf-8"?>
+<file path=ppt/slides/slide6.xml><?xml version="1.0" encoding="utf-8"?>
 <p:sld xmlns:a="http://schemas.openxmlformats.org/drawingml/2006/main" xmlns:r="http://schemas.openxmlformats.org/officeDocument/2006/relationships" xmlns:p="http://schemas.openxmlformats.org/presentationml/2006/main">
   <p:cSld>
     <p:spTree>
@@ -10280,7 +18232,7 @@
 </p:sld>
 </file>
 
-<file path=ppt/slides/slide6.xml><?xml version="1.0" encoding="utf-8"?>
+<file path=ppt/slides/slide7.xml><?xml version="1.0" encoding="utf-8"?>
 <p:sld xmlns:a="http://schemas.openxmlformats.org/drawingml/2006/main" xmlns:r="http://schemas.openxmlformats.org/officeDocument/2006/relationships" xmlns:p="http://schemas.openxmlformats.org/presentationml/2006/main">
   <p:cSld>
     <p:spTree>
@@ -12572,7 +20524,7 @@
 </p:sld>
 </file>
 
-<file path=ppt/slides/slide7.xml><?xml version="1.0" encoding="utf-8"?>
+<file path=ppt/slides/slide8.xml><?xml version="1.0" encoding="utf-8"?>
 <p:sld xmlns:a="http://schemas.openxmlformats.org/drawingml/2006/main" xmlns:r="http://schemas.openxmlformats.org/officeDocument/2006/relationships" xmlns:p="http://schemas.openxmlformats.org/presentationml/2006/main">
   <p:cSld>
     <p:spTree>
@@ -14362,6 +22314,1851 @@
 </p:sld>
 </file>
 
+<file path=ppt/slides/slide9.xml><?xml version="1.0" encoding="utf-8"?>
+<p:sld xmlns:a="http://schemas.openxmlformats.org/drawingml/2006/main" xmlns:r="http://schemas.openxmlformats.org/officeDocument/2006/relationships" xmlns:p="http://schemas.openxmlformats.org/presentationml/2006/main">
+  <p:cSld>
+    <p:spTree>
+      <p:nvGrpSpPr>
+        <p:cNvPr id="1" name=""/>
+        <p:cNvGrpSpPr/>
+        <p:nvPr/>
+      </p:nvGrpSpPr>
+      <p:grpSpPr>
+        <a:xfrm>
+          <a:off x="0" y="0"/>
+          <a:ext cx="0" cy="0"/>
+          <a:chOff x="0" y="0"/>
+          <a:chExt cx="0" cy="0"/>
+        </a:xfrm>
+      </p:grpSpPr>
+      <p:grpSp>
+        <p:nvGrpSpPr>
+          <p:cNvPr id="4" name="Group 3">
+            <a:extLst>
+              <a:ext uri="{FF2B5EF4-FFF2-40B4-BE49-F238E27FC236}">
+                <a16:creationId xmlns:a16="http://schemas.microsoft.com/office/drawing/2014/main" id="{CAE4877D-7A95-23DC-DED4-B12FB853DE7A}"/>
+              </a:ext>
+            </a:extLst>
+          </p:cNvPr>
+          <p:cNvGrpSpPr/>
+          <p:nvPr/>
+        </p:nvGrpSpPr>
+        <p:grpSpPr>
+          <a:xfrm>
+            <a:off x="1778977" y="492368"/>
+            <a:ext cx="8634045" cy="668864"/>
+            <a:chOff x="967154" y="391258"/>
+            <a:chExt cx="10383715" cy="842272"/>
+          </a:xfrm>
+        </p:grpSpPr>
+        <p:sp>
+          <p:nvSpPr>
+            <p:cNvPr id="5" name="Rectangle 4">
+              <a:extLst>
+                <a:ext uri="{FF2B5EF4-FFF2-40B4-BE49-F238E27FC236}">
+                  <a16:creationId xmlns:a16="http://schemas.microsoft.com/office/drawing/2014/main" id="{26265C79-67AA-1E49-EA54-A19F3306ED69}"/>
+                </a:ext>
+              </a:extLst>
+            </p:cNvPr>
+            <p:cNvSpPr/>
+            <p:nvPr/>
+          </p:nvSpPr>
+          <p:spPr>
+            <a:xfrm>
+              <a:off x="967154" y="391258"/>
+              <a:ext cx="10383715" cy="747346"/>
+            </a:xfrm>
+            <a:prstGeom prst="rect">
+              <a:avLst/>
+            </a:prstGeom>
+            <a:solidFill>
+              <a:schemeClr val="bg1">
+                <a:lumMod val="95000"/>
+              </a:schemeClr>
+            </a:solidFill>
+          </p:spPr>
+          <p:style>
+            <a:lnRef idx="2">
+              <a:schemeClr val="dk1"/>
+            </a:lnRef>
+            <a:fillRef idx="1">
+              <a:schemeClr val="lt1"/>
+            </a:fillRef>
+            <a:effectRef idx="0">
+              <a:schemeClr val="dk1"/>
+            </a:effectRef>
+            <a:fontRef idx="minor">
+              <a:schemeClr val="dk1"/>
+            </a:fontRef>
+          </p:style>
+          <p:txBody>
+            <a:bodyPr rtlCol="0" anchor="ctr"/>
+            <a:lstStyle/>
+            <a:p>
+              <a:pPr algn="ctr"/>
+              <a:endParaRPr lang="en-US" sz="1400"/>
+            </a:p>
+          </p:txBody>
+        </p:sp>
+        <p:sp>
+          <p:nvSpPr>
+            <p:cNvPr id="6" name="TextBox 5">
+              <a:extLst>
+                <a:ext uri="{FF2B5EF4-FFF2-40B4-BE49-F238E27FC236}">
+                  <a16:creationId xmlns:a16="http://schemas.microsoft.com/office/drawing/2014/main" id="{3AE744BB-4AB7-90A2-B5E7-3C1F283ECA5E}"/>
+                </a:ext>
+              </a:extLst>
+            </p:cNvPr>
+            <p:cNvSpPr txBox="1"/>
+            <p:nvPr/>
+          </p:nvSpPr>
+          <p:spPr>
+            <a:xfrm>
+              <a:off x="1195756" y="580265"/>
+              <a:ext cx="1169376" cy="387571"/>
+            </a:xfrm>
+            <a:prstGeom prst="rect">
+              <a:avLst/>
+            </a:prstGeom>
+            <a:noFill/>
+          </p:spPr>
+          <p:txBody>
+            <a:bodyPr wrap="square" rtlCol="0">
+              <a:spAutoFit/>
+            </a:bodyPr>
+            <a:lstStyle/>
+            <a:p>
+              <a:r>
+                <a:rPr lang="en-US" sz="1400">
+                  <a:solidFill>
+                    <a:schemeClr val="tx1">
+                      <a:lumMod val="65000"/>
+                      <a:lumOff val="35000"/>
+                    </a:schemeClr>
+                  </a:solidFill>
+                </a:rPr>
+                <a:t>Trang chủ</a:t>
+              </a:r>
+            </a:p>
+          </p:txBody>
+        </p:sp>
+        <p:sp>
+          <p:nvSpPr>
+            <p:cNvPr id="7" name="TextBox 6">
+              <a:extLst>
+                <a:ext uri="{FF2B5EF4-FFF2-40B4-BE49-F238E27FC236}">
+                  <a16:creationId xmlns:a16="http://schemas.microsoft.com/office/drawing/2014/main" id="{7B66D32B-F704-620D-838D-BA60AD7B640A}"/>
+                </a:ext>
+              </a:extLst>
+            </p:cNvPr>
+            <p:cNvSpPr txBox="1"/>
+            <p:nvPr/>
+          </p:nvSpPr>
+          <p:spPr>
+            <a:xfrm>
+              <a:off x="2365132" y="580265"/>
+              <a:ext cx="1169376" cy="387571"/>
+            </a:xfrm>
+            <a:prstGeom prst="rect">
+              <a:avLst/>
+            </a:prstGeom>
+            <a:noFill/>
+          </p:spPr>
+          <p:txBody>
+            <a:bodyPr wrap="square" rtlCol="0">
+              <a:spAutoFit/>
+            </a:bodyPr>
+            <a:lstStyle/>
+            <a:p>
+              <a:r>
+                <a:rPr lang="en-US" sz="1400">
+                  <a:solidFill>
+                    <a:schemeClr val="tx1">
+                      <a:lumMod val="65000"/>
+                      <a:lumOff val="35000"/>
+                    </a:schemeClr>
+                  </a:solidFill>
+                </a:rPr>
+                <a:t>Danh mục</a:t>
+              </a:r>
+            </a:p>
+          </p:txBody>
+        </p:sp>
+        <p:sp>
+          <p:nvSpPr>
+            <p:cNvPr id="8" name="Rectangle: Rounded Corners 7">
+              <a:extLst>
+                <a:ext uri="{FF2B5EF4-FFF2-40B4-BE49-F238E27FC236}">
+                  <a16:creationId xmlns:a16="http://schemas.microsoft.com/office/drawing/2014/main" id="{2C6BDDC0-5FBE-A9ED-870F-DBB42ECF92C5}"/>
+                </a:ext>
+              </a:extLst>
+            </p:cNvPr>
+            <p:cNvSpPr/>
+            <p:nvPr/>
+          </p:nvSpPr>
+          <p:spPr>
+            <a:xfrm>
+              <a:off x="6295292" y="580265"/>
+              <a:ext cx="2576147" cy="298966"/>
+            </a:xfrm>
+            <a:prstGeom prst="roundRect">
+              <a:avLst/>
+            </a:prstGeom>
+            <a:solidFill>
+              <a:schemeClr val="bg1"/>
+            </a:solidFill>
+          </p:spPr>
+          <p:style>
+            <a:lnRef idx="2">
+              <a:schemeClr val="accent1">
+                <a:shade val="50000"/>
+              </a:schemeClr>
+            </a:lnRef>
+            <a:fillRef idx="1">
+              <a:schemeClr val="accent1"/>
+            </a:fillRef>
+            <a:effectRef idx="0">
+              <a:schemeClr val="accent1"/>
+            </a:effectRef>
+            <a:fontRef idx="minor">
+              <a:schemeClr val="lt1"/>
+            </a:fontRef>
+          </p:style>
+          <p:txBody>
+            <a:bodyPr rtlCol="0" anchor="ctr"/>
+            <a:lstStyle/>
+            <a:p>
+              <a:r>
+                <a:rPr lang="en-US" sz="1200">
+                  <a:solidFill>
+                    <a:schemeClr val="tx1"/>
+                  </a:solidFill>
+                </a:rPr>
+                <a:t>Tìm kiếm sản phẩm</a:t>
+              </a:r>
+            </a:p>
+          </p:txBody>
+        </p:sp>
+        <p:pic>
+          <p:nvPicPr>
+            <p:cNvPr id="9" name="Graphic 8" descr="Magnifying glass">
+              <a:extLst>
+                <a:ext uri="{FF2B5EF4-FFF2-40B4-BE49-F238E27FC236}">
+                  <a16:creationId xmlns:a16="http://schemas.microsoft.com/office/drawing/2014/main" id="{443C93EF-77E5-879E-23C3-11B89FF76B93}"/>
+                </a:ext>
+              </a:extLst>
+            </p:cNvPr>
+            <p:cNvPicPr>
+              <a:picLocks noChangeAspect="1"/>
+            </p:cNvPicPr>
+            <p:nvPr/>
+          </p:nvPicPr>
+          <p:blipFill>
+            <a:blip r:embed="rId2">
+              <a:extLst>
+                <a:ext uri="{28A0092B-C50C-407E-A947-70E740481C1C}">
+                  <a14:useLocalDpi xmlns:a14="http://schemas.microsoft.com/office/drawing/2010/main" val="0"/>
+                </a:ext>
+                <a:ext uri="{96DAC541-7B7A-43D3-8B79-37D633B846F1}">
+                  <asvg:svgBlip xmlns:asvg="http://schemas.microsoft.com/office/drawing/2016/SVG/main" r:embed="rId3"/>
+                </a:ext>
+              </a:extLst>
+            </a:blip>
+            <a:stretch>
+              <a:fillRect/>
+            </a:stretch>
+          </p:blipFill>
+          <p:spPr>
+            <a:xfrm>
+              <a:off x="8607670" y="615462"/>
+              <a:ext cx="263769" cy="263769"/>
+            </a:xfrm>
+            <a:prstGeom prst="rect">
+              <a:avLst/>
+            </a:prstGeom>
+          </p:spPr>
+        </p:pic>
+        <p:pic>
+          <p:nvPicPr>
+            <p:cNvPr id="10" name="Graphic 9" descr="User">
+              <a:extLst>
+                <a:ext uri="{FF2B5EF4-FFF2-40B4-BE49-F238E27FC236}">
+                  <a16:creationId xmlns:a16="http://schemas.microsoft.com/office/drawing/2014/main" id="{1C0901EA-6F78-9C06-1190-1E1BE9B8F914}"/>
+                </a:ext>
+              </a:extLst>
+            </p:cNvPr>
+            <p:cNvPicPr>
+              <a:picLocks noChangeAspect="1"/>
+            </p:cNvPicPr>
+            <p:nvPr/>
+          </p:nvPicPr>
+          <p:blipFill>
+            <a:blip r:embed="rId4">
+              <a:extLst>
+                <a:ext uri="{28A0092B-C50C-407E-A947-70E740481C1C}">
+                  <a14:useLocalDpi xmlns:a14="http://schemas.microsoft.com/office/drawing/2010/main" val="0"/>
+                </a:ext>
+                <a:ext uri="{96DAC541-7B7A-43D3-8B79-37D633B846F1}">
+                  <asvg:svgBlip xmlns:asvg="http://schemas.microsoft.com/office/drawing/2016/SVG/main" r:embed="rId5"/>
+                </a:ext>
+              </a:extLst>
+            </a:blip>
+            <a:stretch>
+              <a:fillRect/>
+            </a:stretch>
+          </p:blipFill>
+          <p:spPr>
+            <a:xfrm>
+              <a:off x="9296400" y="553902"/>
+              <a:ext cx="357554" cy="351692"/>
+            </a:xfrm>
+            <a:prstGeom prst="rect">
+              <a:avLst/>
+            </a:prstGeom>
+          </p:spPr>
+        </p:pic>
+        <p:sp>
+          <p:nvSpPr>
+            <p:cNvPr id="11" name="TextBox 10">
+              <a:extLst>
+                <a:ext uri="{FF2B5EF4-FFF2-40B4-BE49-F238E27FC236}">
+                  <a16:creationId xmlns:a16="http://schemas.microsoft.com/office/drawing/2014/main" id="{45E5660E-01D4-84D4-A1EF-CC331D33DE7E}"/>
+                </a:ext>
+              </a:extLst>
+            </p:cNvPr>
+            <p:cNvSpPr txBox="1"/>
+            <p:nvPr/>
+          </p:nvSpPr>
+          <p:spPr>
+            <a:xfrm>
+              <a:off x="9653954" y="545083"/>
+              <a:ext cx="1392117" cy="387570"/>
+            </a:xfrm>
+            <a:prstGeom prst="rect">
+              <a:avLst/>
+            </a:prstGeom>
+            <a:noFill/>
+          </p:spPr>
+          <p:txBody>
+            <a:bodyPr wrap="square" rtlCol="0">
+              <a:spAutoFit/>
+            </a:bodyPr>
+            <a:lstStyle/>
+            <a:p>
+              <a:r>
+                <a:rPr lang="en-US" sz="1400">
+                  <a:solidFill>
+                    <a:schemeClr val="tx1">
+                      <a:lumMod val="65000"/>
+                      <a:lumOff val="35000"/>
+                    </a:schemeClr>
+                  </a:solidFill>
+                </a:rPr>
+                <a:t>Tài khoản</a:t>
+              </a:r>
+            </a:p>
+          </p:txBody>
+        </p:sp>
+        <p:sp>
+          <p:nvSpPr>
+            <p:cNvPr id="12" name="TextBox 11">
+              <a:extLst>
+                <a:ext uri="{FF2B5EF4-FFF2-40B4-BE49-F238E27FC236}">
+                  <a16:creationId xmlns:a16="http://schemas.microsoft.com/office/drawing/2014/main" id="{BE79902E-6FE2-81B4-253A-2E01D5FD6EEA}"/>
+                </a:ext>
+              </a:extLst>
+            </p:cNvPr>
+            <p:cNvSpPr txBox="1"/>
+            <p:nvPr/>
+          </p:nvSpPr>
+          <p:spPr>
+            <a:xfrm>
+              <a:off x="3597519" y="574661"/>
+              <a:ext cx="1169376" cy="658869"/>
+            </a:xfrm>
+            <a:prstGeom prst="rect">
+              <a:avLst/>
+            </a:prstGeom>
+            <a:noFill/>
+          </p:spPr>
+          <p:txBody>
+            <a:bodyPr wrap="square" rtlCol="0">
+              <a:spAutoFit/>
+            </a:bodyPr>
+            <a:lstStyle/>
+            <a:p>
+              <a:r>
+                <a:rPr lang="en-US" sz="1400">
+                  <a:solidFill>
+                    <a:schemeClr val="tx1">
+                      <a:lumMod val="65000"/>
+                      <a:lumOff val="35000"/>
+                    </a:schemeClr>
+                  </a:solidFill>
+                </a:rPr>
+                <a:t>Giỏ hàng	</a:t>
+              </a:r>
+            </a:p>
+          </p:txBody>
+        </p:sp>
+        <p:sp>
+          <p:nvSpPr>
+            <p:cNvPr id="13" name="TextBox 12">
+              <a:extLst>
+                <a:ext uri="{FF2B5EF4-FFF2-40B4-BE49-F238E27FC236}">
+                  <a16:creationId xmlns:a16="http://schemas.microsoft.com/office/drawing/2014/main" id="{62DDFAAE-6E5F-575B-8894-1AF18E39205B}"/>
+                </a:ext>
+              </a:extLst>
+            </p:cNvPr>
+            <p:cNvSpPr txBox="1"/>
+            <p:nvPr/>
+          </p:nvSpPr>
+          <p:spPr>
+            <a:xfrm>
+              <a:off x="4766895" y="580264"/>
+              <a:ext cx="1392117" cy="387571"/>
+            </a:xfrm>
+            <a:prstGeom prst="rect">
+              <a:avLst/>
+            </a:prstGeom>
+            <a:noFill/>
+          </p:spPr>
+          <p:txBody>
+            <a:bodyPr wrap="square" rtlCol="0">
+              <a:spAutoFit/>
+            </a:bodyPr>
+            <a:lstStyle/>
+            <a:p>
+              <a:r>
+                <a:rPr lang="en-US" sz="1400">
+                  <a:solidFill>
+                    <a:schemeClr val="tx1">
+                      <a:lumMod val="65000"/>
+                      <a:lumOff val="35000"/>
+                    </a:schemeClr>
+                  </a:solidFill>
+                </a:rPr>
+                <a:t>Chính sách</a:t>
+              </a:r>
+            </a:p>
+          </p:txBody>
+        </p:sp>
+      </p:grpSp>
+      <p:sp>
+        <p:nvSpPr>
+          <p:cNvPr id="14" name="Rectangle: Rounded Corners 13">
+            <a:extLst>
+              <a:ext uri="{FF2B5EF4-FFF2-40B4-BE49-F238E27FC236}">
+                <a16:creationId xmlns:a16="http://schemas.microsoft.com/office/drawing/2014/main" id="{C8D479F6-E9E4-2B62-D228-0954E7344AB6}"/>
+              </a:ext>
+            </a:extLst>
+          </p:cNvPr>
+          <p:cNvSpPr/>
+          <p:nvPr/>
+        </p:nvSpPr>
+        <p:spPr>
+          <a:xfrm>
+            <a:off x="3913729" y="670413"/>
+            <a:ext cx="979975" cy="251887"/>
+          </a:xfrm>
+          <a:prstGeom prst="roundRect">
+            <a:avLst/>
+          </a:prstGeom>
+          <a:solidFill>
+            <a:schemeClr val="accent1">
+              <a:lumMod val="60000"/>
+              <a:lumOff val="40000"/>
+            </a:schemeClr>
+          </a:solidFill>
+        </p:spPr>
+        <p:style>
+          <a:lnRef idx="2">
+            <a:schemeClr val="accent1">
+              <a:shade val="50000"/>
+            </a:schemeClr>
+          </a:lnRef>
+          <a:fillRef idx="1">
+            <a:schemeClr val="accent1"/>
+          </a:fillRef>
+          <a:effectRef idx="0">
+            <a:schemeClr val="accent1"/>
+          </a:effectRef>
+          <a:fontRef idx="minor">
+            <a:schemeClr val="lt1"/>
+          </a:fontRef>
+        </p:style>
+        <p:txBody>
+          <a:bodyPr rtlCol="0" anchor="ctr"/>
+          <a:lstStyle/>
+          <a:p>
+            <a:pPr algn="ctr"/>
+            <a:r>
+              <a:rPr lang="en-US" sz="1400">
+                <a:solidFill>
+                  <a:schemeClr val="tx1"/>
+                </a:solidFill>
+              </a:rPr>
+              <a:t>Giỏ hàng</a:t>
+            </a:r>
+          </a:p>
+        </p:txBody>
+      </p:sp>
+      <p:sp>
+        <p:nvSpPr>
+          <p:cNvPr id="15" name="Rectangle 14">
+            <a:extLst>
+              <a:ext uri="{FF2B5EF4-FFF2-40B4-BE49-F238E27FC236}">
+                <a16:creationId xmlns:a16="http://schemas.microsoft.com/office/drawing/2014/main" id="{8872E05E-7C41-2076-176D-2F732BD3CF21}"/>
+              </a:ext>
+            </a:extLst>
+          </p:cNvPr>
+          <p:cNvSpPr/>
+          <p:nvPr/>
+        </p:nvSpPr>
+        <p:spPr>
+          <a:xfrm>
+            <a:off x="1778977" y="1634622"/>
+            <a:ext cx="8634045" cy="4731010"/>
+          </a:xfrm>
+          <a:prstGeom prst="rect">
+            <a:avLst/>
+          </a:prstGeom>
+          <a:solidFill>
+            <a:schemeClr val="bg1"/>
+          </a:solidFill>
+        </p:spPr>
+        <p:style>
+          <a:lnRef idx="2">
+            <a:schemeClr val="accent1">
+              <a:shade val="50000"/>
+            </a:schemeClr>
+          </a:lnRef>
+          <a:fillRef idx="1">
+            <a:schemeClr val="accent1"/>
+          </a:fillRef>
+          <a:effectRef idx="0">
+            <a:schemeClr val="accent1"/>
+          </a:effectRef>
+          <a:fontRef idx="minor">
+            <a:schemeClr val="lt1"/>
+          </a:fontRef>
+        </p:style>
+        <p:txBody>
+          <a:bodyPr rtlCol="0" anchor="ctr"/>
+          <a:lstStyle/>
+          <a:p>
+            <a:pPr algn="ctr"/>
+            <a:endParaRPr lang="en-US"/>
+          </a:p>
+        </p:txBody>
+      </p:sp>
+      <p:sp>
+        <p:nvSpPr>
+          <p:cNvPr id="16" name="Rectangle: Rounded Corners 15">
+            <a:extLst>
+              <a:ext uri="{FF2B5EF4-FFF2-40B4-BE49-F238E27FC236}">
+                <a16:creationId xmlns:a16="http://schemas.microsoft.com/office/drawing/2014/main" id="{9FDFC8E7-EE70-6D0E-ACC6-929E8EDA4A0A}"/>
+              </a:ext>
+            </a:extLst>
+          </p:cNvPr>
+          <p:cNvSpPr/>
+          <p:nvPr/>
+        </p:nvSpPr>
+        <p:spPr>
+          <a:xfrm>
+            <a:off x="2036258" y="1702043"/>
+            <a:ext cx="1877471" cy="251887"/>
+          </a:xfrm>
+          <a:prstGeom prst="roundRect">
+            <a:avLst/>
+          </a:prstGeom>
+          <a:solidFill>
+            <a:schemeClr val="accent1">
+              <a:lumMod val="60000"/>
+              <a:lumOff val="40000"/>
+            </a:schemeClr>
+          </a:solidFill>
+        </p:spPr>
+        <p:style>
+          <a:lnRef idx="2">
+            <a:schemeClr val="accent1">
+              <a:shade val="50000"/>
+            </a:schemeClr>
+          </a:lnRef>
+          <a:fillRef idx="1">
+            <a:schemeClr val="accent1"/>
+          </a:fillRef>
+          <a:effectRef idx="0">
+            <a:schemeClr val="accent1"/>
+          </a:effectRef>
+          <a:fontRef idx="minor">
+            <a:schemeClr val="lt1"/>
+          </a:fontRef>
+        </p:style>
+        <p:txBody>
+          <a:bodyPr rtlCol="0" anchor="ctr"/>
+          <a:lstStyle/>
+          <a:p>
+            <a:pPr algn="ctr"/>
+            <a:r>
+              <a:rPr lang="en-US" sz="1400">
+                <a:solidFill>
+                  <a:schemeClr val="tx1"/>
+                </a:solidFill>
+              </a:rPr>
+              <a:t>Thông tin mua hàng</a:t>
+            </a:r>
+          </a:p>
+        </p:txBody>
+      </p:sp>
+      <p:sp>
+        <p:nvSpPr>
+          <p:cNvPr id="17" name="Rectangle 16">
+            <a:extLst>
+              <a:ext uri="{FF2B5EF4-FFF2-40B4-BE49-F238E27FC236}">
+                <a16:creationId xmlns:a16="http://schemas.microsoft.com/office/drawing/2014/main" id="{154D31A6-F71B-3417-E2E9-DE1DF203EB30}"/>
+              </a:ext>
+            </a:extLst>
+          </p:cNvPr>
+          <p:cNvSpPr/>
+          <p:nvPr/>
+        </p:nvSpPr>
+        <p:spPr>
+          <a:xfrm>
+            <a:off x="2101362" y="2377786"/>
+            <a:ext cx="2136530" cy="240977"/>
+          </a:xfrm>
+          <a:prstGeom prst="rect">
+            <a:avLst/>
+          </a:prstGeom>
+          <a:solidFill>
+            <a:schemeClr val="bg1"/>
+          </a:solidFill>
+        </p:spPr>
+        <p:style>
+          <a:lnRef idx="2">
+            <a:schemeClr val="accent1">
+              <a:shade val="50000"/>
+            </a:schemeClr>
+          </a:lnRef>
+          <a:fillRef idx="1">
+            <a:schemeClr val="accent1"/>
+          </a:fillRef>
+          <a:effectRef idx="0">
+            <a:schemeClr val="accent1"/>
+          </a:effectRef>
+          <a:fontRef idx="minor">
+            <a:schemeClr val="lt1"/>
+          </a:fontRef>
+        </p:style>
+        <p:txBody>
+          <a:bodyPr rtlCol="0" anchor="ctr"/>
+          <a:lstStyle/>
+          <a:p>
+            <a:pPr algn="ctr"/>
+            <a:endParaRPr lang="en-US"/>
+          </a:p>
+        </p:txBody>
+      </p:sp>
+      <p:sp>
+        <p:nvSpPr>
+          <p:cNvPr id="18" name="TextBox 17">
+            <a:extLst>
+              <a:ext uri="{FF2B5EF4-FFF2-40B4-BE49-F238E27FC236}">
+                <a16:creationId xmlns:a16="http://schemas.microsoft.com/office/drawing/2014/main" id="{333E6F2D-2B8D-BB94-CE63-CF9664F0FE28}"/>
+              </a:ext>
+            </a:extLst>
+          </p:cNvPr>
+          <p:cNvSpPr txBox="1"/>
+          <p:nvPr/>
+        </p:nvSpPr>
+        <p:spPr>
+          <a:xfrm>
+            <a:off x="2088651" y="2101421"/>
+            <a:ext cx="1877471" cy="276999"/>
+          </a:xfrm>
+          <a:prstGeom prst="rect">
+            <a:avLst/>
+          </a:prstGeom>
+          <a:noFill/>
+        </p:spPr>
+        <p:txBody>
+          <a:bodyPr wrap="square" rtlCol="0">
+            <a:spAutoFit/>
+          </a:bodyPr>
+          <a:lstStyle/>
+          <a:p>
+            <a:r>
+              <a:rPr lang="en-US" sz="1200"/>
+              <a:t>Tỉnh thành</a:t>
+            </a:r>
+          </a:p>
+        </p:txBody>
+      </p:sp>
+      <p:sp>
+        <p:nvSpPr>
+          <p:cNvPr id="19" name="Arrow: Chevron 18">
+            <a:extLst>
+              <a:ext uri="{FF2B5EF4-FFF2-40B4-BE49-F238E27FC236}">
+                <a16:creationId xmlns:a16="http://schemas.microsoft.com/office/drawing/2014/main" id="{33B17693-5D9C-A397-ED7E-1D50C4C1ED51}"/>
+              </a:ext>
+            </a:extLst>
+          </p:cNvPr>
+          <p:cNvSpPr/>
+          <p:nvPr/>
+        </p:nvSpPr>
+        <p:spPr>
+          <a:xfrm rot="5400000">
+            <a:off x="4117839" y="2460915"/>
+            <a:ext cx="45719" cy="104553"/>
+          </a:xfrm>
+          <a:prstGeom prst="chevron">
+            <a:avLst/>
+          </a:prstGeom>
+        </p:spPr>
+        <p:style>
+          <a:lnRef idx="2">
+            <a:schemeClr val="accent1">
+              <a:shade val="50000"/>
+            </a:schemeClr>
+          </a:lnRef>
+          <a:fillRef idx="1">
+            <a:schemeClr val="accent1"/>
+          </a:fillRef>
+          <a:effectRef idx="0">
+            <a:schemeClr val="accent1"/>
+          </a:effectRef>
+          <a:fontRef idx="minor">
+            <a:schemeClr val="lt1"/>
+          </a:fontRef>
+        </p:style>
+        <p:txBody>
+          <a:bodyPr rtlCol="0" anchor="ctr"/>
+          <a:lstStyle/>
+          <a:p>
+            <a:pPr algn="ctr"/>
+            <a:endParaRPr lang="en-US">
+              <a:solidFill>
+                <a:schemeClr val="tx1"/>
+              </a:solidFill>
+            </a:endParaRPr>
+          </a:p>
+        </p:txBody>
+      </p:sp>
+      <p:sp>
+        <p:nvSpPr>
+          <p:cNvPr id="20" name="Rectangle 19">
+            <a:extLst>
+              <a:ext uri="{FF2B5EF4-FFF2-40B4-BE49-F238E27FC236}">
+                <a16:creationId xmlns:a16="http://schemas.microsoft.com/office/drawing/2014/main" id="{2CD2C0EC-0532-4876-A294-4E120C567C5F}"/>
+              </a:ext>
+            </a:extLst>
+          </p:cNvPr>
+          <p:cNvSpPr/>
+          <p:nvPr/>
+        </p:nvSpPr>
+        <p:spPr>
+          <a:xfrm>
+            <a:off x="4572988" y="2380716"/>
+            <a:ext cx="2136530" cy="240977"/>
+          </a:xfrm>
+          <a:prstGeom prst="rect">
+            <a:avLst/>
+          </a:prstGeom>
+          <a:solidFill>
+            <a:schemeClr val="bg1"/>
+          </a:solidFill>
+        </p:spPr>
+        <p:style>
+          <a:lnRef idx="2">
+            <a:schemeClr val="accent1">
+              <a:shade val="50000"/>
+            </a:schemeClr>
+          </a:lnRef>
+          <a:fillRef idx="1">
+            <a:schemeClr val="accent1"/>
+          </a:fillRef>
+          <a:effectRef idx="0">
+            <a:schemeClr val="accent1"/>
+          </a:effectRef>
+          <a:fontRef idx="minor">
+            <a:schemeClr val="lt1"/>
+          </a:fontRef>
+        </p:style>
+        <p:txBody>
+          <a:bodyPr rtlCol="0" anchor="ctr"/>
+          <a:lstStyle/>
+          <a:p>
+            <a:pPr algn="ctr"/>
+            <a:endParaRPr lang="en-US"/>
+          </a:p>
+        </p:txBody>
+      </p:sp>
+      <p:sp>
+        <p:nvSpPr>
+          <p:cNvPr id="21" name="TextBox 20">
+            <a:extLst>
+              <a:ext uri="{FF2B5EF4-FFF2-40B4-BE49-F238E27FC236}">
+                <a16:creationId xmlns:a16="http://schemas.microsoft.com/office/drawing/2014/main" id="{297C6E0F-69D6-59A6-4A66-16CFE55CAD6C}"/>
+              </a:ext>
+            </a:extLst>
+          </p:cNvPr>
+          <p:cNvSpPr txBox="1"/>
+          <p:nvPr/>
+        </p:nvSpPr>
+        <p:spPr>
+          <a:xfrm>
+            <a:off x="4560277" y="2104351"/>
+            <a:ext cx="1877471" cy="276999"/>
+          </a:xfrm>
+          <a:prstGeom prst="rect">
+            <a:avLst/>
+          </a:prstGeom>
+          <a:noFill/>
+        </p:spPr>
+        <p:txBody>
+          <a:bodyPr wrap="square" rtlCol="0">
+            <a:spAutoFit/>
+          </a:bodyPr>
+          <a:lstStyle/>
+          <a:p>
+            <a:r>
+              <a:rPr lang="en-US" sz="1200"/>
+              <a:t>Quận huyện</a:t>
+            </a:r>
+          </a:p>
+        </p:txBody>
+      </p:sp>
+      <p:sp>
+        <p:nvSpPr>
+          <p:cNvPr id="22" name="Rectangle 21">
+            <a:extLst>
+              <a:ext uri="{FF2B5EF4-FFF2-40B4-BE49-F238E27FC236}">
+                <a16:creationId xmlns:a16="http://schemas.microsoft.com/office/drawing/2014/main" id="{165DC903-84E0-7136-ED92-3C9D22AE3F3E}"/>
+              </a:ext>
+            </a:extLst>
+          </p:cNvPr>
+          <p:cNvSpPr/>
+          <p:nvPr/>
+        </p:nvSpPr>
+        <p:spPr>
+          <a:xfrm>
+            <a:off x="2114073" y="2869174"/>
+            <a:ext cx="2136530" cy="240977"/>
+          </a:xfrm>
+          <a:prstGeom prst="rect">
+            <a:avLst/>
+          </a:prstGeom>
+          <a:solidFill>
+            <a:schemeClr val="bg1"/>
+          </a:solidFill>
+        </p:spPr>
+        <p:style>
+          <a:lnRef idx="2">
+            <a:schemeClr val="accent1">
+              <a:shade val="50000"/>
+            </a:schemeClr>
+          </a:lnRef>
+          <a:fillRef idx="1">
+            <a:schemeClr val="accent1"/>
+          </a:fillRef>
+          <a:effectRef idx="0">
+            <a:schemeClr val="accent1"/>
+          </a:effectRef>
+          <a:fontRef idx="minor">
+            <a:schemeClr val="lt1"/>
+          </a:fontRef>
+        </p:style>
+        <p:txBody>
+          <a:bodyPr rtlCol="0" anchor="ctr"/>
+          <a:lstStyle/>
+          <a:p>
+            <a:pPr algn="ctr"/>
+            <a:endParaRPr lang="en-US"/>
+          </a:p>
+        </p:txBody>
+      </p:sp>
+      <p:sp>
+        <p:nvSpPr>
+          <p:cNvPr id="23" name="TextBox 22">
+            <a:extLst>
+              <a:ext uri="{FF2B5EF4-FFF2-40B4-BE49-F238E27FC236}">
+                <a16:creationId xmlns:a16="http://schemas.microsoft.com/office/drawing/2014/main" id="{8F169097-1E39-798E-AF91-D7A7A2B00EC2}"/>
+              </a:ext>
+            </a:extLst>
+          </p:cNvPr>
+          <p:cNvSpPr txBox="1"/>
+          <p:nvPr/>
+        </p:nvSpPr>
+        <p:spPr>
+          <a:xfrm>
+            <a:off x="2101362" y="2592809"/>
+            <a:ext cx="1877471" cy="276999"/>
+          </a:xfrm>
+          <a:prstGeom prst="rect">
+            <a:avLst/>
+          </a:prstGeom>
+          <a:noFill/>
+        </p:spPr>
+        <p:txBody>
+          <a:bodyPr wrap="square" rtlCol="0">
+            <a:spAutoFit/>
+          </a:bodyPr>
+          <a:lstStyle/>
+          <a:p>
+            <a:r>
+              <a:rPr lang="en-US" sz="1200"/>
+              <a:t>Phường xã</a:t>
+            </a:r>
+          </a:p>
+        </p:txBody>
+      </p:sp>
+      <p:sp>
+        <p:nvSpPr>
+          <p:cNvPr id="24" name="Arrow: Chevron 23">
+            <a:extLst>
+              <a:ext uri="{FF2B5EF4-FFF2-40B4-BE49-F238E27FC236}">
+                <a16:creationId xmlns:a16="http://schemas.microsoft.com/office/drawing/2014/main" id="{FE12CBC4-8EA1-3B29-95F5-08FA239593EE}"/>
+              </a:ext>
+            </a:extLst>
+          </p:cNvPr>
+          <p:cNvSpPr/>
+          <p:nvPr/>
+        </p:nvSpPr>
+        <p:spPr>
+          <a:xfrm rot="5400000">
+            <a:off x="4130550" y="2952303"/>
+            <a:ext cx="45719" cy="104553"/>
+          </a:xfrm>
+          <a:prstGeom prst="chevron">
+            <a:avLst/>
+          </a:prstGeom>
+        </p:spPr>
+        <p:style>
+          <a:lnRef idx="2">
+            <a:schemeClr val="accent1">
+              <a:shade val="50000"/>
+            </a:schemeClr>
+          </a:lnRef>
+          <a:fillRef idx="1">
+            <a:schemeClr val="accent1"/>
+          </a:fillRef>
+          <a:effectRef idx="0">
+            <a:schemeClr val="accent1"/>
+          </a:effectRef>
+          <a:fontRef idx="minor">
+            <a:schemeClr val="lt1"/>
+          </a:fontRef>
+        </p:style>
+        <p:txBody>
+          <a:bodyPr rtlCol="0" anchor="ctr"/>
+          <a:lstStyle/>
+          <a:p>
+            <a:pPr algn="ctr"/>
+            <a:endParaRPr lang="en-US">
+              <a:solidFill>
+                <a:schemeClr val="tx1"/>
+              </a:solidFill>
+            </a:endParaRPr>
+          </a:p>
+        </p:txBody>
+      </p:sp>
+      <p:sp>
+        <p:nvSpPr>
+          <p:cNvPr id="25" name="Arrow: Chevron 24">
+            <a:extLst>
+              <a:ext uri="{FF2B5EF4-FFF2-40B4-BE49-F238E27FC236}">
+                <a16:creationId xmlns:a16="http://schemas.microsoft.com/office/drawing/2014/main" id="{25D87D15-5382-9558-1CBA-A8E3D858E6CD}"/>
+              </a:ext>
+            </a:extLst>
+          </p:cNvPr>
+          <p:cNvSpPr/>
+          <p:nvPr/>
+        </p:nvSpPr>
+        <p:spPr>
+          <a:xfrm rot="5400000">
+            <a:off x="6565984" y="2445997"/>
+            <a:ext cx="45719" cy="104553"/>
+          </a:xfrm>
+          <a:prstGeom prst="chevron">
+            <a:avLst/>
+          </a:prstGeom>
+        </p:spPr>
+        <p:style>
+          <a:lnRef idx="2">
+            <a:schemeClr val="accent1">
+              <a:shade val="50000"/>
+            </a:schemeClr>
+          </a:lnRef>
+          <a:fillRef idx="1">
+            <a:schemeClr val="accent1"/>
+          </a:fillRef>
+          <a:effectRef idx="0">
+            <a:schemeClr val="accent1"/>
+          </a:effectRef>
+          <a:fontRef idx="minor">
+            <a:schemeClr val="lt1"/>
+          </a:fontRef>
+        </p:style>
+        <p:txBody>
+          <a:bodyPr rtlCol="0" anchor="ctr"/>
+          <a:lstStyle/>
+          <a:p>
+            <a:pPr algn="ctr"/>
+            <a:endParaRPr lang="en-US">
+              <a:solidFill>
+                <a:schemeClr val="tx1"/>
+              </a:solidFill>
+            </a:endParaRPr>
+          </a:p>
+        </p:txBody>
+      </p:sp>
+      <p:sp>
+        <p:nvSpPr>
+          <p:cNvPr id="26" name="Rectangle 25">
+            <a:extLst>
+              <a:ext uri="{FF2B5EF4-FFF2-40B4-BE49-F238E27FC236}">
+                <a16:creationId xmlns:a16="http://schemas.microsoft.com/office/drawing/2014/main" id="{E837F0C5-886F-27A7-C78F-B82DECDB9E3F}"/>
+              </a:ext>
+            </a:extLst>
+          </p:cNvPr>
+          <p:cNvSpPr/>
+          <p:nvPr/>
+        </p:nvSpPr>
+        <p:spPr>
+          <a:xfrm>
+            <a:off x="2114072" y="3420759"/>
+            <a:ext cx="4595445" cy="327091"/>
+          </a:xfrm>
+          <a:prstGeom prst="rect">
+            <a:avLst/>
+          </a:prstGeom>
+          <a:solidFill>
+            <a:schemeClr val="bg1"/>
+          </a:solidFill>
+        </p:spPr>
+        <p:style>
+          <a:lnRef idx="2">
+            <a:schemeClr val="accent1">
+              <a:shade val="50000"/>
+            </a:schemeClr>
+          </a:lnRef>
+          <a:fillRef idx="1">
+            <a:schemeClr val="accent1"/>
+          </a:fillRef>
+          <a:effectRef idx="0">
+            <a:schemeClr val="accent1"/>
+          </a:effectRef>
+          <a:fontRef idx="minor">
+            <a:schemeClr val="lt1"/>
+          </a:fontRef>
+        </p:style>
+        <p:txBody>
+          <a:bodyPr rtlCol="0" anchor="ctr"/>
+          <a:lstStyle/>
+          <a:p>
+            <a:pPr algn="ctr"/>
+            <a:endParaRPr lang="en-US"/>
+          </a:p>
+        </p:txBody>
+      </p:sp>
+      <p:sp>
+        <p:nvSpPr>
+          <p:cNvPr id="27" name="TextBox 26">
+            <a:extLst>
+              <a:ext uri="{FF2B5EF4-FFF2-40B4-BE49-F238E27FC236}">
+                <a16:creationId xmlns:a16="http://schemas.microsoft.com/office/drawing/2014/main" id="{069D1060-6578-2518-1D40-70AACFCCD189}"/>
+              </a:ext>
+            </a:extLst>
+          </p:cNvPr>
+          <p:cNvSpPr txBox="1"/>
+          <p:nvPr/>
+        </p:nvSpPr>
+        <p:spPr>
+          <a:xfrm>
+            <a:off x="2114073" y="3156006"/>
+            <a:ext cx="1877471" cy="276999"/>
+          </a:xfrm>
+          <a:prstGeom prst="rect">
+            <a:avLst/>
+          </a:prstGeom>
+          <a:noFill/>
+        </p:spPr>
+        <p:txBody>
+          <a:bodyPr wrap="square" rtlCol="0">
+            <a:spAutoFit/>
+          </a:bodyPr>
+          <a:lstStyle/>
+          <a:p>
+            <a:r>
+              <a:rPr lang="en-US" sz="1200"/>
+              <a:t>Địa chỉ cụ thể</a:t>
+            </a:r>
+          </a:p>
+        </p:txBody>
+      </p:sp>
+      <p:grpSp>
+        <p:nvGrpSpPr>
+          <p:cNvPr id="30" name="Group 29">
+            <a:extLst>
+              <a:ext uri="{FF2B5EF4-FFF2-40B4-BE49-F238E27FC236}">
+                <a16:creationId xmlns:a16="http://schemas.microsoft.com/office/drawing/2014/main" id="{5FE0A8BD-DA09-169B-051C-78D16A4EDA60}"/>
+              </a:ext>
+            </a:extLst>
+          </p:cNvPr>
+          <p:cNvGrpSpPr/>
+          <p:nvPr/>
+        </p:nvGrpSpPr>
+        <p:grpSpPr>
+          <a:xfrm>
+            <a:off x="2088651" y="3753932"/>
+            <a:ext cx="2149241" cy="517342"/>
+            <a:chOff x="421044" y="4132082"/>
+            <a:chExt cx="2149241" cy="517342"/>
+          </a:xfrm>
+        </p:grpSpPr>
+        <p:sp>
+          <p:nvSpPr>
+            <p:cNvPr id="28" name="Rectangle 27">
+              <a:extLst>
+                <a:ext uri="{FF2B5EF4-FFF2-40B4-BE49-F238E27FC236}">
+                  <a16:creationId xmlns:a16="http://schemas.microsoft.com/office/drawing/2014/main" id="{743BC7D0-EA4A-DF68-01B3-95F5CC58D392}"/>
+                </a:ext>
+              </a:extLst>
+            </p:cNvPr>
+            <p:cNvSpPr/>
+            <p:nvPr/>
+          </p:nvSpPr>
+          <p:spPr>
+            <a:xfrm>
+              <a:off x="433755" y="4408447"/>
+              <a:ext cx="2136530" cy="240977"/>
+            </a:xfrm>
+            <a:prstGeom prst="rect">
+              <a:avLst/>
+            </a:prstGeom>
+            <a:solidFill>
+              <a:schemeClr val="bg1"/>
+            </a:solidFill>
+          </p:spPr>
+          <p:style>
+            <a:lnRef idx="2">
+              <a:schemeClr val="accent1">
+                <a:shade val="50000"/>
+              </a:schemeClr>
+            </a:lnRef>
+            <a:fillRef idx="1">
+              <a:schemeClr val="accent1"/>
+            </a:fillRef>
+            <a:effectRef idx="0">
+              <a:schemeClr val="accent1"/>
+            </a:effectRef>
+            <a:fontRef idx="minor">
+              <a:schemeClr val="lt1"/>
+            </a:fontRef>
+          </p:style>
+          <p:txBody>
+            <a:bodyPr rtlCol="0" anchor="ctr"/>
+            <a:lstStyle/>
+            <a:p>
+              <a:pPr algn="ctr"/>
+              <a:endParaRPr lang="en-US"/>
+            </a:p>
+          </p:txBody>
+        </p:sp>
+        <p:sp>
+          <p:nvSpPr>
+            <p:cNvPr id="29" name="TextBox 28">
+              <a:extLst>
+                <a:ext uri="{FF2B5EF4-FFF2-40B4-BE49-F238E27FC236}">
+                  <a16:creationId xmlns:a16="http://schemas.microsoft.com/office/drawing/2014/main" id="{5A8B6E3B-411F-D73B-F7C6-A9AC3DC1B957}"/>
+                </a:ext>
+              </a:extLst>
+            </p:cNvPr>
+            <p:cNvSpPr txBox="1"/>
+            <p:nvPr/>
+          </p:nvSpPr>
+          <p:spPr>
+            <a:xfrm>
+              <a:off x="421044" y="4132082"/>
+              <a:ext cx="1877471" cy="276999"/>
+            </a:xfrm>
+            <a:prstGeom prst="rect">
+              <a:avLst/>
+            </a:prstGeom>
+            <a:noFill/>
+          </p:spPr>
+          <p:txBody>
+            <a:bodyPr wrap="square" rtlCol="0">
+              <a:spAutoFit/>
+            </a:bodyPr>
+            <a:lstStyle/>
+            <a:p>
+              <a:r>
+                <a:rPr lang="en-US" sz="1200"/>
+                <a:t>Họ tên</a:t>
+              </a:r>
+            </a:p>
+          </p:txBody>
+        </p:sp>
+      </p:grpSp>
+      <p:grpSp>
+        <p:nvGrpSpPr>
+          <p:cNvPr id="31" name="Group 30">
+            <a:extLst>
+              <a:ext uri="{FF2B5EF4-FFF2-40B4-BE49-F238E27FC236}">
+                <a16:creationId xmlns:a16="http://schemas.microsoft.com/office/drawing/2014/main" id="{E0717003-650B-5A7B-22A5-A8E2D02AF7E6}"/>
+              </a:ext>
+            </a:extLst>
+          </p:cNvPr>
+          <p:cNvGrpSpPr/>
+          <p:nvPr/>
+        </p:nvGrpSpPr>
+        <p:grpSpPr>
+          <a:xfrm>
+            <a:off x="4560276" y="3753932"/>
+            <a:ext cx="2149241" cy="517342"/>
+            <a:chOff x="421044" y="4132082"/>
+            <a:chExt cx="2149241" cy="517342"/>
+          </a:xfrm>
+        </p:grpSpPr>
+        <p:sp>
+          <p:nvSpPr>
+            <p:cNvPr id="32" name="Rectangle 31">
+              <a:extLst>
+                <a:ext uri="{FF2B5EF4-FFF2-40B4-BE49-F238E27FC236}">
+                  <a16:creationId xmlns:a16="http://schemas.microsoft.com/office/drawing/2014/main" id="{ABA3161A-3891-C48E-D6D5-0C4FB082655A}"/>
+                </a:ext>
+              </a:extLst>
+            </p:cNvPr>
+            <p:cNvSpPr/>
+            <p:nvPr/>
+          </p:nvSpPr>
+          <p:spPr>
+            <a:xfrm>
+              <a:off x="433755" y="4408447"/>
+              <a:ext cx="2136530" cy="240977"/>
+            </a:xfrm>
+            <a:prstGeom prst="rect">
+              <a:avLst/>
+            </a:prstGeom>
+            <a:solidFill>
+              <a:schemeClr val="bg1"/>
+            </a:solidFill>
+          </p:spPr>
+          <p:style>
+            <a:lnRef idx="2">
+              <a:schemeClr val="accent1">
+                <a:shade val="50000"/>
+              </a:schemeClr>
+            </a:lnRef>
+            <a:fillRef idx="1">
+              <a:schemeClr val="accent1"/>
+            </a:fillRef>
+            <a:effectRef idx="0">
+              <a:schemeClr val="accent1"/>
+            </a:effectRef>
+            <a:fontRef idx="minor">
+              <a:schemeClr val="lt1"/>
+            </a:fontRef>
+          </p:style>
+          <p:txBody>
+            <a:bodyPr rtlCol="0" anchor="ctr"/>
+            <a:lstStyle/>
+            <a:p>
+              <a:pPr algn="ctr"/>
+              <a:endParaRPr lang="en-US"/>
+            </a:p>
+          </p:txBody>
+        </p:sp>
+        <p:sp>
+          <p:nvSpPr>
+            <p:cNvPr id="33" name="TextBox 32">
+              <a:extLst>
+                <a:ext uri="{FF2B5EF4-FFF2-40B4-BE49-F238E27FC236}">
+                  <a16:creationId xmlns:a16="http://schemas.microsoft.com/office/drawing/2014/main" id="{DC7FDB3D-04C1-6089-E02D-E12994418782}"/>
+                </a:ext>
+              </a:extLst>
+            </p:cNvPr>
+            <p:cNvSpPr txBox="1"/>
+            <p:nvPr/>
+          </p:nvSpPr>
+          <p:spPr>
+            <a:xfrm>
+              <a:off x="421044" y="4132082"/>
+              <a:ext cx="1877471" cy="276999"/>
+            </a:xfrm>
+            <a:prstGeom prst="rect">
+              <a:avLst/>
+            </a:prstGeom>
+            <a:noFill/>
+          </p:spPr>
+          <p:txBody>
+            <a:bodyPr wrap="square" rtlCol="0">
+              <a:spAutoFit/>
+            </a:bodyPr>
+            <a:lstStyle/>
+            <a:p>
+              <a:r>
+                <a:rPr lang="en-US" sz="1200"/>
+                <a:t>Số điện thoại</a:t>
+              </a:r>
+            </a:p>
+          </p:txBody>
+        </p:sp>
+      </p:grpSp>
+      <p:grpSp>
+        <p:nvGrpSpPr>
+          <p:cNvPr id="34" name="Group 33">
+            <a:extLst>
+              <a:ext uri="{FF2B5EF4-FFF2-40B4-BE49-F238E27FC236}">
+                <a16:creationId xmlns:a16="http://schemas.microsoft.com/office/drawing/2014/main" id="{5DD8492F-3F53-0CFB-8E34-A9D7EBF0685D}"/>
+              </a:ext>
+            </a:extLst>
+          </p:cNvPr>
+          <p:cNvGrpSpPr/>
+          <p:nvPr/>
+        </p:nvGrpSpPr>
+        <p:grpSpPr>
+          <a:xfrm>
+            <a:off x="2046462" y="4307464"/>
+            <a:ext cx="4644790" cy="649019"/>
+            <a:chOff x="421044" y="4132082"/>
+            <a:chExt cx="2149241" cy="649019"/>
+          </a:xfrm>
+        </p:grpSpPr>
+        <p:sp>
+          <p:nvSpPr>
+            <p:cNvPr id="35" name="Rectangle 34">
+              <a:extLst>
+                <a:ext uri="{FF2B5EF4-FFF2-40B4-BE49-F238E27FC236}">
+                  <a16:creationId xmlns:a16="http://schemas.microsoft.com/office/drawing/2014/main" id="{35A60D3A-F106-C365-79AD-A4534556CF83}"/>
+                </a:ext>
+              </a:extLst>
+            </p:cNvPr>
+            <p:cNvSpPr/>
+            <p:nvPr/>
+          </p:nvSpPr>
+          <p:spPr>
+            <a:xfrm>
+              <a:off x="433755" y="4408447"/>
+              <a:ext cx="2136530" cy="372654"/>
+            </a:xfrm>
+            <a:prstGeom prst="rect">
+              <a:avLst/>
+            </a:prstGeom>
+            <a:solidFill>
+              <a:schemeClr val="bg1"/>
+            </a:solidFill>
+          </p:spPr>
+          <p:style>
+            <a:lnRef idx="2">
+              <a:schemeClr val="accent1">
+                <a:shade val="50000"/>
+              </a:schemeClr>
+            </a:lnRef>
+            <a:fillRef idx="1">
+              <a:schemeClr val="accent1"/>
+            </a:fillRef>
+            <a:effectRef idx="0">
+              <a:schemeClr val="accent1"/>
+            </a:effectRef>
+            <a:fontRef idx="minor">
+              <a:schemeClr val="lt1"/>
+            </a:fontRef>
+          </p:style>
+          <p:txBody>
+            <a:bodyPr rtlCol="0" anchor="ctr"/>
+            <a:lstStyle/>
+            <a:p>
+              <a:pPr algn="ctr"/>
+              <a:endParaRPr lang="en-US"/>
+            </a:p>
+          </p:txBody>
+        </p:sp>
+        <p:sp>
+          <p:nvSpPr>
+            <p:cNvPr id="36" name="TextBox 35">
+              <a:extLst>
+                <a:ext uri="{FF2B5EF4-FFF2-40B4-BE49-F238E27FC236}">
+                  <a16:creationId xmlns:a16="http://schemas.microsoft.com/office/drawing/2014/main" id="{F6A034E9-CB03-1D6F-0CA2-49FCF288D240}"/>
+                </a:ext>
+              </a:extLst>
+            </p:cNvPr>
+            <p:cNvSpPr txBox="1"/>
+            <p:nvPr/>
+          </p:nvSpPr>
+          <p:spPr>
+            <a:xfrm>
+              <a:off x="421044" y="4132082"/>
+              <a:ext cx="1877471" cy="276999"/>
+            </a:xfrm>
+            <a:prstGeom prst="rect">
+              <a:avLst/>
+            </a:prstGeom>
+            <a:noFill/>
+          </p:spPr>
+          <p:txBody>
+            <a:bodyPr wrap="square" rtlCol="0">
+              <a:spAutoFit/>
+            </a:bodyPr>
+            <a:lstStyle/>
+            <a:p>
+              <a:r>
+                <a:rPr lang="en-US" sz="1200"/>
+                <a:t>Ghi chú</a:t>
+              </a:r>
+            </a:p>
+          </p:txBody>
+        </p:sp>
+      </p:grpSp>
+      <p:sp>
+        <p:nvSpPr>
+          <p:cNvPr id="39" name="TextBox 38">
+            <a:extLst>
+              <a:ext uri="{FF2B5EF4-FFF2-40B4-BE49-F238E27FC236}">
+                <a16:creationId xmlns:a16="http://schemas.microsoft.com/office/drawing/2014/main" id="{88275231-745B-26DF-4EC3-7963D213A297}"/>
+              </a:ext>
+            </a:extLst>
+          </p:cNvPr>
+          <p:cNvSpPr txBox="1"/>
+          <p:nvPr/>
+        </p:nvSpPr>
+        <p:spPr>
+          <a:xfrm>
+            <a:off x="1996330" y="5081933"/>
+            <a:ext cx="4057460" cy="276999"/>
+          </a:xfrm>
+          <a:prstGeom prst="rect">
+            <a:avLst/>
+          </a:prstGeom>
+          <a:noFill/>
+        </p:spPr>
+        <p:txBody>
+          <a:bodyPr wrap="square" rtlCol="0">
+            <a:spAutoFit/>
+          </a:bodyPr>
+          <a:lstStyle/>
+          <a:p>
+            <a:r>
+              <a:rPr lang="en-US" sz="1200"/>
+              <a:t>Phương thức thanh toán</a:t>
+            </a:r>
+          </a:p>
+        </p:txBody>
+      </p:sp>
+      <p:sp>
+        <p:nvSpPr>
+          <p:cNvPr id="40" name="TextBox 39">
+            <a:extLst>
+              <a:ext uri="{FF2B5EF4-FFF2-40B4-BE49-F238E27FC236}">
+                <a16:creationId xmlns:a16="http://schemas.microsoft.com/office/drawing/2014/main" id="{2D7CCAB5-7B09-2E44-2BE9-D7B5EAC3285E}"/>
+              </a:ext>
+            </a:extLst>
+          </p:cNvPr>
+          <p:cNvSpPr txBox="1"/>
+          <p:nvPr/>
+        </p:nvSpPr>
+        <p:spPr>
+          <a:xfrm>
+            <a:off x="2221873" y="5217669"/>
+            <a:ext cx="4057460" cy="779316"/>
+          </a:xfrm>
+          <a:prstGeom prst="rect">
+            <a:avLst/>
+          </a:prstGeom>
+          <a:noFill/>
+        </p:spPr>
+        <p:txBody>
+          <a:bodyPr wrap="square" rtlCol="0">
+            <a:spAutoFit/>
+          </a:bodyPr>
+          <a:lstStyle/>
+          <a:p>
+            <a:pPr marL="171450" indent="-171450">
+              <a:lnSpc>
+                <a:spcPct val="200000"/>
+              </a:lnSpc>
+              <a:buFont typeface="Arial" panose="020B0604020202020204" pitchFamily="34" charset="0"/>
+              <a:buChar char="•"/>
+            </a:pPr>
+            <a:r>
+              <a:rPr lang="en-US" sz="1200"/>
+              <a:t>Thanh toán khi nhận hàng</a:t>
+            </a:r>
+          </a:p>
+          <a:p>
+            <a:pPr marL="171450" indent="-171450">
+              <a:lnSpc>
+                <a:spcPct val="200000"/>
+              </a:lnSpc>
+              <a:buFont typeface="Courier New" panose="02070309020205020404" pitchFamily="49" charset="0"/>
+              <a:buChar char="o"/>
+            </a:pPr>
+            <a:r>
+              <a:rPr lang="en-US" sz="1200"/>
+              <a:t>Chuyển khoản qua ngân hàng</a:t>
+            </a:r>
+          </a:p>
+        </p:txBody>
+      </p:sp>
+      <p:grpSp>
+        <p:nvGrpSpPr>
+          <p:cNvPr id="42" name="Group 41">
+            <a:extLst>
+              <a:ext uri="{FF2B5EF4-FFF2-40B4-BE49-F238E27FC236}">
+                <a16:creationId xmlns:a16="http://schemas.microsoft.com/office/drawing/2014/main" id="{A28938CA-F95E-F9DC-BCEC-1F70835B40B0}"/>
+              </a:ext>
+            </a:extLst>
+          </p:cNvPr>
+          <p:cNvGrpSpPr/>
+          <p:nvPr/>
+        </p:nvGrpSpPr>
+        <p:grpSpPr>
+          <a:xfrm>
+            <a:off x="7121147" y="2299882"/>
+            <a:ext cx="3291875" cy="2417514"/>
+            <a:chOff x="421044" y="4132082"/>
+            <a:chExt cx="3065573" cy="695350"/>
+          </a:xfrm>
+        </p:grpSpPr>
+        <p:sp>
+          <p:nvSpPr>
+            <p:cNvPr id="43" name="Rectangle 42">
+              <a:extLst>
+                <a:ext uri="{FF2B5EF4-FFF2-40B4-BE49-F238E27FC236}">
+                  <a16:creationId xmlns:a16="http://schemas.microsoft.com/office/drawing/2014/main" id="{EA1E8078-D404-E1F6-7583-A2E31474948A}"/>
+                </a:ext>
+              </a:extLst>
+            </p:cNvPr>
+            <p:cNvSpPr/>
+            <p:nvPr/>
+          </p:nvSpPr>
+          <p:spPr>
+            <a:xfrm>
+              <a:off x="516430" y="4320350"/>
+              <a:ext cx="1404105" cy="81240"/>
+            </a:xfrm>
+            <a:prstGeom prst="rect">
+              <a:avLst/>
+            </a:prstGeom>
+            <a:solidFill>
+              <a:schemeClr val="bg1"/>
+            </a:solidFill>
+          </p:spPr>
+          <p:style>
+            <a:lnRef idx="2">
+              <a:schemeClr val="accent1">
+                <a:shade val="50000"/>
+              </a:schemeClr>
+            </a:lnRef>
+            <a:fillRef idx="1">
+              <a:schemeClr val="accent1"/>
+            </a:fillRef>
+            <a:effectRef idx="0">
+              <a:schemeClr val="accent1"/>
+            </a:effectRef>
+            <a:fontRef idx="minor">
+              <a:schemeClr val="lt1"/>
+            </a:fontRef>
+          </p:style>
+          <p:txBody>
+            <a:bodyPr rtlCol="0" anchor="ctr"/>
+            <a:lstStyle/>
+            <a:p>
+              <a:pPr algn="ctr"/>
+              <a:endParaRPr lang="en-US"/>
+            </a:p>
+          </p:txBody>
+        </p:sp>
+        <p:sp>
+          <p:nvSpPr>
+            <p:cNvPr id="44" name="TextBox 43">
+              <a:extLst>
+                <a:ext uri="{FF2B5EF4-FFF2-40B4-BE49-F238E27FC236}">
+                  <a16:creationId xmlns:a16="http://schemas.microsoft.com/office/drawing/2014/main" id="{AC20A2B7-C782-2FBB-7F8A-F46839E9047F}"/>
+                </a:ext>
+              </a:extLst>
+            </p:cNvPr>
+            <p:cNvSpPr txBox="1"/>
+            <p:nvPr/>
+          </p:nvSpPr>
+          <p:spPr>
+            <a:xfrm>
+              <a:off x="421044" y="4132082"/>
+              <a:ext cx="3065573" cy="185904"/>
+            </a:xfrm>
+            <a:prstGeom prst="rect">
+              <a:avLst/>
+            </a:prstGeom>
+            <a:noFill/>
+          </p:spPr>
+          <p:txBody>
+            <a:bodyPr wrap="square" rtlCol="0">
+              <a:spAutoFit/>
+            </a:bodyPr>
+            <a:lstStyle/>
+            <a:p>
+              <a:r>
+                <a:rPr lang="en-US" sz="1200"/>
+                <a:t>Tên sản phẩm	                             xxx đ</a:t>
+              </a:r>
+            </a:p>
+            <a:p>
+              <a:endParaRPr lang="en-US" sz="1200"/>
+            </a:p>
+            <a:p>
+              <a:r>
+                <a:rPr lang="en-US" sz="1200"/>
+                <a:t>Mã giảm giá	</a:t>
+              </a:r>
+            </a:p>
+          </p:txBody>
+        </p:sp>
+        <p:sp>
+          <p:nvSpPr>
+            <p:cNvPr id="47" name="TextBox 46">
+              <a:extLst>
+                <a:ext uri="{FF2B5EF4-FFF2-40B4-BE49-F238E27FC236}">
+                  <a16:creationId xmlns:a16="http://schemas.microsoft.com/office/drawing/2014/main" id="{83BCAE62-C3E8-B511-9EF5-84751A4FBDE1}"/>
+                </a:ext>
+              </a:extLst>
+            </p:cNvPr>
+            <p:cNvSpPr txBox="1"/>
+            <p:nvPr/>
+          </p:nvSpPr>
+          <p:spPr>
+            <a:xfrm>
+              <a:off x="468740" y="4535297"/>
+              <a:ext cx="2529469" cy="292135"/>
+            </a:xfrm>
+            <a:prstGeom prst="rect">
+              <a:avLst/>
+            </a:prstGeom>
+            <a:noFill/>
+          </p:spPr>
+          <p:txBody>
+            <a:bodyPr wrap="square" rtlCol="0">
+              <a:spAutoFit/>
+            </a:bodyPr>
+            <a:lstStyle/>
+            <a:p>
+              <a:r>
+                <a:rPr lang="en-US" sz="1200"/>
+                <a:t>Giảm giá (VNĐ)               	- xxx đ</a:t>
+              </a:r>
+            </a:p>
+            <a:p>
+              <a:endParaRPr lang="en-US" sz="1200"/>
+            </a:p>
+            <a:p>
+              <a:r>
+                <a:rPr lang="en-US" sz="1200"/>
+                <a:t>Tổng tiền		  xxx đ</a:t>
+              </a:r>
+            </a:p>
+            <a:p>
+              <a:endParaRPr lang="en-US" sz="1200"/>
+            </a:p>
+            <a:p>
+              <a:r>
+                <a:rPr lang="en-US" sz="1200"/>
+                <a:t>Quay về giỏ hàng</a:t>
+              </a:r>
+            </a:p>
+          </p:txBody>
+        </p:sp>
+      </p:grpSp>
+      <p:sp>
+        <p:nvSpPr>
+          <p:cNvPr id="45" name="Rectangle: Rounded Corners 44">
+            <a:extLst>
+              <a:ext uri="{FF2B5EF4-FFF2-40B4-BE49-F238E27FC236}">
+                <a16:creationId xmlns:a16="http://schemas.microsoft.com/office/drawing/2014/main" id="{D5DF8E9A-BCCF-97BE-7FB3-F84E59E30D86}"/>
+              </a:ext>
+            </a:extLst>
+          </p:cNvPr>
+          <p:cNvSpPr/>
+          <p:nvPr/>
+        </p:nvSpPr>
+        <p:spPr>
+          <a:xfrm>
+            <a:off x="7233077" y="3379696"/>
+            <a:ext cx="706378" cy="251887"/>
+          </a:xfrm>
+          <a:prstGeom prst="roundRect">
+            <a:avLst/>
+          </a:prstGeom>
+          <a:solidFill>
+            <a:schemeClr val="accent1">
+              <a:lumMod val="60000"/>
+              <a:lumOff val="40000"/>
+            </a:schemeClr>
+          </a:solidFill>
+        </p:spPr>
+        <p:style>
+          <a:lnRef idx="2">
+            <a:schemeClr val="accent1">
+              <a:shade val="50000"/>
+            </a:schemeClr>
+          </a:lnRef>
+          <a:fillRef idx="1">
+            <a:schemeClr val="accent1"/>
+          </a:fillRef>
+          <a:effectRef idx="0">
+            <a:schemeClr val="accent1"/>
+          </a:effectRef>
+          <a:fontRef idx="minor">
+            <a:schemeClr val="lt1"/>
+          </a:fontRef>
+        </p:style>
+        <p:txBody>
+          <a:bodyPr rtlCol="0" anchor="ctr"/>
+          <a:lstStyle/>
+          <a:p>
+            <a:pPr algn="ctr"/>
+            <a:r>
+              <a:rPr lang="en-US" sz="1050">
+                <a:solidFill>
+                  <a:schemeClr val="tx1"/>
+                </a:solidFill>
+              </a:rPr>
+              <a:t>Áp dụng</a:t>
+            </a:r>
+          </a:p>
+        </p:txBody>
+      </p:sp>
+      <p:sp>
+        <p:nvSpPr>
+          <p:cNvPr id="46" name="Rectangle: Rounded Corners 45">
+            <a:extLst>
+              <a:ext uri="{FF2B5EF4-FFF2-40B4-BE49-F238E27FC236}">
+                <a16:creationId xmlns:a16="http://schemas.microsoft.com/office/drawing/2014/main" id="{ECE7459D-1691-54F4-7B1B-329B2C411BB9}"/>
+              </a:ext>
+            </a:extLst>
+          </p:cNvPr>
+          <p:cNvSpPr/>
+          <p:nvPr/>
+        </p:nvSpPr>
+        <p:spPr>
+          <a:xfrm>
+            <a:off x="8061314" y="3369235"/>
+            <a:ext cx="706378" cy="251887"/>
+          </a:xfrm>
+          <a:prstGeom prst="roundRect">
+            <a:avLst/>
+          </a:prstGeom>
+          <a:solidFill>
+            <a:schemeClr val="accent1">
+              <a:lumMod val="60000"/>
+              <a:lumOff val="40000"/>
+            </a:schemeClr>
+          </a:solidFill>
+        </p:spPr>
+        <p:style>
+          <a:lnRef idx="2">
+            <a:schemeClr val="accent1">
+              <a:shade val="50000"/>
+            </a:schemeClr>
+          </a:lnRef>
+          <a:fillRef idx="1">
+            <a:schemeClr val="accent1"/>
+          </a:fillRef>
+          <a:effectRef idx="0">
+            <a:schemeClr val="accent1"/>
+          </a:effectRef>
+          <a:fontRef idx="minor">
+            <a:schemeClr val="lt1"/>
+          </a:fontRef>
+        </p:style>
+        <p:txBody>
+          <a:bodyPr rtlCol="0" anchor="ctr"/>
+          <a:lstStyle/>
+          <a:p>
+            <a:pPr algn="ctr"/>
+            <a:r>
+              <a:rPr lang="en-US" sz="1050">
+                <a:solidFill>
+                  <a:schemeClr val="tx1"/>
+                </a:solidFill>
+              </a:rPr>
+              <a:t>Làm mới</a:t>
+            </a:r>
+          </a:p>
+        </p:txBody>
+      </p:sp>
+      <p:sp>
+        <p:nvSpPr>
+          <p:cNvPr id="48" name="Rectangle: Rounded Corners 47">
+            <a:extLst>
+              <a:ext uri="{FF2B5EF4-FFF2-40B4-BE49-F238E27FC236}">
+                <a16:creationId xmlns:a16="http://schemas.microsoft.com/office/drawing/2014/main" id="{87657FBB-312C-3838-47B1-9A41D22671EA}"/>
+              </a:ext>
+            </a:extLst>
+          </p:cNvPr>
+          <p:cNvSpPr/>
+          <p:nvPr/>
+        </p:nvSpPr>
+        <p:spPr>
+          <a:xfrm>
+            <a:off x="5446258" y="5984185"/>
+            <a:ext cx="706378" cy="251887"/>
+          </a:xfrm>
+          <a:prstGeom prst="roundRect">
+            <a:avLst/>
+          </a:prstGeom>
+          <a:solidFill>
+            <a:schemeClr val="accent1">
+              <a:lumMod val="60000"/>
+              <a:lumOff val="40000"/>
+            </a:schemeClr>
+          </a:solidFill>
+        </p:spPr>
+        <p:style>
+          <a:lnRef idx="2">
+            <a:schemeClr val="accent1">
+              <a:shade val="50000"/>
+            </a:schemeClr>
+          </a:lnRef>
+          <a:fillRef idx="1">
+            <a:schemeClr val="accent1"/>
+          </a:fillRef>
+          <a:effectRef idx="0">
+            <a:schemeClr val="accent1"/>
+          </a:effectRef>
+          <a:fontRef idx="minor">
+            <a:schemeClr val="lt1"/>
+          </a:fontRef>
+        </p:style>
+        <p:txBody>
+          <a:bodyPr rtlCol="0" anchor="ctr"/>
+          <a:lstStyle/>
+          <a:p>
+            <a:pPr algn="ctr"/>
+            <a:r>
+              <a:rPr lang="en-US" sz="1050">
+                <a:solidFill>
+                  <a:schemeClr val="tx1"/>
+                </a:solidFill>
+              </a:rPr>
+              <a:t>Đặt hàng</a:t>
+            </a:r>
+          </a:p>
+        </p:txBody>
+      </p:sp>
+    </p:spTree>
+    <p:extLst>
+      <p:ext uri="{BB962C8B-B14F-4D97-AF65-F5344CB8AC3E}">
+        <p14:creationId xmlns:p14="http://schemas.microsoft.com/office/powerpoint/2010/main" val="3979747454"/>
+      </p:ext>
+    </p:extLst>
+  </p:cSld>
+  <p:clrMapOvr>
+    <a:masterClrMapping/>
+  </p:clrMapOvr>
+</p:sld>
+</file>
+
 <file path=ppt/theme/theme1.xml><?xml version="1.0" encoding="utf-8"?>
 <a:theme xmlns:a="http://schemas.openxmlformats.org/drawingml/2006/main" name="Office Theme">
   <a:themeElements>
